--- a/EjsTemplates/EjsTemplates.pptx
+++ b/EjsTemplates/EjsTemplates.pptx
@@ -5,14 +5,18 @@
     <p:sldMasterId id="2147483648" r:id="rId1"/>
   </p:sldMasterIdLst>
   <p:notesMasterIdLst>
-    <p:notesMasterId r:id="rId7"/>
+    <p:notesMasterId r:id="rId11"/>
   </p:notesMasterIdLst>
   <p:sldIdLst>
     <p:sldId id="258" r:id="rId2"/>
-    <p:sldId id="275" r:id="rId3"/>
-    <p:sldId id="302" r:id="rId4"/>
-    <p:sldId id="303" r:id="rId5"/>
+    <p:sldId id="302" r:id="rId3"/>
+    <p:sldId id="303" r:id="rId4"/>
+    <p:sldId id="307" r:id="rId5"/>
     <p:sldId id="304" r:id="rId6"/>
+    <p:sldId id="305" r:id="rId7"/>
+    <p:sldId id="306" r:id="rId8"/>
+    <p:sldId id="308" r:id="rId9"/>
+    <p:sldId id="309" r:id="rId10"/>
   </p:sldIdLst>
   <p:sldSz cx="12192000" cy="6858000"/>
   <p:notesSz cx="6858000" cy="9144000"/>
@@ -212,7 +216,7 @@
           <a:p>
             <a:fld id="{19104133-B5B0-4351-8158-4F0E5EB1E2BF}" type="datetimeFigureOut">
               <a:rPr lang="en-US" smtClean="0"/>
-              <a:t>1/15/2020</a:t>
+              <a:t>1/17/2020</a:t>
             </a:fld>
             <a:endParaRPr lang="en-US"/>
           </a:p>
@@ -480,6 +484,673 @@
 </p:notesMaster>
 </file>
 
+<file path=ppt/notesSlides/notesSlide1.xml><?xml version="1.0" encoding="utf-8"?>
+<p:notes xmlns:a="http://schemas.openxmlformats.org/drawingml/2006/main" xmlns:r="http://schemas.openxmlformats.org/officeDocument/2006/relationships" xmlns:p="http://schemas.openxmlformats.org/presentationml/2006/main">
+  <p:cSld>
+    <p:spTree>
+      <p:nvGrpSpPr>
+        <p:cNvPr id="1" name=""/>
+        <p:cNvGrpSpPr/>
+        <p:nvPr/>
+      </p:nvGrpSpPr>
+      <p:grpSpPr>
+        <a:xfrm>
+          <a:off x="0" y="0"/>
+          <a:ext cx="0" cy="0"/>
+          <a:chOff x="0" y="0"/>
+          <a:chExt cx="0" cy="0"/>
+        </a:xfrm>
+      </p:grpSpPr>
+      <p:sp>
+        <p:nvSpPr>
+          <p:cNvPr id="2" name="Slide Image Placeholder 1"/>
+          <p:cNvSpPr>
+            <a:spLocks noGrp="1" noRot="1" noChangeAspect="1"/>
+          </p:cNvSpPr>
+          <p:nvPr>
+            <p:ph type="sldImg"/>
+          </p:nvPr>
+        </p:nvSpPr>
+        <p:spPr/>
+      </p:sp>
+      <p:sp>
+        <p:nvSpPr>
+          <p:cNvPr id="3" name="Notes Placeholder 2"/>
+          <p:cNvSpPr>
+            <a:spLocks noGrp="1"/>
+          </p:cNvSpPr>
+          <p:nvPr>
+            <p:ph type="body" idx="1"/>
+          </p:nvPr>
+        </p:nvSpPr>
+        <p:spPr/>
+        <p:txBody>
+          <a:bodyPr/>
+          <a:lstStyle/>
+          <a:p>
+            <a:r>
+              <a:rPr lang="en-US" dirty="0" smtClean="0"/>
+              <a:t>Give some background on the need for templates.</a:t>
+            </a:r>
+          </a:p>
+          <a:p>
+            <a:endParaRPr lang="en-US" dirty="0" smtClean="0"/>
+          </a:p>
+          <a:p>
+            <a:r>
+              <a:rPr lang="en-US" b="1" dirty="0" smtClean="0"/>
+              <a:t>Example:</a:t>
+            </a:r>
+            <a:r>
+              <a:rPr lang="en-US" baseline="0" dirty="0" smtClean="0"/>
+              <a:t> someone’s Twitter feed is going to be different every day, but the structure, style, and layout doesn’t change as often. Twitter uses a </a:t>
+            </a:r>
+            <a:r>
+              <a:rPr lang="en-US" i="1" baseline="0" dirty="0" smtClean="0"/>
+              <a:t>template</a:t>
+            </a:r>
+            <a:r>
+              <a:rPr lang="en-US" i="0" baseline="0" dirty="0" smtClean="0"/>
+              <a:t> with dynamic data to make this happen.</a:t>
+            </a:r>
+            <a:endParaRPr lang="en-US" dirty="0"/>
+          </a:p>
+        </p:txBody>
+      </p:sp>
+      <p:sp>
+        <p:nvSpPr>
+          <p:cNvPr id="4" name="Slide Number Placeholder 3"/>
+          <p:cNvSpPr>
+            <a:spLocks noGrp="1"/>
+          </p:cNvSpPr>
+          <p:nvPr>
+            <p:ph type="sldNum" sz="quarter" idx="10"/>
+          </p:nvPr>
+        </p:nvSpPr>
+        <p:spPr/>
+        <p:txBody>
+          <a:bodyPr/>
+          <a:lstStyle/>
+          <a:p>
+            <a:fld id="{DEC8F7F9-57EC-49CF-9FCD-2B781E4B449F}" type="slidenum">
+              <a:rPr lang="en-US" smtClean="0"/>
+              <a:t>2</a:t>
+            </a:fld>
+            <a:endParaRPr lang="en-US"/>
+          </a:p>
+        </p:txBody>
+      </p:sp>
+    </p:spTree>
+    <p:extLst>
+      <p:ext uri="{BB962C8B-B14F-4D97-AF65-F5344CB8AC3E}">
+        <p14:creationId xmlns:p14="http://schemas.microsoft.com/office/powerpoint/2010/main" val="1790764256"/>
+      </p:ext>
+    </p:extLst>
+  </p:cSld>
+  <p:clrMapOvr>
+    <a:masterClrMapping/>
+  </p:clrMapOvr>
+</p:notes>
+</file>
+
+<file path=ppt/notesSlides/notesSlide2.xml><?xml version="1.0" encoding="utf-8"?>
+<p:notes xmlns:a="http://schemas.openxmlformats.org/drawingml/2006/main" xmlns:r="http://schemas.openxmlformats.org/officeDocument/2006/relationships" xmlns:p="http://schemas.openxmlformats.org/presentationml/2006/main">
+  <p:cSld>
+    <p:spTree>
+      <p:nvGrpSpPr>
+        <p:cNvPr id="1" name=""/>
+        <p:cNvGrpSpPr/>
+        <p:nvPr/>
+      </p:nvGrpSpPr>
+      <p:grpSpPr>
+        <a:xfrm>
+          <a:off x="0" y="0"/>
+          <a:ext cx="0" cy="0"/>
+          <a:chOff x="0" y="0"/>
+          <a:chExt cx="0" cy="0"/>
+        </a:xfrm>
+      </p:grpSpPr>
+      <p:sp>
+        <p:nvSpPr>
+          <p:cNvPr id="2" name="Slide Image Placeholder 1"/>
+          <p:cNvSpPr>
+            <a:spLocks noGrp="1" noRot="1" noChangeAspect="1"/>
+          </p:cNvSpPr>
+          <p:nvPr>
+            <p:ph type="sldImg"/>
+          </p:nvPr>
+        </p:nvSpPr>
+        <p:spPr/>
+      </p:sp>
+      <p:sp>
+        <p:nvSpPr>
+          <p:cNvPr id="3" name="Notes Placeholder 2"/>
+          <p:cNvSpPr>
+            <a:spLocks noGrp="1"/>
+          </p:cNvSpPr>
+          <p:nvPr>
+            <p:ph type="body" idx="1"/>
+          </p:nvPr>
+        </p:nvSpPr>
+        <p:spPr/>
+        <p:txBody>
+          <a:bodyPr/>
+          <a:lstStyle/>
+          <a:p>
+            <a:r>
+              <a:rPr lang="en-US" dirty="0" smtClean="0"/>
+              <a:t>EJS stands for Embedded JavaScript. It is</a:t>
+            </a:r>
+            <a:r>
+              <a:rPr lang="en-US" baseline="0" dirty="0" smtClean="0"/>
+              <a:t> an NPM package that </a:t>
+            </a:r>
+            <a:endParaRPr lang="en-US" dirty="0"/>
+          </a:p>
+        </p:txBody>
+      </p:sp>
+      <p:sp>
+        <p:nvSpPr>
+          <p:cNvPr id="4" name="Slide Number Placeholder 3"/>
+          <p:cNvSpPr>
+            <a:spLocks noGrp="1"/>
+          </p:cNvSpPr>
+          <p:nvPr>
+            <p:ph type="sldNum" sz="quarter" idx="10"/>
+          </p:nvPr>
+        </p:nvSpPr>
+        <p:spPr/>
+        <p:txBody>
+          <a:bodyPr/>
+          <a:lstStyle/>
+          <a:p>
+            <a:fld id="{DEC8F7F9-57EC-49CF-9FCD-2B781E4B449F}" type="slidenum">
+              <a:rPr lang="en-US" smtClean="0"/>
+              <a:t>3</a:t>
+            </a:fld>
+            <a:endParaRPr lang="en-US"/>
+          </a:p>
+        </p:txBody>
+      </p:sp>
+    </p:spTree>
+    <p:extLst>
+      <p:ext uri="{BB962C8B-B14F-4D97-AF65-F5344CB8AC3E}">
+        <p14:creationId xmlns:p14="http://schemas.microsoft.com/office/powerpoint/2010/main" val="1397460992"/>
+      </p:ext>
+    </p:extLst>
+  </p:cSld>
+  <p:clrMapOvr>
+    <a:masterClrMapping/>
+  </p:clrMapOvr>
+</p:notes>
+</file>
+
+<file path=ppt/notesSlides/notesSlide3.xml><?xml version="1.0" encoding="utf-8"?>
+<p:notes xmlns:a="http://schemas.openxmlformats.org/drawingml/2006/main" xmlns:r="http://schemas.openxmlformats.org/officeDocument/2006/relationships" xmlns:p="http://schemas.openxmlformats.org/presentationml/2006/main">
+  <p:cSld>
+    <p:spTree>
+      <p:nvGrpSpPr>
+        <p:cNvPr id="1" name=""/>
+        <p:cNvGrpSpPr/>
+        <p:nvPr/>
+      </p:nvGrpSpPr>
+      <p:grpSpPr>
+        <a:xfrm>
+          <a:off x="0" y="0"/>
+          <a:ext cx="0" cy="0"/>
+          <a:chOff x="0" y="0"/>
+          <a:chExt cx="0" cy="0"/>
+        </a:xfrm>
+      </p:grpSpPr>
+      <p:sp>
+        <p:nvSpPr>
+          <p:cNvPr id="2" name="Slide Image Placeholder 1"/>
+          <p:cNvSpPr>
+            <a:spLocks noGrp="1" noRot="1" noChangeAspect="1"/>
+          </p:cNvSpPr>
+          <p:nvPr>
+            <p:ph type="sldImg"/>
+          </p:nvPr>
+        </p:nvSpPr>
+        <p:spPr/>
+      </p:sp>
+      <p:sp>
+        <p:nvSpPr>
+          <p:cNvPr id="3" name="Notes Placeholder 2"/>
+          <p:cNvSpPr>
+            <a:spLocks noGrp="1"/>
+          </p:cNvSpPr>
+          <p:nvPr>
+            <p:ph type="body" idx="1"/>
+          </p:nvPr>
+        </p:nvSpPr>
+        <p:spPr/>
+        <p:txBody>
+          <a:bodyPr/>
+          <a:lstStyle/>
+          <a:p>
+            <a:r>
+              <a:rPr lang="en-US" dirty="0" smtClean="0"/>
+              <a:t>In order</a:t>
+            </a:r>
+            <a:r>
+              <a:rPr lang="en-US" baseline="0" dirty="0" smtClean="0"/>
+              <a:t> to use EJS, it is necessary to:</a:t>
+            </a:r>
+          </a:p>
+          <a:p>
+            <a:endParaRPr lang="en-US" baseline="0" dirty="0" smtClean="0"/>
+          </a:p>
+          <a:p>
+            <a:pPr marL="228600" indent="-228600">
+              <a:buAutoNum type="arabicPeriod"/>
+            </a:pPr>
+            <a:r>
+              <a:rPr lang="en-US" baseline="0" dirty="0" smtClean="0"/>
+              <a:t>Install the NPM package</a:t>
+            </a:r>
+          </a:p>
+          <a:p>
+            <a:pPr marL="228600" indent="-228600">
+              <a:buAutoNum type="arabicPeriod"/>
+            </a:pPr>
+            <a:r>
+              <a:rPr lang="en-US" baseline="0" dirty="0" smtClean="0"/>
+              <a:t>Set the Express app to </a:t>
+            </a:r>
+            <a:r>
+              <a:rPr lang="en-US" b="1" baseline="0" dirty="0" smtClean="0"/>
+              <a:t>set</a:t>
+            </a:r>
+            <a:r>
+              <a:rPr lang="en-US" b="0" baseline="0" dirty="0" smtClean="0"/>
+              <a:t> the </a:t>
+            </a:r>
+            <a:r>
+              <a:rPr lang="en-US" b="0" i="1" baseline="0" dirty="0" smtClean="0"/>
+              <a:t>view engine</a:t>
+            </a:r>
+            <a:r>
+              <a:rPr lang="en-US" b="0" i="0" baseline="0" dirty="0" smtClean="0"/>
+              <a:t> to </a:t>
+            </a:r>
+            <a:r>
+              <a:rPr lang="en-US" b="0" i="1" baseline="0" dirty="0" err="1" smtClean="0"/>
+              <a:t>ejs</a:t>
+            </a:r>
+            <a:r>
+              <a:rPr lang="en-US" b="0" baseline="0" dirty="0" smtClean="0"/>
+              <a:t> </a:t>
+            </a:r>
+            <a:endParaRPr lang="en-US" dirty="0"/>
+          </a:p>
+        </p:txBody>
+      </p:sp>
+      <p:sp>
+        <p:nvSpPr>
+          <p:cNvPr id="4" name="Slide Number Placeholder 3"/>
+          <p:cNvSpPr>
+            <a:spLocks noGrp="1"/>
+          </p:cNvSpPr>
+          <p:nvPr>
+            <p:ph type="sldNum" sz="quarter" idx="10"/>
+          </p:nvPr>
+        </p:nvSpPr>
+        <p:spPr/>
+        <p:txBody>
+          <a:bodyPr/>
+          <a:lstStyle/>
+          <a:p>
+            <a:fld id="{DEC8F7F9-57EC-49CF-9FCD-2B781E4B449F}" type="slidenum">
+              <a:rPr lang="en-US" smtClean="0"/>
+              <a:t>4</a:t>
+            </a:fld>
+            <a:endParaRPr lang="en-US"/>
+          </a:p>
+        </p:txBody>
+      </p:sp>
+    </p:spTree>
+    <p:extLst>
+      <p:ext uri="{BB962C8B-B14F-4D97-AF65-F5344CB8AC3E}">
+        <p14:creationId xmlns:p14="http://schemas.microsoft.com/office/powerpoint/2010/main" val="2312278458"/>
+      </p:ext>
+    </p:extLst>
+  </p:cSld>
+  <p:clrMapOvr>
+    <a:masterClrMapping/>
+  </p:clrMapOvr>
+</p:notes>
+</file>
+
+<file path=ppt/notesSlides/notesSlide4.xml><?xml version="1.0" encoding="utf-8"?>
+<p:notes xmlns:a="http://schemas.openxmlformats.org/drawingml/2006/main" xmlns:r="http://schemas.openxmlformats.org/officeDocument/2006/relationships" xmlns:p="http://schemas.openxmlformats.org/presentationml/2006/main">
+  <p:cSld>
+    <p:spTree>
+      <p:nvGrpSpPr>
+        <p:cNvPr id="1" name=""/>
+        <p:cNvGrpSpPr/>
+        <p:nvPr/>
+      </p:nvGrpSpPr>
+      <p:grpSpPr>
+        <a:xfrm>
+          <a:off x="0" y="0"/>
+          <a:ext cx="0" cy="0"/>
+          <a:chOff x="0" y="0"/>
+          <a:chExt cx="0" cy="0"/>
+        </a:xfrm>
+      </p:grpSpPr>
+      <p:sp>
+        <p:nvSpPr>
+          <p:cNvPr id="2" name="Slide Image Placeholder 1"/>
+          <p:cNvSpPr>
+            <a:spLocks noGrp="1" noRot="1" noChangeAspect="1"/>
+          </p:cNvSpPr>
+          <p:nvPr>
+            <p:ph type="sldImg"/>
+          </p:nvPr>
+        </p:nvSpPr>
+        <p:spPr/>
+      </p:sp>
+      <p:sp>
+        <p:nvSpPr>
+          <p:cNvPr id="3" name="Notes Placeholder 2"/>
+          <p:cNvSpPr>
+            <a:spLocks noGrp="1"/>
+          </p:cNvSpPr>
+          <p:nvPr>
+            <p:ph type="body" idx="1"/>
+          </p:nvPr>
+        </p:nvSpPr>
+        <p:spPr/>
+        <p:txBody>
+          <a:bodyPr/>
+          <a:lstStyle/>
+          <a:p>
+            <a:r>
+              <a:rPr lang="en-US" dirty="0" smtClean="0"/>
+              <a:t>Emphasize</a:t>
+            </a:r>
+            <a:r>
+              <a:rPr lang="en-US" baseline="0" dirty="0" smtClean="0"/>
+              <a:t> the EJS segment syntax – Opening tag: Left angle bracket, percent sign, equals sign. Closing tag: Percent sign, right angle bracket.</a:t>
+            </a:r>
+          </a:p>
+          <a:p>
+            <a:endParaRPr lang="en-US" baseline="0" dirty="0" smtClean="0"/>
+          </a:p>
+          <a:p>
+            <a:r>
+              <a:rPr lang="en-US" baseline="0" dirty="0" smtClean="0"/>
+              <a:t>The </a:t>
+            </a:r>
+            <a:r>
+              <a:rPr lang="en-US" b="1" baseline="0" dirty="0" err="1" smtClean="0"/>
+              <a:t>page.ejs</a:t>
+            </a:r>
+            <a:r>
+              <a:rPr lang="en-US" b="0" baseline="0" dirty="0" smtClean="0"/>
+              <a:t> file contains the EJS segments, but other than that, it’s just HTML.</a:t>
+            </a:r>
+          </a:p>
+          <a:p>
+            <a:r>
+              <a:rPr lang="en-US" b="0" baseline="0" dirty="0" smtClean="0"/>
+              <a:t>The </a:t>
+            </a:r>
+            <a:r>
+              <a:rPr lang="en-US" b="1" baseline="0" dirty="0" smtClean="0"/>
+              <a:t>data</a:t>
+            </a:r>
+            <a:r>
+              <a:rPr lang="en-US" b="0" baseline="0" dirty="0" smtClean="0"/>
+              <a:t> is what would be passed on the server – could be anything</a:t>
+            </a:r>
+          </a:p>
+          <a:p>
+            <a:r>
+              <a:rPr lang="en-US" b="0" baseline="0" dirty="0" smtClean="0"/>
+              <a:t>The </a:t>
+            </a:r>
+            <a:r>
+              <a:rPr lang="en-US" b="1" baseline="0" dirty="0" smtClean="0"/>
+              <a:t>Rendered output</a:t>
+            </a:r>
+            <a:r>
+              <a:rPr lang="en-US" b="0" baseline="0" dirty="0" smtClean="0"/>
+              <a:t> is what gets sent back to the client – replacing the EJS segments with the actual data itself!</a:t>
+            </a:r>
+            <a:endParaRPr lang="en-US" baseline="0" dirty="0" smtClean="0"/>
+          </a:p>
+        </p:txBody>
+      </p:sp>
+      <p:sp>
+        <p:nvSpPr>
+          <p:cNvPr id="4" name="Slide Number Placeholder 3"/>
+          <p:cNvSpPr>
+            <a:spLocks noGrp="1"/>
+          </p:cNvSpPr>
+          <p:nvPr>
+            <p:ph type="sldNum" sz="quarter" idx="10"/>
+          </p:nvPr>
+        </p:nvSpPr>
+        <p:spPr/>
+        <p:txBody>
+          <a:bodyPr/>
+          <a:lstStyle/>
+          <a:p>
+            <a:fld id="{DEC8F7F9-57EC-49CF-9FCD-2B781E4B449F}" type="slidenum">
+              <a:rPr lang="en-US" smtClean="0"/>
+              <a:t>6</a:t>
+            </a:fld>
+            <a:endParaRPr lang="en-US"/>
+          </a:p>
+        </p:txBody>
+      </p:sp>
+    </p:spTree>
+    <p:extLst>
+      <p:ext uri="{BB962C8B-B14F-4D97-AF65-F5344CB8AC3E}">
+        <p14:creationId xmlns:p14="http://schemas.microsoft.com/office/powerpoint/2010/main" val="2957007487"/>
+      </p:ext>
+    </p:extLst>
+  </p:cSld>
+  <p:clrMapOvr>
+    <a:masterClrMapping/>
+  </p:clrMapOvr>
+</p:notes>
+</file>
+
+<file path=ppt/notesSlides/notesSlide5.xml><?xml version="1.0" encoding="utf-8"?>
+<p:notes xmlns:a="http://schemas.openxmlformats.org/drawingml/2006/main" xmlns:r="http://schemas.openxmlformats.org/officeDocument/2006/relationships" xmlns:p="http://schemas.openxmlformats.org/presentationml/2006/main">
+  <p:cSld>
+    <p:spTree>
+      <p:nvGrpSpPr>
+        <p:cNvPr id="1" name=""/>
+        <p:cNvGrpSpPr/>
+        <p:nvPr/>
+      </p:nvGrpSpPr>
+      <p:grpSpPr>
+        <a:xfrm>
+          <a:off x="0" y="0"/>
+          <a:ext cx="0" cy="0"/>
+          <a:chOff x="0" y="0"/>
+          <a:chExt cx="0" cy="0"/>
+        </a:xfrm>
+      </p:grpSpPr>
+      <p:sp>
+        <p:nvSpPr>
+          <p:cNvPr id="2" name="Slide Image Placeholder 1"/>
+          <p:cNvSpPr>
+            <a:spLocks noGrp="1" noRot="1" noChangeAspect="1"/>
+          </p:cNvSpPr>
+          <p:nvPr>
+            <p:ph type="sldImg"/>
+          </p:nvPr>
+        </p:nvSpPr>
+        <p:spPr/>
+      </p:sp>
+      <p:sp>
+        <p:nvSpPr>
+          <p:cNvPr id="3" name="Notes Placeholder 2"/>
+          <p:cNvSpPr>
+            <a:spLocks noGrp="1"/>
+          </p:cNvSpPr>
+          <p:nvPr>
+            <p:ph type="body" idx="1"/>
+          </p:nvPr>
+        </p:nvSpPr>
+        <p:spPr/>
+        <p:txBody>
+          <a:bodyPr/>
+          <a:lstStyle/>
+          <a:p>
+            <a:r>
+              <a:rPr lang="en-US" dirty="0" smtClean="0"/>
+              <a:t>Note that the JS code is simply</a:t>
+            </a:r>
+            <a:r>
+              <a:rPr lang="en-US" baseline="0" dirty="0" smtClean="0"/>
+              <a:t> regular JavaScript. The code in the “body” of the if statement, that is NOT within an EJS segment, is pure HTML</a:t>
+            </a:r>
+            <a:endParaRPr lang="en-US" dirty="0"/>
+          </a:p>
+        </p:txBody>
+      </p:sp>
+      <p:sp>
+        <p:nvSpPr>
+          <p:cNvPr id="4" name="Slide Number Placeholder 3"/>
+          <p:cNvSpPr>
+            <a:spLocks noGrp="1"/>
+          </p:cNvSpPr>
+          <p:nvPr>
+            <p:ph type="sldNum" sz="quarter" idx="10"/>
+          </p:nvPr>
+        </p:nvSpPr>
+        <p:spPr/>
+        <p:txBody>
+          <a:bodyPr/>
+          <a:lstStyle/>
+          <a:p>
+            <a:fld id="{DEC8F7F9-57EC-49CF-9FCD-2B781E4B449F}" type="slidenum">
+              <a:rPr lang="en-US" smtClean="0"/>
+              <a:t>8</a:t>
+            </a:fld>
+            <a:endParaRPr lang="en-US"/>
+          </a:p>
+        </p:txBody>
+      </p:sp>
+    </p:spTree>
+    <p:extLst>
+      <p:ext uri="{BB962C8B-B14F-4D97-AF65-F5344CB8AC3E}">
+        <p14:creationId xmlns:p14="http://schemas.microsoft.com/office/powerpoint/2010/main" val="1022852856"/>
+      </p:ext>
+    </p:extLst>
+  </p:cSld>
+  <p:clrMapOvr>
+    <a:masterClrMapping/>
+  </p:clrMapOvr>
+</p:notes>
+</file>
+
+<file path=ppt/notesSlides/notesSlide6.xml><?xml version="1.0" encoding="utf-8"?>
+<p:notes xmlns:a="http://schemas.openxmlformats.org/drawingml/2006/main" xmlns:r="http://schemas.openxmlformats.org/officeDocument/2006/relationships" xmlns:p="http://schemas.openxmlformats.org/presentationml/2006/main">
+  <p:cSld>
+    <p:spTree>
+      <p:nvGrpSpPr>
+        <p:cNvPr id="1" name=""/>
+        <p:cNvGrpSpPr/>
+        <p:nvPr/>
+      </p:nvGrpSpPr>
+      <p:grpSpPr>
+        <a:xfrm>
+          <a:off x="0" y="0"/>
+          <a:ext cx="0" cy="0"/>
+          <a:chOff x="0" y="0"/>
+          <a:chExt cx="0" cy="0"/>
+        </a:xfrm>
+      </p:grpSpPr>
+      <p:sp>
+        <p:nvSpPr>
+          <p:cNvPr id="2" name="Slide Image Placeholder 1"/>
+          <p:cNvSpPr>
+            <a:spLocks noGrp="1" noRot="1" noChangeAspect="1"/>
+          </p:cNvSpPr>
+          <p:nvPr>
+            <p:ph type="sldImg"/>
+          </p:nvPr>
+        </p:nvSpPr>
+        <p:spPr/>
+      </p:sp>
+      <p:sp>
+        <p:nvSpPr>
+          <p:cNvPr id="3" name="Notes Placeholder 2"/>
+          <p:cNvSpPr>
+            <a:spLocks noGrp="1"/>
+          </p:cNvSpPr>
+          <p:nvPr>
+            <p:ph type="body" idx="1"/>
+          </p:nvPr>
+        </p:nvSpPr>
+        <p:spPr/>
+        <p:txBody>
+          <a:bodyPr/>
+          <a:lstStyle/>
+          <a:p>
+            <a:r>
+              <a:rPr lang="en-US" dirty="0" smtClean="0"/>
+              <a:t>For loops work just</a:t>
+            </a:r>
+            <a:r>
+              <a:rPr lang="en-US" baseline="0" dirty="0" smtClean="0"/>
+              <a:t> like if statements. The HTML in the “body” of the for loop has access to the variables from the for loop (e.g. `</a:t>
+            </a:r>
+            <a:r>
+              <a:rPr lang="en-US" baseline="0" dirty="0" err="1" smtClean="0"/>
+              <a:t>i</a:t>
+            </a:r>
+            <a:r>
+              <a:rPr lang="en-US" baseline="0" dirty="0" smtClean="0"/>
+              <a:t>`)</a:t>
+            </a:r>
+            <a:endParaRPr lang="en-US" dirty="0"/>
+          </a:p>
+        </p:txBody>
+      </p:sp>
+      <p:sp>
+        <p:nvSpPr>
+          <p:cNvPr id="4" name="Slide Number Placeholder 3"/>
+          <p:cNvSpPr>
+            <a:spLocks noGrp="1"/>
+          </p:cNvSpPr>
+          <p:nvPr>
+            <p:ph type="sldNum" sz="quarter" idx="10"/>
+          </p:nvPr>
+        </p:nvSpPr>
+        <p:spPr/>
+        <p:txBody>
+          <a:bodyPr/>
+          <a:lstStyle/>
+          <a:p>
+            <a:fld id="{DEC8F7F9-57EC-49CF-9FCD-2B781E4B449F}" type="slidenum">
+              <a:rPr lang="en-US" smtClean="0"/>
+              <a:t>9</a:t>
+            </a:fld>
+            <a:endParaRPr lang="en-US"/>
+          </a:p>
+        </p:txBody>
+      </p:sp>
+    </p:spTree>
+    <p:extLst>
+      <p:ext uri="{BB962C8B-B14F-4D97-AF65-F5344CB8AC3E}">
+        <p14:creationId xmlns:p14="http://schemas.microsoft.com/office/powerpoint/2010/main" val="2112223302"/>
+      </p:ext>
+    </p:extLst>
+  </p:cSld>
+  <p:clrMapOvr>
+    <a:masterClrMapping/>
+  </p:clrMapOvr>
+</p:notes>
+</file>
+
 <file path=ppt/slideLayouts/slideLayout1.xml><?xml version="1.0" encoding="utf-8"?>
 <p:sldLayout xmlns:a="http://schemas.openxmlformats.org/drawingml/2006/main" xmlns:r="http://schemas.openxmlformats.org/officeDocument/2006/relationships" xmlns:p="http://schemas.openxmlformats.org/presentationml/2006/main" preserve="1" userDrawn="1">
   <p:cSld name="Title Slide">
@@ -670,7 +1341,7 @@
             <a:fld id="{1C2D31DE-C454-491C-B5C3-F097855E3DF7}" type="datetime4">
               <a:rPr lang="en-US" smtClean="0"/>
               <a:pPr/>
-              <a:t>January 15, 2020</a:t>
+              <a:t>January 17, 2020</a:t>
             </a:fld>
             <a:endParaRPr lang="en-US" dirty="0"/>
           </a:p>
@@ -4070,7 +4741,7 @@
           <a:p>
             <a:fld id="{5958763E-B898-436D-883D-03711491D54A}" type="datetimeFigureOut">
               <a:rPr lang="en-US" smtClean="0"/>
-              <a:t>1/15/2020</a:t>
+              <a:t>1/17/2020</a:t>
             </a:fld>
             <a:endParaRPr lang="en-US"/>
           </a:p>
@@ -4271,7 +4942,7 @@
           <a:p>
             <a:fld id="{5958763E-B898-436D-883D-03711491D54A}" type="datetimeFigureOut">
               <a:rPr lang="en-US" smtClean="0"/>
-              <a:t>1/15/2020</a:t>
+              <a:t>1/17/2020</a:t>
             </a:fld>
             <a:endParaRPr lang="en-US"/>
           </a:p>
@@ -4528,7 +5199,7 @@
           <a:p>
             <a:fld id="{5958763E-B898-436D-883D-03711491D54A}" type="datetimeFigureOut">
               <a:rPr lang="en-US" smtClean="0"/>
-              <a:t>1/15/2020</a:t>
+              <a:t>1/17/2020</a:t>
             </a:fld>
             <a:endParaRPr lang="en-US"/>
           </a:p>
@@ -4883,7 +5554,7 @@
           <a:p>
             <a:fld id="{5958763E-B898-436D-883D-03711491D54A}" type="datetimeFigureOut">
               <a:rPr lang="en-US" smtClean="0"/>
-              <a:t>1/15/2020</a:t>
+              <a:t>1/17/2020</a:t>
             </a:fld>
             <a:endParaRPr lang="en-US"/>
           </a:p>
@@ -5306,7 +5977,7 @@
           <a:p>
             <a:fld id="{5958763E-B898-436D-883D-03711491D54A}" type="datetimeFigureOut">
               <a:rPr lang="en-US" smtClean="0"/>
-              <a:t>1/15/2020</a:t>
+              <a:t>1/17/2020</a:t>
             </a:fld>
             <a:endParaRPr lang="en-US"/>
           </a:p>
@@ -5814,7 +6485,7 @@
           <a:p>
             <a:fld id="{5958763E-B898-436D-883D-03711491D54A}" type="datetimeFigureOut">
               <a:rPr lang="en-US" smtClean="0"/>
-              <a:t>1/15/2020</a:t>
+              <a:t>1/17/2020</a:t>
             </a:fld>
             <a:endParaRPr lang="en-US"/>
           </a:p>
@@ -6272,7 +6943,7 @@
           <a:p>
             <a:fld id="{5958763E-B898-436D-883D-03711491D54A}" type="datetimeFigureOut">
               <a:rPr lang="en-US" smtClean="0"/>
-              <a:t>1/15/2020</a:t>
+              <a:t>1/17/2020</a:t>
             </a:fld>
             <a:endParaRPr lang="en-US"/>
           </a:p>
@@ -6890,7 +7561,7 @@
           <a:p>
             <a:fld id="{5958763E-B898-436D-883D-03711491D54A}" type="datetimeFigureOut">
               <a:rPr lang="en-US" smtClean="0"/>
-              <a:t>1/15/2020</a:t>
+              <a:t>1/17/2020</a:t>
             </a:fld>
             <a:endParaRPr lang="en-US"/>
           </a:p>
@@ -7668,7 +8339,7 @@
           <a:p>
             <a:fld id="{5958763E-B898-436D-883D-03711491D54A}" type="datetimeFigureOut">
               <a:rPr lang="en-US" smtClean="0"/>
-              <a:t>1/15/2020</a:t>
+              <a:t>1/17/2020</a:t>
             </a:fld>
             <a:endParaRPr lang="en-US"/>
           </a:p>
@@ -7779,7 +8450,7 @@
           <a:p>
             <a:fld id="{5958763E-B898-436D-883D-03711491D54A}" type="datetimeFigureOut">
               <a:rPr lang="en-US" smtClean="0"/>
-              <a:t>1/15/2020</a:t>
+              <a:t>1/17/2020</a:t>
             </a:fld>
             <a:endParaRPr lang="en-US"/>
           </a:p>
@@ -8121,7 +8792,7 @@
             <a:fld id="{1C2D31DE-C454-491C-B5C3-F097855E3DF7}" type="datetime4">
               <a:rPr lang="en-US" smtClean="0"/>
               <a:pPr/>
-              <a:t>January 15, 2020</a:t>
+              <a:t>January 17, 2020</a:t>
             </a:fld>
             <a:endParaRPr lang="en-US" dirty="0"/>
           </a:p>
@@ -11281,7 +11952,7 @@
           <a:p>
             <a:fld id="{5958763E-B898-436D-883D-03711491D54A}" type="datetimeFigureOut">
               <a:rPr lang="en-US" smtClean="0"/>
-              <a:t>1/15/2020</a:t>
+              <a:t>1/17/2020</a:t>
             </a:fld>
             <a:endParaRPr lang="en-US"/>
           </a:p>
@@ -11412,7 +12083,7 @@
           <a:p>
             <a:fld id="{5958763E-B898-436D-883D-03711491D54A}" type="datetimeFigureOut">
               <a:rPr lang="en-US" smtClean="0"/>
-              <a:t>1/15/2020</a:t>
+              <a:t>1/17/2020</a:t>
             </a:fld>
             <a:endParaRPr lang="en-US"/>
           </a:p>
@@ -11543,7 +12214,7 @@
           <a:p>
             <a:fld id="{5958763E-B898-436D-883D-03711491D54A}" type="datetimeFigureOut">
               <a:rPr lang="en-US" smtClean="0"/>
-              <a:t>1/15/2020</a:t>
+              <a:t>1/17/2020</a:t>
             </a:fld>
             <a:endParaRPr lang="en-US"/>
           </a:p>
@@ -11674,7 +12345,7 @@
           <a:p>
             <a:fld id="{5958763E-B898-436D-883D-03711491D54A}" type="datetimeFigureOut">
               <a:rPr lang="en-US" smtClean="0"/>
-              <a:t>1/15/2020</a:t>
+              <a:t>1/17/2020</a:t>
             </a:fld>
             <a:endParaRPr lang="en-US"/>
           </a:p>
@@ -11805,7 +12476,7 @@
           <a:p>
             <a:fld id="{5958763E-B898-436D-883D-03711491D54A}" type="datetimeFigureOut">
               <a:rPr lang="en-US" smtClean="0"/>
-              <a:t>1/15/2020</a:t>
+              <a:t>1/17/2020</a:t>
             </a:fld>
             <a:endParaRPr lang="en-US"/>
           </a:p>
@@ -11936,7 +12607,7 @@
           <a:p>
             <a:fld id="{5958763E-B898-436D-883D-03711491D54A}" type="datetimeFigureOut">
               <a:rPr lang="en-US" smtClean="0"/>
-              <a:t>1/15/2020</a:t>
+              <a:t>1/17/2020</a:t>
             </a:fld>
             <a:endParaRPr lang="en-US"/>
           </a:p>
@@ -12067,7 +12738,7 @@
           <a:p>
             <a:fld id="{5958763E-B898-436D-883D-03711491D54A}" type="datetimeFigureOut">
               <a:rPr lang="en-US" smtClean="0"/>
-              <a:t>1/15/2020</a:t>
+              <a:t>1/17/2020</a:t>
             </a:fld>
             <a:endParaRPr lang="en-US"/>
           </a:p>
@@ -12198,7 +12869,7 @@
           <a:p>
             <a:fld id="{5958763E-B898-436D-883D-03711491D54A}" type="datetimeFigureOut">
               <a:rPr lang="en-US" smtClean="0"/>
-              <a:t>1/15/2020</a:t>
+              <a:t>1/17/2020</a:t>
             </a:fld>
             <a:endParaRPr lang="en-US"/>
           </a:p>
@@ -12338,7 +13009,7 @@
           <a:p>
             <a:fld id="{5958763E-B898-436D-883D-03711491D54A}" type="datetimeFigureOut">
               <a:rPr lang="en-US" smtClean="0"/>
-              <a:t>1/15/2020</a:t>
+              <a:t>1/17/2020</a:t>
             </a:fld>
             <a:endParaRPr lang="en-US"/>
           </a:p>
@@ -15699,7 +16370,7 @@
             <a:fld id="{1C2D31DE-C454-491C-B5C3-F097855E3DF7}" type="datetime4">
               <a:rPr lang="en-US" smtClean="0"/>
               <a:pPr/>
-              <a:t>January 15, 2020</a:t>
+              <a:t>January 17, 2020</a:t>
             </a:fld>
             <a:endParaRPr lang="en-US" dirty="0"/>
           </a:p>
@@ -27944,7 +28615,7 @@
           <a:p>
             <a:fld id="{5958763E-B898-436D-883D-03711491D54A}" type="datetimeFigureOut">
               <a:rPr lang="en-US" smtClean="0"/>
-              <a:t>1/15/2020</a:t>
+              <a:t>1/17/2020</a:t>
             </a:fld>
             <a:endParaRPr lang="en-US"/>
           </a:p>
@@ -28353,7 +29024,7 @@
           <a:p>
             <a:fld id="{5958763E-B898-436D-883D-03711491D54A}" type="datetimeFigureOut">
               <a:rPr lang="en-US" smtClean="0"/>
-              <a:t>1/15/2020</a:t>
+              <a:t>1/17/2020</a:t>
             </a:fld>
             <a:endParaRPr lang="en-US"/>
           </a:p>
@@ -28654,7 +29325,7 @@
           <a:p>
             <a:fld id="{5958763E-B898-436D-883D-03711491D54A}" type="datetimeFigureOut">
               <a:rPr lang="en-US" smtClean="0"/>
-              <a:t>1/15/2020</a:t>
+              <a:t>1/17/2020</a:t>
             </a:fld>
             <a:endParaRPr lang="en-US"/>
           </a:p>
@@ -28862,7 +29533,7 @@
           <a:p>
             <a:fld id="{5958763E-B898-436D-883D-03711491D54A}" type="datetimeFigureOut">
               <a:rPr lang="en-US" smtClean="0"/>
-              <a:t>1/15/2020</a:t>
+              <a:t>1/17/2020</a:t>
             </a:fld>
             <a:endParaRPr lang="en-US"/>
           </a:p>
@@ -29130,7 +29801,7 @@
           <a:p>
             <a:fld id="{5958763E-B898-436D-883D-03711491D54A}" type="datetimeFigureOut">
               <a:rPr lang="en-US" smtClean="0"/>
-              <a:t>1/15/2020</a:t>
+              <a:t>1/17/2020</a:t>
             </a:fld>
             <a:endParaRPr lang="en-US"/>
           </a:p>
@@ -29647,7 +30318,7 @@
           <a:p>
             <a:fld id="{5958763E-B898-436D-883D-03711491D54A}" type="datetimeFigureOut">
               <a:rPr lang="en-US" smtClean="0"/>
-              <a:t>1/15/2020</a:t>
+              <a:t>1/17/2020</a:t>
             </a:fld>
             <a:endParaRPr lang="en-US"/>
           </a:p>
@@ -30135,7 +30806,7 @@
           <a:p>
             <a:fld id="{5958763E-B898-436D-883D-03711491D54A}" type="datetimeFigureOut">
               <a:rPr lang="en-US" smtClean="0"/>
-              <a:t>1/15/2020</a:t>
+              <a:t>1/17/2020</a:t>
             </a:fld>
             <a:endParaRPr lang="en-US"/>
           </a:p>
@@ -30961,7 +31632,7 @@
           <a:p>
             <a:fld id="{5958763E-B898-436D-883D-03711491D54A}" type="datetimeFigureOut">
               <a:rPr lang="en-US" smtClean="0"/>
-              <a:t>1/15/2020</a:t>
+              <a:t>1/17/2020</a:t>
             </a:fld>
             <a:endParaRPr lang="en-US"/>
           </a:p>
@@ -31169,7 +31840,7 @@
           <a:p>
             <a:fld id="{5958763E-B898-436D-883D-03711491D54A}" type="datetimeFigureOut">
               <a:rPr lang="en-US" smtClean="0"/>
-              <a:t>1/15/2020</a:t>
+              <a:t>1/17/2020</a:t>
             </a:fld>
             <a:endParaRPr lang="en-US"/>
           </a:p>
@@ -31511,7 +32182,7 @@
           <a:p>
             <a:fld id="{5958763E-B898-436D-883D-03711491D54A}" type="datetimeFigureOut">
               <a:rPr lang="en-US" smtClean="0"/>
-              <a:t>1/15/2020</a:t>
+              <a:t>1/17/2020</a:t>
             </a:fld>
             <a:endParaRPr lang="en-US"/>
           </a:p>
@@ -31748,7 +32419,7 @@
           <a:p>
             <a:fld id="{5958763E-B898-436D-883D-03711491D54A}" type="datetimeFigureOut">
               <a:rPr lang="en-US" smtClean="0"/>
-              <a:t>1/15/2020</a:t>
+              <a:t>1/17/2020</a:t>
             </a:fld>
             <a:endParaRPr lang="en-US"/>
           </a:p>
@@ -31999,7 +32670,7 @@
           <a:p>
             <a:fld id="{5958763E-B898-436D-883D-03711491D54A}" type="datetimeFigureOut">
               <a:rPr lang="en-US" smtClean="0"/>
-              <a:t>1/15/2020</a:t>
+              <a:t>1/17/2020</a:t>
             </a:fld>
             <a:endParaRPr lang="en-US"/>
           </a:p>
@@ -35564,6 +36235,16 @@
 <file path=ppt/slides/slide2.xml><?xml version="1.0" encoding="utf-8"?>
 <p:sld xmlns:a="http://schemas.openxmlformats.org/drawingml/2006/main" xmlns:r="http://schemas.openxmlformats.org/officeDocument/2006/relationships" xmlns:p="http://schemas.openxmlformats.org/presentationml/2006/main">
   <p:cSld>
+    <p:bg>
+      <p:bgPr>
+        <a:solidFill>
+          <a:schemeClr val="tx1">
+            <a:lumMod val="50000"/>
+          </a:schemeClr>
+        </a:solidFill>
+        <a:effectLst/>
+      </p:bgPr>
+    </p:bg>
     <p:spTree>
       <p:nvGrpSpPr>
         <p:cNvPr id="1" name=""/>
@@ -35580,7 +36261,7 @@
       </p:grpSpPr>
       <p:sp>
         <p:nvSpPr>
-          <p:cNvPr id="6" name="Title 5"/>
+          <p:cNvPr id="2" name="Title 1"/>
           <p:cNvSpPr>
             <a:spLocks noGrp="1"/>
           </p:cNvSpPr>
@@ -35594,21 +36275,29 @@
           <a:lstStyle/>
           <a:p>
             <a:r>
-              <a:rPr lang="en-US" dirty="0" smtClean="0"/>
-              <a:t>Agenda</a:t>
+              <a:rPr lang="en-US" dirty="0" smtClean="0">
+                <a:solidFill>
+                  <a:schemeClr val="bg1"/>
+                </a:solidFill>
+              </a:rPr>
+              <a:t>Why Templates?</a:t>
             </a:r>
-            <a:endParaRPr lang="en-US" dirty="0"/>
+            <a:endParaRPr lang="en-US" dirty="0">
+              <a:solidFill>
+                <a:schemeClr val="bg1"/>
+              </a:solidFill>
+            </a:endParaRPr>
           </a:p>
         </p:txBody>
       </p:sp>
       <p:sp>
         <p:nvSpPr>
-          <p:cNvPr id="7" name="Text Placeholder 6"/>
+          <p:cNvPr id="3" name="Content Placeholder 2"/>
           <p:cNvSpPr>
             <a:spLocks noGrp="1"/>
           </p:cNvSpPr>
           <p:nvPr>
-            <p:ph type="body" idx="1"/>
+            <p:ph idx="1"/>
           </p:nvPr>
         </p:nvSpPr>
         <p:spPr/>
@@ -35616,25 +36305,155 @@
           <a:bodyPr/>
           <a:lstStyle/>
           <a:p>
-            <a:r>
-              <a:rPr lang="en-US" dirty="0" smtClean="0"/>
-              <a:t>Why Templates?</a:t>
-            </a:r>
-            <a:endParaRPr lang="en-US" dirty="0" smtClean="0"/>
+            <a:endParaRPr lang="en-US" dirty="0" smtClean="0">
+              <a:solidFill>
+                <a:schemeClr val="bg1"/>
+              </a:solidFill>
+            </a:endParaRPr>
           </a:p>
           <a:p>
             <a:r>
-              <a:rPr lang="en-US" dirty="0" smtClean="0"/>
-              <a:t>EJS</a:t>
+              <a:rPr lang="en-US" dirty="0" smtClean="0">
+                <a:solidFill>
+                  <a:schemeClr val="bg1"/>
+                </a:solidFill>
+              </a:rPr>
+              <a:t>Static </a:t>
             </a:r>
-            <a:endParaRPr lang="en-US" dirty="0" smtClean="0"/>
+            <a:r>
+              <a:rPr lang="en-US" dirty="0" smtClean="0">
+                <a:solidFill>
+                  <a:schemeClr val="bg1"/>
+                </a:solidFill>
+              </a:rPr>
+              <a:t>HTML files are too </a:t>
+            </a:r>
+            <a:r>
+              <a:rPr lang="en-US" i="1" dirty="0" smtClean="0">
+                <a:solidFill>
+                  <a:schemeClr val="bg1"/>
+                </a:solidFill>
+              </a:rPr>
+              <a:t>static</a:t>
+            </a:r>
+          </a:p>
+          <a:p>
+            <a:endParaRPr lang="en-US" dirty="0" smtClean="0">
+              <a:solidFill>
+                <a:schemeClr val="bg1"/>
+              </a:solidFill>
+            </a:endParaRPr>
+          </a:p>
+          <a:p>
+            <a:r>
+              <a:rPr lang="en-US" dirty="0" smtClean="0">
+                <a:solidFill>
+                  <a:schemeClr val="bg1"/>
+                </a:solidFill>
+              </a:rPr>
+              <a:t>Most webpages are </a:t>
+            </a:r>
+            <a:r>
+              <a:rPr lang="en-US" i="1" dirty="0" smtClean="0">
+                <a:solidFill>
+                  <a:schemeClr val="bg1"/>
+                </a:solidFill>
+              </a:rPr>
+              <a:t>dynamic</a:t>
+            </a:r>
+            <a:r>
+              <a:rPr lang="en-US" dirty="0" smtClean="0">
+                <a:solidFill>
+                  <a:schemeClr val="bg1"/>
+                </a:solidFill>
+              </a:rPr>
+              <a:t> – they change based on data</a:t>
+            </a:r>
+          </a:p>
+          <a:p>
+            <a:endParaRPr lang="en-US" dirty="0" smtClean="0">
+              <a:solidFill>
+                <a:schemeClr val="bg1"/>
+              </a:solidFill>
+            </a:endParaRPr>
+          </a:p>
+          <a:p>
+            <a:r>
+              <a:rPr lang="en-US" b="1" dirty="0" smtClean="0">
+                <a:solidFill>
+                  <a:schemeClr val="bg1"/>
+                </a:solidFill>
+              </a:rPr>
+              <a:t>Templates</a:t>
+            </a:r>
+            <a:r>
+              <a:rPr lang="en-US" dirty="0" smtClean="0">
+                <a:solidFill>
+                  <a:schemeClr val="bg1"/>
+                </a:solidFill>
+              </a:rPr>
+              <a:t> allow developers to create </a:t>
+            </a:r>
+            <a:r>
+              <a:rPr lang="en-US" i="1" dirty="0" smtClean="0">
+                <a:solidFill>
+                  <a:schemeClr val="bg1"/>
+                </a:solidFill>
+              </a:rPr>
+              <a:t>structure</a:t>
+            </a:r>
+            <a:r>
+              <a:rPr lang="en-US" dirty="0" smtClean="0">
+                <a:solidFill>
+                  <a:schemeClr val="bg1"/>
+                </a:solidFill>
+              </a:rPr>
+              <a:t>, </a:t>
+            </a:r>
+            <a:r>
+              <a:rPr lang="en-US" i="1" dirty="0" smtClean="0">
+                <a:solidFill>
+                  <a:schemeClr val="bg1"/>
+                </a:solidFill>
+              </a:rPr>
+              <a:t>layout</a:t>
+            </a:r>
+            <a:r>
+              <a:rPr lang="en-US" dirty="0" smtClean="0">
+                <a:solidFill>
+                  <a:schemeClr val="bg1"/>
+                </a:solidFill>
+              </a:rPr>
+              <a:t> and </a:t>
+            </a:r>
+            <a:r>
+              <a:rPr lang="en-US" i="1" dirty="0" smtClean="0">
+                <a:solidFill>
+                  <a:schemeClr val="bg1"/>
+                </a:solidFill>
+              </a:rPr>
+              <a:t>style</a:t>
+            </a:r>
+            <a:r>
+              <a:rPr lang="en-US" dirty="0" smtClean="0">
+                <a:solidFill>
+                  <a:schemeClr val="bg1"/>
+                </a:solidFill>
+              </a:rPr>
+              <a:t> for pages without using specific data – the data is dynamic</a:t>
+            </a:r>
+            <a:endParaRPr lang="en-US" dirty="0">
+              <a:solidFill>
+                <a:schemeClr val="bg1"/>
+              </a:solidFill>
+            </a:endParaRPr>
           </a:p>
         </p:txBody>
       </p:sp>
     </p:spTree>
     <p:extLst>
       <p:ext uri="{BB962C8B-B14F-4D97-AF65-F5344CB8AC3E}">
-        <p14:creationId xmlns:p14="http://schemas.microsoft.com/office/powerpoint/2010/main" val="2629401558"/>
+        <p14:creationId xmlns:p14="http://schemas.microsoft.com/office/powerpoint/2010/main" val="4022958632"/>
       </p:ext>
     </p:extLst>
   </p:cSld>
@@ -35647,9 +36466,380 @@
   <p:timing>
     <p:tnLst>
       <p:par>
-        <p:cTn id="1" dur="indefinite" restart="never" nodeType="tmRoot"/>
+        <p:cTn id="1" dur="indefinite" restart="never" nodeType="tmRoot">
+          <p:childTnLst>
+            <p:seq concurrent="1" nextAc="seek">
+              <p:cTn id="2" dur="indefinite" nodeType="mainSeq">
+                <p:childTnLst>
+                  <p:par>
+                    <p:cTn id="3" fill="hold">
+                      <p:stCondLst>
+                        <p:cond delay="indefinite"/>
+                      </p:stCondLst>
+                      <p:childTnLst>
+                        <p:par>
+                          <p:cTn id="4" fill="hold">
+                            <p:stCondLst>
+                              <p:cond delay="0"/>
+                            </p:stCondLst>
+                            <p:childTnLst>
+                              <p:par>
+                                <p:cTn id="5" presetID="42" presetClass="entr" presetSubtype="0" fill="hold" grpId="0" nodeType="clickEffect">
+                                  <p:stCondLst>
+                                    <p:cond delay="0"/>
+                                  </p:stCondLst>
+                                  <p:childTnLst>
+                                    <p:set>
+                                      <p:cBhvr>
+                                        <p:cTn id="6" dur="1" fill="hold">
+                                          <p:stCondLst>
+                                            <p:cond delay="0"/>
+                                          </p:stCondLst>
+                                        </p:cTn>
+                                        <p:tgtEl>
+                                          <p:spTgt spid="3">
+                                            <p:txEl>
+                                              <p:pRg st="1" end="1"/>
+                                            </p:txEl>
+                                          </p:spTgt>
+                                        </p:tgtEl>
+                                        <p:attrNameLst>
+                                          <p:attrName>style.visibility</p:attrName>
+                                        </p:attrNameLst>
+                                      </p:cBhvr>
+                                      <p:to>
+                                        <p:strVal val="visible"/>
+                                      </p:to>
+                                    </p:set>
+                                    <p:animEffect transition="in" filter="fade">
+                                      <p:cBhvr>
+                                        <p:cTn id="7" dur="500"/>
+                                        <p:tgtEl>
+                                          <p:spTgt spid="3">
+                                            <p:txEl>
+                                              <p:pRg st="1" end="1"/>
+                                            </p:txEl>
+                                          </p:spTgt>
+                                        </p:tgtEl>
+                                      </p:cBhvr>
+                                    </p:animEffect>
+                                    <p:anim calcmode="lin" valueType="num">
+                                      <p:cBhvr>
+                                        <p:cTn id="8" dur="500" fill="hold"/>
+                                        <p:tgtEl>
+                                          <p:spTgt spid="3">
+                                            <p:txEl>
+                                              <p:pRg st="1" end="1"/>
+                                            </p:txEl>
+                                          </p:spTgt>
+                                        </p:tgtEl>
+                                        <p:attrNameLst>
+                                          <p:attrName>ppt_x</p:attrName>
+                                        </p:attrNameLst>
+                                      </p:cBhvr>
+                                      <p:tavLst>
+                                        <p:tav tm="0">
+                                          <p:val>
+                                            <p:strVal val="#ppt_x"/>
+                                          </p:val>
+                                        </p:tav>
+                                        <p:tav tm="100000">
+                                          <p:val>
+                                            <p:strVal val="#ppt_x"/>
+                                          </p:val>
+                                        </p:tav>
+                                      </p:tavLst>
+                                    </p:anim>
+                                    <p:anim calcmode="lin" valueType="num">
+                                      <p:cBhvr>
+                                        <p:cTn id="9" dur="500" fill="hold"/>
+                                        <p:tgtEl>
+                                          <p:spTgt spid="3">
+                                            <p:txEl>
+                                              <p:pRg st="1" end="1"/>
+                                            </p:txEl>
+                                          </p:spTgt>
+                                        </p:tgtEl>
+                                        <p:attrNameLst>
+                                          <p:attrName>ppt_y</p:attrName>
+                                        </p:attrNameLst>
+                                      </p:cBhvr>
+                                      <p:tavLst>
+                                        <p:tav tm="0">
+                                          <p:val>
+                                            <p:strVal val="#ppt_y+.1"/>
+                                          </p:val>
+                                        </p:tav>
+                                        <p:tav tm="100000">
+                                          <p:val>
+                                            <p:strVal val="#ppt_y"/>
+                                          </p:val>
+                                        </p:tav>
+                                      </p:tavLst>
+                                    </p:anim>
+                                  </p:childTnLst>
+                                </p:cTn>
+                              </p:par>
+                            </p:childTnLst>
+                          </p:cTn>
+                        </p:par>
+                      </p:childTnLst>
+                    </p:cTn>
+                  </p:par>
+                  <p:par>
+                    <p:cTn id="10" fill="hold">
+                      <p:stCondLst>
+                        <p:cond delay="indefinite"/>
+                      </p:stCondLst>
+                      <p:childTnLst>
+                        <p:par>
+                          <p:cTn id="11" fill="hold">
+                            <p:stCondLst>
+                              <p:cond delay="0"/>
+                            </p:stCondLst>
+                            <p:childTnLst>
+                              <p:par>
+                                <p:cTn id="12" presetID="42" presetClass="entr" presetSubtype="0" fill="hold" grpId="0" nodeType="clickEffect">
+                                  <p:stCondLst>
+                                    <p:cond delay="0"/>
+                                  </p:stCondLst>
+                                  <p:childTnLst>
+                                    <p:set>
+                                      <p:cBhvr>
+                                        <p:cTn id="13" dur="1" fill="hold">
+                                          <p:stCondLst>
+                                            <p:cond delay="0"/>
+                                          </p:stCondLst>
+                                        </p:cTn>
+                                        <p:tgtEl>
+                                          <p:spTgt spid="3">
+                                            <p:txEl>
+                                              <p:pRg st="3" end="3"/>
+                                            </p:txEl>
+                                          </p:spTgt>
+                                        </p:tgtEl>
+                                        <p:attrNameLst>
+                                          <p:attrName>style.visibility</p:attrName>
+                                        </p:attrNameLst>
+                                      </p:cBhvr>
+                                      <p:to>
+                                        <p:strVal val="visible"/>
+                                      </p:to>
+                                    </p:set>
+                                    <p:animEffect transition="in" filter="fade">
+                                      <p:cBhvr>
+                                        <p:cTn id="14" dur="500"/>
+                                        <p:tgtEl>
+                                          <p:spTgt spid="3">
+                                            <p:txEl>
+                                              <p:pRg st="3" end="3"/>
+                                            </p:txEl>
+                                          </p:spTgt>
+                                        </p:tgtEl>
+                                      </p:cBhvr>
+                                    </p:animEffect>
+                                    <p:anim calcmode="lin" valueType="num">
+                                      <p:cBhvr>
+                                        <p:cTn id="15" dur="500" fill="hold"/>
+                                        <p:tgtEl>
+                                          <p:spTgt spid="3">
+                                            <p:txEl>
+                                              <p:pRg st="3" end="3"/>
+                                            </p:txEl>
+                                          </p:spTgt>
+                                        </p:tgtEl>
+                                        <p:attrNameLst>
+                                          <p:attrName>ppt_x</p:attrName>
+                                        </p:attrNameLst>
+                                      </p:cBhvr>
+                                      <p:tavLst>
+                                        <p:tav tm="0">
+                                          <p:val>
+                                            <p:strVal val="#ppt_x"/>
+                                          </p:val>
+                                        </p:tav>
+                                        <p:tav tm="100000">
+                                          <p:val>
+                                            <p:strVal val="#ppt_x"/>
+                                          </p:val>
+                                        </p:tav>
+                                      </p:tavLst>
+                                    </p:anim>
+                                    <p:anim calcmode="lin" valueType="num">
+                                      <p:cBhvr>
+                                        <p:cTn id="16" dur="500" fill="hold"/>
+                                        <p:tgtEl>
+                                          <p:spTgt spid="3">
+                                            <p:txEl>
+                                              <p:pRg st="3" end="3"/>
+                                            </p:txEl>
+                                          </p:spTgt>
+                                        </p:tgtEl>
+                                        <p:attrNameLst>
+                                          <p:attrName>ppt_y</p:attrName>
+                                        </p:attrNameLst>
+                                      </p:cBhvr>
+                                      <p:tavLst>
+                                        <p:tav tm="0">
+                                          <p:val>
+                                            <p:strVal val="#ppt_y+.1"/>
+                                          </p:val>
+                                        </p:tav>
+                                        <p:tav tm="100000">
+                                          <p:val>
+                                            <p:strVal val="#ppt_y"/>
+                                          </p:val>
+                                        </p:tav>
+                                      </p:tavLst>
+                                    </p:anim>
+                                  </p:childTnLst>
+                                </p:cTn>
+                              </p:par>
+                            </p:childTnLst>
+                          </p:cTn>
+                        </p:par>
+                      </p:childTnLst>
+                    </p:cTn>
+                  </p:par>
+                  <p:par>
+                    <p:cTn id="17" fill="hold">
+                      <p:stCondLst>
+                        <p:cond delay="indefinite"/>
+                      </p:stCondLst>
+                      <p:childTnLst>
+                        <p:par>
+                          <p:cTn id="18" fill="hold">
+                            <p:stCondLst>
+                              <p:cond delay="0"/>
+                            </p:stCondLst>
+                            <p:childTnLst>
+                              <p:par>
+                                <p:cTn id="19" presetID="42" presetClass="entr" presetSubtype="0" fill="hold" grpId="0" nodeType="clickEffect">
+                                  <p:stCondLst>
+                                    <p:cond delay="0"/>
+                                  </p:stCondLst>
+                                  <p:childTnLst>
+                                    <p:set>
+                                      <p:cBhvr>
+                                        <p:cTn id="20" dur="1" fill="hold">
+                                          <p:stCondLst>
+                                            <p:cond delay="0"/>
+                                          </p:stCondLst>
+                                        </p:cTn>
+                                        <p:tgtEl>
+                                          <p:spTgt spid="3">
+                                            <p:txEl>
+                                              <p:pRg st="5" end="5"/>
+                                            </p:txEl>
+                                          </p:spTgt>
+                                        </p:tgtEl>
+                                        <p:attrNameLst>
+                                          <p:attrName>style.visibility</p:attrName>
+                                        </p:attrNameLst>
+                                      </p:cBhvr>
+                                      <p:to>
+                                        <p:strVal val="visible"/>
+                                      </p:to>
+                                    </p:set>
+                                    <p:animEffect transition="in" filter="fade">
+                                      <p:cBhvr>
+                                        <p:cTn id="21" dur="500"/>
+                                        <p:tgtEl>
+                                          <p:spTgt spid="3">
+                                            <p:txEl>
+                                              <p:pRg st="5" end="5"/>
+                                            </p:txEl>
+                                          </p:spTgt>
+                                        </p:tgtEl>
+                                      </p:cBhvr>
+                                    </p:animEffect>
+                                    <p:anim calcmode="lin" valueType="num">
+                                      <p:cBhvr>
+                                        <p:cTn id="22" dur="500" fill="hold"/>
+                                        <p:tgtEl>
+                                          <p:spTgt spid="3">
+                                            <p:txEl>
+                                              <p:pRg st="5" end="5"/>
+                                            </p:txEl>
+                                          </p:spTgt>
+                                        </p:tgtEl>
+                                        <p:attrNameLst>
+                                          <p:attrName>ppt_x</p:attrName>
+                                        </p:attrNameLst>
+                                      </p:cBhvr>
+                                      <p:tavLst>
+                                        <p:tav tm="0">
+                                          <p:val>
+                                            <p:strVal val="#ppt_x"/>
+                                          </p:val>
+                                        </p:tav>
+                                        <p:tav tm="100000">
+                                          <p:val>
+                                            <p:strVal val="#ppt_x"/>
+                                          </p:val>
+                                        </p:tav>
+                                      </p:tavLst>
+                                    </p:anim>
+                                    <p:anim calcmode="lin" valueType="num">
+                                      <p:cBhvr>
+                                        <p:cTn id="23" dur="500" fill="hold"/>
+                                        <p:tgtEl>
+                                          <p:spTgt spid="3">
+                                            <p:txEl>
+                                              <p:pRg st="5" end="5"/>
+                                            </p:txEl>
+                                          </p:spTgt>
+                                        </p:tgtEl>
+                                        <p:attrNameLst>
+                                          <p:attrName>ppt_y</p:attrName>
+                                        </p:attrNameLst>
+                                      </p:cBhvr>
+                                      <p:tavLst>
+                                        <p:tav tm="0">
+                                          <p:val>
+                                            <p:strVal val="#ppt_y+.1"/>
+                                          </p:val>
+                                        </p:tav>
+                                        <p:tav tm="100000">
+                                          <p:val>
+                                            <p:strVal val="#ppt_y"/>
+                                          </p:val>
+                                        </p:tav>
+                                      </p:tavLst>
+                                    </p:anim>
+                                  </p:childTnLst>
+                                </p:cTn>
+                              </p:par>
+                            </p:childTnLst>
+                          </p:cTn>
+                        </p:par>
+                      </p:childTnLst>
+                    </p:cTn>
+                  </p:par>
+                </p:childTnLst>
+              </p:cTn>
+              <p:prevCondLst>
+                <p:cond evt="onPrev" delay="0">
+                  <p:tgtEl>
+                    <p:sldTgt/>
+                  </p:tgtEl>
+                </p:cond>
+              </p:prevCondLst>
+              <p:nextCondLst>
+                <p:cond evt="onNext" delay="0">
+                  <p:tgtEl>
+                    <p:sldTgt/>
+                  </p:tgtEl>
+                </p:cond>
+              </p:nextCondLst>
+            </p:seq>
+          </p:childTnLst>
+        </p:cTn>
       </p:par>
     </p:tnLst>
+    <p:bldLst>
+      <p:bldP spid="3" grpId="0" build="p"/>
+    </p:bldLst>
   </p:timing>
 </p:sld>
 </file>
@@ -35688,7 +36878,11 @@
           <a:p>
             <a:r>
               <a:rPr lang="en-US" dirty="0" smtClean="0"/>
-              <a:t>Why Templates?</a:t>
+              <a:t>EJS </a:t>
+            </a:r>
+            <a:r>
+              <a:rPr lang="en-US" dirty="0" smtClean="0"/>
+              <a:t>introduction</a:t>
             </a:r>
             <a:endParaRPr lang="en-US" dirty="0"/>
           </a:p>
@@ -35709,12 +36903,79 @@
           <a:bodyPr/>
           <a:lstStyle/>
           <a:p>
+            <a:endParaRPr lang="en-US" b="1" dirty="0" smtClean="0"/>
+          </a:p>
+          <a:p>
+            <a:r>
+              <a:rPr lang="en-US" b="1" dirty="0" smtClean="0"/>
+              <a:t>E</a:t>
+            </a:r>
             <a:r>
               <a:rPr lang="en-US" dirty="0" smtClean="0"/>
-              <a:t>Static HTML files are too static</a:t>
+              <a:t>mbedded </a:t>
+            </a:r>
+            <a:r>
+              <a:rPr lang="en-US" b="1" dirty="0" smtClean="0"/>
+              <a:t>J</a:t>
+            </a:r>
+            <a:r>
+              <a:rPr lang="en-US" dirty="0" smtClean="0"/>
+              <a:t>ava</a:t>
+            </a:r>
+            <a:r>
+              <a:rPr lang="en-US" b="1" dirty="0" smtClean="0"/>
+              <a:t>S</a:t>
+            </a:r>
+            <a:r>
+              <a:rPr lang="en-US" dirty="0" smtClean="0"/>
+              <a:t>cript </a:t>
+            </a:r>
+            <a:r>
+              <a:rPr lang="en-US" dirty="0" smtClean="0"/>
+              <a:t>lets developers write JavaScript code directly in HTML templates</a:t>
             </a:r>
           </a:p>
           <a:p>
+            <a:endParaRPr lang="en-US" dirty="0" smtClean="0"/>
+          </a:p>
+          <a:p>
+            <a:r>
+              <a:rPr lang="en-US" dirty="0" smtClean="0"/>
+              <a:t>The server renders these templates by </a:t>
+            </a:r>
+            <a:r>
+              <a:rPr lang="en-US" b="1" dirty="0" smtClean="0"/>
+              <a:t>passing in data</a:t>
+            </a:r>
+            <a:r>
+              <a:rPr lang="en-US" dirty="0" smtClean="0"/>
+              <a:t> in JSON form</a:t>
+            </a:r>
+          </a:p>
+          <a:p>
+            <a:endParaRPr lang="en-US" dirty="0" smtClean="0"/>
+          </a:p>
+          <a:p>
+            <a:r>
+              <a:rPr lang="en-US" dirty="0" smtClean="0"/>
+              <a:t>The templates have </a:t>
+            </a:r>
+            <a:r>
+              <a:rPr lang="en-US" b="1" dirty="0" smtClean="0"/>
+              <a:t>placeholders</a:t>
+            </a:r>
+            <a:r>
+              <a:rPr lang="en-US" dirty="0" smtClean="0"/>
+              <a:t> and </a:t>
+            </a:r>
+            <a:r>
+              <a:rPr lang="en-US" b="1" dirty="0" smtClean="0"/>
+              <a:t>logic</a:t>
+            </a:r>
+            <a:r>
+              <a:rPr lang="en-US" dirty="0" smtClean="0"/>
+              <a:t> to change the page based on the data</a:t>
+            </a:r>
             <a:endParaRPr lang="en-US" dirty="0"/>
           </a:p>
         </p:txBody>
@@ -35722,7 +36983,7 @@
     </p:spTree>
     <p:extLst>
       <p:ext uri="{BB962C8B-B14F-4D97-AF65-F5344CB8AC3E}">
-        <p14:creationId xmlns:p14="http://schemas.microsoft.com/office/powerpoint/2010/main" val="4022958632"/>
+        <p14:creationId xmlns:p14="http://schemas.microsoft.com/office/powerpoint/2010/main" val="1582987622"/>
       </p:ext>
     </p:extLst>
   </p:cSld>
@@ -35732,6 +36993,384 @@
   <p:transition>
     <p:fade/>
   </p:transition>
+  <p:timing>
+    <p:tnLst>
+      <p:par>
+        <p:cTn id="1" dur="indefinite" restart="never" nodeType="tmRoot">
+          <p:childTnLst>
+            <p:seq concurrent="1" nextAc="seek">
+              <p:cTn id="2" dur="indefinite" nodeType="mainSeq">
+                <p:childTnLst>
+                  <p:par>
+                    <p:cTn id="3" fill="hold">
+                      <p:stCondLst>
+                        <p:cond delay="indefinite"/>
+                      </p:stCondLst>
+                      <p:childTnLst>
+                        <p:par>
+                          <p:cTn id="4" fill="hold">
+                            <p:stCondLst>
+                              <p:cond delay="0"/>
+                            </p:stCondLst>
+                            <p:childTnLst>
+                              <p:par>
+                                <p:cTn id="5" presetID="42" presetClass="entr" presetSubtype="0" fill="hold" grpId="0" nodeType="clickEffect">
+                                  <p:stCondLst>
+                                    <p:cond delay="0"/>
+                                  </p:stCondLst>
+                                  <p:childTnLst>
+                                    <p:set>
+                                      <p:cBhvr>
+                                        <p:cTn id="6" dur="1" fill="hold">
+                                          <p:stCondLst>
+                                            <p:cond delay="0"/>
+                                          </p:stCondLst>
+                                        </p:cTn>
+                                        <p:tgtEl>
+                                          <p:spTgt spid="3">
+                                            <p:txEl>
+                                              <p:pRg st="1" end="1"/>
+                                            </p:txEl>
+                                          </p:spTgt>
+                                        </p:tgtEl>
+                                        <p:attrNameLst>
+                                          <p:attrName>style.visibility</p:attrName>
+                                        </p:attrNameLst>
+                                      </p:cBhvr>
+                                      <p:to>
+                                        <p:strVal val="visible"/>
+                                      </p:to>
+                                    </p:set>
+                                    <p:animEffect transition="in" filter="fade">
+                                      <p:cBhvr>
+                                        <p:cTn id="7" dur="500"/>
+                                        <p:tgtEl>
+                                          <p:spTgt spid="3">
+                                            <p:txEl>
+                                              <p:pRg st="1" end="1"/>
+                                            </p:txEl>
+                                          </p:spTgt>
+                                        </p:tgtEl>
+                                      </p:cBhvr>
+                                    </p:animEffect>
+                                    <p:anim calcmode="lin" valueType="num">
+                                      <p:cBhvr>
+                                        <p:cTn id="8" dur="500" fill="hold"/>
+                                        <p:tgtEl>
+                                          <p:spTgt spid="3">
+                                            <p:txEl>
+                                              <p:pRg st="1" end="1"/>
+                                            </p:txEl>
+                                          </p:spTgt>
+                                        </p:tgtEl>
+                                        <p:attrNameLst>
+                                          <p:attrName>ppt_x</p:attrName>
+                                        </p:attrNameLst>
+                                      </p:cBhvr>
+                                      <p:tavLst>
+                                        <p:tav tm="0">
+                                          <p:val>
+                                            <p:strVal val="#ppt_x"/>
+                                          </p:val>
+                                        </p:tav>
+                                        <p:tav tm="100000">
+                                          <p:val>
+                                            <p:strVal val="#ppt_x"/>
+                                          </p:val>
+                                        </p:tav>
+                                      </p:tavLst>
+                                    </p:anim>
+                                    <p:anim calcmode="lin" valueType="num">
+                                      <p:cBhvr>
+                                        <p:cTn id="9" dur="500" fill="hold"/>
+                                        <p:tgtEl>
+                                          <p:spTgt spid="3">
+                                            <p:txEl>
+                                              <p:pRg st="1" end="1"/>
+                                            </p:txEl>
+                                          </p:spTgt>
+                                        </p:tgtEl>
+                                        <p:attrNameLst>
+                                          <p:attrName>ppt_y</p:attrName>
+                                        </p:attrNameLst>
+                                      </p:cBhvr>
+                                      <p:tavLst>
+                                        <p:tav tm="0">
+                                          <p:val>
+                                            <p:strVal val="#ppt_y+.1"/>
+                                          </p:val>
+                                        </p:tav>
+                                        <p:tav tm="100000">
+                                          <p:val>
+                                            <p:strVal val="#ppt_y"/>
+                                          </p:val>
+                                        </p:tav>
+                                      </p:tavLst>
+                                    </p:anim>
+                                  </p:childTnLst>
+                                </p:cTn>
+                              </p:par>
+                            </p:childTnLst>
+                          </p:cTn>
+                        </p:par>
+                      </p:childTnLst>
+                    </p:cTn>
+                  </p:par>
+                  <p:par>
+                    <p:cTn id="10" fill="hold">
+                      <p:stCondLst>
+                        <p:cond delay="indefinite"/>
+                      </p:stCondLst>
+                      <p:childTnLst>
+                        <p:par>
+                          <p:cTn id="11" fill="hold">
+                            <p:stCondLst>
+                              <p:cond delay="0"/>
+                            </p:stCondLst>
+                            <p:childTnLst>
+                              <p:par>
+                                <p:cTn id="12" presetID="42" presetClass="entr" presetSubtype="0" fill="hold" grpId="0" nodeType="clickEffect">
+                                  <p:stCondLst>
+                                    <p:cond delay="0"/>
+                                  </p:stCondLst>
+                                  <p:childTnLst>
+                                    <p:set>
+                                      <p:cBhvr>
+                                        <p:cTn id="13" dur="1" fill="hold">
+                                          <p:stCondLst>
+                                            <p:cond delay="0"/>
+                                          </p:stCondLst>
+                                        </p:cTn>
+                                        <p:tgtEl>
+                                          <p:spTgt spid="3">
+                                            <p:txEl>
+                                              <p:pRg st="3" end="3"/>
+                                            </p:txEl>
+                                          </p:spTgt>
+                                        </p:tgtEl>
+                                        <p:attrNameLst>
+                                          <p:attrName>style.visibility</p:attrName>
+                                        </p:attrNameLst>
+                                      </p:cBhvr>
+                                      <p:to>
+                                        <p:strVal val="visible"/>
+                                      </p:to>
+                                    </p:set>
+                                    <p:animEffect transition="in" filter="fade">
+                                      <p:cBhvr>
+                                        <p:cTn id="14" dur="500"/>
+                                        <p:tgtEl>
+                                          <p:spTgt spid="3">
+                                            <p:txEl>
+                                              <p:pRg st="3" end="3"/>
+                                            </p:txEl>
+                                          </p:spTgt>
+                                        </p:tgtEl>
+                                      </p:cBhvr>
+                                    </p:animEffect>
+                                    <p:anim calcmode="lin" valueType="num">
+                                      <p:cBhvr>
+                                        <p:cTn id="15" dur="500" fill="hold"/>
+                                        <p:tgtEl>
+                                          <p:spTgt spid="3">
+                                            <p:txEl>
+                                              <p:pRg st="3" end="3"/>
+                                            </p:txEl>
+                                          </p:spTgt>
+                                        </p:tgtEl>
+                                        <p:attrNameLst>
+                                          <p:attrName>ppt_x</p:attrName>
+                                        </p:attrNameLst>
+                                      </p:cBhvr>
+                                      <p:tavLst>
+                                        <p:tav tm="0">
+                                          <p:val>
+                                            <p:strVal val="#ppt_x"/>
+                                          </p:val>
+                                        </p:tav>
+                                        <p:tav tm="100000">
+                                          <p:val>
+                                            <p:strVal val="#ppt_x"/>
+                                          </p:val>
+                                        </p:tav>
+                                      </p:tavLst>
+                                    </p:anim>
+                                    <p:anim calcmode="lin" valueType="num">
+                                      <p:cBhvr>
+                                        <p:cTn id="16" dur="500" fill="hold"/>
+                                        <p:tgtEl>
+                                          <p:spTgt spid="3">
+                                            <p:txEl>
+                                              <p:pRg st="3" end="3"/>
+                                            </p:txEl>
+                                          </p:spTgt>
+                                        </p:tgtEl>
+                                        <p:attrNameLst>
+                                          <p:attrName>ppt_y</p:attrName>
+                                        </p:attrNameLst>
+                                      </p:cBhvr>
+                                      <p:tavLst>
+                                        <p:tav tm="0">
+                                          <p:val>
+                                            <p:strVal val="#ppt_y+.1"/>
+                                          </p:val>
+                                        </p:tav>
+                                        <p:tav tm="100000">
+                                          <p:val>
+                                            <p:strVal val="#ppt_y"/>
+                                          </p:val>
+                                        </p:tav>
+                                      </p:tavLst>
+                                    </p:anim>
+                                  </p:childTnLst>
+                                </p:cTn>
+                              </p:par>
+                            </p:childTnLst>
+                          </p:cTn>
+                        </p:par>
+                      </p:childTnLst>
+                    </p:cTn>
+                  </p:par>
+                  <p:par>
+                    <p:cTn id="17" fill="hold">
+                      <p:stCondLst>
+                        <p:cond delay="indefinite"/>
+                      </p:stCondLst>
+                      <p:childTnLst>
+                        <p:par>
+                          <p:cTn id="18" fill="hold">
+                            <p:stCondLst>
+                              <p:cond delay="0"/>
+                            </p:stCondLst>
+                            <p:childTnLst>
+                              <p:par>
+                                <p:cTn id="19" presetID="42" presetClass="entr" presetSubtype="0" fill="hold" grpId="0" nodeType="clickEffect">
+                                  <p:stCondLst>
+                                    <p:cond delay="0"/>
+                                  </p:stCondLst>
+                                  <p:childTnLst>
+                                    <p:set>
+                                      <p:cBhvr>
+                                        <p:cTn id="20" dur="1" fill="hold">
+                                          <p:stCondLst>
+                                            <p:cond delay="0"/>
+                                          </p:stCondLst>
+                                        </p:cTn>
+                                        <p:tgtEl>
+                                          <p:spTgt spid="3">
+                                            <p:txEl>
+                                              <p:pRg st="5" end="5"/>
+                                            </p:txEl>
+                                          </p:spTgt>
+                                        </p:tgtEl>
+                                        <p:attrNameLst>
+                                          <p:attrName>style.visibility</p:attrName>
+                                        </p:attrNameLst>
+                                      </p:cBhvr>
+                                      <p:to>
+                                        <p:strVal val="visible"/>
+                                      </p:to>
+                                    </p:set>
+                                    <p:animEffect transition="in" filter="fade">
+                                      <p:cBhvr>
+                                        <p:cTn id="21" dur="500"/>
+                                        <p:tgtEl>
+                                          <p:spTgt spid="3">
+                                            <p:txEl>
+                                              <p:pRg st="5" end="5"/>
+                                            </p:txEl>
+                                          </p:spTgt>
+                                        </p:tgtEl>
+                                      </p:cBhvr>
+                                    </p:animEffect>
+                                    <p:anim calcmode="lin" valueType="num">
+                                      <p:cBhvr>
+                                        <p:cTn id="22" dur="500" fill="hold"/>
+                                        <p:tgtEl>
+                                          <p:spTgt spid="3">
+                                            <p:txEl>
+                                              <p:pRg st="5" end="5"/>
+                                            </p:txEl>
+                                          </p:spTgt>
+                                        </p:tgtEl>
+                                        <p:attrNameLst>
+                                          <p:attrName>ppt_x</p:attrName>
+                                        </p:attrNameLst>
+                                      </p:cBhvr>
+                                      <p:tavLst>
+                                        <p:tav tm="0">
+                                          <p:val>
+                                            <p:strVal val="#ppt_x"/>
+                                          </p:val>
+                                        </p:tav>
+                                        <p:tav tm="100000">
+                                          <p:val>
+                                            <p:strVal val="#ppt_x"/>
+                                          </p:val>
+                                        </p:tav>
+                                      </p:tavLst>
+                                    </p:anim>
+                                    <p:anim calcmode="lin" valueType="num">
+                                      <p:cBhvr>
+                                        <p:cTn id="23" dur="500" fill="hold"/>
+                                        <p:tgtEl>
+                                          <p:spTgt spid="3">
+                                            <p:txEl>
+                                              <p:pRg st="5" end="5"/>
+                                            </p:txEl>
+                                          </p:spTgt>
+                                        </p:tgtEl>
+                                        <p:attrNameLst>
+                                          <p:attrName>ppt_y</p:attrName>
+                                        </p:attrNameLst>
+                                      </p:cBhvr>
+                                      <p:tavLst>
+                                        <p:tav tm="0">
+                                          <p:val>
+                                            <p:strVal val="#ppt_y+.1"/>
+                                          </p:val>
+                                        </p:tav>
+                                        <p:tav tm="100000">
+                                          <p:val>
+                                            <p:strVal val="#ppt_y"/>
+                                          </p:val>
+                                        </p:tav>
+                                      </p:tavLst>
+                                    </p:anim>
+                                  </p:childTnLst>
+                                </p:cTn>
+                              </p:par>
+                            </p:childTnLst>
+                          </p:cTn>
+                        </p:par>
+                      </p:childTnLst>
+                    </p:cTn>
+                  </p:par>
+                </p:childTnLst>
+              </p:cTn>
+              <p:prevCondLst>
+                <p:cond evt="onPrev" delay="0">
+                  <p:tgtEl>
+                    <p:sldTgt/>
+                  </p:tgtEl>
+                </p:cond>
+              </p:prevCondLst>
+              <p:nextCondLst>
+                <p:cond evt="onNext" delay="0">
+                  <p:tgtEl>
+                    <p:sldTgt/>
+                  </p:tgtEl>
+                </p:cond>
+              </p:nextCondLst>
+            </p:seq>
+          </p:childTnLst>
+        </p:cTn>
+      </p:par>
+    </p:tnLst>
+    <p:bldLst>
+      <p:bldP spid="3" grpId="0" build="p"/>
+    </p:bldLst>
+  </p:timing>
 </p:sld>
 </file>
 
@@ -35769,7 +37408,7 @@
           <a:p>
             <a:r>
               <a:rPr lang="en-US" dirty="0" smtClean="0"/>
-              <a:t>EJS introduction</a:t>
+              <a:t>EJS Setup</a:t>
             </a:r>
             <a:endParaRPr lang="en-US" dirty="0"/>
           </a:p>
@@ -35777,51 +37416,245 @@
       </p:sp>
       <p:sp>
         <p:nvSpPr>
-          <p:cNvPr id="3" name="Content Placeholder 2"/>
-          <p:cNvSpPr>
-            <a:spLocks noGrp="1"/>
-          </p:cNvSpPr>
-          <p:nvPr>
-            <p:ph idx="1"/>
-          </p:nvPr>
+          <p:cNvPr id="4" name="TextBox 3"/>
+          <p:cNvSpPr txBox="1"/>
+          <p:nvPr/>
         </p:nvSpPr>
-        <p:spPr/>
+        <p:spPr>
+          <a:xfrm>
+            <a:off x="381000" y="1822537"/>
+            <a:ext cx="8486939" cy="1452705"/>
+          </a:xfrm>
+          <a:prstGeom prst="rect">
+            <a:avLst/>
+          </a:prstGeom>
+          <a:noFill/>
+        </p:spPr>
         <p:txBody>
-          <a:bodyPr/>
+          <a:bodyPr wrap="none" lIns="182880" tIns="146304" rIns="182880" bIns="146304" rtlCol="0">
+            <a:spAutoFit/>
+          </a:bodyPr>
+          <a:lstStyle/>
+          <a:p>
+            <a:pPr lvl="0"/>
+            <a:r>
+              <a:rPr lang="en-US" sz="3200" dirty="0" smtClean="0">
+                <a:solidFill>
+                  <a:srgbClr val="6ABF4B"/>
+                </a:solidFill>
+              </a:rPr>
+              <a:t>command line</a:t>
+            </a:r>
+            <a:endParaRPr lang="en-US" sz="4800" dirty="0" smtClean="0">
+              <a:solidFill>
+                <a:schemeClr val="accent1">
+                  <a:lumMod val="50000"/>
+                </a:schemeClr>
+              </a:solidFill>
+              <a:latin typeface="Consolas" panose="020B0609020204030204" pitchFamily="49" charset="0"/>
+            </a:endParaRPr>
+          </a:p>
+          <a:p>
+            <a:pPr>
+              <a:lnSpc>
+                <a:spcPct val="90000"/>
+              </a:lnSpc>
+              <a:spcAft>
+                <a:spcPts val="600"/>
+              </a:spcAft>
+            </a:pPr>
+            <a:r>
+              <a:rPr lang="en-US" sz="4800" dirty="0" smtClean="0">
+                <a:solidFill>
+                  <a:schemeClr val="accent1">
+                    <a:lumMod val="50000"/>
+                  </a:schemeClr>
+                </a:solidFill>
+                <a:latin typeface="Consolas" panose="020B0609020204030204" pitchFamily="49" charset="0"/>
+              </a:rPr>
+              <a:t>$</a:t>
+            </a:r>
+            <a:r>
+              <a:rPr lang="en-US" sz="4800" dirty="0" smtClean="0">
+                <a:solidFill>
+                  <a:srgbClr val="020202"/>
+                </a:solidFill>
+                <a:latin typeface="Consolas" panose="020B0609020204030204" pitchFamily="49" charset="0"/>
+              </a:rPr>
+              <a:t> </a:t>
+            </a:r>
+            <a:r>
+              <a:rPr lang="en-US" sz="4800" dirty="0" err="1" smtClean="0">
+                <a:solidFill>
+                  <a:schemeClr val="bg2">
+                    <a:lumMod val="25000"/>
+                  </a:schemeClr>
+                </a:solidFill>
+                <a:latin typeface="Consolas" panose="020B0609020204030204" pitchFamily="49" charset="0"/>
+              </a:rPr>
+              <a:t>npm</a:t>
+            </a:r>
+            <a:r>
+              <a:rPr lang="en-US" sz="4800" dirty="0" smtClean="0">
+                <a:solidFill>
+                  <a:schemeClr val="bg2">
+                    <a:lumMod val="25000"/>
+                  </a:schemeClr>
+                </a:solidFill>
+                <a:latin typeface="Consolas" panose="020B0609020204030204" pitchFamily="49" charset="0"/>
+              </a:rPr>
+              <a:t> install </a:t>
+            </a:r>
+            <a:r>
+              <a:rPr lang="en-US" sz="4800" dirty="0" err="1" smtClean="0">
+                <a:solidFill>
+                  <a:schemeClr val="bg2">
+                    <a:lumMod val="25000"/>
+                  </a:schemeClr>
+                </a:solidFill>
+                <a:latin typeface="Consolas" panose="020B0609020204030204" pitchFamily="49" charset="0"/>
+              </a:rPr>
+              <a:t>ejs</a:t>
+            </a:r>
+            <a:r>
+              <a:rPr lang="en-US" sz="4800" dirty="0" smtClean="0">
+                <a:solidFill>
+                  <a:schemeClr val="bg2">
+                    <a:lumMod val="25000"/>
+                  </a:schemeClr>
+                </a:solidFill>
+                <a:latin typeface="Consolas" panose="020B0609020204030204" pitchFamily="49" charset="0"/>
+              </a:rPr>
+              <a:t> --save</a:t>
+            </a:r>
+            <a:endParaRPr lang="en-US" sz="4800" dirty="0" smtClean="0">
+              <a:solidFill>
+                <a:schemeClr val="bg2">
+                  <a:lumMod val="25000"/>
+                </a:schemeClr>
+              </a:solidFill>
+              <a:latin typeface="Consolas" panose="020B0609020204030204" pitchFamily="49" charset="0"/>
+            </a:endParaRPr>
+          </a:p>
+        </p:txBody>
+      </p:sp>
+      <p:sp>
+        <p:nvSpPr>
+          <p:cNvPr id="5" name="TextBox 4"/>
+          <p:cNvSpPr txBox="1"/>
+          <p:nvPr/>
+        </p:nvSpPr>
+        <p:spPr>
+          <a:xfrm>
+            <a:off x="266700" y="4000500"/>
+            <a:ext cx="10516340" cy="1526572"/>
+          </a:xfrm>
+          <a:prstGeom prst="rect">
+            <a:avLst/>
+          </a:prstGeom>
+          <a:noFill/>
+        </p:spPr>
+        <p:txBody>
+          <a:bodyPr wrap="none" lIns="182880" tIns="146304" rIns="182880" bIns="146304" rtlCol="0">
+            <a:spAutoFit/>
+          </a:bodyPr>
           <a:lstStyle/>
           <a:p>
             <a:r>
-              <a:rPr lang="en-US" b="1" dirty="0" smtClean="0"/>
-              <a:t>E</a:t>
+              <a:rPr lang="en-US" sz="3200" dirty="0" smtClean="0">
+                <a:solidFill>
+                  <a:schemeClr val="accent2"/>
+                </a:solidFill>
+              </a:rPr>
+              <a:t>app.js</a:t>
+            </a:r>
+          </a:p>
+          <a:p>
+            <a:r>
+              <a:rPr lang="en-US" sz="4800" dirty="0" err="1" smtClean="0">
+                <a:solidFill>
+                  <a:srgbClr val="000000"/>
+                </a:solidFill>
+                <a:latin typeface="Consolas" panose="020B0609020204030204" pitchFamily="49" charset="0"/>
+              </a:rPr>
+              <a:t>app.set</a:t>
             </a:r>
             <a:r>
-              <a:rPr lang="en-US" dirty="0" smtClean="0"/>
-              <a:t>mbedded </a:t>
+              <a:rPr lang="en-US" sz="4800" dirty="0">
+                <a:solidFill>
+                  <a:srgbClr val="000000"/>
+                </a:solidFill>
+                <a:latin typeface="Consolas" panose="020B0609020204030204" pitchFamily="49" charset="0"/>
+              </a:rPr>
+              <a:t>(</a:t>
             </a:r>
             <a:r>
-              <a:rPr lang="en-US" b="1" dirty="0" smtClean="0"/>
-              <a:t>J</a:t>
+              <a:rPr lang="en-US" sz="4800" dirty="0">
+                <a:solidFill>
+                  <a:srgbClr val="A31515"/>
+                </a:solidFill>
+                <a:latin typeface="Consolas" panose="020B0609020204030204" pitchFamily="49" charset="0"/>
+              </a:rPr>
+              <a:t>'view engine'</a:t>
             </a:r>
             <a:r>
-              <a:rPr lang="en-US" dirty="0" smtClean="0"/>
-              <a:t>ava</a:t>
+              <a:rPr lang="en-US" sz="4800" dirty="0">
+                <a:solidFill>
+                  <a:srgbClr val="000000"/>
+                </a:solidFill>
+                <a:latin typeface="Consolas" panose="020B0609020204030204" pitchFamily="49" charset="0"/>
+              </a:rPr>
+              <a:t>, </a:t>
             </a:r>
             <a:r>
-              <a:rPr lang="en-US" b="1" dirty="0" smtClean="0"/>
-              <a:t>S</a:t>
+              <a:rPr lang="en-US" sz="4800" dirty="0">
+                <a:solidFill>
+                  <a:srgbClr val="A31515"/>
+                </a:solidFill>
+                <a:latin typeface="Consolas" panose="020B0609020204030204" pitchFamily="49" charset="0"/>
+              </a:rPr>
+              <a:t>'</a:t>
             </a:r>
             <a:r>
-              <a:rPr lang="en-US" dirty="0" smtClean="0"/>
-              <a:t>cript</a:t>
+              <a:rPr lang="en-US" sz="4800" dirty="0" err="1">
+                <a:solidFill>
+                  <a:srgbClr val="A31515"/>
+                </a:solidFill>
+                <a:latin typeface="Consolas" panose="020B0609020204030204" pitchFamily="49" charset="0"/>
+              </a:rPr>
+              <a:t>ejs</a:t>
             </a:r>
-            <a:endParaRPr lang="en-US" dirty="0"/>
+            <a:r>
+              <a:rPr lang="en-US" sz="4800" dirty="0" smtClean="0">
+                <a:solidFill>
+                  <a:srgbClr val="A31515"/>
+                </a:solidFill>
+                <a:latin typeface="Consolas" panose="020B0609020204030204" pitchFamily="49" charset="0"/>
+              </a:rPr>
+              <a:t>'</a:t>
+            </a:r>
+            <a:r>
+              <a:rPr lang="en-US" sz="4800" dirty="0" smtClean="0">
+                <a:solidFill>
+                  <a:srgbClr val="000000"/>
+                </a:solidFill>
+                <a:latin typeface="Consolas" panose="020B0609020204030204" pitchFamily="49" charset="0"/>
+              </a:rPr>
+              <a:t>);</a:t>
+            </a:r>
+            <a:endParaRPr lang="en-US" sz="4800" dirty="0">
+              <a:solidFill>
+                <a:srgbClr val="000000"/>
+              </a:solidFill>
+              <a:latin typeface="Consolas" panose="020B0609020204030204" pitchFamily="49" charset="0"/>
+            </a:endParaRPr>
           </a:p>
         </p:txBody>
       </p:sp>
     </p:spTree>
     <p:extLst>
       <p:ext uri="{BB962C8B-B14F-4D97-AF65-F5344CB8AC3E}">
-        <p14:creationId xmlns:p14="http://schemas.microsoft.com/office/powerpoint/2010/main" val="1582987622"/>
+        <p14:creationId xmlns:p14="http://schemas.microsoft.com/office/powerpoint/2010/main" val="3899957875"/>
       </p:ext>
     </p:extLst>
   </p:cSld>
@@ -35831,6 +37664,13 @@
   <p:transition>
     <p:fade/>
   </p:transition>
+  <p:timing>
+    <p:tnLst>
+      <p:par>
+        <p:cTn id="1" dur="indefinite" restart="never" nodeType="tmRoot"/>
+      </p:par>
+    </p:tnLst>
+  </p:timing>
 </p:sld>
 </file>
 
@@ -35866,7 +37706,2392 @@
           <a:bodyPr/>
           <a:lstStyle/>
           <a:p>
-            <a:endParaRPr lang="en-US"/>
+            <a:r>
+              <a:rPr lang="en-US" dirty="0" smtClean="0"/>
+              <a:t>Server-Side </a:t>
+            </a:r>
+            <a:r>
+              <a:rPr lang="en-US" dirty="0" smtClean="0"/>
+              <a:t>Rendering – app.js</a:t>
+            </a:r>
+            <a:endParaRPr lang="en-US" dirty="0"/>
+          </a:p>
+        </p:txBody>
+      </p:sp>
+      <p:sp>
+        <p:nvSpPr>
+          <p:cNvPr id="3" name="Content Placeholder 2"/>
+          <p:cNvSpPr>
+            <a:spLocks noGrp="1"/>
+          </p:cNvSpPr>
+          <p:nvPr>
+            <p:ph idx="1"/>
+          </p:nvPr>
+        </p:nvSpPr>
+        <p:spPr>
+          <a:xfrm>
+            <a:off x="1581150" y="3875138"/>
+            <a:ext cx="9201150" cy="2057400"/>
+          </a:xfrm>
+        </p:spPr>
+        <p:txBody>
+          <a:bodyPr>
+            <a:normAutofit/>
+          </a:bodyPr>
+          <a:lstStyle/>
+          <a:p>
+            <a:r>
+              <a:rPr lang="en-US" sz="3200" b="1" dirty="0" err="1" smtClean="0">
+                <a:solidFill>
+                  <a:schemeClr val="accent2"/>
+                </a:solidFill>
+              </a:rPr>
+              <a:t>page.ejs</a:t>
+            </a:r>
+            <a:r>
+              <a:rPr lang="en-US" sz="3200" dirty="0" smtClean="0"/>
+              <a:t> is an HTML template file</a:t>
+            </a:r>
+          </a:p>
+          <a:p>
+            <a:r>
+              <a:rPr lang="en-US" sz="3200" b="1" dirty="0" err="1" smtClean="0">
+                <a:solidFill>
+                  <a:schemeClr val="accent1"/>
+                </a:solidFill>
+                <a:latin typeface="Consolas" panose="020B0609020204030204" pitchFamily="49" charset="0"/>
+              </a:rPr>
+              <a:t>jsonObject</a:t>
+            </a:r>
+            <a:r>
+              <a:rPr lang="en-US" sz="3200" dirty="0" smtClean="0"/>
+              <a:t> contains any JSON data</a:t>
+            </a:r>
+          </a:p>
+          <a:p>
+            <a:r>
+              <a:rPr lang="en-US" sz="3200" b="1" dirty="0" smtClean="0">
+                <a:solidFill>
+                  <a:schemeClr val="accent1"/>
+                </a:solidFill>
+                <a:latin typeface="Consolas" panose="020B0609020204030204" pitchFamily="49" charset="0"/>
+              </a:rPr>
+              <a:t>data</a:t>
+            </a:r>
+            <a:r>
+              <a:rPr lang="en-US" sz="3200" dirty="0" smtClean="0"/>
+              <a:t> will be usable within the </a:t>
+            </a:r>
+            <a:r>
+              <a:rPr lang="en-US" sz="3200" dirty="0" err="1" smtClean="0">
+                <a:solidFill>
+                  <a:schemeClr val="accent2"/>
+                </a:solidFill>
+              </a:rPr>
+              <a:t>page.ejs</a:t>
+            </a:r>
+            <a:r>
+              <a:rPr lang="en-US" sz="3200" dirty="0" smtClean="0"/>
+              <a:t> template</a:t>
+            </a:r>
+            <a:endParaRPr lang="en-US" sz="3200" dirty="0" smtClean="0"/>
+          </a:p>
+        </p:txBody>
+      </p:sp>
+      <p:sp>
+        <p:nvSpPr>
+          <p:cNvPr id="4" name="Rectangle 3"/>
+          <p:cNvSpPr/>
+          <p:nvPr/>
+        </p:nvSpPr>
+        <p:spPr bwMode="auto">
+          <a:xfrm>
+            <a:off x="1495425" y="1308919"/>
+            <a:ext cx="9201150" cy="2171700"/>
+          </a:xfrm>
+          <a:prstGeom prst="rect">
+            <a:avLst/>
+          </a:prstGeom>
+          <a:solidFill>
+            <a:schemeClr val="tx1">
+              <a:lumMod val="50000"/>
+            </a:schemeClr>
+          </a:solidFill>
+          <a:ln w="12700">
+            <a:solidFill>
+              <a:schemeClr val="tx2"/>
+            </a:solidFill>
+            <a:miter lim="800000"/>
+            <a:headEnd type="none" w="med" len="med"/>
+            <a:tailEnd type="none" w="med" len="med"/>
+          </a:ln>
+          <a:effectLst/>
+        </p:spPr>
+        <p:style>
+          <a:lnRef idx="1">
+            <a:schemeClr val="accent2"/>
+          </a:lnRef>
+          <a:fillRef idx="3">
+            <a:schemeClr val="accent2"/>
+          </a:fillRef>
+          <a:effectRef idx="2">
+            <a:schemeClr val="accent2"/>
+          </a:effectRef>
+          <a:fontRef idx="minor">
+            <a:schemeClr val="lt1"/>
+          </a:fontRef>
+        </p:style>
+        <p:txBody>
+          <a:bodyPr rot="0" spcFirstLastPara="0" vertOverflow="overflow" horzOverflow="overflow" vert="horz" wrap="square" lIns="182880" tIns="146304" rIns="182880" bIns="146304" numCol="1" spcCol="0" rtlCol="0" fromWordArt="0" anchor="t" anchorCtr="0" forceAA="0" compatLnSpc="1">
+            <a:prstTxWarp prst="textNoShape">
+              <a:avLst/>
+            </a:prstTxWarp>
+            <a:noAutofit/>
+          </a:bodyPr>
+          <a:lstStyle/>
+          <a:p>
+            <a:r>
+              <a:rPr lang="en-US" sz="4000" dirty="0" err="1" smtClean="0">
+                <a:solidFill>
+                  <a:srgbClr val="9CDCFE"/>
+                </a:solidFill>
+                <a:latin typeface="Consolas" panose="020B0609020204030204" pitchFamily="49" charset="0"/>
+              </a:rPr>
+              <a:t>response</a:t>
+            </a:r>
+            <a:r>
+              <a:rPr lang="en-US" sz="4000" dirty="0" err="1" smtClean="0">
+                <a:solidFill>
+                  <a:srgbClr val="D4D4D4"/>
+                </a:solidFill>
+                <a:latin typeface="Consolas" panose="020B0609020204030204" pitchFamily="49" charset="0"/>
+              </a:rPr>
+              <a:t>.</a:t>
+            </a:r>
+            <a:r>
+              <a:rPr lang="en-US" sz="4000" dirty="0" err="1" smtClean="0">
+                <a:solidFill>
+                  <a:srgbClr val="DCDCAA"/>
+                </a:solidFill>
+                <a:latin typeface="Consolas" panose="020B0609020204030204" pitchFamily="49" charset="0"/>
+              </a:rPr>
+              <a:t>render</a:t>
+            </a:r>
+            <a:r>
+              <a:rPr lang="en-US" sz="4000" dirty="0">
+                <a:solidFill>
+                  <a:srgbClr val="D4D4D4"/>
+                </a:solidFill>
+                <a:latin typeface="Consolas" panose="020B0609020204030204" pitchFamily="49" charset="0"/>
+              </a:rPr>
+              <a:t>(</a:t>
+            </a:r>
+            <a:r>
+              <a:rPr lang="en-US" sz="4000" dirty="0">
+                <a:solidFill>
+                  <a:srgbClr val="CE9178"/>
+                </a:solidFill>
+                <a:latin typeface="Consolas" panose="020B0609020204030204" pitchFamily="49" charset="0"/>
+              </a:rPr>
+              <a:t>'page'</a:t>
+            </a:r>
+            <a:r>
+              <a:rPr lang="en-US" sz="4000" dirty="0">
+                <a:solidFill>
+                  <a:srgbClr val="D4D4D4"/>
+                </a:solidFill>
+                <a:latin typeface="Consolas" panose="020B0609020204030204" pitchFamily="49" charset="0"/>
+              </a:rPr>
+              <a:t>, {</a:t>
+            </a:r>
+          </a:p>
+          <a:p>
+            <a:r>
+              <a:rPr lang="en-US" sz="4000" dirty="0">
+                <a:solidFill>
+                  <a:srgbClr val="D4D4D4"/>
+                </a:solidFill>
+                <a:latin typeface="Consolas" panose="020B0609020204030204" pitchFamily="49" charset="0"/>
+              </a:rPr>
+              <a:t>    </a:t>
+            </a:r>
+            <a:r>
+              <a:rPr lang="en-US" sz="4000" dirty="0" smtClean="0">
+                <a:solidFill>
+                  <a:srgbClr val="9CDCFE"/>
+                </a:solidFill>
+                <a:latin typeface="Consolas" panose="020B0609020204030204" pitchFamily="49" charset="0"/>
+              </a:rPr>
+              <a:t>data:</a:t>
+            </a:r>
+            <a:r>
+              <a:rPr lang="en-US" sz="4000" dirty="0">
+                <a:solidFill>
+                  <a:srgbClr val="D4D4D4"/>
+                </a:solidFill>
+                <a:latin typeface="Consolas" panose="020B0609020204030204" pitchFamily="49" charset="0"/>
+              </a:rPr>
+              <a:t> </a:t>
+            </a:r>
+            <a:r>
+              <a:rPr lang="en-US" sz="4000" dirty="0" err="1" smtClean="0">
+                <a:solidFill>
+                  <a:srgbClr val="9CDCFE"/>
+                </a:solidFill>
+                <a:latin typeface="Consolas" panose="020B0609020204030204" pitchFamily="49" charset="0"/>
+              </a:rPr>
+              <a:t>jsonObject</a:t>
+            </a:r>
+            <a:endParaRPr lang="en-US" sz="4000" dirty="0">
+              <a:solidFill>
+                <a:srgbClr val="D4D4D4"/>
+              </a:solidFill>
+              <a:latin typeface="Consolas" panose="020B0609020204030204" pitchFamily="49" charset="0"/>
+            </a:endParaRPr>
+          </a:p>
+          <a:p>
+            <a:r>
+              <a:rPr lang="en-US" sz="4000" dirty="0" smtClean="0">
+                <a:solidFill>
+                  <a:srgbClr val="D4D4D4"/>
+                </a:solidFill>
+                <a:latin typeface="Consolas" panose="020B0609020204030204" pitchFamily="49" charset="0"/>
+              </a:rPr>
+              <a:t>});</a:t>
+            </a:r>
+            <a:endParaRPr lang="en-US" sz="4000" b="0" dirty="0">
+              <a:solidFill>
+                <a:srgbClr val="D4D4D4"/>
+              </a:solidFill>
+              <a:effectLst/>
+              <a:latin typeface="Consolas" panose="020B0609020204030204" pitchFamily="49" charset="0"/>
+            </a:endParaRPr>
+          </a:p>
+        </p:txBody>
+      </p:sp>
+    </p:spTree>
+    <p:extLst>
+      <p:ext uri="{BB962C8B-B14F-4D97-AF65-F5344CB8AC3E}">
+        <p14:creationId xmlns:p14="http://schemas.microsoft.com/office/powerpoint/2010/main" val="2938608460"/>
+      </p:ext>
+    </p:extLst>
+  </p:cSld>
+  <p:clrMapOvr>
+    <a:masterClrMapping/>
+  </p:clrMapOvr>
+  <p:transition>
+    <p:fade/>
+  </p:transition>
+  <p:timing>
+    <p:tnLst>
+      <p:par>
+        <p:cTn id="1" dur="indefinite" restart="never" nodeType="tmRoot">
+          <p:childTnLst>
+            <p:seq concurrent="1" nextAc="seek">
+              <p:cTn id="2" dur="indefinite" nodeType="mainSeq">
+                <p:childTnLst>
+                  <p:par>
+                    <p:cTn id="3" fill="hold">
+                      <p:stCondLst>
+                        <p:cond delay="indefinite"/>
+                      </p:stCondLst>
+                      <p:childTnLst>
+                        <p:par>
+                          <p:cTn id="4" fill="hold">
+                            <p:stCondLst>
+                              <p:cond delay="0"/>
+                            </p:stCondLst>
+                            <p:childTnLst>
+                              <p:par>
+                                <p:cTn id="5" presetID="42" presetClass="entr" presetSubtype="0" fill="hold" grpId="0" nodeType="clickEffect">
+                                  <p:stCondLst>
+                                    <p:cond delay="0"/>
+                                  </p:stCondLst>
+                                  <p:childTnLst>
+                                    <p:set>
+                                      <p:cBhvr>
+                                        <p:cTn id="6" dur="1" fill="hold">
+                                          <p:stCondLst>
+                                            <p:cond delay="0"/>
+                                          </p:stCondLst>
+                                        </p:cTn>
+                                        <p:tgtEl>
+                                          <p:spTgt spid="3">
+                                            <p:txEl>
+                                              <p:pRg st="0" end="0"/>
+                                            </p:txEl>
+                                          </p:spTgt>
+                                        </p:tgtEl>
+                                        <p:attrNameLst>
+                                          <p:attrName>style.visibility</p:attrName>
+                                        </p:attrNameLst>
+                                      </p:cBhvr>
+                                      <p:to>
+                                        <p:strVal val="visible"/>
+                                      </p:to>
+                                    </p:set>
+                                    <p:animEffect transition="in" filter="fade">
+                                      <p:cBhvr>
+                                        <p:cTn id="7" dur="500"/>
+                                        <p:tgtEl>
+                                          <p:spTgt spid="3">
+                                            <p:txEl>
+                                              <p:pRg st="0" end="0"/>
+                                            </p:txEl>
+                                          </p:spTgt>
+                                        </p:tgtEl>
+                                      </p:cBhvr>
+                                    </p:animEffect>
+                                    <p:anim calcmode="lin" valueType="num">
+                                      <p:cBhvr>
+                                        <p:cTn id="8" dur="500" fill="hold"/>
+                                        <p:tgtEl>
+                                          <p:spTgt spid="3">
+                                            <p:txEl>
+                                              <p:pRg st="0" end="0"/>
+                                            </p:txEl>
+                                          </p:spTgt>
+                                        </p:tgtEl>
+                                        <p:attrNameLst>
+                                          <p:attrName>ppt_x</p:attrName>
+                                        </p:attrNameLst>
+                                      </p:cBhvr>
+                                      <p:tavLst>
+                                        <p:tav tm="0">
+                                          <p:val>
+                                            <p:strVal val="#ppt_x"/>
+                                          </p:val>
+                                        </p:tav>
+                                        <p:tav tm="100000">
+                                          <p:val>
+                                            <p:strVal val="#ppt_x"/>
+                                          </p:val>
+                                        </p:tav>
+                                      </p:tavLst>
+                                    </p:anim>
+                                    <p:anim calcmode="lin" valueType="num">
+                                      <p:cBhvr>
+                                        <p:cTn id="9" dur="500" fill="hold"/>
+                                        <p:tgtEl>
+                                          <p:spTgt spid="3">
+                                            <p:txEl>
+                                              <p:pRg st="0" end="0"/>
+                                            </p:txEl>
+                                          </p:spTgt>
+                                        </p:tgtEl>
+                                        <p:attrNameLst>
+                                          <p:attrName>ppt_y</p:attrName>
+                                        </p:attrNameLst>
+                                      </p:cBhvr>
+                                      <p:tavLst>
+                                        <p:tav tm="0">
+                                          <p:val>
+                                            <p:strVal val="#ppt_y+.1"/>
+                                          </p:val>
+                                        </p:tav>
+                                        <p:tav tm="100000">
+                                          <p:val>
+                                            <p:strVal val="#ppt_y"/>
+                                          </p:val>
+                                        </p:tav>
+                                      </p:tavLst>
+                                    </p:anim>
+                                  </p:childTnLst>
+                                </p:cTn>
+                              </p:par>
+                            </p:childTnLst>
+                          </p:cTn>
+                        </p:par>
+                      </p:childTnLst>
+                    </p:cTn>
+                  </p:par>
+                  <p:par>
+                    <p:cTn id="10" fill="hold">
+                      <p:stCondLst>
+                        <p:cond delay="indefinite"/>
+                      </p:stCondLst>
+                      <p:childTnLst>
+                        <p:par>
+                          <p:cTn id="11" fill="hold">
+                            <p:stCondLst>
+                              <p:cond delay="0"/>
+                            </p:stCondLst>
+                            <p:childTnLst>
+                              <p:par>
+                                <p:cTn id="12" presetID="42" presetClass="entr" presetSubtype="0" fill="hold" grpId="0" nodeType="clickEffect">
+                                  <p:stCondLst>
+                                    <p:cond delay="0"/>
+                                  </p:stCondLst>
+                                  <p:childTnLst>
+                                    <p:set>
+                                      <p:cBhvr>
+                                        <p:cTn id="13" dur="1" fill="hold">
+                                          <p:stCondLst>
+                                            <p:cond delay="0"/>
+                                          </p:stCondLst>
+                                        </p:cTn>
+                                        <p:tgtEl>
+                                          <p:spTgt spid="3">
+                                            <p:txEl>
+                                              <p:pRg st="1" end="1"/>
+                                            </p:txEl>
+                                          </p:spTgt>
+                                        </p:tgtEl>
+                                        <p:attrNameLst>
+                                          <p:attrName>style.visibility</p:attrName>
+                                        </p:attrNameLst>
+                                      </p:cBhvr>
+                                      <p:to>
+                                        <p:strVal val="visible"/>
+                                      </p:to>
+                                    </p:set>
+                                    <p:animEffect transition="in" filter="fade">
+                                      <p:cBhvr>
+                                        <p:cTn id="14" dur="500"/>
+                                        <p:tgtEl>
+                                          <p:spTgt spid="3">
+                                            <p:txEl>
+                                              <p:pRg st="1" end="1"/>
+                                            </p:txEl>
+                                          </p:spTgt>
+                                        </p:tgtEl>
+                                      </p:cBhvr>
+                                    </p:animEffect>
+                                    <p:anim calcmode="lin" valueType="num">
+                                      <p:cBhvr>
+                                        <p:cTn id="15" dur="500" fill="hold"/>
+                                        <p:tgtEl>
+                                          <p:spTgt spid="3">
+                                            <p:txEl>
+                                              <p:pRg st="1" end="1"/>
+                                            </p:txEl>
+                                          </p:spTgt>
+                                        </p:tgtEl>
+                                        <p:attrNameLst>
+                                          <p:attrName>ppt_x</p:attrName>
+                                        </p:attrNameLst>
+                                      </p:cBhvr>
+                                      <p:tavLst>
+                                        <p:tav tm="0">
+                                          <p:val>
+                                            <p:strVal val="#ppt_x"/>
+                                          </p:val>
+                                        </p:tav>
+                                        <p:tav tm="100000">
+                                          <p:val>
+                                            <p:strVal val="#ppt_x"/>
+                                          </p:val>
+                                        </p:tav>
+                                      </p:tavLst>
+                                    </p:anim>
+                                    <p:anim calcmode="lin" valueType="num">
+                                      <p:cBhvr>
+                                        <p:cTn id="16" dur="500" fill="hold"/>
+                                        <p:tgtEl>
+                                          <p:spTgt spid="3">
+                                            <p:txEl>
+                                              <p:pRg st="1" end="1"/>
+                                            </p:txEl>
+                                          </p:spTgt>
+                                        </p:tgtEl>
+                                        <p:attrNameLst>
+                                          <p:attrName>ppt_y</p:attrName>
+                                        </p:attrNameLst>
+                                      </p:cBhvr>
+                                      <p:tavLst>
+                                        <p:tav tm="0">
+                                          <p:val>
+                                            <p:strVal val="#ppt_y+.1"/>
+                                          </p:val>
+                                        </p:tav>
+                                        <p:tav tm="100000">
+                                          <p:val>
+                                            <p:strVal val="#ppt_y"/>
+                                          </p:val>
+                                        </p:tav>
+                                      </p:tavLst>
+                                    </p:anim>
+                                  </p:childTnLst>
+                                </p:cTn>
+                              </p:par>
+                            </p:childTnLst>
+                          </p:cTn>
+                        </p:par>
+                      </p:childTnLst>
+                    </p:cTn>
+                  </p:par>
+                  <p:par>
+                    <p:cTn id="17" fill="hold">
+                      <p:stCondLst>
+                        <p:cond delay="indefinite"/>
+                      </p:stCondLst>
+                      <p:childTnLst>
+                        <p:par>
+                          <p:cTn id="18" fill="hold">
+                            <p:stCondLst>
+                              <p:cond delay="0"/>
+                            </p:stCondLst>
+                            <p:childTnLst>
+                              <p:par>
+                                <p:cTn id="19" presetID="42" presetClass="entr" presetSubtype="0" fill="hold" grpId="0" nodeType="clickEffect">
+                                  <p:stCondLst>
+                                    <p:cond delay="0"/>
+                                  </p:stCondLst>
+                                  <p:childTnLst>
+                                    <p:set>
+                                      <p:cBhvr>
+                                        <p:cTn id="20" dur="1" fill="hold">
+                                          <p:stCondLst>
+                                            <p:cond delay="0"/>
+                                          </p:stCondLst>
+                                        </p:cTn>
+                                        <p:tgtEl>
+                                          <p:spTgt spid="3">
+                                            <p:txEl>
+                                              <p:pRg st="2" end="2"/>
+                                            </p:txEl>
+                                          </p:spTgt>
+                                        </p:tgtEl>
+                                        <p:attrNameLst>
+                                          <p:attrName>style.visibility</p:attrName>
+                                        </p:attrNameLst>
+                                      </p:cBhvr>
+                                      <p:to>
+                                        <p:strVal val="visible"/>
+                                      </p:to>
+                                    </p:set>
+                                    <p:animEffect transition="in" filter="fade">
+                                      <p:cBhvr>
+                                        <p:cTn id="21" dur="500"/>
+                                        <p:tgtEl>
+                                          <p:spTgt spid="3">
+                                            <p:txEl>
+                                              <p:pRg st="2" end="2"/>
+                                            </p:txEl>
+                                          </p:spTgt>
+                                        </p:tgtEl>
+                                      </p:cBhvr>
+                                    </p:animEffect>
+                                    <p:anim calcmode="lin" valueType="num">
+                                      <p:cBhvr>
+                                        <p:cTn id="22" dur="500" fill="hold"/>
+                                        <p:tgtEl>
+                                          <p:spTgt spid="3">
+                                            <p:txEl>
+                                              <p:pRg st="2" end="2"/>
+                                            </p:txEl>
+                                          </p:spTgt>
+                                        </p:tgtEl>
+                                        <p:attrNameLst>
+                                          <p:attrName>ppt_x</p:attrName>
+                                        </p:attrNameLst>
+                                      </p:cBhvr>
+                                      <p:tavLst>
+                                        <p:tav tm="0">
+                                          <p:val>
+                                            <p:strVal val="#ppt_x"/>
+                                          </p:val>
+                                        </p:tav>
+                                        <p:tav tm="100000">
+                                          <p:val>
+                                            <p:strVal val="#ppt_x"/>
+                                          </p:val>
+                                        </p:tav>
+                                      </p:tavLst>
+                                    </p:anim>
+                                    <p:anim calcmode="lin" valueType="num">
+                                      <p:cBhvr>
+                                        <p:cTn id="23" dur="500" fill="hold"/>
+                                        <p:tgtEl>
+                                          <p:spTgt spid="3">
+                                            <p:txEl>
+                                              <p:pRg st="2" end="2"/>
+                                            </p:txEl>
+                                          </p:spTgt>
+                                        </p:tgtEl>
+                                        <p:attrNameLst>
+                                          <p:attrName>ppt_y</p:attrName>
+                                        </p:attrNameLst>
+                                      </p:cBhvr>
+                                      <p:tavLst>
+                                        <p:tav tm="0">
+                                          <p:val>
+                                            <p:strVal val="#ppt_y+.1"/>
+                                          </p:val>
+                                        </p:tav>
+                                        <p:tav tm="100000">
+                                          <p:val>
+                                            <p:strVal val="#ppt_y"/>
+                                          </p:val>
+                                        </p:tav>
+                                      </p:tavLst>
+                                    </p:anim>
+                                  </p:childTnLst>
+                                </p:cTn>
+                              </p:par>
+                            </p:childTnLst>
+                          </p:cTn>
+                        </p:par>
+                      </p:childTnLst>
+                    </p:cTn>
+                  </p:par>
+                </p:childTnLst>
+              </p:cTn>
+              <p:prevCondLst>
+                <p:cond evt="onPrev" delay="0">
+                  <p:tgtEl>
+                    <p:sldTgt/>
+                  </p:tgtEl>
+                </p:cond>
+              </p:prevCondLst>
+              <p:nextCondLst>
+                <p:cond evt="onNext" delay="0">
+                  <p:tgtEl>
+                    <p:sldTgt/>
+                  </p:tgtEl>
+                </p:cond>
+              </p:nextCondLst>
+            </p:seq>
+          </p:childTnLst>
+        </p:cTn>
+      </p:par>
+    </p:tnLst>
+    <p:bldLst>
+      <p:bldP spid="3" grpId="0" build="p"/>
+    </p:bldLst>
+  </p:timing>
+</p:sld>
+</file>
+
+<file path=ppt/slides/slide6.xml><?xml version="1.0" encoding="utf-8"?>
+<p:sld xmlns:a="http://schemas.openxmlformats.org/drawingml/2006/main" xmlns:r="http://schemas.openxmlformats.org/officeDocument/2006/relationships" xmlns:p="http://schemas.openxmlformats.org/presentationml/2006/main">
+  <p:cSld>
+    <p:spTree>
+      <p:nvGrpSpPr>
+        <p:cNvPr id="1" name=""/>
+        <p:cNvGrpSpPr/>
+        <p:nvPr/>
+      </p:nvGrpSpPr>
+      <p:grpSpPr>
+        <a:xfrm>
+          <a:off x="0" y="0"/>
+          <a:ext cx="0" cy="0"/>
+          <a:chOff x="0" y="0"/>
+          <a:chExt cx="0" cy="0"/>
+        </a:xfrm>
+      </p:grpSpPr>
+      <p:sp>
+        <p:nvSpPr>
+          <p:cNvPr id="2" name="Title 1"/>
+          <p:cNvSpPr>
+            <a:spLocks noGrp="1"/>
+          </p:cNvSpPr>
+          <p:nvPr>
+            <p:ph type="title"/>
+          </p:nvPr>
+        </p:nvSpPr>
+        <p:spPr/>
+        <p:txBody>
+          <a:bodyPr/>
+          <a:lstStyle/>
+          <a:p>
+            <a:r>
+              <a:rPr lang="en-US" dirty="0" smtClean="0"/>
+              <a:t>Client-Side – </a:t>
+            </a:r>
+            <a:r>
+              <a:rPr lang="en-US" dirty="0" smtClean="0"/>
+              <a:t>Rendered Values</a:t>
+            </a:r>
+            <a:endParaRPr lang="en-US" dirty="0"/>
+          </a:p>
+        </p:txBody>
+      </p:sp>
+      <p:sp>
+        <p:nvSpPr>
+          <p:cNvPr id="3" name="Content Placeholder 2"/>
+          <p:cNvSpPr>
+            <a:spLocks noGrp="1"/>
+          </p:cNvSpPr>
+          <p:nvPr>
+            <p:ph idx="1"/>
+          </p:nvPr>
+        </p:nvSpPr>
+        <p:spPr/>
+        <p:txBody>
+          <a:bodyPr>
+            <a:normAutofit/>
+          </a:bodyPr>
+          <a:lstStyle/>
+          <a:p>
+            <a:r>
+              <a:rPr lang="en-US" dirty="0" smtClean="0"/>
+              <a:t>In an </a:t>
+            </a:r>
+            <a:r>
+              <a:rPr lang="en-US" b="1" dirty="0" err="1" smtClean="0"/>
+              <a:t>ejs</a:t>
+            </a:r>
+            <a:r>
+              <a:rPr lang="en-US" dirty="0" smtClean="0"/>
+              <a:t> file, EJS segments can use the dat</a:t>
+            </a:r>
+            <a:r>
+              <a:rPr lang="en-US" dirty="0" smtClean="0"/>
+              <a:t>a passed on the server</a:t>
+            </a:r>
+          </a:p>
+          <a:p>
+            <a:r>
+              <a:rPr lang="en-US" dirty="0" smtClean="0"/>
+              <a:t>JavaScript is rendered within </a:t>
+            </a:r>
+            <a:r>
+              <a:rPr lang="en-US" b="1" dirty="0" smtClean="0">
+                <a:solidFill>
+                  <a:srgbClr val="7030A0"/>
+                </a:solidFill>
+                <a:latin typeface="Consolas" panose="020B0609020204030204" pitchFamily="49" charset="0"/>
+              </a:rPr>
+              <a:t>&lt;%= </a:t>
+            </a:r>
+            <a:r>
+              <a:rPr lang="en-US" dirty="0"/>
+              <a:t>…</a:t>
+            </a:r>
+            <a:r>
+              <a:rPr lang="en-US" b="1" dirty="0" smtClean="0">
+                <a:solidFill>
+                  <a:srgbClr val="7030A0"/>
+                </a:solidFill>
+                <a:latin typeface="Consolas" panose="020B0609020204030204" pitchFamily="49" charset="0"/>
+              </a:rPr>
+              <a:t> %&gt;</a:t>
+            </a:r>
+          </a:p>
+          <a:p>
+            <a:pPr marL="57150" indent="0">
+              <a:buNone/>
+            </a:pPr>
+            <a:endParaRPr lang="en-US" dirty="0" smtClean="0"/>
+          </a:p>
+          <a:p>
+            <a:pPr marL="57150" indent="0">
+              <a:buNone/>
+            </a:pPr>
+            <a:r>
+              <a:rPr lang="en-US" dirty="0" err="1" smtClean="0">
+                <a:solidFill>
+                  <a:schemeClr val="accent2"/>
+                </a:solidFill>
+              </a:rPr>
+              <a:t>page.ejs</a:t>
+            </a:r>
+            <a:endParaRPr lang="en-US" dirty="0" smtClean="0"/>
+          </a:p>
+          <a:p>
+            <a:pPr marL="57150" indent="0">
+              <a:buNone/>
+            </a:pPr>
+            <a:r>
+              <a:rPr lang="en-US" dirty="0" smtClean="0">
+                <a:solidFill>
+                  <a:srgbClr val="800000"/>
+                </a:solidFill>
+                <a:latin typeface="Consolas" panose="020B0609020204030204" pitchFamily="49" charset="0"/>
+              </a:rPr>
+              <a:t>&lt;</a:t>
+            </a:r>
+            <a:r>
+              <a:rPr lang="en-US" dirty="0">
+                <a:solidFill>
+                  <a:srgbClr val="800000"/>
+                </a:solidFill>
+                <a:latin typeface="Consolas" panose="020B0609020204030204" pitchFamily="49" charset="0"/>
+              </a:rPr>
+              <a:t>p&gt;</a:t>
+            </a:r>
+            <a:r>
+              <a:rPr lang="en-US" dirty="0">
+                <a:solidFill>
+                  <a:srgbClr val="000000"/>
+                </a:solidFill>
+                <a:latin typeface="Consolas" panose="020B0609020204030204" pitchFamily="49" charset="0"/>
+              </a:rPr>
+              <a:t>Name: </a:t>
+            </a:r>
+            <a:r>
+              <a:rPr lang="en-US" b="1" dirty="0">
+                <a:solidFill>
+                  <a:srgbClr val="7030A0"/>
+                </a:solidFill>
+                <a:latin typeface="Consolas" panose="020B0609020204030204" pitchFamily="49" charset="0"/>
+              </a:rPr>
+              <a:t>&lt;%=</a:t>
+            </a:r>
+            <a:r>
+              <a:rPr lang="en-US" dirty="0">
+                <a:solidFill>
+                  <a:srgbClr val="000000"/>
+                </a:solidFill>
+                <a:latin typeface="Consolas" panose="020B0609020204030204" pitchFamily="49" charset="0"/>
+              </a:rPr>
+              <a:t> data.name </a:t>
+            </a:r>
+            <a:r>
+              <a:rPr lang="en-US" b="1" dirty="0">
+                <a:solidFill>
+                  <a:srgbClr val="7030A0"/>
+                </a:solidFill>
+                <a:latin typeface="Consolas" panose="020B0609020204030204" pitchFamily="49" charset="0"/>
+              </a:rPr>
+              <a:t>%&gt;</a:t>
+            </a:r>
+            <a:r>
+              <a:rPr lang="en-US" dirty="0">
+                <a:solidFill>
+                  <a:srgbClr val="800000"/>
+                </a:solidFill>
+                <a:latin typeface="Consolas" panose="020B0609020204030204" pitchFamily="49" charset="0"/>
+              </a:rPr>
+              <a:t>&lt;/p&gt;</a:t>
+            </a:r>
+            <a:endParaRPr lang="en-US" dirty="0">
+              <a:solidFill>
+                <a:srgbClr val="000000"/>
+              </a:solidFill>
+              <a:latin typeface="Consolas" panose="020B0609020204030204" pitchFamily="49" charset="0"/>
+            </a:endParaRPr>
+          </a:p>
+          <a:p>
+            <a:pPr marL="57150" indent="0">
+              <a:buNone/>
+            </a:pPr>
+            <a:r>
+              <a:rPr lang="en-US" dirty="0" smtClean="0">
+                <a:solidFill>
+                  <a:srgbClr val="800000"/>
+                </a:solidFill>
+                <a:latin typeface="Consolas" panose="020B0609020204030204" pitchFamily="49" charset="0"/>
+              </a:rPr>
+              <a:t>&lt;</a:t>
+            </a:r>
+            <a:r>
+              <a:rPr lang="en-US" dirty="0">
+                <a:solidFill>
+                  <a:srgbClr val="800000"/>
+                </a:solidFill>
+                <a:latin typeface="Consolas" panose="020B0609020204030204" pitchFamily="49" charset="0"/>
+              </a:rPr>
+              <a:t>p&gt;</a:t>
+            </a:r>
+            <a:r>
+              <a:rPr lang="en-US" dirty="0">
+                <a:solidFill>
+                  <a:srgbClr val="000000"/>
+                </a:solidFill>
+                <a:latin typeface="Consolas" panose="020B0609020204030204" pitchFamily="49" charset="0"/>
+              </a:rPr>
+              <a:t>Age: </a:t>
+            </a:r>
+            <a:r>
+              <a:rPr lang="en-US" b="1" dirty="0">
+                <a:solidFill>
+                  <a:srgbClr val="7030A0"/>
+                </a:solidFill>
+                <a:latin typeface="Consolas" panose="020B0609020204030204" pitchFamily="49" charset="0"/>
+              </a:rPr>
+              <a:t>&lt;%=</a:t>
+            </a:r>
+            <a:r>
+              <a:rPr lang="en-US" dirty="0">
+                <a:solidFill>
+                  <a:srgbClr val="000000"/>
+                </a:solidFill>
+                <a:latin typeface="Consolas" panose="020B0609020204030204" pitchFamily="49" charset="0"/>
+              </a:rPr>
+              <a:t> </a:t>
+            </a:r>
+            <a:r>
+              <a:rPr lang="en-US" dirty="0" err="1">
+                <a:solidFill>
+                  <a:srgbClr val="000000"/>
+                </a:solidFill>
+                <a:latin typeface="Consolas" panose="020B0609020204030204" pitchFamily="49" charset="0"/>
+              </a:rPr>
+              <a:t>data.age</a:t>
+            </a:r>
+            <a:r>
+              <a:rPr lang="en-US" dirty="0">
+                <a:solidFill>
+                  <a:srgbClr val="000000"/>
+                </a:solidFill>
+                <a:latin typeface="Consolas" panose="020B0609020204030204" pitchFamily="49" charset="0"/>
+              </a:rPr>
+              <a:t> </a:t>
+            </a:r>
+            <a:r>
+              <a:rPr lang="en-US" b="1" dirty="0">
+                <a:solidFill>
+                  <a:srgbClr val="7030A0"/>
+                </a:solidFill>
+                <a:latin typeface="Consolas" panose="020B0609020204030204" pitchFamily="49" charset="0"/>
+              </a:rPr>
+              <a:t>%&gt;</a:t>
+            </a:r>
+            <a:r>
+              <a:rPr lang="en-US" dirty="0">
+                <a:solidFill>
+                  <a:srgbClr val="800000"/>
+                </a:solidFill>
+                <a:latin typeface="Consolas" panose="020B0609020204030204" pitchFamily="49" charset="0"/>
+              </a:rPr>
+              <a:t>&lt;/p</a:t>
+            </a:r>
+            <a:r>
+              <a:rPr lang="en-US" dirty="0" smtClean="0">
+                <a:solidFill>
+                  <a:srgbClr val="800000"/>
+                </a:solidFill>
+                <a:latin typeface="Consolas" panose="020B0609020204030204" pitchFamily="49" charset="0"/>
+              </a:rPr>
+              <a:t>&gt;</a:t>
+            </a:r>
+          </a:p>
+          <a:p>
+            <a:pPr marL="57150" indent="0">
+              <a:buNone/>
+            </a:pPr>
+            <a:endParaRPr lang="en-US" sz="1700" dirty="0">
+              <a:solidFill>
+                <a:srgbClr val="800000"/>
+              </a:solidFill>
+              <a:latin typeface="Consolas" panose="020B0609020204030204" pitchFamily="49" charset="0"/>
+            </a:endParaRPr>
+          </a:p>
+          <a:p>
+            <a:pPr marL="57150" indent="0">
+              <a:buNone/>
+            </a:pPr>
+            <a:r>
+              <a:rPr lang="en-US" dirty="0" smtClean="0">
+                <a:solidFill>
+                  <a:schemeClr val="accent1"/>
+                </a:solidFill>
+                <a:latin typeface="Consolas" panose="020B0609020204030204" pitchFamily="49" charset="0"/>
+              </a:rPr>
+              <a:t>data</a:t>
+            </a:r>
+          </a:p>
+          <a:p>
+            <a:pPr marL="57150" indent="0">
+              <a:buNone/>
+            </a:pPr>
+            <a:r>
+              <a:rPr lang="en-US" dirty="0" smtClean="0">
+                <a:solidFill>
+                  <a:srgbClr val="000000"/>
+                </a:solidFill>
+                <a:latin typeface="Consolas" panose="020B0609020204030204" pitchFamily="49" charset="0"/>
+              </a:rPr>
+              <a:t>{ name</a:t>
+            </a:r>
+            <a:r>
+              <a:rPr lang="en-US" dirty="0">
+                <a:solidFill>
+                  <a:srgbClr val="000000"/>
+                </a:solidFill>
+                <a:latin typeface="Consolas" panose="020B0609020204030204" pitchFamily="49" charset="0"/>
+              </a:rPr>
+              <a:t>: </a:t>
+            </a:r>
+            <a:r>
+              <a:rPr lang="en-US" dirty="0">
+                <a:solidFill>
+                  <a:srgbClr val="A31515"/>
+                </a:solidFill>
+                <a:latin typeface="Consolas" panose="020B0609020204030204" pitchFamily="49" charset="0"/>
+              </a:rPr>
+              <a:t>'Al</a:t>
+            </a:r>
+            <a:r>
+              <a:rPr lang="en-US" dirty="0" smtClean="0">
+                <a:solidFill>
+                  <a:srgbClr val="A31515"/>
+                </a:solidFill>
+                <a:latin typeface="Consolas" panose="020B0609020204030204" pitchFamily="49" charset="0"/>
+              </a:rPr>
+              <a:t>'</a:t>
+            </a:r>
+            <a:r>
+              <a:rPr lang="en-US" dirty="0" smtClean="0">
+                <a:solidFill>
+                  <a:srgbClr val="000000"/>
+                </a:solidFill>
+                <a:latin typeface="Consolas" panose="020B0609020204030204" pitchFamily="49" charset="0"/>
+              </a:rPr>
+              <a:t>, age</a:t>
+            </a:r>
+            <a:r>
+              <a:rPr lang="en-US" dirty="0">
+                <a:solidFill>
+                  <a:srgbClr val="000000"/>
+                </a:solidFill>
+                <a:latin typeface="Consolas" panose="020B0609020204030204" pitchFamily="49" charset="0"/>
+              </a:rPr>
+              <a:t>: </a:t>
+            </a:r>
+            <a:r>
+              <a:rPr lang="en-US" dirty="0" smtClean="0">
+                <a:solidFill>
+                  <a:srgbClr val="09885A"/>
+                </a:solidFill>
+                <a:latin typeface="Consolas" panose="020B0609020204030204" pitchFamily="49" charset="0"/>
+              </a:rPr>
+              <a:t>2 </a:t>
+            </a:r>
+            <a:r>
+              <a:rPr lang="en-US" dirty="0" smtClean="0">
+                <a:solidFill>
+                  <a:srgbClr val="000000"/>
+                </a:solidFill>
+                <a:latin typeface="Consolas" panose="020B0609020204030204" pitchFamily="49" charset="0"/>
+              </a:rPr>
+              <a:t>}</a:t>
+            </a:r>
+            <a:endParaRPr lang="en-US" dirty="0">
+              <a:solidFill>
+                <a:srgbClr val="000000"/>
+              </a:solidFill>
+              <a:latin typeface="Consolas" panose="020B0609020204030204" pitchFamily="49" charset="0"/>
+            </a:endParaRPr>
+          </a:p>
+          <a:p>
+            <a:pPr marL="57150" indent="0">
+              <a:buNone/>
+            </a:pPr>
+            <a:endParaRPr lang="en-US" dirty="0" smtClean="0">
+              <a:solidFill>
+                <a:schemeClr val="accent1"/>
+              </a:solidFill>
+            </a:endParaRPr>
+          </a:p>
+          <a:p>
+            <a:pPr marL="57150" indent="0">
+              <a:buNone/>
+            </a:pPr>
+            <a:endParaRPr lang="en-US" dirty="0">
+              <a:solidFill>
+                <a:srgbClr val="000000"/>
+              </a:solidFill>
+              <a:latin typeface="Consolas" panose="020B0609020204030204" pitchFamily="49" charset="0"/>
+            </a:endParaRPr>
+          </a:p>
+          <a:p>
+            <a:pPr marL="57150" indent="0">
+              <a:buNone/>
+            </a:pPr>
+            <a:endParaRPr lang="en-US" dirty="0"/>
+          </a:p>
+        </p:txBody>
+      </p:sp>
+      <p:sp>
+        <p:nvSpPr>
+          <p:cNvPr id="4" name="Rectangle 3"/>
+          <p:cNvSpPr/>
+          <p:nvPr/>
+        </p:nvSpPr>
+        <p:spPr bwMode="auto">
+          <a:xfrm>
+            <a:off x="7124700" y="3429000"/>
+            <a:ext cx="4343400" cy="1828800"/>
+          </a:xfrm>
+          <a:prstGeom prst="rect">
+            <a:avLst/>
+          </a:prstGeom>
+          <a:solidFill>
+            <a:schemeClr val="accent1">
+              <a:lumMod val="20000"/>
+              <a:lumOff val="80000"/>
+            </a:schemeClr>
+          </a:solidFill>
+          <a:ln w="12700">
+            <a:solidFill>
+              <a:schemeClr val="tx2"/>
+            </a:solidFill>
+            <a:miter lim="800000"/>
+            <a:headEnd type="none" w="med" len="med"/>
+            <a:tailEnd type="none" w="med" len="med"/>
+          </a:ln>
+          <a:effectLst/>
+        </p:spPr>
+        <p:style>
+          <a:lnRef idx="1">
+            <a:schemeClr val="accent2"/>
+          </a:lnRef>
+          <a:fillRef idx="3">
+            <a:schemeClr val="accent2"/>
+          </a:fillRef>
+          <a:effectRef idx="2">
+            <a:schemeClr val="accent2"/>
+          </a:effectRef>
+          <a:fontRef idx="minor">
+            <a:schemeClr val="lt1"/>
+          </a:fontRef>
+        </p:style>
+        <p:txBody>
+          <a:bodyPr rot="0" spcFirstLastPara="0" vertOverflow="overflow" horzOverflow="overflow" vert="horz" wrap="square" lIns="182880" tIns="146304" rIns="182880" bIns="146304" numCol="1" spcCol="0" rtlCol="0" fromWordArt="0" anchor="t" anchorCtr="0" forceAA="0" compatLnSpc="1">
+            <a:prstTxWarp prst="textNoShape">
+              <a:avLst/>
+            </a:prstTxWarp>
+            <a:noAutofit/>
+          </a:bodyPr>
+          <a:lstStyle/>
+          <a:p>
+            <a:pPr marL="57150" indent="0">
+              <a:buNone/>
+            </a:pPr>
+            <a:r>
+              <a:rPr lang="en-US" sz="2400" dirty="0" smtClean="0">
+                <a:solidFill>
+                  <a:schemeClr val="accent2"/>
+                </a:solidFill>
+              </a:rPr>
+              <a:t>Rendered output</a:t>
+            </a:r>
+          </a:p>
+          <a:p>
+            <a:r>
+              <a:rPr lang="en-US" sz="3600" dirty="0">
+                <a:solidFill>
+                  <a:srgbClr val="800000"/>
+                </a:solidFill>
+                <a:latin typeface="Consolas" panose="020B0609020204030204" pitchFamily="49" charset="0"/>
+              </a:rPr>
+              <a:t>&lt;p&gt;</a:t>
+            </a:r>
+            <a:r>
+              <a:rPr lang="en-US" sz="3600" dirty="0">
+                <a:solidFill>
+                  <a:srgbClr val="000000"/>
+                </a:solidFill>
+                <a:latin typeface="Consolas" panose="020B0609020204030204" pitchFamily="49" charset="0"/>
+              </a:rPr>
+              <a:t>Name: Al</a:t>
+            </a:r>
+            <a:r>
+              <a:rPr lang="en-US" sz="3600" dirty="0">
+                <a:solidFill>
+                  <a:srgbClr val="800000"/>
+                </a:solidFill>
+                <a:latin typeface="Consolas" panose="020B0609020204030204" pitchFamily="49" charset="0"/>
+              </a:rPr>
+              <a:t>&lt;/p&gt;</a:t>
+            </a:r>
+            <a:endParaRPr lang="en-US" sz="3600" dirty="0">
+              <a:solidFill>
+                <a:srgbClr val="000000"/>
+              </a:solidFill>
+              <a:latin typeface="Consolas" panose="020B0609020204030204" pitchFamily="49" charset="0"/>
+            </a:endParaRPr>
+          </a:p>
+          <a:p>
+            <a:r>
+              <a:rPr lang="en-US" sz="3600" dirty="0" smtClean="0">
+                <a:solidFill>
+                  <a:srgbClr val="800000"/>
+                </a:solidFill>
+                <a:latin typeface="Consolas" panose="020B0609020204030204" pitchFamily="49" charset="0"/>
+              </a:rPr>
+              <a:t>&lt;</a:t>
+            </a:r>
+            <a:r>
+              <a:rPr lang="en-US" sz="3600" dirty="0">
+                <a:solidFill>
+                  <a:srgbClr val="800000"/>
+                </a:solidFill>
+                <a:latin typeface="Consolas" panose="020B0609020204030204" pitchFamily="49" charset="0"/>
+              </a:rPr>
+              <a:t>p&gt;</a:t>
+            </a:r>
+            <a:r>
+              <a:rPr lang="en-US" sz="3600" dirty="0">
+                <a:solidFill>
+                  <a:srgbClr val="000000"/>
+                </a:solidFill>
+                <a:latin typeface="Consolas" panose="020B0609020204030204" pitchFamily="49" charset="0"/>
+              </a:rPr>
+              <a:t>Age: 2</a:t>
+            </a:r>
+            <a:r>
+              <a:rPr lang="en-US" sz="3600" dirty="0">
+                <a:solidFill>
+                  <a:srgbClr val="800000"/>
+                </a:solidFill>
+                <a:latin typeface="Consolas" panose="020B0609020204030204" pitchFamily="49" charset="0"/>
+              </a:rPr>
+              <a:t>&lt;/p</a:t>
+            </a:r>
+            <a:r>
+              <a:rPr lang="en-US" sz="3600" dirty="0" smtClean="0">
+                <a:solidFill>
+                  <a:srgbClr val="800000"/>
+                </a:solidFill>
+                <a:latin typeface="Consolas" panose="020B0609020204030204" pitchFamily="49" charset="0"/>
+              </a:rPr>
+              <a:t>&gt;</a:t>
+            </a:r>
+            <a:endParaRPr lang="en-US" sz="3600" dirty="0">
+              <a:solidFill>
+                <a:srgbClr val="000000"/>
+              </a:solidFill>
+              <a:latin typeface="Consolas" panose="020B0609020204030204" pitchFamily="49" charset="0"/>
+            </a:endParaRPr>
+          </a:p>
+        </p:txBody>
+      </p:sp>
+    </p:spTree>
+    <p:extLst>
+      <p:ext uri="{BB962C8B-B14F-4D97-AF65-F5344CB8AC3E}">
+        <p14:creationId xmlns:p14="http://schemas.microsoft.com/office/powerpoint/2010/main" val="3406780814"/>
+      </p:ext>
+    </p:extLst>
+  </p:cSld>
+  <p:clrMapOvr>
+    <a:masterClrMapping/>
+  </p:clrMapOvr>
+  <p:transition>
+    <p:fade/>
+  </p:transition>
+  <p:timing>
+    <p:tnLst>
+      <p:par>
+        <p:cTn id="1" dur="indefinite" restart="never" nodeType="tmRoot">
+          <p:childTnLst>
+            <p:seq concurrent="1" nextAc="seek">
+              <p:cTn id="2" dur="indefinite" nodeType="mainSeq">
+                <p:childTnLst>
+                  <p:par>
+                    <p:cTn id="3" fill="hold">
+                      <p:stCondLst>
+                        <p:cond delay="indefinite"/>
+                      </p:stCondLst>
+                      <p:childTnLst>
+                        <p:par>
+                          <p:cTn id="4" fill="hold">
+                            <p:stCondLst>
+                              <p:cond delay="0"/>
+                            </p:stCondLst>
+                            <p:childTnLst>
+                              <p:par>
+                                <p:cTn id="5" presetID="42" presetClass="entr" presetSubtype="0" fill="hold" grpId="0" nodeType="clickEffect">
+                                  <p:stCondLst>
+                                    <p:cond delay="0"/>
+                                  </p:stCondLst>
+                                  <p:childTnLst>
+                                    <p:set>
+                                      <p:cBhvr>
+                                        <p:cTn id="6" dur="1" fill="hold">
+                                          <p:stCondLst>
+                                            <p:cond delay="0"/>
+                                          </p:stCondLst>
+                                        </p:cTn>
+                                        <p:tgtEl>
+                                          <p:spTgt spid="3">
+                                            <p:txEl>
+                                              <p:pRg st="0" end="0"/>
+                                            </p:txEl>
+                                          </p:spTgt>
+                                        </p:tgtEl>
+                                        <p:attrNameLst>
+                                          <p:attrName>style.visibility</p:attrName>
+                                        </p:attrNameLst>
+                                      </p:cBhvr>
+                                      <p:to>
+                                        <p:strVal val="visible"/>
+                                      </p:to>
+                                    </p:set>
+                                    <p:animEffect transition="in" filter="fade">
+                                      <p:cBhvr>
+                                        <p:cTn id="7" dur="500"/>
+                                        <p:tgtEl>
+                                          <p:spTgt spid="3">
+                                            <p:txEl>
+                                              <p:pRg st="0" end="0"/>
+                                            </p:txEl>
+                                          </p:spTgt>
+                                        </p:tgtEl>
+                                      </p:cBhvr>
+                                    </p:animEffect>
+                                    <p:anim calcmode="lin" valueType="num">
+                                      <p:cBhvr>
+                                        <p:cTn id="8" dur="500" fill="hold"/>
+                                        <p:tgtEl>
+                                          <p:spTgt spid="3">
+                                            <p:txEl>
+                                              <p:pRg st="0" end="0"/>
+                                            </p:txEl>
+                                          </p:spTgt>
+                                        </p:tgtEl>
+                                        <p:attrNameLst>
+                                          <p:attrName>ppt_x</p:attrName>
+                                        </p:attrNameLst>
+                                      </p:cBhvr>
+                                      <p:tavLst>
+                                        <p:tav tm="0">
+                                          <p:val>
+                                            <p:strVal val="#ppt_x"/>
+                                          </p:val>
+                                        </p:tav>
+                                        <p:tav tm="100000">
+                                          <p:val>
+                                            <p:strVal val="#ppt_x"/>
+                                          </p:val>
+                                        </p:tav>
+                                      </p:tavLst>
+                                    </p:anim>
+                                    <p:anim calcmode="lin" valueType="num">
+                                      <p:cBhvr>
+                                        <p:cTn id="9" dur="500" fill="hold"/>
+                                        <p:tgtEl>
+                                          <p:spTgt spid="3">
+                                            <p:txEl>
+                                              <p:pRg st="0" end="0"/>
+                                            </p:txEl>
+                                          </p:spTgt>
+                                        </p:tgtEl>
+                                        <p:attrNameLst>
+                                          <p:attrName>ppt_y</p:attrName>
+                                        </p:attrNameLst>
+                                      </p:cBhvr>
+                                      <p:tavLst>
+                                        <p:tav tm="0">
+                                          <p:val>
+                                            <p:strVal val="#ppt_y+.1"/>
+                                          </p:val>
+                                        </p:tav>
+                                        <p:tav tm="100000">
+                                          <p:val>
+                                            <p:strVal val="#ppt_y"/>
+                                          </p:val>
+                                        </p:tav>
+                                      </p:tavLst>
+                                    </p:anim>
+                                  </p:childTnLst>
+                                </p:cTn>
+                              </p:par>
+                            </p:childTnLst>
+                          </p:cTn>
+                        </p:par>
+                      </p:childTnLst>
+                    </p:cTn>
+                  </p:par>
+                  <p:par>
+                    <p:cTn id="10" fill="hold">
+                      <p:stCondLst>
+                        <p:cond delay="indefinite"/>
+                      </p:stCondLst>
+                      <p:childTnLst>
+                        <p:par>
+                          <p:cTn id="11" fill="hold">
+                            <p:stCondLst>
+                              <p:cond delay="0"/>
+                            </p:stCondLst>
+                            <p:childTnLst>
+                              <p:par>
+                                <p:cTn id="12" presetID="42" presetClass="entr" presetSubtype="0" fill="hold" grpId="0" nodeType="clickEffect">
+                                  <p:stCondLst>
+                                    <p:cond delay="0"/>
+                                  </p:stCondLst>
+                                  <p:childTnLst>
+                                    <p:set>
+                                      <p:cBhvr>
+                                        <p:cTn id="13" dur="1" fill="hold">
+                                          <p:stCondLst>
+                                            <p:cond delay="0"/>
+                                          </p:stCondLst>
+                                        </p:cTn>
+                                        <p:tgtEl>
+                                          <p:spTgt spid="3">
+                                            <p:txEl>
+                                              <p:pRg st="1" end="1"/>
+                                            </p:txEl>
+                                          </p:spTgt>
+                                        </p:tgtEl>
+                                        <p:attrNameLst>
+                                          <p:attrName>style.visibility</p:attrName>
+                                        </p:attrNameLst>
+                                      </p:cBhvr>
+                                      <p:to>
+                                        <p:strVal val="visible"/>
+                                      </p:to>
+                                    </p:set>
+                                    <p:animEffect transition="in" filter="fade">
+                                      <p:cBhvr>
+                                        <p:cTn id="14" dur="500"/>
+                                        <p:tgtEl>
+                                          <p:spTgt spid="3">
+                                            <p:txEl>
+                                              <p:pRg st="1" end="1"/>
+                                            </p:txEl>
+                                          </p:spTgt>
+                                        </p:tgtEl>
+                                      </p:cBhvr>
+                                    </p:animEffect>
+                                    <p:anim calcmode="lin" valueType="num">
+                                      <p:cBhvr>
+                                        <p:cTn id="15" dur="500" fill="hold"/>
+                                        <p:tgtEl>
+                                          <p:spTgt spid="3">
+                                            <p:txEl>
+                                              <p:pRg st="1" end="1"/>
+                                            </p:txEl>
+                                          </p:spTgt>
+                                        </p:tgtEl>
+                                        <p:attrNameLst>
+                                          <p:attrName>ppt_x</p:attrName>
+                                        </p:attrNameLst>
+                                      </p:cBhvr>
+                                      <p:tavLst>
+                                        <p:tav tm="0">
+                                          <p:val>
+                                            <p:strVal val="#ppt_x"/>
+                                          </p:val>
+                                        </p:tav>
+                                        <p:tav tm="100000">
+                                          <p:val>
+                                            <p:strVal val="#ppt_x"/>
+                                          </p:val>
+                                        </p:tav>
+                                      </p:tavLst>
+                                    </p:anim>
+                                    <p:anim calcmode="lin" valueType="num">
+                                      <p:cBhvr>
+                                        <p:cTn id="16" dur="500" fill="hold"/>
+                                        <p:tgtEl>
+                                          <p:spTgt spid="3">
+                                            <p:txEl>
+                                              <p:pRg st="1" end="1"/>
+                                            </p:txEl>
+                                          </p:spTgt>
+                                        </p:tgtEl>
+                                        <p:attrNameLst>
+                                          <p:attrName>ppt_y</p:attrName>
+                                        </p:attrNameLst>
+                                      </p:cBhvr>
+                                      <p:tavLst>
+                                        <p:tav tm="0">
+                                          <p:val>
+                                            <p:strVal val="#ppt_y+.1"/>
+                                          </p:val>
+                                        </p:tav>
+                                        <p:tav tm="100000">
+                                          <p:val>
+                                            <p:strVal val="#ppt_y"/>
+                                          </p:val>
+                                        </p:tav>
+                                      </p:tavLst>
+                                    </p:anim>
+                                  </p:childTnLst>
+                                </p:cTn>
+                              </p:par>
+                            </p:childTnLst>
+                          </p:cTn>
+                        </p:par>
+                      </p:childTnLst>
+                    </p:cTn>
+                  </p:par>
+                  <p:par>
+                    <p:cTn id="17" fill="hold">
+                      <p:stCondLst>
+                        <p:cond delay="indefinite"/>
+                      </p:stCondLst>
+                      <p:childTnLst>
+                        <p:par>
+                          <p:cTn id="18" fill="hold">
+                            <p:stCondLst>
+                              <p:cond delay="0"/>
+                            </p:stCondLst>
+                            <p:childTnLst>
+                              <p:par>
+                                <p:cTn id="19" presetID="42" presetClass="entr" presetSubtype="0" fill="hold" grpId="0" nodeType="clickEffect">
+                                  <p:stCondLst>
+                                    <p:cond delay="0"/>
+                                  </p:stCondLst>
+                                  <p:childTnLst>
+                                    <p:set>
+                                      <p:cBhvr>
+                                        <p:cTn id="20" dur="1" fill="hold">
+                                          <p:stCondLst>
+                                            <p:cond delay="0"/>
+                                          </p:stCondLst>
+                                        </p:cTn>
+                                        <p:tgtEl>
+                                          <p:spTgt spid="3">
+                                            <p:txEl>
+                                              <p:pRg st="3" end="3"/>
+                                            </p:txEl>
+                                          </p:spTgt>
+                                        </p:tgtEl>
+                                        <p:attrNameLst>
+                                          <p:attrName>style.visibility</p:attrName>
+                                        </p:attrNameLst>
+                                      </p:cBhvr>
+                                      <p:to>
+                                        <p:strVal val="visible"/>
+                                      </p:to>
+                                    </p:set>
+                                    <p:animEffect transition="in" filter="fade">
+                                      <p:cBhvr>
+                                        <p:cTn id="21" dur="500"/>
+                                        <p:tgtEl>
+                                          <p:spTgt spid="3">
+                                            <p:txEl>
+                                              <p:pRg st="3" end="3"/>
+                                            </p:txEl>
+                                          </p:spTgt>
+                                        </p:tgtEl>
+                                      </p:cBhvr>
+                                    </p:animEffect>
+                                    <p:anim calcmode="lin" valueType="num">
+                                      <p:cBhvr>
+                                        <p:cTn id="22" dur="500" fill="hold"/>
+                                        <p:tgtEl>
+                                          <p:spTgt spid="3">
+                                            <p:txEl>
+                                              <p:pRg st="3" end="3"/>
+                                            </p:txEl>
+                                          </p:spTgt>
+                                        </p:tgtEl>
+                                        <p:attrNameLst>
+                                          <p:attrName>ppt_x</p:attrName>
+                                        </p:attrNameLst>
+                                      </p:cBhvr>
+                                      <p:tavLst>
+                                        <p:tav tm="0">
+                                          <p:val>
+                                            <p:strVal val="#ppt_x"/>
+                                          </p:val>
+                                        </p:tav>
+                                        <p:tav tm="100000">
+                                          <p:val>
+                                            <p:strVal val="#ppt_x"/>
+                                          </p:val>
+                                        </p:tav>
+                                      </p:tavLst>
+                                    </p:anim>
+                                    <p:anim calcmode="lin" valueType="num">
+                                      <p:cBhvr>
+                                        <p:cTn id="23" dur="500" fill="hold"/>
+                                        <p:tgtEl>
+                                          <p:spTgt spid="3">
+                                            <p:txEl>
+                                              <p:pRg st="3" end="3"/>
+                                            </p:txEl>
+                                          </p:spTgt>
+                                        </p:tgtEl>
+                                        <p:attrNameLst>
+                                          <p:attrName>ppt_y</p:attrName>
+                                        </p:attrNameLst>
+                                      </p:cBhvr>
+                                      <p:tavLst>
+                                        <p:tav tm="0">
+                                          <p:val>
+                                            <p:strVal val="#ppt_y+.1"/>
+                                          </p:val>
+                                        </p:tav>
+                                        <p:tav tm="100000">
+                                          <p:val>
+                                            <p:strVal val="#ppt_y"/>
+                                          </p:val>
+                                        </p:tav>
+                                      </p:tavLst>
+                                    </p:anim>
+                                  </p:childTnLst>
+                                </p:cTn>
+                              </p:par>
+                              <p:par>
+                                <p:cTn id="24" presetID="42" presetClass="entr" presetSubtype="0" fill="hold" grpId="0" nodeType="withEffect">
+                                  <p:stCondLst>
+                                    <p:cond delay="0"/>
+                                  </p:stCondLst>
+                                  <p:childTnLst>
+                                    <p:set>
+                                      <p:cBhvr>
+                                        <p:cTn id="25" dur="1" fill="hold">
+                                          <p:stCondLst>
+                                            <p:cond delay="0"/>
+                                          </p:stCondLst>
+                                        </p:cTn>
+                                        <p:tgtEl>
+                                          <p:spTgt spid="3">
+                                            <p:txEl>
+                                              <p:pRg st="4" end="4"/>
+                                            </p:txEl>
+                                          </p:spTgt>
+                                        </p:tgtEl>
+                                        <p:attrNameLst>
+                                          <p:attrName>style.visibility</p:attrName>
+                                        </p:attrNameLst>
+                                      </p:cBhvr>
+                                      <p:to>
+                                        <p:strVal val="visible"/>
+                                      </p:to>
+                                    </p:set>
+                                    <p:animEffect transition="in" filter="fade">
+                                      <p:cBhvr>
+                                        <p:cTn id="26" dur="500"/>
+                                        <p:tgtEl>
+                                          <p:spTgt spid="3">
+                                            <p:txEl>
+                                              <p:pRg st="4" end="4"/>
+                                            </p:txEl>
+                                          </p:spTgt>
+                                        </p:tgtEl>
+                                      </p:cBhvr>
+                                    </p:animEffect>
+                                    <p:anim calcmode="lin" valueType="num">
+                                      <p:cBhvr>
+                                        <p:cTn id="27" dur="500" fill="hold"/>
+                                        <p:tgtEl>
+                                          <p:spTgt spid="3">
+                                            <p:txEl>
+                                              <p:pRg st="4" end="4"/>
+                                            </p:txEl>
+                                          </p:spTgt>
+                                        </p:tgtEl>
+                                        <p:attrNameLst>
+                                          <p:attrName>ppt_x</p:attrName>
+                                        </p:attrNameLst>
+                                      </p:cBhvr>
+                                      <p:tavLst>
+                                        <p:tav tm="0">
+                                          <p:val>
+                                            <p:strVal val="#ppt_x"/>
+                                          </p:val>
+                                        </p:tav>
+                                        <p:tav tm="100000">
+                                          <p:val>
+                                            <p:strVal val="#ppt_x"/>
+                                          </p:val>
+                                        </p:tav>
+                                      </p:tavLst>
+                                    </p:anim>
+                                    <p:anim calcmode="lin" valueType="num">
+                                      <p:cBhvr>
+                                        <p:cTn id="28" dur="500" fill="hold"/>
+                                        <p:tgtEl>
+                                          <p:spTgt spid="3">
+                                            <p:txEl>
+                                              <p:pRg st="4" end="4"/>
+                                            </p:txEl>
+                                          </p:spTgt>
+                                        </p:tgtEl>
+                                        <p:attrNameLst>
+                                          <p:attrName>ppt_y</p:attrName>
+                                        </p:attrNameLst>
+                                      </p:cBhvr>
+                                      <p:tavLst>
+                                        <p:tav tm="0">
+                                          <p:val>
+                                            <p:strVal val="#ppt_y+.1"/>
+                                          </p:val>
+                                        </p:tav>
+                                        <p:tav tm="100000">
+                                          <p:val>
+                                            <p:strVal val="#ppt_y"/>
+                                          </p:val>
+                                        </p:tav>
+                                      </p:tavLst>
+                                    </p:anim>
+                                  </p:childTnLst>
+                                </p:cTn>
+                              </p:par>
+                              <p:par>
+                                <p:cTn id="29" presetID="42" presetClass="entr" presetSubtype="0" fill="hold" grpId="0" nodeType="withEffect">
+                                  <p:stCondLst>
+                                    <p:cond delay="0"/>
+                                  </p:stCondLst>
+                                  <p:childTnLst>
+                                    <p:set>
+                                      <p:cBhvr>
+                                        <p:cTn id="30" dur="1" fill="hold">
+                                          <p:stCondLst>
+                                            <p:cond delay="0"/>
+                                          </p:stCondLst>
+                                        </p:cTn>
+                                        <p:tgtEl>
+                                          <p:spTgt spid="3">
+                                            <p:txEl>
+                                              <p:pRg st="5" end="5"/>
+                                            </p:txEl>
+                                          </p:spTgt>
+                                        </p:tgtEl>
+                                        <p:attrNameLst>
+                                          <p:attrName>style.visibility</p:attrName>
+                                        </p:attrNameLst>
+                                      </p:cBhvr>
+                                      <p:to>
+                                        <p:strVal val="visible"/>
+                                      </p:to>
+                                    </p:set>
+                                    <p:animEffect transition="in" filter="fade">
+                                      <p:cBhvr>
+                                        <p:cTn id="31" dur="500"/>
+                                        <p:tgtEl>
+                                          <p:spTgt spid="3">
+                                            <p:txEl>
+                                              <p:pRg st="5" end="5"/>
+                                            </p:txEl>
+                                          </p:spTgt>
+                                        </p:tgtEl>
+                                      </p:cBhvr>
+                                    </p:animEffect>
+                                    <p:anim calcmode="lin" valueType="num">
+                                      <p:cBhvr>
+                                        <p:cTn id="32" dur="500" fill="hold"/>
+                                        <p:tgtEl>
+                                          <p:spTgt spid="3">
+                                            <p:txEl>
+                                              <p:pRg st="5" end="5"/>
+                                            </p:txEl>
+                                          </p:spTgt>
+                                        </p:tgtEl>
+                                        <p:attrNameLst>
+                                          <p:attrName>ppt_x</p:attrName>
+                                        </p:attrNameLst>
+                                      </p:cBhvr>
+                                      <p:tavLst>
+                                        <p:tav tm="0">
+                                          <p:val>
+                                            <p:strVal val="#ppt_x"/>
+                                          </p:val>
+                                        </p:tav>
+                                        <p:tav tm="100000">
+                                          <p:val>
+                                            <p:strVal val="#ppt_x"/>
+                                          </p:val>
+                                        </p:tav>
+                                      </p:tavLst>
+                                    </p:anim>
+                                    <p:anim calcmode="lin" valueType="num">
+                                      <p:cBhvr>
+                                        <p:cTn id="33" dur="500" fill="hold"/>
+                                        <p:tgtEl>
+                                          <p:spTgt spid="3">
+                                            <p:txEl>
+                                              <p:pRg st="5" end="5"/>
+                                            </p:txEl>
+                                          </p:spTgt>
+                                        </p:tgtEl>
+                                        <p:attrNameLst>
+                                          <p:attrName>ppt_y</p:attrName>
+                                        </p:attrNameLst>
+                                      </p:cBhvr>
+                                      <p:tavLst>
+                                        <p:tav tm="0">
+                                          <p:val>
+                                            <p:strVal val="#ppt_y+.1"/>
+                                          </p:val>
+                                        </p:tav>
+                                        <p:tav tm="100000">
+                                          <p:val>
+                                            <p:strVal val="#ppt_y"/>
+                                          </p:val>
+                                        </p:tav>
+                                      </p:tavLst>
+                                    </p:anim>
+                                  </p:childTnLst>
+                                </p:cTn>
+                              </p:par>
+                            </p:childTnLst>
+                          </p:cTn>
+                        </p:par>
+                      </p:childTnLst>
+                    </p:cTn>
+                  </p:par>
+                  <p:par>
+                    <p:cTn id="34" fill="hold">
+                      <p:stCondLst>
+                        <p:cond delay="indefinite"/>
+                      </p:stCondLst>
+                      <p:childTnLst>
+                        <p:par>
+                          <p:cTn id="35" fill="hold">
+                            <p:stCondLst>
+                              <p:cond delay="0"/>
+                            </p:stCondLst>
+                            <p:childTnLst>
+                              <p:par>
+                                <p:cTn id="36" presetID="42" presetClass="entr" presetSubtype="0" fill="hold" grpId="0" nodeType="clickEffect">
+                                  <p:stCondLst>
+                                    <p:cond delay="0"/>
+                                  </p:stCondLst>
+                                  <p:childTnLst>
+                                    <p:set>
+                                      <p:cBhvr>
+                                        <p:cTn id="37" dur="1" fill="hold">
+                                          <p:stCondLst>
+                                            <p:cond delay="0"/>
+                                          </p:stCondLst>
+                                        </p:cTn>
+                                        <p:tgtEl>
+                                          <p:spTgt spid="3">
+                                            <p:txEl>
+                                              <p:pRg st="7" end="7"/>
+                                            </p:txEl>
+                                          </p:spTgt>
+                                        </p:tgtEl>
+                                        <p:attrNameLst>
+                                          <p:attrName>style.visibility</p:attrName>
+                                        </p:attrNameLst>
+                                      </p:cBhvr>
+                                      <p:to>
+                                        <p:strVal val="visible"/>
+                                      </p:to>
+                                    </p:set>
+                                    <p:animEffect transition="in" filter="fade">
+                                      <p:cBhvr>
+                                        <p:cTn id="38" dur="500"/>
+                                        <p:tgtEl>
+                                          <p:spTgt spid="3">
+                                            <p:txEl>
+                                              <p:pRg st="7" end="7"/>
+                                            </p:txEl>
+                                          </p:spTgt>
+                                        </p:tgtEl>
+                                      </p:cBhvr>
+                                    </p:animEffect>
+                                    <p:anim calcmode="lin" valueType="num">
+                                      <p:cBhvr>
+                                        <p:cTn id="39" dur="500" fill="hold"/>
+                                        <p:tgtEl>
+                                          <p:spTgt spid="3">
+                                            <p:txEl>
+                                              <p:pRg st="7" end="7"/>
+                                            </p:txEl>
+                                          </p:spTgt>
+                                        </p:tgtEl>
+                                        <p:attrNameLst>
+                                          <p:attrName>ppt_x</p:attrName>
+                                        </p:attrNameLst>
+                                      </p:cBhvr>
+                                      <p:tavLst>
+                                        <p:tav tm="0">
+                                          <p:val>
+                                            <p:strVal val="#ppt_x"/>
+                                          </p:val>
+                                        </p:tav>
+                                        <p:tav tm="100000">
+                                          <p:val>
+                                            <p:strVal val="#ppt_x"/>
+                                          </p:val>
+                                        </p:tav>
+                                      </p:tavLst>
+                                    </p:anim>
+                                    <p:anim calcmode="lin" valueType="num">
+                                      <p:cBhvr>
+                                        <p:cTn id="40" dur="500" fill="hold"/>
+                                        <p:tgtEl>
+                                          <p:spTgt spid="3">
+                                            <p:txEl>
+                                              <p:pRg st="7" end="7"/>
+                                            </p:txEl>
+                                          </p:spTgt>
+                                        </p:tgtEl>
+                                        <p:attrNameLst>
+                                          <p:attrName>ppt_y</p:attrName>
+                                        </p:attrNameLst>
+                                      </p:cBhvr>
+                                      <p:tavLst>
+                                        <p:tav tm="0">
+                                          <p:val>
+                                            <p:strVal val="#ppt_y+.1"/>
+                                          </p:val>
+                                        </p:tav>
+                                        <p:tav tm="100000">
+                                          <p:val>
+                                            <p:strVal val="#ppt_y"/>
+                                          </p:val>
+                                        </p:tav>
+                                      </p:tavLst>
+                                    </p:anim>
+                                  </p:childTnLst>
+                                </p:cTn>
+                              </p:par>
+                              <p:par>
+                                <p:cTn id="41" presetID="42" presetClass="entr" presetSubtype="0" fill="hold" grpId="0" nodeType="withEffect">
+                                  <p:stCondLst>
+                                    <p:cond delay="0"/>
+                                  </p:stCondLst>
+                                  <p:childTnLst>
+                                    <p:set>
+                                      <p:cBhvr>
+                                        <p:cTn id="42" dur="1" fill="hold">
+                                          <p:stCondLst>
+                                            <p:cond delay="0"/>
+                                          </p:stCondLst>
+                                        </p:cTn>
+                                        <p:tgtEl>
+                                          <p:spTgt spid="3">
+                                            <p:txEl>
+                                              <p:pRg st="8" end="8"/>
+                                            </p:txEl>
+                                          </p:spTgt>
+                                        </p:tgtEl>
+                                        <p:attrNameLst>
+                                          <p:attrName>style.visibility</p:attrName>
+                                        </p:attrNameLst>
+                                      </p:cBhvr>
+                                      <p:to>
+                                        <p:strVal val="visible"/>
+                                      </p:to>
+                                    </p:set>
+                                    <p:animEffect transition="in" filter="fade">
+                                      <p:cBhvr>
+                                        <p:cTn id="43" dur="500"/>
+                                        <p:tgtEl>
+                                          <p:spTgt spid="3">
+                                            <p:txEl>
+                                              <p:pRg st="8" end="8"/>
+                                            </p:txEl>
+                                          </p:spTgt>
+                                        </p:tgtEl>
+                                      </p:cBhvr>
+                                    </p:animEffect>
+                                    <p:anim calcmode="lin" valueType="num">
+                                      <p:cBhvr>
+                                        <p:cTn id="44" dur="500" fill="hold"/>
+                                        <p:tgtEl>
+                                          <p:spTgt spid="3">
+                                            <p:txEl>
+                                              <p:pRg st="8" end="8"/>
+                                            </p:txEl>
+                                          </p:spTgt>
+                                        </p:tgtEl>
+                                        <p:attrNameLst>
+                                          <p:attrName>ppt_x</p:attrName>
+                                        </p:attrNameLst>
+                                      </p:cBhvr>
+                                      <p:tavLst>
+                                        <p:tav tm="0">
+                                          <p:val>
+                                            <p:strVal val="#ppt_x"/>
+                                          </p:val>
+                                        </p:tav>
+                                        <p:tav tm="100000">
+                                          <p:val>
+                                            <p:strVal val="#ppt_x"/>
+                                          </p:val>
+                                        </p:tav>
+                                      </p:tavLst>
+                                    </p:anim>
+                                    <p:anim calcmode="lin" valueType="num">
+                                      <p:cBhvr>
+                                        <p:cTn id="45" dur="500" fill="hold"/>
+                                        <p:tgtEl>
+                                          <p:spTgt spid="3">
+                                            <p:txEl>
+                                              <p:pRg st="8" end="8"/>
+                                            </p:txEl>
+                                          </p:spTgt>
+                                        </p:tgtEl>
+                                        <p:attrNameLst>
+                                          <p:attrName>ppt_y</p:attrName>
+                                        </p:attrNameLst>
+                                      </p:cBhvr>
+                                      <p:tavLst>
+                                        <p:tav tm="0">
+                                          <p:val>
+                                            <p:strVal val="#ppt_y+.1"/>
+                                          </p:val>
+                                        </p:tav>
+                                        <p:tav tm="100000">
+                                          <p:val>
+                                            <p:strVal val="#ppt_y"/>
+                                          </p:val>
+                                        </p:tav>
+                                      </p:tavLst>
+                                    </p:anim>
+                                  </p:childTnLst>
+                                </p:cTn>
+                              </p:par>
+                            </p:childTnLst>
+                          </p:cTn>
+                        </p:par>
+                      </p:childTnLst>
+                    </p:cTn>
+                  </p:par>
+                  <p:par>
+                    <p:cTn id="46" fill="hold">
+                      <p:stCondLst>
+                        <p:cond delay="indefinite"/>
+                      </p:stCondLst>
+                      <p:childTnLst>
+                        <p:par>
+                          <p:cTn id="47" fill="hold">
+                            <p:stCondLst>
+                              <p:cond delay="0"/>
+                            </p:stCondLst>
+                            <p:childTnLst>
+                              <p:par>
+                                <p:cTn id="48" presetID="26" presetClass="entr" presetSubtype="0" fill="hold" grpId="0" nodeType="clickEffect">
+                                  <p:stCondLst>
+                                    <p:cond delay="0"/>
+                                  </p:stCondLst>
+                                  <p:childTnLst>
+                                    <p:set>
+                                      <p:cBhvr>
+                                        <p:cTn id="49" dur="1" fill="hold">
+                                          <p:stCondLst>
+                                            <p:cond delay="0"/>
+                                          </p:stCondLst>
+                                        </p:cTn>
+                                        <p:tgtEl>
+                                          <p:spTgt spid="4"/>
+                                        </p:tgtEl>
+                                        <p:attrNameLst>
+                                          <p:attrName>style.visibility</p:attrName>
+                                        </p:attrNameLst>
+                                      </p:cBhvr>
+                                      <p:to>
+                                        <p:strVal val="visible"/>
+                                      </p:to>
+                                    </p:set>
+                                    <p:animEffect transition="in" filter="wipe(down)">
+                                      <p:cBhvr>
+                                        <p:cTn id="50" dur="580">
+                                          <p:stCondLst>
+                                            <p:cond delay="0"/>
+                                          </p:stCondLst>
+                                        </p:cTn>
+                                        <p:tgtEl>
+                                          <p:spTgt spid="4"/>
+                                        </p:tgtEl>
+                                      </p:cBhvr>
+                                    </p:animEffect>
+                                    <p:anim calcmode="lin" valueType="num">
+                                      <p:cBhvr>
+                                        <p:cTn id="51" dur="1822" tmFilter="0,0; 0.14,0.36; 0.43,0.73; 0.71,0.91; 1.0,1.0">
+                                          <p:stCondLst>
+                                            <p:cond delay="0"/>
+                                          </p:stCondLst>
+                                        </p:cTn>
+                                        <p:tgtEl>
+                                          <p:spTgt spid="4"/>
+                                        </p:tgtEl>
+                                        <p:attrNameLst>
+                                          <p:attrName>ppt_x</p:attrName>
+                                        </p:attrNameLst>
+                                      </p:cBhvr>
+                                      <p:tavLst>
+                                        <p:tav tm="0">
+                                          <p:val>
+                                            <p:strVal val="#ppt_x-0.25"/>
+                                          </p:val>
+                                        </p:tav>
+                                        <p:tav tm="100000">
+                                          <p:val>
+                                            <p:strVal val="#ppt_x"/>
+                                          </p:val>
+                                        </p:tav>
+                                      </p:tavLst>
+                                    </p:anim>
+                                    <p:anim calcmode="lin" valueType="num">
+                                      <p:cBhvr>
+                                        <p:cTn id="52" dur="664" tmFilter="0.0,0.0; 0.25,0.07; 0.50,0.2; 0.75,0.467; 1.0,1.0">
+                                          <p:stCondLst>
+                                            <p:cond delay="0"/>
+                                          </p:stCondLst>
+                                        </p:cTn>
+                                        <p:tgtEl>
+                                          <p:spTgt spid="4"/>
+                                        </p:tgtEl>
+                                        <p:attrNameLst>
+                                          <p:attrName>ppt_y</p:attrName>
+                                        </p:attrNameLst>
+                                      </p:cBhvr>
+                                      <p:tavLst>
+                                        <p:tav tm="0" fmla="#ppt_y-sin(pi*$)/3">
+                                          <p:val>
+                                            <p:fltVal val="0.5"/>
+                                          </p:val>
+                                        </p:tav>
+                                        <p:tav tm="100000">
+                                          <p:val>
+                                            <p:fltVal val="1"/>
+                                          </p:val>
+                                        </p:tav>
+                                      </p:tavLst>
+                                    </p:anim>
+                                    <p:anim calcmode="lin" valueType="num">
+                                      <p:cBhvr>
+                                        <p:cTn id="53" dur="664" tmFilter="0, 0; 0.125,0.2665; 0.25,0.4; 0.375,0.465; 0.5,0.5;  0.625,0.535; 0.75,0.6; 0.875,0.7335; 1,1">
+                                          <p:stCondLst>
+                                            <p:cond delay="664"/>
+                                          </p:stCondLst>
+                                        </p:cTn>
+                                        <p:tgtEl>
+                                          <p:spTgt spid="4"/>
+                                        </p:tgtEl>
+                                        <p:attrNameLst>
+                                          <p:attrName>ppt_y</p:attrName>
+                                        </p:attrNameLst>
+                                      </p:cBhvr>
+                                      <p:tavLst>
+                                        <p:tav tm="0" fmla="#ppt_y-sin(pi*$)/9">
+                                          <p:val>
+                                            <p:fltVal val="0"/>
+                                          </p:val>
+                                        </p:tav>
+                                        <p:tav tm="100000">
+                                          <p:val>
+                                            <p:fltVal val="1"/>
+                                          </p:val>
+                                        </p:tav>
+                                      </p:tavLst>
+                                    </p:anim>
+                                    <p:anim calcmode="lin" valueType="num">
+                                      <p:cBhvr>
+                                        <p:cTn id="54" dur="332" tmFilter="0, 0; 0.125,0.2665; 0.25,0.4; 0.375,0.465; 0.5,0.5;  0.625,0.535; 0.75,0.6; 0.875,0.7335; 1,1">
+                                          <p:stCondLst>
+                                            <p:cond delay="1324"/>
+                                          </p:stCondLst>
+                                        </p:cTn>
+                                        <p:tgtEl>
+                                          <p:spTgt spid="4"/>
+                                        </p:tgtEl>
+                                        <p:attrNameLst>
+                                          <p:attrName>ppt_y</p:attrName>
+                                        </p:attrNameLst>
+                                      </p:cBhvr>
+                                      <p:tavLst>
+                                        <p:tav tm="0" fmla="#ppt_y-sin(pi*$)/27">
+                                          <p:val>
+                                            <p:fltVal val="0"/>
+                                          </p:val>
+                                        </p:tav>
+                                        <p:tav tm="100000">
+                                          <p:val>
+                                            <p:fltVal val="1"/>
+                                          </p:val>
+                                        </p:tav>
+                                      </p:tavLst>
+                                    </p:anim>
+                                    <p:anim calcmode="lin" valueType="num">
+                                      <p:cBhvr>
+                                        <p:cTn id="55" dur="164" tmFilter="0, 0; 0.125,0.2665; 0.25,0.4; 0.375,0.465; 0.5,0.5;  0.625,0.535; 0.75,0.6; 0.875,0.7335; 1,1">
+                                          <p:stCondLst>
+                                            <p:cond delay="1656"/>
+                                          </p:stCondLst>
+                                        </p:cTn>
+                                        <p:tgtEl>
+                                          <p:spTgt spid="4"/>
+                                        </p:tgtEl>
+                                        <p:attrNameLst>
+                                          <p:attrName>ppt_y</p:attrName>
+                                        </p:attrNameLst>
+                                      </p:cBhvr>
+                                      <p:tavLst>
+                                        <p:tav tm="0" fmla="#ppt_y-sin(pi*$)/81">
+                                          <p:val>
+                                            <p:fltVal val="0"/>
+                                          </p:val>
+                                        </p:tav>
+                                        <p:tav tm="100000">
+                                          <p:val>
+                                            <p:fltVal val="1"/>
+                                          </p:val>
+                                        </p:tav>
+                                      </p:tavLst>
+                                    </p:anim>
+                                    <p:animScale>
+                                      <p:cBhvr>
+                                        <p:cTn id="56" dur="26">
+                                          <p:stCondLst>
+                                            <p:cond delay="650"/>
+                                          </p:stCondLst>
+                                        </p:cTn>
+                                        <p:tgtEl>
+                                          <p:spTgt spid="4"/>
+                                        </p:tgtEl>
+                                      </p:cBhvr>
+                                      <p:to x="100000" y="60000"/>
+                                    </p:animScale>
+                                    <p:animScale>
+                                      <p:cBhvr>
+                                        <p:cTn id="57" dur="166" decel="50000">
+                                          <p:stCondLst>
+                                            <p:cond delay="676"/>
+                                          </p:stCondLst>
+                                        </p:cTn>
+                                        <p:tgtEl>
+                                          <p:spTgt spid="4"/>
+                                        </p:tgtEl>
+                                      </p:cBhvr>
+                                      <p:to x="100000" y="100000"/>
+                                    </p:animScale>
+                                    <p:animScale>
+                                      <p:cBhvr>
+                                        <p:cTn id="58" dur="26">
+                                          <p:stCondLst>
+                                            <p:cond delay="1312"/>
+                                          </p:stCondLst>
+                                        </p:cTn>
+                                        <p:tgtEl>
+                                          <p:spTgt spid="4"/>
+                                        </p:tgtEl>
+                                      </p:cBhvr>
+                                      <p:to x="100000" y="80000"/>
+                                    </p:animScale>
+                                    <p:animScale>
+                                      <p:cBhvr>
+                                        <p:cTn id="59" dur="166" decel="50000">
+                                          <p:stCondLst>
+                                            <p:cond delay="1338"/>
+                                          </p:stCondLst>
+                                        </p:cTn>
+                                        <p:tgtEl>
+                                          <p:spTgt spid="4"/>
+                                        </p:tgtEl>
+                                      </p:cBhvr>
+                                      <p:to x="100000" y="100000"/>
+                                    </p:animScale>
+                                    <p:animScale>
+                                      <p:cBhvr>
+                                        <p:cTn id="60" dur="26">
+                                          <p:stCondLst>
+                                            <p:cond delay="1642"/>
+                                          </p:stCondLst>
+                                        </p:cTn>
+                                        <p:tgtEl>
+                                          <p:spTgt spid="4"/>
+                                        </p:tgtEl>
+                                      </p:cBhvr>
+                                      <p:to x="100000" y="90000"/>
+                                    </p:animScale>
+                                    <p:animScale>
+                                      <p:cBhvr>
+                                        <p:cTn id="61" dur="166" decel="50000">
+                                          <p:stCondLst>
+                                            <p:cond delay="1668"/>
+                                          </p:stCondLst>
+                                        </p:cTn>
+                                        <p:tgtEl>
+                                          <p:spTgt spid="4"/>
+                                        </p:tgtEl>
+                                      </p:cBhvr>
+                                      <p:to x="100000" y="100000"/>
+                                    </p:animScale>
+                                    <p:animScale>
+                                      <p:cBhvr>
+                                        <p:cTn id="62" dur="26">
+                                          <p:stCondLst>
+                                            <p:cond delay="1808"/>
+                                          </p:stCondLst>
+                                        </p:cTn>
+                                        <p:tgtEl>
+                                          <p:spTgt spid="4"/>
+                                        </p:tgtEl>
+                                      </p:cBhvr>
+                                      <p:to x="100000" y="95000"/>
+                                    </p:animScale>
+                                    <p:animScale>
+                                      <p:cBhvr>
+                                        <p:cTn id="63" dur="166" decel="50000">
+                                          <p:stCondLst>
+                                            <p:cond delay="1834"/>
+                                          </p:stCondLst>
+                                        </p:cTn>
+                                        <p:tgtEl>
+                                          <p:spTgt spid="4"/>
+                                        </p:tgtEl>
+                                      </p:cBhvr>
+                                      <p:to x="100000" y="100000"/>
+                                    </p:animScale>
+                                  </p:childTnLst>
+                                </p:cTn>
+                              </p:par>
+                            </p:childTnLst>
+                          </p:cTn>
+                        </p:par>
+                      </p:childTnLst>
+                    </p:cTn>
+                  </p:par>
+                </p:childTnLst>
+              </p:cTn>
+              <p:prevCondLst>
+                <p:cond evt="onPrev" delay="0">
+                  <p:tgtEl>
+                    <p:sldTgt/>
+                  </p:tgtEl>
+                </p:cond>
+              </p:prevCondLst>
+              <p:nextCondLst>
+                <p:cond evt="onNext" delay="0">
+                  <p:tgtEl>
+                    <p:sldTgt/>
+                  </p:tgtEl>
+                </p:cond>
+              </p:nextCondLst>
+            </p:seq>
+          </p:childTnLst>
+        </p:cTn>
+      </p:par>
+    </p:tnLst>
+    <p:bldLst>
+      <p:bldP spid="3" grpId="0" uiExpand="1" build="p"/>
+      <p:bldP spid="4" grpId="0" animBg="1"/>
+    </p:bldLst>
+  </p:timing>
+</p:sld>
+</file>
+
+<file path=ppt/slides/slide7.xml><?xml version="1.0" encoding="utf-8"?>
+<p:sld xmlns:a="http://schemas.openxmlformats.org/drawingml/2006/main" xmlns:r="http://schemas.openxmlformats.org/officeDocument/2006/relationships" xmlns:p="http://schemas.openxmlformats.org/presentationml/2006/main">
+  <p:cSld>
+    <p:spTree>
+      <p:nvGrpSpPr>
+        <p:cNvPr id="1" name=""/>
+        <p:cNvGrpSpPr/>
+        <p:nvPr/>
+      </p:nvGrpSpPr>
+      <p:grpSpPr>
+        <a:xfrm>
+          <a:off x="0" y="0"/>
+          <a:ext cx="0" cy="0"/>
+          <a:chOff x="0" y="0"/>
+          <a:chExt cx="0" cy="0"/>
+        </a:xfrm>
+      </p:grpSpPr>
+      <p:sp>
+        <p:nvSpPr>
+          <p:cNvPr id="2" name="Title 1"/>
+          <p:cNvSpPr>
+            <a:spLocks noGrp="1"/>
+          </p:cNvSpPr>
+          <p:nvPr>
+            <p:ph type="title"/>
+          </p:nvPr>
+        </p:nvSpPr>
+        <p:spPr/>
+        <p:txBody>
+          <a:bodyPr/>
+          <a:lstStyle/>
+          <a:p>
+            <a:r>
+              <a:rPr lang="en-US" dirty="0" smtClean="0"/>
+              <a:t>Client-Side – </a:t>
+            </a:r>
+            <a:r>
+              <a:rPr lang="en-US" dirty="0" err="1" smtClean="0"/>
+              <a:t>Scriptlets</a:t>
+            </a:r>
+            <a:r>
+              <a:rPr lang="en-US" dirty="0" smtClean="0"/>
+              <a:t> (For control flow)</a:t>
+            </a:r>
+            <a:endParaRPr lang="en-US" dirty="0"/>
           </a:p>
         </p:txBody>
       </p:sp>
@@ -35885,14 +40110,114 @@
           <a:bodyPr/>
           <a:lstStyle/>
           <a:p>
-            <a:endParaRPr lang="en-US"/>
+            <a:endParaRPr lang="en-US" dirty="0" smtClean="0"/>
+          </a:p>
+          <a:p>
+            <a:r>
+              <a:rPr lang="en-US" dirty="0" smtClean="0"/>
+              <a:t>EJS segments can also contain </a:t>
+            </a:r>
+            <a:r>
+              <a:rPr lang="en-US" b="1" dirty="0" smtClean="0"/>
+              <a:t>logic</a:t>
+            </a:r>
+            <a:r>
+              <a:rPr lang="en-US" dirty="0" smtClean="0"/>
+              <a:t> to change the rendered output</a:t>
+            </a:r>
+          </a:p>
+          <a:p>
+            <a:endParaRPr lang="en-US" dirty="0" smtClean="0"/>
+          </a:p>
+          <a:p>
+            <a:r>
+              <a:rPr lang="en-US" dirty="0" smtClean="0"/>
+              <a:t>These special EJS </a:t>
+            </a:r>
+            <a:r>
+              <a:rPr lang="en-US" i="1" dirty="0" err="1" smtClean="0"/>
+              <a:t>scriptlets</a:t>
+            </a:r>
+            <a:r>
+              <a:rPr lang="en-US" dirty="0" smtClean="0"/>
+              <a:t> use </a:t>
+            </a:r>
+            <a:r>
+              <a:rPr lang="en-US" b="1" dirty="0" smtClean="0">
+                <a:solidFill>
+                  <a:srgbClr val="7030A0"/>
+                </a:solidFill>
+                <a:latin typeface="Consolas" panose="020B0609020204030204" pitchFamily="49" charset="0"/>
+              </a:rPr>
+              <a:t>&lt;% </a:t>
+            </a:r>
+            <a:r>
+              <a:rPr lang="en-US" dirty="0"/>
+              <a:t>…</a:t>
+            </a:r>
+            <a:r>
+              <a:rPr lang="en-US" b="1" dirty="0">
+                <a:solidFill>
+                  <a:srgbClr val="7030A0"/>
+                </a:solidFill>
+                <a:latin typeface="Consolas" panose="020B0609020204030204" pitchFamily="49" charset="0"/>
+              </a:rPr>
+              <a:t> </a:t>
+            </a:r>
+            <a:r>
+              <a:rPr lang="en-US" b="1" dirty="0" smtClean="0">
+                <a:solidFill>
+                  <a:srgbClr val="7030A0"/>
+                </a:solidFill>
+                <a:latin typeface="Consolas" panose="020B0609020204030204" pitchFamily="49" charset="0"/>
+              </a:rPr>
+              <a:t>%&gt;</a:t>
+            </a:r>
+            <a:r>
+              <a:rPr lang="en-US" dirty="0" smtClean="0"/>
+              <a:t> (no equals sign)</a:t>
+            </a:r>
+          </a:p>
+          <a:p>
+            <a:endParaRPr lang="en-US" dirty="0" smtClean="0"/>
+          </a:p>
+          <a:p>
+            <a:r>
+              <a:rPr lang="en-US" dirty="0" smtClean="0"/>
+              <a:t>They use JavaScript to </a:t>
+            </a:r>
+            <a:r>
+              <a:rPr lang="en-US" i="1" dirty="0" smtClean="0"/>
+              <a:t>conditionally</a:t>
+            </a:r>
+            <a:r>
+              <a:rPr lang="en-US" dirty="0" smtClean="0"/>
+              <a:t> or </a:t>
+            </a:r>
+            <a:r>
+              <a:rPr lang="en-US" i="1" dirty="0" smtClean="0"/>
+              <a:t>repeatedly</a:t>
+            </a:r>
+            <a:r>
+              <a:rPr lang="en-US" dirty="0" smtClean="0"/>
+              <a:t> display HTML</a:t>
+            </a:r>
+          </a:p>
+          <a:p>
+            <a:endParaRPr lang="en-US" dirty="0"/>
+          </a:p>
+          <a:p>
+            <a:r>
+              <a:rPr lang="en-US" dirty="0" smtClean="0"/>
+              <a:t>They do not directly output anything to the rendered output</a:t>
+            </a:r>
           </a:p>
         </p:txBody>
       </p:sp>
     </p:spTree>
     <p:extLst>
       <p:ext uri="{BB962C8B-B14F-4D97-AF65-F5344CB8AC3E}">
-        <p14:creationId xmlns:p14="http://schemas.microsoft.com/office/powerpoint/2010/main" val="2938608460"/>
+        <p14:creationId xmlns:p14="http://schemas.microsoft.com/office/powerpoint/2010/main" val="1375902168"/>
       </p:ext>
     </p:extLst>
   </p:cSld>
@@ -35902,6 +40227,3362 @@
   <p:transition>
     <p:fade/>
   </p:transition>
+  <p:timing>
+    <p:tnLst>
+      <p:par>
+        <p:cTn id="1" dur="indefinite" restart="never" nodeType="tmRoot">
+          <p:childTnLst>
+            <p:seq concurrent="1" nextAc="seek">
+              <p:cTn id="2" dur="indefinite" nodeType="mainSeq">
+                <p:childTnLst>
+                  <p:par>
+                    <p:cTn id="3" fill="hold">
+                      <p:stCondLst>
+                        <p:cond delay="indefinite"/>
+                      </p:stCondLst>
+                      <p:childTnLst>
+                        <p:par>
+                          <p:cTn id="4" fill="hold">
+                            <p:stCondLst>
+                              <p:cond delay="0"/>
+                            </p:stCondLst>
+                            <p:childTnLst>
+                              <p:par>
+                                <p:cTn id="5" presetID="42" presetClass="entr" presetSubtype="0" fill="hold" grpId="0" nodeType="clickEffect">
+                                  <p:stCondLst>
+                                    <p:cond delay="0"/>
+                                  </p:stCondLst>
+                                  <p:childTnLst>
+                                    <p:set>
+                                      <p:cBhvr>
+                                        <p:cTn id="6" dur="1" fill="hold">
+                                          <p:stCondLst>
+                                            <p:cond delay="0"/>
+                                          </p:stCondLst>
+                                        </p:cTn>
+                                        <p:tgtEl>
+                                          <p:spTgt spid="3">
+                                            <p:txEl>
+                                              <p:pRg st="1" end="1"/>
+                                            </p:txEl>
+                                          </p:spTgt>
+                                        </p:tgtEl>
+                                        <p:attrNameLst>
+                                          <p:attrName>style.visibility</p:attrName>
+                                        </p:attrNameLst>
+                                      </p:cBhvr>
+                                      <p:to>
+                                        <p:strVal val="visible"/>
+                                      </p:to>
+                                    </p:set>
+                                    <p:animEffect transition="in" filter="fade">
+                                      <p:cBhvr>
+                                        <p:cTn id="7" dur="500"/>
+                                        <p:tgtEl>
+                                          <p:spTgt spid="3">
+                                            <p:txEl>
+                                              <p:pRg st="1" end="1"/>
+                                            </p:txEl>
+                                          </p:spTgt>
+                                        </p:tgtEl>
+                                      </p:cBhvr>
+                                    </p:animEffect>
+                                    <p:anim calcmode="lin" valueType="num">
+                                      <p:cBhvr>
+                                        <p:cTn id="8" dur="500" fill="hold"/>
+                                        <p:tgtEl>
+                                          <p:spTgt spid="3">
+                                            <p:txEl>
+                                              <p:pRg st="1" end="1"/>
+                                            </p:txEl>
+                                          </p:spTgt>
+                                        </p:tgtEl>
+                                        <p:attrNameLst>
+                                          <p:attrName>ppt_x</p:attrName>
+                                        </p:attrNameLst>
+                                      </p:cBhvr>
+                                      <p:tavLst>
+                                        <p:tav tm="0">
+                                          <p:val>
+                                            <p:strVal val="#ppt_x"/>
+                                          </p:val>
+                                        </p:tav>
+                                        <p:tav tm="100000">
+                                          <p:val>
+                                            <p:strVal val="#ppt_x"/>
+                                          </p:val>
+                                        </p:tav>
+                                      </p:tavLst>
+                                    </p:anim>
+                                    <p:anim calcmode="lin" valueType="num">
+                                      <p:cBhvr>
+                                        <p:cTn id="9" dur="500" fill="hold"/>
+                                        <p:tgtEl>
+                                          <p:spTgt spid="3">
+                                            <p:txEl>
+                                              <p:pRg st="1" end="1"/>
+                                            </p:txEl>
+                                          </p:spTgt>
+                                        </p:tgtEl>
+                                        <p:attrNameLst>
+                                          <p:attrName>ppt_y</p:attrName>
+                                        </p:attrNameLst>
+                                      </p:cBhvr>
+                                      <p:tavLst>
+                                        <p:tav tm="0">
+                                          <p:val>
+                                            <p:strVal val="#ppt_y+.1"/>
+                                          </p:val>
+                                        </p:tav>
+                                        <p:tav tm="100000">
+                                          <p:val>
+                                            <p:strVal val="#ppt_y"/>
+                                          </p:val>
+                                        </p:tav>
+                                      </p:tavLst>
+                                    </p:anim>
+                                  </p:childTnLst>
+                                </p:cTn>
+                              </p:par>
+                            </p:childTnLst>
+                          </p:cTn>
+                        </p:par>
+                      </p:childTnLst>
+                    </p:cTn>
+                  </p:par>
+                  <p:par>
+                    <p:cTn id="10" fill="hold">
+                      <p:stCondLst>
+                        <p:cond delay="indefinite"/>
+                      </p:stCondLst>
+                      <p:childTnLst>
+                        <p:par>
+                          <p:cTn id="11" fill="hold">
+                            <p:stCondLst>
+                              <p:cond delay="0"/>
+                            </p:stCondLst>
+                            <p:childTnLst>
+                              <p:par>
+                                <p:cTn id="12" presetID="42" presetClass="entr" presetSubtype="0" fill="hold" grpId="0" nodeType="clickEffect">
+                                  <p:stCondLst>
+                                    <p:cond delay="0"/>
+                                  </p:stCondLst>
+                                  <p:childTnLst>
+                                    <p:set>
+                                      <p:cBhvr>
+                                        <p:cTn id="13" dur="1" fill="hold">
+                                          <p:stCondLst>
+                                            <p:cond delay="0"/>
+                                          </p:stCondLst>
+                                        </p:cTn>
+                                        <p:tgtEl>
+                                          <p:spTgt spid="3">
+                                            <p:txEl>
+                                              <p:pRg st="3" end="3"/>
+                                            </p:txEl>
+                                          </p:spTgt>
+                                        </p:tgtEl>
+                                        <p:attrNameLst>
+                                          <p:attrName>style.visibility</p:attrName>
+                                        </p:attrNameLst>
+                                      </p:cBhvr>
+                                      <p:to>
+                                        <p:strVal val="visible"/>
+                                      </p:to>
+                                    </p:set>
+                                    <p:animEffect transition="in" filter="fade">
+                                      <p:cBhvr>
+                                        <p:cTn id="14" dur="500"/>
+                                        <p:tgtEl>
+                                          <p:spTgt spid="3">
+                                            <p:txEl>
+                                              <p:pRg st="3" end="3"/>
+                                            </p:txEl>
+                                          </p:spTgt>
+                                        </p:tgtEl>
+                                      </p:cBhvr>
+                                    </p:animEffect>
+                                    <p:anim calcmode="lin" valueType="num">
+                                      <p:cBhvr>
+                                        <p:cTn id="15" dur="500" fill="hold"/>
+                                        <p:tgtEl>
+                                          <p:spTgt spid="3">
+                                            <p:txEl>
+                                              <p:pRg st="3" end="3"/>
+                                            </p:txEl>
+                                          </p:spTgt>
+                                        </p:tgtEl>
+                                        <p:attrNameLst>
+                                          <p:attrName>ppt_x</p:attrName>
+                                        </p:attrNameLst>
+                                      </p:cBhvr>
+                                      <p:tavLst>
+                                        <p:tav tm="0">
+                                          <p:val>
+                                            <p:strVal val="#ppt_x"/>
+                                          </p:val>
+                                        </p:tav>
+                                        <p:tav tm="100000">
+                                          <p:val>
+                                            <p:strVal val="#ppt_x"/>
+                                          </p:val>
+                                        </p:tav>
+                                      </p:tavLst>
+                                    </p:anim>
+                                    <p:anim calcmode="lin" valueType="num">
+                                      <p:cBhvr>
+                                        <p:cTn id="16" dur="500" fill="hold"/>
+                                        <p:tgtEl>
+                                          <p:spTgt spid="3">
+                                            <p:txEl>
+                                              <p:pRg st="3" end="3"/>
+                                            </p:txEl>
+                                          </p:spTgt>
+                                        </p:tgtEl>
+                                        <p:attrNameLst>
+                                          <p:attrName>ppt_y</p:attrName>
+                                        </p:attrNameLst>
+                                      </p:cBhvr>
+                                      <p:tavLst>
+                                        <p:tav tm="0">
+                                          <p:val>
+                                            <p:strVal val="#ppt_y+.1"/>
+                                          </p:val>
+                                        </p:tav>
+                                        <p:tav tm="100000">
+                                          <p:val>
+                                            <p:strVal val="#ppt_y"/>
+                                          </p:val>
+                                        </p:tav>
+                                      </p:tavLst>
+                                    </p:anim>
+                                  </p:childTnLst>
+                                </p:cTn>
+                              </p:par>
+                            </p:childTnLst>
+                          </p:cTn>
+                        </p:par>
+                      </p:childTnLst>
+                    </p:cTn>
+                  </p:par>
+                  <p:par>
+                    <p:cTn id="17" fill="hold">
+                      <p:stCondLst>
+                        <p:cond delay="indefinite"/>
+                      </p:stCondLst>
+                      <p:childTnLst>
+                        <p:par>
+                          <p:cTn id="18" fill="hold">
+                            <p:stCondLst>
+                              <p:cond delay="0"/>
+                            </p:stCondLst>
+                            <p:childTnLst>
+                              <p:par>
+                                <p:cTn id="19" presetID="42" presetClass="entr" presetSubtype="0" fill="hold" grpId="0" nodeType="clickEffect">
+                                  <p:stCondLst>
+                                    <p:cond delay="0"/>
+                                  </p:stCondLst>
+                                  <p:childTnLst>
+                                    <p:set>
+                                      <p:cBhvr>
+                                        <p:cTn id="20" dur="1" fill="hold">
+                                          <p:stCondLst>
+                                            <p:cond delay="0"/>
+                                          </p:stCondLst>
+                                        </p:cTn>
+                                        <p:tgtEl>
+                                          <p:spTgt spid="3">
+                                            <p:txEl>
+                                              <p:pRg st="5" end="5"/>
+                                            </p:txEl>
+                                          </p:spTgt>
+                                        </p:tgtEl>
+                                        <p:attrNameLst>
+                                          <p:attrName>style.visibility</p:attrName>
+                                        </p:attrNameLst>
+                                      </p:cBhvr>
+                                      <p:to>
+                                        <p:strVal val="visible"/>
+                                      </p:to>
+                                    </p:set>
+                                    <p:animEffect transition="in" filter="fade">
+                                      <p:cBhvr>
+                                        <p:cTn id="21" dur="500"/>
+                                        <p:tgtEl>
+                                          <p:spTgt spid="3">
+                                            <p:txEl>
+                                              <p:pRg st="5" end="5"/>
+                                            </p:txEl>
+                                          </p:spTgt>
+                                        </p:tgtEl>
+                                      </p:cBhvr>
+                                    </p:animEffect>
+                                    <p:anim calcmode="lin" valueType="num">
+                                      <p:cBhvr>
+                                        <p:cTn id="22" dur="500" fill="hold"/>
+                                        <p:tgtEl>
+                                          <p:spTgt spid="3">
+                                            <p:txEl>
+                                              <p:pRg st="5" end="5"/>
+                                            </p:txEl>
+                                          </p:spTgt>
+                                        </p:tgtEl>
+                                        <p:attrNameLst>
+                                          <p:attrName>ppt_x</p:attrName>
+                                        </p:attrNameLst>
+                                      </p:cBhvr>
+                                      <p:tavLst>
+                                        <p:tav tm="0">
+                                          <p:val>
+                                            <p:strVal val="#ppt_x"/>
+                                          </p:val>
+                                        </p:tav>
+                                        <p:tav tm="100000">
+                                          <p:val>
+                                            <p:strVal val="#ppt_x"/>
+                                          </p:val>
+                                        </p:tav>
+                                      </p:tavLst>
+                                    </p:anim>
+                                    <p:anim calcmode="lin" valueType="num">
+                                      <p:cBhvr>
+                                        <p:cTn id="23" dur="500" fill="hold"/>
+                                        <p:tgtEl>
+                                          <p:spTgt spid="3">
+                                            <p:txEl>
+                                              <p:pRg st="5" end="5"/>
+                                            </p:txEl>
+                                          </p:spTgt>
+                                        </p:tgtEl>
+                                        <p:attrNameLst>
+                                          <p:attrName>ppt_y</p:attrName>
+                                        </p:attrNameLst>
+                                      </p:cBhvr>
+                                      <p:tavLst>
+                                        <p:tav tm="0">
+                                          <p:val>
+                                            <p:strVal val="#ppt_y+.1"/>
+                                          </p:val>
+                                        </p:tav>
+                                        <p:tav tm="100000">
+                                          <p:val>
+                                            <p:strVal val="#ppt_y"/>
+                                          </p:val>
+                                        </p:tav>
+                                      </p:tavLst>
+                                    </p:anim>
+                                  </p:childTnLst>
+                                </p:cTn>
+                              </p:par>
+                            </p:childTnLst>
+                          </p:cTn>
+                        </p:par>
+                      </p:childTnLst>
+                    </p:cTn>
+                  </p:par>
+                  <p:par>
+                    <p:cTn id="24" fill="hold">
+                      <p:stCondLst>
+                        <p:cond delay="indefinite"/>
+                      </p:stCondLst>
+                      <p:childTnLst>
+                        <p:par>
+                          <p:cTn id="25" fill="hold">
+                            <p:stCondLst>
+                              <p:cond delay="0"/>
+                            </p:stCondLst>
+                            <p:childTnLst>
+                              <p:par>
+                                <p:cTn id="26" presetID="42" presetClass="entr" presetSubtype="0" fill="hold" grpId="0" nodeType="clickEffect">
+                                  <p:stCondLst>
+                                    <p:cond delay="0"/>
+                                  </p:stCondLst>
+                                  <p:childTnLst>
+                                    <p:set>
+                                      <p:cBhvr>
+                                        <p:cTn id="27" dur="1" fill="hold">
+                                          <p:stCondLst>
+                                            <p:cond delay="0"/>
+                                          </p:stCondLst>
+                                        </p:cTn>
+                                        <p:tgtEl>
+                                          <p:spTgt spid="3">
+                                            <p:txEl>
+                                              <p:pRg st="7" end="7"/>
+                                            </p:txEl>
+                                          </p:spTgt>
+                                        </p:tgtEl>
+                                        <p:attrNameLst>
+                                          <p:attrName>style.visibility</p:attrName>
+                                        </p:attrNameLst>
+                                      </p:cBhvr>
+                                      <p:to>
+                                        <p:strVal val="visible"/>
+                                      </p:to>
+                                    </p:set>
+                                    <p:animEffect transition="in" filter="fade">
+                                      <p:cBhvr>
+                                        <p:cTn id="28" dur="500"/>
+                                        <p:tgtEl>
+                                          <p:spTgt spid="3">
+                                            <p:txEl>
+                                              <p:pRg st="7" end="7"/>
+                                            </p:txEl>
+                                          </p:spTgt>
+                                        </p:tgtEl>
+                                      </p:cBhvr>
+                                    </p:animEffect>
+                                    <p:anim calcmode="lin" valueType="num">
+                                      <p:cBhvr>
+                                        <p:cTn id="29" dur="500" fill="hold"/>
+                                        <p:tgtEl>
+                                          <p:spTgt spid="3">
+                                            <p:txEl>
+                                              <p:pRg st="7" end="7"/>
+                                            </p:txEl>
+                                          </p:spTgt>
+                                        </p:tgtEl>
+                                        <p:attrNameLst>
+                                          <p:attrName>ppt_x</p:attrName>
+                                        </p:attrNameLst>
+                                      </p:cBhvr>
+                                      <p:tavLst>
+                                        <p:tav tm="0">
+                                          <p:val>
+                                            <p:strVal val="#ppt_x"/>
+                                          </p:val>
+                                        </p:tav>
+                                        <p:tav tm="100000">
+                                          <p:val>
+                                            <p:strVal val="#ppt_x"/>
+                                          </p:val>
+                                        </p:tav>
+                                      </p:tavLst>
+                                    </p:anim>
+                                    <p:anim calcmode="lin" valueType="num">
+                                      <p:cBhvr>
+                                        <p:cTn id="30" dur="500" fill="hold"/>
+                                        <p:tgtEl>
+                                          <p:spTgt spid="3">
+                                            <p:txEl>
+                                              <p:pRg st="7" end="7"/>
+                                            </p:txEl>
+                                          </p:spTgt>
+                                        </p:tgtEl>
+                                        <p:attrNameLst>
+                                          <p:attrName>ppt_y</p:attrName>
+                                        </p:attrNameLst>
+                                      </p:cBhvr>
+                                      <p:tavLst>
+                                        <p:tav tm="0">
+                                          <p:val>
+                                            <p:strVal val="#ppt_y+.1"/>
+                                          </p:val>
+                                        </p:tav>
+                                        <p:tav tm="100000">
+                                          <p:val>
+                                            <p:strVal val="#ppt_y"/>
+                                          </p:val>
+                                        </p:tav>
+                                      </p:tavLst>
+                                    </p:anim>
+                                  </p:childTnLst>
+                                </p:cTn>
+                              </p:par>
+                            </p:childTnLst>
+                          </p:cTn>
+                        </p:par>
+                      </p:childTnLst>
+                    </p:cTn>
+                  </p:par>
+                </p:childTnLst>
+              </p:cTn>
+              <p:prevCondLst>
+                <p:cond evt="onPrev" delay="0">
+                  <p:tgtEl>
+                    <p:sldTgt/>
+                  </p:tgtEl>
+                </p:cond>
+              </p:prevCondLst>
+              <p:nextCondLst>
+                <p:cond evt="onNext" delay="0">
+                  <p:tgtEl>
+                    <p:sldTgt/>
+                  </p:tgtEl>
+                </p:cond>
+              </p:nextCondLst>
+            </p:seq>
+          </p:childTnLst>
+        </p:cTn>
+      </p:par>
+    </p:tnLst>
+    <p:bldLst>
+      <p:bldP spid="3" grpId="0" build="p"/>
+    </p:bldLst>
+  </p:timing>
+</p:sld>
+</file>
+
+<file path=ppt/slides/slide8.xml><?xml version="1.0" encoding="utf-8"?>
+<p:sld xmlns:a="http://schemas.openxmlformats.org/drawingml/2006/main" xmlns:r="http://schemas.openxmlformats.org/officeDocument/2006/relationships" xmlns:p="http://schemas.openxmlformats.org/presentationml/2006/main">
+  <p:cSld>
+    <p:bg>
+      <p:bgPr>
+        <a:solidFill>
+          <a:schemeClr val="bg1"/>
+        </a:solidFill>
+        <a:effectLst/>
+      </p:bgPr>
+    </p:bg>
+    <p:spTree>
+      <p:nvGrpSpPr>
+        <p:cNvPr id="1" name=""/>
+        <p:cNvGrpSpPr/>
+        <p:nvPr/>
+      </p:nvGrpSpPr>
+      <p:grpSpPr>
+        <a:xfrm>
+          <a:off x="0" y="0"/>
+          <a:ext cx="0" cy="0"/>
+          <a:chOff x="0" y="0"/>
+          <a:chExt cx="0" cy="0"/>
+        </a:xfrm>
+      </p:grpSpPr>
+      <p:sp>
+        <p:nvSpPr>
+          <p:cNvPr id="12" name="Rectangle 11"/>
+          <p:cNvSpPr/>
+          <p:nvPr/>
+        </p:nvSpPr>
+        <p:spPr bwMode="auto">
+          <a:xfrm>
+            <a:off x="6324600" y="2514600"/>
+            <a:ext cx="5486400" cy="3657600"/>
+          </a:xfrm>
+          <a:prstGeom prst="rect">
+            <a:avLst/>
+          </a:prstGeom>
+          <a:solidFill>
+            <a:srgbClr val="0070C0">
+              <a:alpha val="8000"/>
+            </a:srgbClr>
+          </a:solidFill>
+          <a:ln w="12700">
+            <a:solidFill>
+              <a:srgbClr val="002060"/>
+            </a:solidFill>
+            <a:miter lim="800000"/>
+            <a:headEnd type="none" w="med" len="med"/>
+            <a:tailEnd type="none" w="med" len="med"/>
+          </a:ln>
+          <a:effectLst/>
+        </p:spPr>
+        <p:style>
+          <a:lnRef idx="1">
+            <a:schemeClr val="accent2"/>
+          </a:lnRef>
+          <a:fillRef idx="3">
+            <a:schemeClr val="accent2"/>
+          </a:fillRef>
+          <a:effectRef idx="2">
+            <a:schemeClr val="accent2"/>
+          </a:effectRef>
+          <a:fontRef idx="minor">
+            <a:schemeClr val="lt1"/>
+          </a:fontRef>
+        </p:style>
+        <p:txBody>
+          <a:bodyPr rot="0" spcFirstLastPara="0" vertOverflow="overflow" horzOverflow="overflow" vert="horz" wrap="square" lIns="182880" tIns="146304" rIns="182880" bIns="146304" numCol="1" spcCol="0" rtlCol="0" fromWordArt="0" anchor="t" anchorCtr="0" forceAA="0" compatLnSpc="1">
+            <a:prstTxWarp prst="textNoShape">
+              <a:avLst/>
+            </a:prstTxWarp>
+            <a:noAutofit/>
+          </a:bodyPr>
+          <a:lstStyle/>
+          <a:p>
+            <a:pPr algn="ctr" defTabSz="932472" fontAlgn="base">
+              <a:lnSpc>
+                <a:spcPct val="90000"/>
+              </a:lnSpc>
+              <a:spcBef>
+                <a:spcPct val="0"/>
+              </a:spcBef>
+              <a:spcAft>
+                <a:spcPct val="0"/>
+              </a:spcAft>
+            </a:pPr>
+            <a:endParaRPr lang="en-US" sz="2400" dirty="0" err="1" smtClean="0">
+              <a:gradFill>
+                <a:gsLst>
+                  <a:gs pos="0">
+                    <a:srgbClr val="FFFFFF"/>
+                  </a:gs>
+                  <a:gs pos="100000">
+                    <a:srgbClr val="FFFFFF"/>
+                  </a:gs>
+                </a:gsLst>
+                <a:lin ang="5400000" scaled="0"/>
+              </a:gradFill>
+              <a:ea typeface="Segoe UI" pitchFamily="34" charset="0"/>
+              <a:cs typeface="Segoe UI" pitchFamily="34" charset="0"/>
+            </a:endParaRPr>
+          </a:p>
+        </p:txBody>
+      </p:sp>
+      <p:sp>
+        <p:nvSpPr>
+          <p:cNvPr id="11" name="Rectangle 10"/>
+          <p:cNvSpPr/>
+          <p:nvPr/>
+        </p:nvSpPr>
+        <p:spPr bwMode="auto">
+          <a:xfrm>
+            <a:off x="152400" y="3657600"/>
+            <a:ext cx="4572000" cy="2848331"/>
+          </a:xfrm>
+          <a:prstGeom prst="rect">
+            <a:avLst/>
+          </a:prstGeom>
+          <a:solidFill>
+            <a:srgbClr val="FF8300">
+              <a:alpha val="13000"/>
+            </a:srgbClr>
+          </a:solidFill>
+          <a:ln w="12700">
+            <a:solidFill>
+              <a:srgbClr val="FF8300"/>
+            </a:solidFill>
+            <a:miter lim="800000"/>
+            <a:headEnd type="none" w="med" len="med"/>
+            <a:tailEnd type="none" w="med" len="med"/>
+          </a:ln>
+          <a:effectLst/>
+        </p:spPr>
+        <p:style>
+          <a:lnRef idx="1">
+            <a:schemeClr val="accent2"/>
+          </a:lnRef>
+          <a:fillRef idx="3">
+            <a:schemeClr val="accent2"/>
+          </a:fillRef>
+          <a:effectRef idx="2">
+            <a:schemeClr val="accent2"/>
+          </a:effectRef>
+          <a:fontRef idx="minor">
+            <a:schemeClr val="lt1"/>
+          </a:fontRef>
+        </p:style>
+        <p:txBody>
+          <a:bodyPr rot="0" spcFirstLastPara="0" vertOverflow="overflow" horzOverflow="overflow" vert="horz" wrap="square" lIns="182880" tIns="146304" rIns="182880" bIns="146304" numCol="1" spcCol="0" rtlCol="0" fromWordArt="0" anchor="t" anchorCtr="0" forceAA="0" compatLnSpc="1">
+            <a:prstTxWarp prst="textNoShape">
+              <a:avLst/>
+            </a:prstTxWarp>
+            <a:noAutofit/>
+          </a:bodyPr>
+          <a:lstStyle/>
+          <a:p>
+            <a:pPr algn="ctr" defTabSz="932472" fontAlgn="base">
+              <a:lnSpc>
+                <a:spcPct val="90000"/>
+              </a:lnSpc>
+              <a:spcBef>
+                <a:spcPct val="0"/>
+              </a:spcBef>
+              <a:spcAft>
+                <a:spcPct val="0"/>
+              </a:spcAft>
+            </a:pPr>
+            <a:endParaRPr lang="en-US" sz="2400" dirty="0" err="1" smtClean="0">
+              <a:gradFill>
+                <a:gsLst>
+                  <a:gs pos="0">
+                    <a:srgbClr val="FFFFFF"/>
+                  </a:gs>
+                  <a:gs pos="100000">
+                    <a:srgbClr val="FFFFFF"/>
+                  </a:gs>
+                </a:gsLst>
+                <a:lin ang="5400000" scaled="0"/>
+              </a:gradFill>
+              <a:ea typeface="Segoe UI" pitchFamily="34" charset="0"/>
+              <a:cs typeface="Segoe UI" pitchFamily="34" charset="0"/>
+            </a:endParaRPr>
+          </a:p>
+        </p:txBody>
+      </p:sp>
+      <p:sp>
+        <p:nvSpPr>
+          <p:cNvPr id="2" name="Title 1"/>
+          <p:cNvSpPr>
+            <a:spLocks noGrp="1"/>
+          </p:cNvSpPr>
+          <p:nvPr>
+            <p:ph type="title"/>
+          </p:nvPr>
+        </p:nvSpPr>
+        <p:spPr/>
+        <p:txBody>
+          <a:bodyPr/>
+          <a:lstStyle/>
+          <a:p>
+            <a:r>
+              <a:rPr lang="en-US" dirty="0" smtClean="0"/>
+              <a:t>EJS If Statement Example</a:t>
+            </a:r>
+            <a:endParaRPr lang="en-US" dirty="0"/>
+          </a:p>
+        </p:txBody>
+      </p:sp>
+      <p:sp>
+        <p:nvSpPr>
+          <p:cNvPr id="3" name="Content Placeholder 2"/>
+          <p:cNvSpPr>
+            <a:spLocks noGrp="1"/>
+          </p:cNvSpPr>
+          <p:nvPr>
+            <p:ph idx="1"/>
+          </p:nvPr>
+        </p:nvSpPr>
+        <p:spPr>
+          <a:xfrm>
+            <a:off x="381000" y="1143000"/>
+            <a:ext cx="6743700" cy="5257800"/>
+          </a:xfrm>
+        </p:spPr>
+        <p:txBody>
+          <a:bodyPr>
+            <a:normAutofit fontScale="92500" lnSpcReduction="10000"/>
+          </a:bodyPr>
+          <a:lstStyle/>
+          <a:p>
+            <a:pPr marL="57150" indent="0">
+              <a:buNone/>
+            </a:pPr>
+            <a:r>
+              <a:rPr lang="en-US" dirty="0" err="1">
+                <a:solidFill>
+                  <a:schemeClr val="accent2"/>
+                </a:solidFill>
+              </a:rPr>
+              <a:t>page.ejs</a:t>
+            </a:r>
+            <a:endParaRPr lang="en-US" dirty="0"/>
+          </a:p>
+          <a:p>
+            <a:pPr marL="57150" indent="0">
+              <a:buNone/>
+            </a:pPr>
+            <a:r>
+              <a:rPr lang="en-US" sz="3500" b="1" dirty="0" smtClean="0">
+                <a:solidFill>
+                  <a:srgbClr val="7030A0"/>
+                </a:solidFill>
+                <a:latin typeface="Consolas" panose="020B0609020204030204" pitchFamily="49" charset="0"/>
+              </a:rPr>
+              <a:t>&lt;%</a:t>
+            </a:r>
+            <a:r>
+              <a:rPr lang="en-US" sz="3500" dirty="0">
+                <a:solidFill>
+                  <a:srgbClr val="000000"/>
+                </a:solidFill>
+                <a:latin typeface="Consolas" panose="020B0609020204030204" pitchFamily="49" charset="0"/>
+              </a:rPr>
+              <a:t> </a:t>
+            </a:r>
+            <a:r>
+              <a:rPr lang="en-US" sz="3500" dirty="0">
+                <a:solidFill>
+                  <a:srgbClr val="0000FF"/>
+                </a:solidFill>
+                <a:latin typeface="Consolas" panose="020B0609020204030204" pitchFamily="49" charset="0"/>
+              </a:rPr>
+              <a:t>if</a:t>
+            </a:r>
+            <a:r>
+              <a:rPr lang="en-US" sz="3500" dirty="0">
+                <a:solidFill>
+                  <a:srgbClr val="000000"/>
+                </a:solidFill>
+                <a:latin typeface="Consolas" panose="020B0609020204030204" pitchFamily="49" charset="0"/>
+              </a:rPr>
+              <a:t> (</a:t>
+            </a:r>
+            <a:r>
+              <a:rPr lang="en-US" sz="3500" dirty="0" err="1">
+                <a:solidFill>
+                  <a:srgbClr val="000000"/>
+                </a:solidFill>
+                <a:latin typeface="Consolas" panose="020B0609020204030204" pitchFamily="49" charset="0"/>
+              </a:rPr>
+              <a:t>data.age</a:t>
+            </a:r>
+            <a:r>
+              <a:rPr lang="en-US" sz="3500" dirty="0">
+                <a:solidFill>
+                  <a:srgbClr val="000000"/>
+                </a:solidFill>
+                <a:latin typeface="Consolas" panose="020B0609020204030204" pitchFamily="49" charset="0"/>
+              </a:rPr>
+              <a:t> &gt;= </a:t>
+            </a:r>
+            <a:r>
+              <a:rPr lang="en-US" sz="3500" dirty="0">
+                <a:solidFill>
+                  <a:srgbClr val="09885A"/>
+                </a:solidFill>
+                <a:latin typeface="Consolas" panose="020B0609020204030204" pitchFamily="49" charset="0"/>
+              </a:rPr>
+              <a:t>16</a:t>
+            </a:r>
+            <a:r>
+              <a:rPr lang="en-US" sz="3500" dirty="0">
+                <a:solidFill>
+                  <a:srgbClr val="000000"/>
+                </a:solidFill>
+                <a:latin typeface="Consolas" panose="020B0609020204030204" pitchFamily="49" charset="0"/>
+              </a:rPr>
+              <a:t>) { </a:t>
+            </a:r>
+            <a:r>
+              <a:rPr lang="en-US" sz="3500" b="1" dirty="0">
+                <a:solidFill>
+                  <a:srgbClr val="7030A0"/>
+                </a:solidFill>
+                <a:latin typeface="Consolas" panose="020B0609020204030204" pitchFamily="49" charset="0"/>
+              </a:rPr>
+              <a:t>%&gt;</a:t>
+            </a:r>
+          </a:p>
+          <a:p>
+            <a:pPr marL="57150" indent="0">
+              <a:buNone/>
+            </a:pPr>
+            <a:r>
+              <a:rPr lang="en-US" sz="3500" dirty="0" smtClean="0">
+                <a:solidFill>
+                  <a:srgbClr val="800000"/>
+                </a:solidFill>
+                <a:latin typeface="Consolas" panose="020B0609020204030204" pitchFamily="49" charset="0"/>
+              </a:rPr>
+              <a:t>    &lt;</a:t>
+            </a:r>
+            <a:r>
+              <a:rPr lang="en-US" sz="3500" dirty="0">
+                <a:solidFill>
+                  <a:srgbClr val="800000"/>
+                </a:solidFill>
+                <a:latin typeface="Consolas" panose="020B0609020204030204" pitchFamily="49" charset="0"/>
+              </a:rPr>
+              <a:t>p&gt;</a:t>
+            </a:r>
+            <a:r>
+              <a:rPr lang="en-US" sz="3500" dirty="0">
+                <a:solidFill>
+                  <a:srgbClr val="000000"/>
+                </a:solidFill>
+                <a:latin typeface="Consolas" panose="020B0609020204030204" pitchFamily="49" charset="0"/>
+              </a:rPr>
+              <a:t>You can drive</a:t>
+            </a:r>
+            <a:r>
+              <a:rPr lang="en-US" sz="3500" dirty="0">
+                <a:solidFill>
+                  <a:srgbClr val="800000"/>
+                </a:solidFill>
+                <a:latin typeface="Consolas" panose="020B0609020204030204" pitchFamily="49" charset="0"/>
+              </a:rPr>
+              <a:t>&lt;/p&gt;</a:t>
+            </a:r>
+            <a:endParaRPr lang="en-US" sz="3500" dirty="0">
+              <a:solidFill>
+                <a:srgbClr val="000000"/>
+              </a:solidFill>
+              <a:latin typeface="Consolas" panose="020B0609020204030204" pitchFamily="49" charset="0"/>
+            </a:endParaRPr>
+          </a:p>
+          <a:p>
+            <a:pPr marL="57150" indent="0">
+              <a:buNone/>
+            </a:pPr>
+            <a:r>
+              <a:rPr lang="en-US" sz="3500" b="1" dirty="0" smtClean="0">
+                <a:solidFill>
+                  <a:srgbClr val="7030A0"/>
+                </a:solidFill>
+                <a:latin typeface="Consolas" panose="020B0609020204030204" pitchFamily="49" charset="0"/>
+              </a:rPr>
+              <a:t>&lt;%</a:t>
+            </a:r>
+            <a:r>
+              <a:rPr lang="en-US" sz="3500" dirty="0">
+                <a:solidFill>
+                  <a:srgbClr val="000000"/>
+                </a:solidFill>
+                <a:latin typeface="Consolas" panose="020B0609020204030204" pitchFamily="49" charset="0"/>
+              </a:rPr>
+              <a:t> } </a:t>
+            </a:r>
+            <a:r>
+              <a:rPr lang="en-US" sz="3500" b="1" dirty="0">
+                <a:solidFill>
+                  <a:srgbClr val="7030A0"/>
+                </a:solidFill>
+                <a:latin typeface="Consolas" panose="020B0609020204030204" pitchFamily="49" charset="0"/>
+              </a:rPr>
+              <a:t>%&gt;</a:t>
+            </a:r>
+          </a:p>
+          <a:p>
+            <a:pPr marL="57150" indent="0">
+              <a:buNone/>
+            </a:pPr>
+            <a:endParaRPr lang="en-US" sz="1700" dirty="0">
+              <a:solidFill>
+                <a:srgbClr val="800000"/>
+              </a:solidFill>
+              <a:latin typeface="Consolas" panose="020B0609020204030204" pitchFamily="49" charset="0"/>
+            </a:endParaRPr>
+          </a:p>
+          <a:p>
+            <a:pPr marL="57150" indent="0">
+              <a:buNone/>
+            </a:pPr>
+            <a:r>
+              <a:rPr lang="en-US" dirty="0" smtClean="0">
+                <a:solidFill>
+                  <a:schemeClr val="accent1"/>
+                </a:solidFill>
+                <a:latin typeface="Consolas" panose="020B0609020204030204" pitchFamily="49" charset="0"/>
+              </a:rPr>
+              <a:t>data </a:t>
+            </a:r>
+            <a:r>
+              <a:rPr lang="en-US" dirty="0" smtClean="0">
+                <a:solidFill>
+                  <a:schemeClr val="accent1"/>
+                </a:solidFill>
+                <a:latin typeface="+mj-lt"/>
+              </a:rPr>
+              <a:t>(1)</a:t>
+            </a:r>
+            <a:endParaRPr lang="en-US" dirty="0">
+              <a:solidFill>
+                <a:schemeClr val="accent1"/>
+              </a:solidFill>
+              <a:latin typeface="+mj-lt"/>
+            </a:endParaRPr>
+          </a:p>
+          <a:p>
+            <a:pPr marL="57150" indent="0">
+              <a:buNone/>
+            </a:pPr>
+            <a:r>
+              <a:rPr lang="en-US" dirty="0">
+                <a:solidFill>
+                  <a:srgbClr val="000000"/>
+                </a:solidFill>
+                <a:latin typeface="Consolas" panose="020B0609020204030204" pitchFamily="49" charset="0"/>
+              </a:rPr>
+              <a:t>{ name: </a:t>
+            </a:r>
+            <a:r>
+              <a:rPr lang="en-US" dirty="0">
+                <a:solidFill>
+                  <a:srgbClr val="A31515"/>
+                </a:solidFill>
+                <a:latin typeface="Consolas" panose="020B0609020204030204" pitchFamily="49" charset="0"/>
+              </a:rPr>
+              <a:t>'Al'</a:t>
+            </a:r>
+            <a:r>
+              <a:rPr lang="en-US" dirty="0">
+                <a:solidFill>
+                  <a:srgbClr val="000000"/>
+                </a:solidFill>
+                <a:latin typeface="Consolas" panose="020B0609020204030204" pitchFamily="49" charset="0"/>
+              </a:rPr>
+              <a:t>, age: </a:t>
+            </a:r>
+            <a:r>
+              <a:rPr lang="en-US" dirty="0">
+                <a:solidFill>
+                  <a:srgbClr val="09885A"/>
+                </a:solidFill>
+                <a:latin typeface="Consolas" panose="020B0609020204030204" pitchFamily="49" charset="0"/>
+              </a:rPr>
+              <a:t>2 </a:t>
+            </a:r>
+            <a:r>
+              <a:rPr lang="en-US" dirty="0" smtClean="0">
+                <a:solidFill>
+                  <a:srgbClr val="000000"/>
+                </a:solidFill>
+                <a:latin typeface="Consolas" panose="020B0609020204030204" pitchFamily="49" charset="0"/>
+              </a:rPr>
+              <a:t>}</a:t>
+            </a:r>
+          </a:p>
+          <a:p>
+            <a:pPr marL="57150" indent="0">
+              <a:buNone/>
+            </a:pPr>
+            <a:endParaRPr lang="en-US" dirty="0" smtClean="0">
+              <a:solidFill>
+                <a:srgbClr val="000000"/>
+              </a:solidFill>
+              <a:latin typeface="Consolas" panose="020B0609020204030204" pitchFamily="49" charset="0"/>
+            </a:endParaRPr>
+          </a:p>
+          <a:p>
+            <a:pPr marL="57150" indent="0">
+              <a:buNone/>
+            </a:pPr>
+            <a:r>
+              <a:rPr lang="en-US" dirty="0">
+                <a:solidFill>
+                  <a:schemeClr val="accent2"/>
+                </a:solidFill>
+              </a:rPr>
+              <a:t>Rendered </a:t>
+            </a:r>
+            <a:r>
+              <a:rPr lang="en-US" dirty="0" smtClean="0">
+                <a:solidFill>
+                  <a:schemeClr val="accent2"/>
+                </a:solidFill>
+              </a:rPr>
+              <a:t>output (1)</a:t>
+            </a:r>
+          </a:p>
+          <a:p>
+            <a:pPr marL="57150" indent="0">
+              <a:buNone/>
+            </a:pPr>
+            <a:r>
+              <a:rPr lang="en-US" sz="2400" dirty="0" smtClean="0"/>
+              <a:t>Nothing!</a:t>
+            </a:r>
+            <a:endParaRPr lang="en-US" dirty="0">
+              <a:solidFill>
+                <a:srgbClr val="000000"/>
+              </a:solidFill>
+              <a:latin typeface="Consolas" panose="020B0609020204030204" pitchFamily="49" charset="0"/>
+            </a:endParaRPr>
+          </a:p>
+          <a:p>
+            <a:pPr marL="57150" indent="0">
+              <a:buNone/>
+            </a:pPr>
+            <a:endParaRPr lang="en-US" dirty="0">
+              <a:solidFill>
+                <a:schemeClr val="bg1"/>
+              </a:solidFill>
+            </a:endParaRPr>
+          </a:p>
+        </p:txBody>
+      </p:sp>
+      <p:sp>
+        <p:nvSpPr>
+          <p:cNvPr id="4" name="Rectangle 3"/>
+          <p:cNvSpPr/>
+          <p:nvPr/>
+        </p:nvSpPr>
+        <p:spPr bwMode="auto">
+          <a:xfrm>
+            <a:off x="6553200" y="4686300"/>
+            <a:ext cx="5143500" cy="1143000"/>
+          </a:xfrm>
+          <a:prstGeom prst="rect">
+            <a:avLst/>
+          </a:prstGeom>
+          <a:noFill/>
+          <a:ln w="12700">
+            <a:noFill/>
+            <a:miter lim="800000"/>
+            <a:headEnd type="none" w="med" len="med"/>
+            <a:tailEnd type="none" w="med" len="med"/>
+          </a:ln>
+          <a:effectLst/>
+        </p:spPr>
+        <p:style>
+          <a:lnRef idx="1">
+            <a:schemeClr val="accent2"/>
+          </a:lnRef>
+          <a:fillRef idx="3">
+            <a:schemeClr val="accent2"/>
+          </a:fillRef>
+          <a:effectRef idx="2">
+            <a:schemeClr val="accent2"/>
+          </a:effectRef>
+          <a:fontRef idx="minor">
+            <a:schemeClr val="lt1"/>
+          </a:fontRef>
+        </p:style>
+        <p:txBody>
+          <a:bodyPr rot="0" spcFirstLastPara="0" vertOverflow="overflow" horzOverflow="overflow" vert="horz" wrap="square" lIns="182880" tIns="146304" rIns="182880" bIns="146304" numCol="1" spcCol="0" rtlCol="0" fromWordArt="0" anchor="t" anchorCtr="0" forceAA="0" compatLnSpc="1">
+            <a:prstTxWarp prst="textNoShape">
+              <a:avLst/>
+            </a:prstTxWarp>
+            <a:noAutofit/>
+          </a:bodyPr>
+          <a:lstStyle/>
+          <a:p>
+            <a:pPr marL="57150" indent="0">
+              <a:buNone/>
+            </a:pPr>
+            <a:r>
+              <a:rPr lang="en-US" sz="2800" dirty="0" smtClean="0">
+                <a:solidFill>
+                  <a:schemeClr val="accent2"/>
+                </a:solidFill>
+              </a:rPr>
+              <a:t>Rendered output (2)</a:t>
+            </a:r>
+          </a:p>
+          <a:p>
+            <a:r>
+              <a:rPr lang="en-US" sz="2800" dirty="0">
+                <a:solidFill>
+                  <a:srgbClr val="800000"/>
+                </a:solidFill>
+                <a:latin typeface="Consolas" panose="020B0609020204030204" pitchFamily="49" charset="0"/>
+              </a:rPr>
+              <a:t>&lt;</a:t>
+            </a:r>
+            <a:r>
+              <a:rPr lang="en-US" sz="2800" dirty="0" smtClean="0">
+                <a:solidFill>
+                  <a:srgbClr val="800000"/>
+                </a:solidFill>
+                <a:latin typeface="Consolas" panose="020B0609020204030204" pitchFamily="49" charset="0"/>
+              </a:rPr>
+              <a:t>p&gt;</a:t>
+            </a:r>
+            <a:r>
+              <a:rPr lang="en-US" sz="2800" dirty="0" smtClean="0">
+                <a:solidFill>
+                  <a:srgbClr val="000000"/>
+                </a:solidFill>
+                <a:latin typeface="Consolas" panose="020B0609020204030204" pitchFamily="49" charset="0"/>
+              </a:rPr>
+              <a:t>You can drive</a:t>
+            </a:r>
+            <a:r>
+              <a:rPr lang="en-US" sz="2800" dirty="0" smtClean="0">
+                <a:solidFill>
+                  <a:srgbClr val="800000"/>
+                </a:solidFill>
+                <a:latin typeface="Consolas" panose="020B0609020204030204" pitchFamily="49" charset="0"/>
+              </a:rPr>
+              <a:t>&lt;/</a:t>
+            </a:r>
+            <a:r>
+              <a:rPr lang="en-US" sz="2800" dirty="0">
+                <a:solidFill>
+                  <a:srgbClr val="800000"/>
+                </a:solidFill>
+                <a:latin typeface="Consolas" panose="020B0609020204030204" pitchFamily="49" charset="0"/>
+              </a:rPr>
+              <a:t>p</a:t>
+            </a:r>
+            <a:r>
+              <a:rPr lang="en-US" sz="2800" dirty="0" smtClean="0">
+                <a:solidFill>
+                  <a:srgbClr val="800000"/>
+                </a:solidFill>
+                <a:latin typeface="Consolas" panose="020B0609020204030204" pitchFamily="49" charset="0"/>
+              </a:rPr>
+              <a:t>&gt;</a:t>
+            </a:r>
+            <a:endParaRPr lang="en-US" sz="2800" dirty="0">
+              <a:solidFill>
+                <a:srgbClr val="000000"/>
+              </a:solidFill>
+              <a:latin typeface="Consolas" panose="020B0609020204030204" pitchFamily="49" charset="0"/>
+            </a:endParaRPr>
+          </a:p>
+        </p:txBody>
+      </p:sp>
+      <p:cxnSp>
+        <p:nvCxnSpPr>
+          <p:cNvPr id="6" name="Straight Arrow Connector 5"/>
+          <p:cNvCxnSpPr/>
+          <p:nvPr/>
+        </p:nvCxnSpPr>
+        <p:spPr>
+          <a:xfrm>
+            <a:off x="1981200" y="4686300"/>
+            <a:ext cx="0" cy="457200"/>
+          </a:xfrm>
+          <a:prstGeom prst="straightConnector1">
+            <a:avLst/>
+          </a:prstGeom>
+          <a:ln w="50800">
+            <a:miter lim="800000"/>
+            <a:headEnd type="none"/>
+            <a:tailEnd type="triangle"/>
+          </a:ln>
+        </p:spPr>
+        <p:style>
+          <a:lnRef idx="1">
+            <a:schemeClr val="dk1"/>
+          </a:lnRef>
+          <a:fillRef idx="0">
+            <a:schemeClr val="dk1"/>
+          </a:fillRef>
+          <a:effectRef idx="0">
+            <a:schemeClr val="dk1"/>
+          </a:effectRef>
+          <a:fontRef idx="minor">
+            <a:schemeClr val="tx1"/>
+          </a:fontRef>
+        </p:style>
+      </p:cxnSp>
+      <p:sp>
+        <p:nvSpPr>
+          <p:cNvPr id="8" name="TextBox 7"/>
+          <p:cNvSpPr txBox="1"/>
+          <p:nvPr/>
+        </p:nvSpPr>
+        <p:spPr>
+          <a:xfrm>
+            <a:off x="6553200" y="2584241"/>
+            <a:ext cx="5159105" cy="1311128"/>
+          </a:xfrm>
+          <a:prstGeom prst="rect">
+            <a:avLst/>
+          </a:prstGeom>
+          <a:noFill/>
+        </p:spPr>
+        <p:txBody>
+          <a:bodyPr wrap="none" lIns="182880" tIns="146304" rIns="182880" bIns="146304" rtlCol="0">
+            <a:spAutoFit/>
+          </a:bodyPr>
+          <a:lstStyle/>
+          <a:p>
+            <a:pPr marL="57150" lvl="0">
+              <a:spcAft>
+                <a:spcPts val="1200"/>
+              </a:spcAft>
+              <a:buClr>
+                <a:srgbClr val="98989A"/>
+              </a:buClr>
+            </a:pPr>
+            <a:r>
+              <a:rPr lang="en-US" sz="2800" dirty="0">
+                <a:solidFill>
+                  <a:srgbClr val="54C8E8"/>
+                </a:solidFill>
+                <a:latin typeface="Consolas" panose="020B0609020204030204" pitchFamily="49" charset="0"/>
+              </a:rPr>
+              <a:t>data </a:t>
+            </a:r>
+            <a:r>
+              <a:rPr lang="en-US" sz="2800" dirty="0" smtClean="0">
+                <a:solidFill>
+                  <a:srgbClr val="54C8E8"/>
+                </a:solidFill>
+              </a:rPr>
+              <a:t>(2)</a:t>
+            </a:r>
+            <a:endParaRPr lang="en-US" sz="2800" dirty="0">
+              <a:solidFill>
+                <a:srgbClr val="54C8E8"/>
+              </a:solidFill>
+            </a:endParaRPr>
+          </a:p>
+          <a:p>
+            <a:pPr marL="57150" lvl="0">
+              <a:spcAft>
+                <a:spcPts val="1200"/>
+              </a:spcAft>
+              <a:buClr>
+                <a:srgbClr val="98989A"/>
+              </a:buClr>
+            </a:pPr>
+            <a:r>
+              <a:rPr lang="en-US" sz="2800" dirty="0">
+                <a:solidFill>
+                  <a:srgbClr val="000000"/>
+                </a:solidFill>
+                <a:latin typeface="Consolas" panose="020B0609020204030204" pitchFamily="49" charset="0"/>
+              </a:rPr>
+              <a:t>{ name: </a:t>
+            </a:r>
+            <a:r>
+              <a:rPr lang="en-US" sz="2800" dirty="0" smtClean="0">
+                <a:solidFill>
+                  <a:srgbClr val="A31515"/>
+                </a:solidFill>
+                <a:latin typeface="Consolas" panose="020B0609020204030204" pitchFamily="49" charset="0"/>
+              </a:rPr>
+              <a:t>'Sam'</a:t>
+            </a:r>
+            <a:r>
+              <a:rPr lang="en-US" sz="2800" dirty="0" smtClean="0">
+                <a:solidFill>
+                  <a:srgbClr val="000000"/>
+                </a:solidFill>
+                <a:latin typeface="Consolas" panose="020B0609020204030204" pitchFamily="49" charset="0"/>
+              </a:rPr>
+              <a:t>, </a:t>
+            </a:r>
+            <a:r>
+              <a:rPr lang="en-US" sz="2800" dirty="0">
+                <a:solidFill>
+                  <a:srgbClr val="000000"/>
+                </a:solidFill>
+                <a:latin typeface="Consolas" panose="020B0609020204030204" pitchFamily="49" charset="0"/>
+              </a:rPr>
+              <a:t>age: </a:t>
+            </a:r>
+            <a:r>
+              <a:rPr lang="en-US" sz="2800" dirty="0" smtClean="0">
+                <a:solidFill>
+                  <a:srgbClr val="09885A"/>
+                </a:solidFill>
+                <a:latin typeface="Consolas" panose="020B0609020204030204" pitchFamily="49" charset="0"/>
+              </a:rPr>
+              <a:t>22 </a:t>
+            </a:r>
+            <a:r>
+              <a:rPr lang="en-US" sz="2800" dirty="0" smtClean="0">
+                <a:solidFill>
+                  <a:srgbClr val="000000"/>
+                </a:solidFill>
+                <a:latin typeface="Consolas" panose="020B0609020204030204" pitchFamily="49" charset="0"/>
+              </a:rPr>
+              <a:t>}</a:t>
+            </a:r>
+            <a:endParaRPr lang="en-US" sz="2800" dirty="0">
+              <a:solidFill>
+                <a:srgbClr val="000000"/>
+              </a:solidFill>
+              <a:latin typeface="Consolas" panose="020B0609020204030204" pitchFamily="49" charset="0"/>
+            </a:endParaRPr>
+          </a:p>
+        </p:txBody>
+      </p:sp>
+      <p:cxnSp>
+        <p:nvCxnSpPr>
+          <p:cNvPr id="10" name="Straight Arrow Connector 9"/>
+          <p:cNvCxnSpPr/>
+          <p:nvPr/>
+        </p:nvCxnSpPr>
+        <p:spPr>
+          <a:xfrm>
+            <a:off x="8782050" y="4000500"/>
+            <a:ext cx="0" cy="457200"/>
+          </a:xfrm>
+          <a:prstGeom prst="straightConnector1">
+            <a:avLst/>
+          </a:prstGeom>
+          <a:ln w="50800">
+            <a:miter lim="800000"/>
+            <a:headEnd type="none"/>
+            <a:tailEnd type="triangle"/>
+          </a:ln>
+        </p:spPr>
+        <p:style>
+          <a:lnRef idx="1">
+            <a:schemeClr val="dk1"/>
+          </a:lnRef>
+          <a:fillRef idx="0">
+            <a:schemeClr val="dk1"/>
+          </a:fillRef>
+          <a:effectRef idx="0">
+            <a:schemeClr val="dk1"/>
+          </a:effectRef>
+          <a:fontRef idx="minor">
+            <a:schemeClr val="tx1"/>
+          </a:fontRef>
+        </p:style>
+      </p:cxnSp>
+    </p:spTree>
+    <p:extLst>
+      <p:ext uri="{BB962C8B-B14F-4D97-AF65-F5344CB8AC3E}">
+        <p14:creationId xmlns:p14="http://schemas.microsoft.com/office/powerpoint/2010/main" val="2786408389"/>
+      </p:ext>
+    </p:extLst>
+  </p:cSld>
+  <p:clrMapOvr>
+    <a:masterClrMapping/>
+  </p:clrMapOvr>
+  <p:transition>
+    <p:fade/>
+  </p:transition>
+  <p:timing>
+    <p:tnLst>
+      <p:par>
+        <p:cTn id="1" dur="indefinite" restart="never" nodeType="tmRoot">
+          <p:childTnLst>
+            <p:seq concurrent="1" nextAc="seek">
+              <p:cTn id="2" dur="indefinite" nodeType="mainSeq">
+                <p:childTnLst>
+                  <p:par>
+                    <p:cTn id="3" fill="hold">
+                      <p:stCondLst>
+                        <p:cond delay="indefinite"/>
+                        <p:cond evt="onBegin" delay="0">
+                          <p:tn val="2"/>
+                        </p:cond>
+                      </p:stCondLst>
+                      <p:childTnLst>
+                        <p:par>
+                          <p:cTn id="4" fill="hold">
+                            <p:stCondLst>
+                              <p:cond delay="0"/>
+                            </p:stCondLst>
+                            <p:childTnLst>
+                              <p:par>
+                                <p:cTn id="5" presetID="42" presetClass="entr" presetSubtype="0" fill="hold" grpId="0" nodeType="withEffect">
+                                  <p:stCondLst>
+                                    <p:cond delay="0"/>
+                                  </p:stCondLst>
+                                  <p:childTnLst>
+                                    <p:set>
+                                      <p:cBhvr>
+                                        <p:cTn id="6" dur="1" fill="hold">
+                                          <p:stCondLst>
+                                            <p:cond delay="0"/>
+                                          </p:stCondLst>
+                                        </p:cTn>
+                                        <p:tgtEl>
+                                          <p:spTgt spid="3">
+                                            <p:txEl>
+                                              <p:pRg st="0" end="0"/>
+                                            </p:txEl>
+                                          </p:spTgt>
+                                        </p:tgtEl>
+                                        <p:attrNameLst>
+                                          <p:attrName>style.visibility</p:attrName>
+                                        </p:attrNameLst>
+                                      </p:cBhvr>
+                                      <p:to>
+                                        <p:strVal val="visible"/>
+                                      </p:to>
+                                    </p:set>
+                                    <p:animEffect transition="in" filter="fade">
+                                      <p:cBhvr>
+                                        <p:cTn id="7" dur="500"/>
+                                        <p:tgtEl>
+                                          <p:spTgt spid="3">
+                                            <p:txEl>
+                                              <p:pRg st="0" end="0"/>
+                                            </p:txEl>
+                                          </p:spTgt>
+                                        </p:tgtEl>
+                                      </p:cBhvr>
+                                    </p:animEffect>
+                                    <p:anim calcmode="lin" valueType="num">
+                                      <p:cBhvr>
+                                        <p:cTn id="8" dur="500" fill="hold"/>
+                                        <p:tgtEl>
+                                          <p:spTgt spid="3">
+                                            <p:txEl>
+                                              <p:pRg st="0" end="0"/>
+                                            </p:txEl>
+                                          </p:spTgt>
+                                        </p:tgtEl>
+                                        <p:attrNameLst>
+                                          <p:attrName>ppt_x</p:attrName>
+                                        </p:attrNameLst>
+                                      </p:cBhvr>
+                                      <p:tavLst>
+                                        <p:tav tm="0">
+                                          <p:val>
+                                            <p:strVal val="#ppt_x"/>
+                                          </p:val>
+                                        </p:tav>
+                                        <p:tav tm="100000">
+                                          <p:val>
+                                            <p:strVal val="#ppt_x"/>
+                                          </p:val>
+                                        </p:tav>
+                                      </p:tavLst>
+                                    </p:anim>
+                                    <p:anim calcmode="lin" valueType="num">
+                                      <p:cBhvr>
+                                        <p:cTn id="9" dur="500" fill="hold"/>
+                                        <p:tgtEl>
+                                          <p:spTgt spid="3">
+                                            <p:txEl>
+                                              <p:pRg st="0" end="0"/>
+                                            </p:txEl>
+                                          </p:spTgt>
+                                        </p:tgtEl>
+                                        <p:attrNameLst>
+                                          <p:attrName>ppt_y</p:attrName>
+                                        </p:attrNameLst>
+                                      </p:cBhvr>
+                                      <p:tavLst>
+                                        <p:tav tm="0">
+                                          <p:val>
+                                            <p:strVal val="#ppt_y+.1"/>
+                                          </p:val>
+                                        </p:tav>
+                                        <p:tav tm="100000">
+                                          <p:val>
+                                            <p:strVal val="#ppt_y"/>
+                                          </p:val>
+                                        </p:tav>
+                                      </p:tavLst>
+                                    </p:anim>
+                                  </p:childTnLst>
+                                </p:cTn>
+                              </p:par>
+                              <p:par>
+                                <p:cTn id="10" presetID="42" presetClass="entr" presetSubtype="0" fill="hold" grpId="0" nodeType="withEffect">
+                                  <p:stCondLst>
+                                    <p:cond delay="0"/>
+                                  </p:stCondLst>
+                                  <p:childTnLst>
+                                    <p:set>
+                                      <p:cBhvr>
+                                        <p:cTn id="11" dur="1" fill="hold">
+                                          <p:stCondLst>
+                                            <p:cond delay="0"/>
+                                          </p:stCondLst>
+                                        </p:cTn>
+                                        <p:tgtEl>
+                                          <p:spTgt spid="3">
+                                            <p:txEl>
+                                              <p:pRg st="1" end="1"/>
+                                            </p:txEl>
+                                          </p:spTgt>
+                                        </p:tgtEl>
+                                        <p:attrNameLst>
+                                          <p:attrName>style.visibility</p:attrName>
+                                        </p:attrNameLst>
+                                      </p:cBhvr>
+                                      <p:to>
+                                        <p:strVal val="visible"/>
+                                      </p:to>
+                                    </p:set>
+                                    <p:animEffect transition="in" filter="fade">
+                                      <p:cBhvr>
+                                        <p:cTn id="12" dur="500"/>
+                                        <p:tgtEl>
+                                          <p:spTgt spid="3">
+                                            <p:txEl>
+                                              <p:pRg st="1" end="1"/>
+                                            </p:txEl>
+                                          </p:spTgt>
+                                        </p:tgtEl>
+                                      </p:cBhvr>
+                                    </p:animEffect>
+                                    <p:anim calcmode="lin" valueType="num">
+                                      <p:cBhvr>
+                                        <p:cTn id="13" dur="500" fill="hold"/>
+                                        <p:tgtEl>
+                                          <p:spTgt spid="3">
+                                            <p:txEl>
+                                              <p:pRg st="1" end="1"/>
+                                            </p:txEl>
+                                          </p:spTgt>
+                                        </p:tgtEl>
+                                        <p:attrNameLst>
+                                          <p:attrName>ppt_x</p:attrName>
+                                        </p:attrNameLst>
+                                      </p:cBhvr>
+                                      <p:tavLst>
+                                        <p:tav tm="0">
+                                          <p:val>
+                                            <p:strVal val="#ppt_x"/>
+                                          </p:val>
+                                        </p:tav>
+                                        <p:tav tm="100000">
+                                          <p:val>
+                                            <p:strVal val="#ppt_x"/>
+                                          </p:val>
+                                        </p:tav>
+                                      </p:tavLst>
+                                    </p:anim>
+                                    <p:anim calcmode="lin" valueType="num">
+                                      <p:cBhvr>
+                                        <p:cTn id="14" dur="500" fill="hold"/>
+                                        <p:tgtEl>
+                                          <p:spTgt spid="3">
+                                            <p:txEl>
+                                              <p:pRg st="1" end="1"/>
+                                            </p:txEl>
+                                          </p:spTgt>
+                                        </p:tgtEl>
+                                        <p:attrNameLst>
+                                          <p:attrName>ppt_y</p:attrName>
+                                        </p:attrNameLst>
+                                      </p:cBhvr>
+                                      <p:tavLst>
+                                        <p:tav tm="0">
+                                          <p:val>
+                                            <p:strVal val="#ppt_y+.1"/>
+                                          </p:val>
+                                        </p:tav>
+                                        <p:tav tm="100000">
+                                          <p:val>
+                                            <p:strVal val="#ppt_y"/>
+                                          </p:val>
+                                        </p:tav>
+                                      </p:tavLst>
+                                    </p:anim>
+                                  </p:childTnLst>
+                                </p:cTn>
+                              </p:par>
+                              <p:par>
+                                <p:cTn id="15" presetID="42" presetClass="entr" presetSubtype="0" fill="hold" grpId="0" nodeType="withEffect">
+                                  <p:stCondLst>
+                                    <p:cond delay="0"/>
+                                  </p:stCondLst>
+                                  <p:childTnLst>
+                                    <p:set>
+                                      <p:cBhvr>
+                                        <p:cTn id="16" dur="1" fill="hold">
+                                          <p:stCondLst>
+                                            <p:cond delay="0"/>
+                                          </p:stCondLst>
+                                        </p:cTn>
+                                        <p:tgtEl>
+                                          <p:spTgt spid="3">
+                                            <p:txEl>
+                                              <p:pRg st="2" end="2"/>
+                                            </p:txEl>
+                                          </p:spTgt>
+                                        </p:tgtEl>
+                                        <p:attrNameLst>
+                                          <p:attrName>style.visibility</p:attrName>
+                                        </p:attrNameLst>
+                                      </p:cBhvr>
+                                      <p:to>
+                                        <p:strVal val="visible"/>
+                                      </p:to>
+                                    </p:set>
+                                    <p:animEffect transition="in" filter="fade">
+                                      <p:cBhvr>
+                                        <p:cTn id="17" dur="500"/>
+                                        <p:tgtEl>
+                                          <p:spTgt spid="3">
+                                            <p:txEl>
+                                              <p:pRg st="2" end="2"/>
+                                            </p:txEl>
+                                          </p:spTgt>
+                                        </p:tgtEl>
+                                      </p:cBhvr>
+                                    </p:animEffect>
+                                    <p:anim calcmode="lin" valueType="num">
+                                      <p:cBhvr>
+                                        <p:cTn id="18" dur="500" fill="hold"/>
+                                        <p:tgtEl>
+                                          <p:spTgt spid="3">
+                                            <p:txEl>
+                                              <p:pRg st="2" end="2"/>
+                                            </p:txEl>
+                                          </p:spTgt>
+                                        </p:tgtEl>
+                                        <p:attrNameLst>
+                                          <p:attrName>ppt_x</p:attrName>
+                                        </p:attrNameLst>
+                                      </p:cBhvr>
+                                      <p:tavLst>
+                                        <p:tav tm="0">
+                                          <p:val>
+                                            <p:strVal val="#ppt_x"/>
+                                          </p:val>
+                                        </p:tav>
+                                        <p:tav tm="100000">
+                                          <p:val>
+                                            <p:strVal val="#ppt_x"/>
+                                          </p:val>
+                                        </p:tav>
+                                      </p:tavLst>
+                                    </p:anim>
+                                    <p:anim calcmode="lin" valueType="num">
+                                      <p:cBhvr>
+                                        <p:cTn id="19" dur="500" fill="hold"/>
+                                        <p:tgtEl>
+                                          <p:spTgt spid="3">
+                                            <p:txEl>
+                                              <p:pRg st="2" end="2"/>
+                                            </p:txEl>
+                                          </p:spTgt>
+                                        </p:tgtEl>
+                                        <p:attrNameLst>
+                                          <p:attrName>ppt_y</p:attrName>
+                                        </p:attrNameLst>
+                                      </p:cBhvr>
+                                      <p:tavLst>
+                                        <p:tav tm="0">
+                                          <p:val>
+                                            <p:strVal val="#ppt_y+.1"/>
+                                          </p:val>
+                                        </p:tav>
+                                        <p:tav tm="100000">
+                                          <p:val>
+                                            <p:strVal val="#ppt_y"/>
+                                          </p:val>
+                                        </p:tav>
+                                      </p:tavLst>
+                                    </p:anim>
+                                  </p:childTnLst>
+                                </p:cTn>
+                              </p:par>
+                              <p:par>
+                                <p:cTn id="20" presetID="42" presetClass="entr" presetSubtype="0" fill="hold" grpId="0" nodeType="withEffect">
+                                  <p:stCondLst>
+                                    <p:cond delay="0"/>
+                                  </p:stCondLst>
+                                  <p:childTnLst>
+                                    <p:set>
+                                      <p:cBhvr>
+                                        <p:cTn id="21" dur="1" fill="hold">
+                                          <p:stCondLst>
+                                            <p:cond delay="0"/>
+                                          </p:stCondLst>
+                                        </p:cTn>
+                                        <p:tgtEl>
+                                          <p:spTgt spid="3">
+                                            <p:txEl>
+                                              <p:pRg st="3" end="3"/>
+                                            </p:txEl>
+                                          </p:spTgt>
+                                        </p:tgtEl>
+                                        <p:attrNameLst>
+                                          <p:attrName>style.visibility</p:attrName>
+                                        </p:attrNameLst>
+                                      </p:cBhvr>
+                                      <p:to>
+                                        <p:strVal val="visible"/>
+                                      </p:to>
+                                    </p:set>
+                                    <p:animEffect transition="in" filter="fade">
+                                      <p:cBhvr>
+                                        <p:cTn id="22" dur="500"/>
+                                        <p:tgtEl>
+                                          <p:spTgt spid="3">
+                                            <p:txEl>
+                                              <p:pRg st="3" end="3"/>
+                                            </p:txEl>
+                                          </p:spTgt>
+                                        </p:tgtEl>
+                                      </p:cBhvr>
+                                    </p:animEffect>
+                                    <p:anim calcmode="lin" valueType="num">
+                                      <p:cBhvr>
+                                        <p:cTn id="23" dur="500" fill="hold"/>
+                                        <p:tgtEl>
+                                          <p:spTgt spid="3">
+                                            <p:txEl>
+                                              <p:pRg st="3" end="3"/>
+                                            </p:txEl>
+                                          </p:spTgt>
+                                        </p:tgtEl>
+                                        <p:attrNameLst>
+                                          <p:attrName>ppt_x</p:attrName>
+                                        </p:attrNameLst>
+                                      </p:cBhvr>
+                                      <p:tavLst>
+                                        <p:tav tm="0">
+                                          <p:val>
+                                            <p:strVal val="#ppt_x"/>
+                                          </p:val>
+                                        </p:tav>
+                                        <p:tav tm="100000">
+                                          <p:val>
+                                            <p:strVal val="#ppt_x"/>
+                                          </p:val>
+                                        </p:tav>
+                                      </p:tavLst>
+                                    </p:anim>
+                                    <p:anim calcmode="lin" valueType="num">
+                                      <p:cBhvr>
+                                        <p:cTn id="24" dur="500" fill="hold"/>
+                                        <p:tgtEl>
+                                          <p:spTgt spid="3">
+                                            <p:txEl>
+                                              <p:pRg st="3" end="3"/>
+                                            </p:txEl>
+                                          </p:spTgt>
+                                        </p:tgtEl>
+                                        <p:attrNameLst>
+                                          <p:attrName>ppt_y</p:attrName>
+                                        </p:attrNameLst>
+                                      </p:cBhvr>
+                                      <p:tavLst>
+                                        <p:tav tm="0">
+                                          <p:val>
+                                            <p:strVal val="#ppt_y+.1"/>
+                                          </p:val>
+                                        </p:tav>
+                                        <p:tav tm="100000">
+                                          <p:val>
+                                            <p:strVal val="#ppt_y"/>
+                                          </p:val>
+                                        </p:tav>
+                                      </p:tavLst>
+                                    </p:anim>
+                                  </p:childTnLst>
+                                </p:cTn>
+                              </p:par>
+                            </p:childTnLst>
+                          </p:cTn>
+                        </p:par>
+                      </p:childTnLst>
+                    </p:cTn>
+                  </p:par>
+                  <p:par>
+                    <p:cTn id="25" fill="hold">
+                      <p:stCondLst>
+                        <p:cond delay="indefinite"/>
+                      </p:stCondLst>
+                      <p:childTnLst>
+                        <p:par>
+                          <p:cTn id="26" fill="hold">
+                            <p:stCondLst>
+                              <p:cond delay="0"/>
+                            </p:stCondLst>
+                            <p:childTnLst>
+                              <p:par>
+                                <p:cTn id="27" presetID="42" presetClass="entr" presetSubtype="0" fill="hold" grpId="0" nodeType="clickEffect">
+                                  <p:stCondLst>
+                                    <p:cond delay="0"/>
+                                  </p:stCondLst>
+                                  <p:childTnLst>
+                                    <p:set>
+                                      <p:cBhvr>
+                                        <p:cTn id="28" dur="1" fill="hold">
+                                          <p:stCondLst>
+                                            <p:cond delay="0"/>
+                                          </p:stCondLst>
+                                        </p:cTn>
+                                        <p:tgtEl>
+                                          <p:spTgt spid="11"/>
+                                        </p:tgtEl>
+                                        <p:attrNameLst>
+                                          <p:attrName>style.visibility</p:attrName>
+                                        </p:attrNameLst>
+                                      </p:cBhvr>
+                                      <p:to>
+                                        <p:strVal val="visible"/>
+                                      </p:to>
+                                    </p:set>
+                                    <p:animEffect transition="in" filter="fade">
+                                      <p:cBhvr>
+                                        <p:cTn id="29" dur="500"/>
+                                        <p:tgtEl>
+                                          <p:spTgt spid="11"/>
+                                        </p:tgtEl>
+                                      </p:cBhvr>
+                                    </p:animEffect>
+                                    <p:anim calcmode="lin" valueType="num">
+                                      <p:cBhvr>
+                                        <p:cTn id="30" dur="500" fill="hold"/>
+                                        <p:tgtEl>
+                                          <p:spTgt spid="11"/>
+                                        </p:tgtEl>
+                                        <p:attrNameLst>
+                                          <p:attrName>ppt_x</p:attrName>
+                                        </p:attrNameLst>
+                                      </p:cBhvr>
+                                      <p:tavLst>
+                                        <p:tav tm="0">
+                                          <p:val>
+                                            <p:strVal val="#ppt_x"/>
+                                          </p:val>
+                                        </p:tav>
+                                        <p:tav tm="100000">
+                                          <p:val>
+                                            <p:strVal val="#ppt_x"/>
+                                          </p:val>
+                                        </p:tav>
+                                      </p:tavLst>
+                                    </p:anim>
+                                    <p:anim calcmode="lin" valueType="num">
+                                      <p:cBhvr>
+                                        <p:cTn id="31" dur="500" fill="hold"/>
+                                        <p:tgtEl>
+                                          <p:spTgt spid="11"/>
+                                        </p:tgtEl>
+                                        <p:attrNameLst>
+                                          <p:attrName>ppt_y</p:attrName>
+                                        </p:attrNameLst>
+                                      </p:cBhvr>
+                                      <p:tavLst>
+                                        <p:tav tm="0">
+                                          <p:val>
+                                            <p:strVal val="#ppt_y+.1"/>
+                                          </p:val>
+                                        </p:tav>
+                                        <p:tav tm="100000">
+                                          <p:val>
+                                            <p:strVal val="#ppt_y"/>
+                                          </p:val>
+                                        </p:tav>
+                                      </p:tavLst>
+                                    </p:anim>
+                                  </p:childTnLst>
+                                </p:cTn>
+                              </p:par>
+                              <p:par>
+                                <p:cTn id="32" presetID="42" presetClass="entr" presetSubtype="0" fill="hold" grpId="0" nodeType="withEffect">
+                                  <p:stCondLst>
+                                    <p:cond delay="0"/>
+                                  </p:stCondLst>
+                                  <p:childTnLst>
+                                    <p:set>
+                                      <p:cBhvr>
+                                        <p:cTn id="33" dur="1" fill="hold">
+                                          <p:stCondLst>
+                                            <p:cond delay="0"/>
+                                          </p:stCondLst>
+                                        </p:cTn>
+                                        <p:tgtEl>
+                                          <p:spTgt spid="3">
+                                            <p:txEl>
+                                              <p:pRg st="5" end="5"/>
+                                            </p:txEl>
+                                          </p:spTgt>
+                                        </p:tgtEl>
+                                        <p:attrNameLst>
+                                          <p:attrName>style.visibility</p:attrName>
+                                        </p:attrNameLst>
+                                      </p:cBhvr>
+                                      <p:to>
+                                        <p:strVal val="visible"/>
+                                      </p:to>
+                                    </p:set>
+                                    <p:animEffect transition="in" filter="fade">
+                                      <p:cBhvr>
+                                        <p:cTn id="34" dur="500"/>
+                                        <p:tgtEl>
+                                          <p:spTgt spid="3">
+                                            <p:txEl>
+                                              <p:pRg st="5" end="5"/>
+                                            </p:txEl>
+                                          </p:spTgt>
+                                        </p:tgtEl>
+                                      </p:cBhvr>
+                                    </p:animEffect>
+                                    <p:anim calcmode="lin" valueType="num">
+                                      <p:cBhvr>
+                                        <p:cTn id="35" dur="500" fill="hold"/>
+                                        <p:tgtEl>
+                                          <p:spTgt spid="3">
+                                            <p:txEl>
+                                              <p:pRg st="5" end="5"/>
+                                            </p:txEl>
+                                          </p:spTgt>
+                                        </p:tgtEl>
+                                        <p:attrNameLst>
+                                          <p:attrName>ppt_x</p:attrName>
+                                        </p:attrNameLst>
+                                      </p:cBhvr>
+                                      <p:tavLst>
+                                        <p:tav tm="0">
+                                          <p:val>
+                                            <p:strVal val="#ppt_x"/>
+                                          </p:val>
+                                        </p:tav>
+                                        <p:tav tm="100000">
+                                          <p:val>
+                                            <p:strVal val="#ppt_x"/>
+                                          </p:val>
+                                        </p:tav>
+                                      </p:tavLst>
+                                    </p:anim>
+                                    <p:anim calcmode="lin" valueType="num">
+                                      <p:cBhvr>
+                                        <p:cTn id="36" dur="500" fill="hold"/>
+                                        <p:tgtEl>
+                                          <p:spTgt spid="3">
+                                            <p:txEl>
+                                              <p:pRg st="5" end="5"/>
+                                            </p:txEl>
+                                          </p:spTgt>
+                                        </p:tgtEl>
+                                        <p:attrNameLst>
+                                          <p:attrName>ppt_y</p:attrName>
+                                        </p:attrNameLst>
+                                      </p:cBhvr>
+                                      <p:tavLst>
+                                        <p:tav tm="0">
+                                          <p:val>
+                                            <p:strVal val="#ppt_y+.1"/>
+                                          </p:val>
+                                        </p:tav>
+                                        <p:tav tm="100000">
+                                          <p:val>
+                                            <p:strVal val="#ppt_y"/>
+                                          </p:val>
+                                        </p:tav>
+                                      </p:tavLst>
+                                    </p:anim>
+                                  </p:childTnLst>
+                                </p:cTn>
+                              </p:par>
+                              <p:par>
+                                <p:cTn id="37" presetID="42" presetClass="entr" presetSubtype="0" fill="hold" grpId="0" nodeType="withEffect">
+                                  <p:stCondLst>
+                                    <p:cond delay="0"/>
+                                  </p:stCondLst>
+                                  <p:childTnLst>
+                                    <p:set>
+                                      <p:cBhvr>
+                                        <p:cTn id="38" dur="1" fill="hold">
+                                          <p:stCondLst>
+                                            <p:cond delay="0"/>
+                                          </p:stCondLst>
+                                        </p:cTn>
+                                        <p:tgtEl>
+                                          <p:spTgt spid="3">
+                                            <p:txEl>
+                                              <p:pRg st="6" end="6"/>
+                                            </p:txEl>
+                                          </p:spTgt>
+                                        </p:tgtEl>
+                                        <p:attrNameLst>
+                                          <p:attrName>style.visibility</p:attrName>
+                                        </p:attrNameLst>
+                                      </p:cBhvr>
+                                      <p:to>
+                                        <p:strVal val="visible"/>
+                                      </p:to>
+                                    </p:set>
+                                    <p:animEffect transition="in" filter="fade">
+                                      <p:cBhvr>
+                                        <p:cTn id="39" dur="500"/>
+                                        <p:tgtEl>
+                                          <p:spTgt spid="3">
+                                            <p:txEl>
+                                              <p:pRg st="6" end="6"/>
+                                            </p:txEl>
+                                          </p:spTgt>
+                                        </p:tgtEl>
+                                      </p:cBhvr>
+                                    </p:animEffect>
+                                    <p:anim calcmode="lin" valueType="num">
+                                      <p:cBhvr>
+                                        <p:cTn id="40" dur="500" fill="hold"/>
+                                        <p:tgtEl>
+                                          <p:spTgt spid="3">
+                                            <p:txEl>
+                                              <p:pRg st="6" end="6"/>
+                                            </p:txEl>
+                                          </p:spTgt>
+                                        </p:tgtEl>
+                                        <p:attrNameLst>
+                                          <p:attrName>ppt_x</p:attrName>
+                                        </p:attrNameLst>
+                                      </p:cBhvr>
+                                      <p:tavLst>
+                                        <p:tav tm="0">
+                                          <p:val>
+                                            <p:strVal val="#ppt_x"/>
+                                          </p:val>
+                                        </p:tav>
+                                        <p:tav tm="100000">
+                                          <p:val>
+                                            <p:strVal val="#ppt_x"/>
+                                          </p:val>
+                                        </p:tav>
+                                      </p:tavLst>
+                                    </p:anim>
+                                    <p:anim calcmode="lin" valueType="num">
+                                      <p:cBhvr>
+                                        <p:cTn id="41" dur="500" fill="hold"/>
+                                        <p:tgtEl>
+                                          <p:spTgt spid="3">
+                                            <p:txEl>
+                                              <p:pRg st="6" end="6"/>
+                                            </p:txEl>
+                                          </p:spTgt>
+                                        </p:tgtEl>
+                                        <p:attrNameLst>
+                                          <p:attrName>ppt_y</p:attrName>
+                                        </p:attrNameLst>
+                                      </p:cBhvr>
+                                      <p:tavLst>
+                                        <p:tav tm="0">
+                                          <p:val>
+                                            <p:strVal val="#ppt_y+.1"/>
+                                          </p:val>
+                                        </p:tav>
+                                        <p:tav tm="100000">
+                                          <p:val>
+                                            <p:strVal val="#ppt_y"/>
+                                          </p:val>
+                                        </p:tav>
+                                      </p:tavLst>
+                                    </p:anim>
+                                  </p:childTnLst>
+                                </p:cTn>
+                              </p:par>
+                            </p:childTnLst>
+                          </p:cTn>
+                        </p:par>
+                      </p:childTnLst>
+                    </p:cTn>
+                  </p:par>
+                  <p:par>
+                    <p:cTn id="42" fill="hold">
+                      <p:stCondLst>
+                        <p:cond delay="indefinite"/>
+                      </p:stCondLst>
+                      <p:childTnLst>
+                        <p:par>
+                          <p:cTn id="43" fill="hold">
+                            <p:stCondLst>
+                              <p:cond delay="0"/>
+                            </p:stCondLst>
+                            <p:childTnLst>
+                              <p:par>
+                                <p:cTn id="44" presetID="10" presetClass="entr" presetSubtype="0" fill="hold" nodeType="clickEffect">
+                                  <p:stCondLst>
+                                    <p:cond delay="0"/>
+                                  </p:stCondLst>
+                                  <p:childTnLst>
+                                    <p:set>
+                                      <p:cBhvr>
+                                        <p:cTn id="45" dur="1" fill="hold">
+                                          <p:stCondLst>
+                                            <p:cond delay="0"/>
+                                          </p:stCondLst>
+                                        </p:cTn>
+                                        <p:tgtEl>
+                                          <p:spTgt spid="6"/>
+                                        </p:tgtEl>
+                                        <p:attrNameLst>
+                                          <p:attrName>style.visibility</p:attrName>
+                                        </p:attrNameLst>
+                                      </p:cBhvr>
+                                      <p:to>
+                                        <p:strVal val="visible"/>
+                                      </p:to>
+                                    </p:set>
+                                    <p:animEffect transition="in" filter="fade">
+                                      <p:cBhvr>
+                                        <p:cTn id="46" dur="500"/>
+                                        <p:tgtEl>
+                                          <p:spTgt spid="6"/>
+                                        </p:tgtEl>
+                                      </p:cBhvr>
+                                    </p:animEffect>
+                                  </p:childTnLst>
+                                </p:cTn>
+                              </p:par>
+                              <p:par>
+                                <p:cTn id="47" presetID="10" presetClass="entr" presetSubtype="0" fill="hold" grpId="0" nodeType="withEffect">
+                                  <p:stCondLst>
+                                    <p:cond delay="0"/>
+                                  </p:stCondLst>
+                                  <p:childTnLst>
+                                    <p:set>
+                                      <p:cBhvr>
+                                        <p:cTn id="48" dur="1" fill="hold">
+                                          <p:stCondLst>
+                                            <p:cond delay="0"/>
+                                          </p:stCondLst>
+                                        </p:cTn>
+                                        <p:tgtEl>
+                                          <p:spTgt spid="3">
+                                            <p:txEl>
+                                              <p:pRg st="8" end="8"/>
+                                            </p:txEl>
+                                          </p:spTgt>
+                                        </p:tgtEl>
+                                        <p:attrNameLst>
+                                          <p:attrName>style.visibility</p:attrName>
+                                        </p:attrNameLst>
+                                      </p:cBhvr>
+                                      <p:to>
+                                        <p:strVal val="visible"/>
+                                      </p:to>
+                                    </p:set>
+                                    <p:animEffect transition="in" filter="fade">
+                                      <p:cBhvr>
+                                        <p:cTn id="49" dur="500"/>
+                                        <p:tgtEl>
+                                          <p:spTgt spid="3">
+                                            <p:txEl>
+                                              <p:pRg st="8" end="8"/>
+                                            </p:txEl>
+                                          </p:spTgt>
+                                        </p:tgtEl>
+                                      </p:cBhvr>
+                                    </p:animEffect>
+                                  </p:childTnLst>
+                                </p:cTn>
+                              </p:par>
+                              <p:par>
+                                <p:cTn id="50" presetID="10" presetClass="entr" presetSubtype="0" fill="hold" grpId="0" nodeType="withEffect">
+                                  <p:stCondLst>
+                                    <p:cond delay="0"/>
+                                  </p:stCondLst>
+                                  <p:childTnLst>
+                                    <p:set>
+                                      <p:cBhvr>
+                                        <p:cTn id="51" dur="1" fill="hold">
+                                          <p:stCondLst>
+                                            <p:cond delay="0"/>
+                                          </p:stCondLst>
+                                        </p:cTn>
+                                        <p:tgtEl>
+                                          <p:spTgt spid="3">
+                                            <p:txEl>
+                                              <p:pRg st="9" end="9"/>
+                                            </p:txEl>
+                                          </p:spTgt>
+                                        </p:tgtEl>
+                                        <p:attrNameLst>
+                                          <p:attrName>style.visibility</p:attrName>
+                                        </p:attrNameLst>
+                                      </p:cBhvr>
+                                      <p:to>
+                                        <p:strVal val="visible"/>
+                                      </p:to>
+                                    </p:set>
+                                    <p:animEffect transition="in" filter="fade">
+                                      <p:cBhvr>
+                                        <p:cTn id="52" dur="500"/>
+                                        <p:tgtEl>
+                                          <p:spTgt spid="3">
+                                            <p:txEl>
+                                              <p:pRg st="9" end="9"/>
+                                            </p:txEl>
+                                          </p:spTgt>
+                                        </p:tgtEl>
+                                      </p:cBhvr>
+                                    </p:animEffect>
+                                  </p:childTnLst>
+                                </p:cTn>
+                              </p:par>
+                            </p:childTnLst>
+                          </p:cTn>
+                        </p:par>
+                      </p:childTnLst>
+                    </p:cTn>
+                  </p:par>
+                  <p:par>
+                    <p:cTn id="53" fill="hold">
+                      <p:stCondLst>
+                        <p:cond delay="indefinite"/>
+                      </p:stCondLst>
+                      <p:childTnLst>
+                        <p:par>
+                          <p:cTn id="54" fill="hold">
+                            <p:stCondLst>
+                              <p:cond delay="0"/>
+                            </p:stCondLst>
+                            <p:childTnLst>
+                              <p:par>
+                                <p:cTn id="55" presetID="42" presetClass="entr" presetSubtype="0" fill="hold" grpId="0" nodeType="clickEffect">
+                                  <p:stCondLst>
+                                    <p:cond delay="0"/>
+                                  </p:stCondLst>
+                                  <p:childTnLst>
+                                    <p:set>
+                                      <p:cBhvr>
+                                        <p:cTn id="56" dur="1" fill="hold">
+                                          <p:stCondLst>
+                                            <p:cond delay="0"/>
+                                          </p:stCondLst>
+                                        </p:cTn>
+                                        <p:tgtEl>
+                                          <p:spTgt spid="12"/>
+                                        </p:tgtEl>
+                                        <p:attrNameLst>
+                                          <p:attrName>style.visibility</p:attrName>
+                                        </p:attrNameLst>
+                                      </p:cBhvr>
+                                      <p:to>
+                                        <p:strVal val="visible"/>
+                                      </p:to>
+                                    </p:set>
+                                    <p:animEffect transition="in" filter="fade">
+                                      <p:cBhvr>
+                                        <p:cTn id="57" dur="500"/>
+                                        <p:tgtEl>
+                                          <p:spTgt spid="12"/>
+                                        </p:tgtEl>
+                                      </p:cBhvr>
+                                    </p:animEffect>
+                                    <p:anim calcmode="lin" valueType="num">
+                                      <p:cBhvr>
+                                        <p:cTn id="58" dur="500" fill="hold"/>
+                                        <p:tgtEl>
+                                          <p:spTgt spid="12"/>
+                                        </p:tgtEl>
+                                        <p:attrNameLst>
+                                          <p:attrName>ppt_x</p:attrName>
+                                        </p:attrNameLst>
+                                      </p:cBhvr>
+                                      <p:tavLst>
+                                        <p:tav tm="0">
+                                          <p:val>
+                                            <p:strVal val="#ppt_x"/>
+                                          </p:val>
+                                        </p:tav>
+                                        <p:tav tm="100000">
+                                          <p:val>
+                                            <p:strVal val="#ppt_x"/>
+                                          </p:val>
+                                        </p:tav>
+                                      </p:tavLst>
+                                    </p:anim>
+                                    <p:anim calcmode="lin" valueType="num">
+                                      <p:cBhvr>
+                                        <p:cTn id="59" dur="500" fill="hold"/>
+                                        <p:tgtEl>
+                                          <p:spTgt spid="12"/>
+                                        </p:tgtEl>
+                                        <p:attrNameLst>
+                                          <p:attrName>ppt_y</p:attrName>
+                                        </p:attrNameLst>
+                                      </p:cBhvr>
+                                      <p:tavLst>
+                                        <p:tav tm="0">
+                                          <p:val>
+                                            <p:strVal val="#ppt_y+.1"/>
+                                          </p:val>
+                                        </p:tav>
+                                        <p:tav tm="100000">
+                                          <p:val>
+                                            <p:strVal val="#ppt_y"/>
+                                          </p:val>
+                                        </p:tav>
+                                      </p:tavLst>
+                                    </p:anim>
+                                  </p:childTnLst>
+                                </p:cTn>
+                              </p:par>
+                              <p:par>
+                                <p:cTn id="60" presetID="42" presetClass="entr" presetSubtype="0" fill="hold" grpId="0" nodeType="withEffect">
+                                  <p:stCondLst>
+                                    <p:cond delay="0"/>
+                                  </p:stCondLst>
+                                  <p:childTnLst>
+                                    <p:set>
+                                      <p:cBhvr>
+                                        <p:cTn id="61" dur="1" fill="hold">
+                                          <p:stCondLst>
+                                            <p:cond delay="0"/>
+                                          </p:stCondLst>
+                                        </p:cTn>
+                                        <p:tgtEl>
+                                          <p:spTgt spid="8"/>
+                                        </p:tgtEl>
+                                        <p:attrNameLst>
+                                          <p:attrName>style.visibility</p:attrName>
+                                        </p:attrNameLst>
+                                      </p:cBhvr>
+                                      <p:to>
+                                        <p:strVal val="visible"/>
+                                      </p:to>
+                                    </p:set>
+                                    <p:animEffect transition="in" filter="fade">
+                                      <p:cBhvr>
+                                        <p:cTn id="62" dur="500"/>
+                                        <p:tgtEl>
+                                          <p:spTgt spid="8"/>
+                                        </p:tgtEl>
+                                      </p:cBhvr>
+                                    </p:animEffect>
+                                    <p:anim calcmode="lin" valueType="num">
+                                      <p:cBhvr>
+                                        <p:cTn id="63" dur="500" fill="hold"/>
+                                        <p:tgtEl>
+                                          <p:spTgt spid="8"/>
+                                        </p:tgtEl>
+                                        <p:attrNameLst>
+                                          <p:attrName>ppt_x</p:attrName>
+                                        </p:attrNameLst>
+                                      </p:cBhvr>
+                                      <p:tavLst>
+                                        <p:tav tm="0">
+                                          <p:val>
+                                            <p:strVal val="#ppt_x"/>
+                                          </p:val>
+                                        </p:tav>
+                                        <p:tav tm="100000">
+                                          <p:val>
+                                            <p:strVal val="#ppt_x"/>
+                                          </p:val>
+                                        </p:tav>
+                                      </p:tavLst>
+                                    </p:anim>
+                                    <p:anim calcmode="lin" valueType="num">
+                                      <p:cBhvr>
+                                        <p:cTn id="64" dur="500" fill="hold"/>
+                                        <p:tgtEl>
+                                          <p:spTgt spid="8"/>
+                                        </p:tgtEl>
+                                        <p:attrNameLst>
+                                          <p:attrName>ppt_y</p:attrName>
+                                        </p:attrNameLst>
+                                      </p:cBhvr>
+                                      <p:tavLst>
+                                        <p:tav tm="0">
+                                          <p:val>
+                                            <p:strVal val="#ppt_y+.1"/>
+                                          </p:val>
+                                        </p:tav>
+                                        <p:tav tm="100000">
+                                          <p:val>
+                                            <p:strVal val="#ppt_y"/>
+                                          </p:val>
+                                        </p:tav>
+                                      </p:tavLst>
+                                    </p:anim>
+                                  </p:childTnLst>
+                                </p:cTn>
+                              </p:par>
+                            </p:childTnLst>
+                          </p:cTn>
+                        </p:par>
+                      </p:childTnLst>
+                    </p:cTn>
+                  </p:par>
+                  <p:par>
+                    <p:cTn id="65" fill="hold">
+                      <p:stCondLst>
+                        <p:cond delay="indefinite"/>
+                      </p:stCondLst>
+                      <p:childTnLst>
+                        <p:par>
+                          <p:cTn id="66" fill="hold">
+                            <p:stCondLst>
+                              <p:cond delay="0"/>
+                            </p:stCondLst>
+                            <p:childTnLst>
+                              <p:par>
+                                <p:cTn id="67" presetID="10" presetClass="entr" presetSubtype="0" fill="hold" nodeType="clickEffect">
+                                  <p:stCondLst>
+                                    <p:cond delay="0"/>
+                                  </p:stCondLst>
+                                  <p:childTnLst>
+                                    <p:set>
+                                      <p:cBhvr>
+                                        <p:cTn id="68" dur="1" fill="hold">
+                                          <p:stCondLst>
+                                            <p:cond delay="0"/>
+                                          </p:stCondLst>
+                                        </p:cTn>
+                                        <p:tgtEl>
+                                          <p:spTgt spid="10"/>
+                                        </p:tgtEl>
+                                        <p:attrNameLst>
+                                          <p:attrName>style.visibility</p:attrName>
+                                        </p:attrNameLst>
+                                      </p:cBhvr>
+                                      <p:to>
+                                        <p:strVal val="visible"/>
+                                      </p:to>
+                                    </p:set>
+                                    <p:animEffect transition="in" filter="fade">
+                                      <p:cBhvr>
+                                        <p:cTn id="69" dur="500"/>
+                                        <p:tgtEl>
+                                          <p:spTgt spid="10"/>
+                                        </p:tgtEl>
+                                      </p:cBhvr>
+                                    </p:animEffect>
+                                  </p:childTnLst>
+                                </p:cTn>
+                              </p:par>
+                              <p:par>
+                                <p:cTn id="70" presetID="10" presetClass="entr" presetSubtype="0" fill="hold" grpId="0" nodeType="withEffect">
+                                  <p:stCondLst>
+                                    <p:cond delay="0"/>
+                                  </p:stCondLst>
+                                  <p:childTnLst>
+                                    <p:set>
+                                      <p:cBhvr>
+                                        <p:cTn id="71" dur="1" fill="hold">
+                                          <p:stCondLst>
+                                            <p:cond delay="0"/>
+                                          </p:stCondLst>
+                                        </p:cTn>
+                                        <p:tgtEl>
+                                          <p:spTgt spid="4"/>
+                                        </p:tgtEl>
+                                        <p:attrNameLst>
+                                          <p:attrName>style.visibility</p:attrName>
+                                        </p:attrNameLst>
+                                      </p:cBhvr>
+                                      <p:to>
+                                        <p:strVal val="visible"/>
+                                      </p:to>
+                                    </p:set>
+                                    <p:animEffect transition="in" filter="fade">
+                                      <p:cBhvr>
+                                        <p:cTn id="72" dur="500"/>
+                                        <p:tgtEl>
+                                          <p:spTgt spid="4"/>
+                                        </p:tgtEl>
+                                      </p:cBhvr>
+                                    </p:animEffect>
+                                  </p:childTnLst>
+                                </p:cTn>
+                              </p:par>
+                            </p:childTnLst>
+                          </p:cTn>
+                        </p:par>
+                      </p:childTnLst>
+                    </p:cTn>
+                  </p:par>
+                </p:childTnLst>
+              </p:cTn>
+              <p:prevCondLst>
+                <p:cond evt="onPrev" delay="0">
+                  <p:tgtEl>
+                    <p:sldTgt/>
+                  </p:tgtEl>
+                </p:cond>
+              </p:prevCondLst>
+              <p:nextCondLst>
+                <p:cond evt="onNext" delay="0">
+                  <p:tgtEl>
+                    <p:sldTgt/>
+                  </p:tgtEl>
+                </p:cond>
+              </p:nextCondLst>
+            </p:seq>
+          </p:childTnLst>
+        </p:cTn>
+      </p:par>
+    </p:tnLst>
+    <p:bldLst>
+      <p:bldP spid="12" grpId="0" animBg="1"/>
+      <p:bldP spid="11" grpId="0" animBg="1"/>
+      <p:bldP spid="3" grpId="0" uiExpand="1" build="p"/>
+      <p:bldP spid="4" grpId="0"/>
+      <p:bldP spid="8" grpId="0"/>
+    </p:bldLst>
+  </p:timing>
+</p:sld>
+</file>
+
+<file path=ppt/slides/slide9.xml><?xml version="1.0" encoding="utf-8"?>
+<p:sld xmlns:a="http://schemas.openxmlformats.org/drawingml/2006/main" xmlns:r="http://schemas.openxmlformats.org/officeDocument/2006/relationships" xmlns:p="http://schemas.openxmlformats.org/presentationml/2006/main">
+  <p:cSld>
+    <p:spTree>
+      <p:nvGrpSpPr>
+        <p:cNvPr id="1" name=""/>
+        <p:cNvGrpSpPr/>
+        <p:nvPr/>
+      </p:nvGrpSpPr>
+      <p:grpSpPr>
+        <a:xfrm>
+          <a:off x="0" y="0"/>
+          <a:ext cx="0" cy="0"/>
+          <a:chOff x="0" y="0"/>
+          <a:chExt cx="0" cy="0"/>
+        </a:xfrm>
+      </p:grpSpPr>
+      <p:sp>
+        <p:nvSpPr>
+          <p:cNvPr id="2" name="Title 1"/>
+          <p:cNvSpPr>
+            <a:spLocks noGrp="1"/>
+          </p:cNvSpPr>
+          <p:nvPr>
+            <p:ph type="title"/>
+          </p:nvPr>
+        </p:nvSpPr>
+        <p:spPr/>
+        <p:txBody>
+          <a:bodyPr/>
+          <a:lstStyle/>
+          <a:p>
+            <a:r>
+              <a:rPr lang="en-US" dirty="0" smtClean="0"/>
+              <a:t>EJS for loop Example</a:t>
+            </a:r>
+            <a:endParaRPr lang="en-US" dirty="0"/>
+          </a:p>
+        </p:txBody>
+      </p:sp>
+      <p:sp>
+        <p:nvSpPr>
+          <p:cNvPr id="3" name="Content Placeholder 2"/>
+          <p:cNvSpPr>
+            <a:spLocks noGrp="1"/>
+          </p:cNvSpPr>
+          <p:nvPr>
+            <p:ph idx="1"/>
+          </p:nvPr>
+        </p:nvSpPr>
+        <p:spPr>
+          <a:xfrm>
+            <a:off x="381000" y="1143000"/>
+            <a:ext cx="10858500" cy="2836657"/>
+          </a:xfrm>
+        </p:spPr>
+        <p:txBody>
+          <a:bodyPr>
+            <a:normAutofit/>
+          </a:bodyPr>
+          <a:lstStyle/>
+          <a:p>
+            <a:pPr marL="57150" indent="0">
+              <a:buNone/>
+            </a:pPr>
+            <a:r>
+              <a:rPr lang="en-US" dirty="0" err="1">
+                <a:solidFill>
+                  <a:schemeClr val="accent2"/>
+                </a:solidFill>
+              </a:rPr>
+              <a:t>page.ejs</a:t>
+            </a:r>
+            <a:endParaRPr lang="en-US" dirty="0"/>
+          </a:p>
+          <a:p>
+            <a:pPr marL="57150" indent="0">
+              <a:buNone/>
+            </a:pPr>
+            <a:r>
+              <a:rPr lang="nn-NO" sz="3600" b="1" dirty="0" smtClean="0">
+                <a:solidFill>
+                  <a:srgbClr val="7030A0"/>
+                </a:solidFill>
+                <a:latin typeface="Consolas" panose="020B0609020204030204" pitchFamily="49" charset="0"/>
+              </a:rPr>
+              <a:t>&lt;%</a:t>
+            </a:r>
+            <a:r>
+              <a:rPr lang="nn-NO" sz="3600" dirty="0">
+                <a:solidFill>
+                  <a:srgbClr val="000000"/>
+                </a:solidFill>
+                <a:latin typeface="Consolas" panose="020B0609020204030204" pitchFamily="49" charset="0"/>
+              </a:rPr>
+              <a:t> </a:t>
+            </a:r>
+            <a:r>
+              <a:rPr lang="nn-NO" sz="3600" dirty="0">
+                <a:solidFill>
+                  <a:srgbClr val="0000FF"/>
+                </a:solidFill>
+                <a:latin typeface="Consolas" panose="020B0609020204030204" pitchFamily="49" charset="0"/>
+              </a:rPr>
+              <a:t>for</a:t>
+            </a:r>
+            <a:r>
+              <a:rPr lang="nn-NO" sz="3600" dirty="0">
+                <a:solidFill>
+                  <a:srgbClr val="000000"/>
+                </a:solidFill>
+                <a:latin typeface="Consolas" panose="020B0609020204030204" pitchFamily="49" charset="0"/>
+              </a:rPr>
+              <a:t> (</a:t>
+            </a:r>
+            <a:r>
+              <a:rPr lang="nn-NO" sz="3600" dirty="0">
+                <a:solidFill>
+                  <a:srgbClr val="0000FF"/>
+                </a:solidFill>
+                <a:latin typeface="Consolas" panose="020B0609020204030204" pitchFamily="49" charset="0"/>
+              </a:rPr>
+              <a:t>let</a:t>
+            </a:r>
+            <a:r>
+              <a:rPr lang="nn-NO" sz="3600" dirty="0">
+                <a:solidFill>
+                  <a:srgbClr val="000000"/>
+                </a:solidFill>
+                <a:latin typeface="Consolas" panose="020B0609020204030204" pitchFamily="49" charset="0"/>
+              </a:rPr>
+              <a:t> i = </a:t>
+            </a:r>
+            <a:r>
+              <a:rPr lang="nn-NO" sz="3600" dirty="0">
+                <a:solidFill>
+                  <a:srgbClr val="09885A"/>
+                </a:solidFill>
+                <a:latin typeface="Consolas" panose="020B0609020204030204" pitchFamily="49" charset="0"/>
+              </a:rPr>
+              <a:t>0</a:t>
+            </a:r>
+            <a:r>
+              <a:rPr lang="nn-NO" sz="3600" dirty="0">
+                <a:solidFill>
+                  <a:srgbClr val="000000"/>
+                </a:solidFill>
+                <a:latin typeface="Consolas" panose="020B0609020204030204" pitchFamily="49" charset="0"/>
+              </a:rPr>
+              <a:t>; i &lt; </a:t>
+            </a:r>
+            <a:r>
+              <a:rPr lang="nn-NO" sz="3600" dirty="0">
+                <a:solidFill>
+                  <a:srgbClr val="09885A"/>
+                </a:solidFill>
+                <a:latin typeface="Consolas" panose="020B0609020204030204" pitchFamily="49" charset="0"/>
+              </a:rPr>
+              <a:t>3</a:t>
+            </a:r>
+            <a:r>
+              <a:rPr lang="nn-NO" sz="3600" dirty="0">
+                <a:solidFill>
+                  <a:srgbClr val="000000"/>
+                </a:solidFill>
+                <a:latin typeface="Consolas" panose="020B0609020204030204" pitchFamily="49" charset="0"/>
+              </a:rPr>
+              <a:t>; i++) { </a:t>
+            </a:r>
+            <a:r>
+              <a:rPr lang="nn-NO" sz="3600" b="1" dirty="0">
+                <a:solidFill>
+                  <a:srgbClr val="7030A0"/>
+                </a:solidFill>
+                <a:latin typeface="Consolas" panose="020B0609020204030204" pitchFamily="49" charset="0"/>
+              </a:rPr>
+              <a:t>%&gt;</a:t>
+            </a:r>
+          </a:p>
+          <a:p>
+            <a:pPr marL="57150" indent="0">
+              <a:buNone/>
+            </a:pPr>
+            <a:r>
+              <a:rPr lang="nn-NO" sz="3600" dirty="0" smtClean="0">
+                <a:solidFill>
+                  <a:srgbClr val="800000"/>
+                </a:solidFill>
+                <a:latin typeface="Consolas" panose="020B0609020204030204" pitchFamily="49" charset="0"/>
+              </a:rPr>
+              <a:t>    &lt;p&gt;</a:t>
+            </a:r>
+            <a:r>
+              <a:rPr lang="nn-NO" sz="3600" dirty="0" smtClean="0">
+                <a:solidFill>
+                  <a:srgbClr val="000000"/>
+                </a:solidFill>
+                <a:latin typeface="Consolas" panose="020B0609020204030204" pitchFamily="49" charset="0"/>
+              </a:rPr>
+              <a:t>Number</a:t>
+            </a:r>
+            <a:r>
+              <a:rPr lang="nn-NO" sz="3600" dirty="0">
+                <a:solidFill>
+                  <a:srgbClr val="000000"/>
+                </a:solidFill>
+                <a:latin typeface="Consolas" panose="020B0609020204030204" pitchFamily="49" charset="0"/>
+              </a:rPr>
+              <a:t> </a:t>
+            </a:r>
+            <a:r>
+              <a:rPr lang="nn-NO" sz="3600" b="1" dirty="0">
+                <a:solidFill>
+                  <a:srgbClr val="7030A0"/>
+                </a:solidFill>
+                <a:latin typeface="Consolas" panose="020B0609020204030204" pitchFamily="49" charset="0"/>
+              </a:rPr>
+              <a:t>&lt;%=</a:t>
+            </a:r>
+            <a:r>
+              <a:rPr lang="nn-NO" sz="3600" dirty="0">
+                <a:solidFill>
+                  <a:srgbClr val="000000"/>
+                </a:solidFill>
+                <a:latin typeface="Consolas" panose="020B0609020204030204" pitchFamily="49" charset="0"/>
+              </a:rPr>
+              <a:t> i </a:t>
+            </a:r>
+            <a:r>
+              <a:rPr lang="nn-NO" sz="3600" b="1" dirty="0">
+                <a:solidFill>
+                  <a:srgbClr val="7030A0"/>
+                </a:solidFill>
+                <a:latin typeface="Consolas" panose="020B0609020204030204" pitchFamily="49" charset="0"/>
+              </a:rPr>
+              <a:t>%&gt;</a:t>
+            </a:r>
+            <a:r>
+              <a:rPr lang="nn-NO" sz="3600" dirty="0">
+                <a:solidFill>
+                  <a:srgbClr val="800000"/>
+                </a:solidFill>
+                <a:latin typeface="Consolas" panose="020B0609020204030204" pitchFamily="49" charset="0"/>
+              </a:rPr>
+              <a:t>&lt;/p&gt;</a:t>
+            </a:r>
+            <a:endParaRPr lang="nn-NO" sz="3600" dirty="0">
+              <a:solidFill>
+                <a:srgbClr val="000000"/>
+              </a:solidFill>
+              <a:latin typeface="Consolas" panose="020B0609020204030204" pitchFamily="49" charset="0"/>
+            </a:endParaRPr>
+          </a:p>
+          <a:p>
+            <a:pPr marL="57150" indent="0">
+              <a:buNone/>
+            </a:pPr>
+            <a:r>
+              <a:rPr lang="nn-NO" sz="3600" b="1" dirty="0" smtClean="0">
+                <a:solidFill>
+                  <a:srgbClr val="7030A0"/>
+                </a:solidFill>
+                <a:latin typeface="Consolas" panose="020B0609020204030204" pitchFamily="49" charset="0"/>
+              </a:rPr>
+              <a:t>&lt;%</a:t>
+            </a:r>
+            <a:r>
+              <a:rPr lang="nn-NO" sz="3600" dirty="0">
+                <a:solidFill>
+                  <a:srgbClr val="000000"/>
+                </a:solidFill>
+                <a:latin typeface="Consolas" panose="020B0609020204030204" pitchFamily="49" charset="0"/>
+              </a:rPr>
+              <a:t> } </a:t>
+            </a:r>
+            <a:r>
+              <a:rPr lang="nn-NO" sz="3600" b="1" dirty="0" smtClean="0">
+                <a:solidFill>
+                  <a:srgbClr val="7030A0"/>
+                </a:solidFill>
+                <a:latin typeface="Consolas" panose="020B0609020204030204" pitchFamily="49" charset="0"/>
+              </a:rPr>
+              <a:t>%&gt;</a:t>
+            </a:r>
+            <a:endParaRPr lang="en-US" sz="3600" b="1" dirty="0" smtClean="0">
+              <a:solidFill>
+                <a:srgbClr val="7030A0"/>
+              </a:solidFill>
+              <a:latin typeface="Consolas" panose="020B0609020204030204" pitchFamily="49" charset="0"/>
+            </a:endParaRPr>
+          </a:p>
+          <a:p>
+            <a:pPr marL="57150" indent="0">
+              <a:buNone/>
+            </a:pPr>
+            <a:endParaRPr lang="en-US" dirty="0">
+              <a:solidFill>
+                <a:srgbClr val="000000"/>
+              </a:solidFill>
+              <a:latin typeface="Consolas" panose="020B0609020204030204" pitchFamily="49" charset="0"/>
+            </a:endParaRPr>
+          </a:p>
+          <a:p>
+            <a:pPr marL="57150" indent="0">
+              <a:buNone/>
+            </a:pPr>
+            <a:endParaRPr lang="en-US" dirty="0">
+              <a:solidFill>
+                <a:schemeClr val="bg1"/>
+              </a:solidFill>
+            </a:endParaRPr>
+          </a:p>
+        </p:txBody>
+      </p:sp>
+      <p:sp>
+        <p:nvSpPr>
+          <p:cNvPr id="4" name="Rectangle 3"/>
+          <p:cNvSpPr/>
+          <p:nvPr/>
+        </p:nvSpPr>
+        <p:spPr bwMode="auto">
+          <a:xfrm>
+            <a:off x="4152900" y="3771900"/>
+            <a:ext cx="4457700" cy="2743200"/>
+          </a:xfrm>
+          <a:prstGeom prst="rect">
+            <a:avLst/>
+          </a:prstGeom>
+          <a:solidFill>
+            <a:schemeClr val="accent1">
+              <a:lumMod val="20000"/>
+              <a:lumOff val="80000"/>
+            </a:schemeClr>
+          </a:solidFill>
+          <a:ln w="12700">
+            <a:solidFill>
+              <a:schemeClr val="tx2"/>
+            </a:solidFill>
+            <a:miter lim="800000"/>
+            <a:headEnd type="none" w="med" len="med"/>
+            <a:tailEnd type="none" w="med" len="med"/>
+          </a:ln>
+          <a:effectLst/>
+        </p:spPr>
+        <p:style>
+          <a:lnRef idx="1">
+            <a:schemeClr val="accent2"/>
+          </a:lnRef>
+          <a:fillRef idx="3">
+            <a:schemeClr val="accent2"/>
+          </a:fillRef>
+          <a:effectRef idx="2">
+            <a:schemeClr val="accent2"/>
+          </a:effectRef>
+          <a:fontRef idx="minor">
+            <a:schemeClr val="lt1"/>
+          </a:fontRef>
+        </p:style>
+        <p:txBody>
+          <a:bodyPr rot="0" spcFirstLastPara="0" vertOverflow="overflow" horzOverflow="overflow" vert="horz" wrap="square" lIns="182880" tIns="146304" rIns="182880" bIns="146304" numCol="1" spcCol="0" rtlCol="0" fromWordArt="0" anchor="t" anchorCtr="0" forceAA="0" compatLnSpc="1">
+            <a:prstTxWarp prst="textNoShape">
+              <a:avLst/>
+            </a:prstTxWarp>
+            <a:noAutofit/>
+          </a:bodyPr>
+          <a:lstStyle/>
+          <a:p>
+            <a:pPr marL="57150" indent="0">
+              <a:buNone/>
+            </a:pPr>
+            <a:r>
+              <a:rPr lang="en-US" sz="3600" dirty="0" smtClean="0">
+                <a:solidFill>
+                  <a:schemeClr val="accent2"/>
+                </a:solidFill>
+              </a:rPr>
+              <a:t>Rendered output</a:t>
+            </a:r>
+            <a:endParaRPr lang="en-US" sz="3600" dirty="0">
+              <a:solidFill>
+                <a:schemeClr val="accent2"/>
+              </a:solidFill>
+            </a:endParaRPr>
+          </a:p>
+          <a:p>
+            <a:pPr marL="57150" indent="0">
+              <a:buNone/>
+            </a:pPr>
+            <a:r>
+              <a:rPr lang="en-US" sz="3600" dirty="0">
+                <a:solidFill>
+                  <a:srgbClr val="800000"/>
+                </a:solidFill>
+                <a:latin typeface="Consolas" panose="020B0609020204030204" pitchFamily="49" charset="0"/>
+              </a:rPr>
+              <a:t>&lt;p&gt;</a:t>
+            </a:r>
+            <a:r>
+              <a:rPr lang="en-US" sz="3600" dirty="0">
+                <a:solidFill>
+                  <a:srgbClr val="000000"/>
+                </a:solidFill>
+                <a:latin typeface="Consolas" panose="020B0609020204030204" pitchFamily="49" charset="0"/>
+              </a:rPr>
+              <a:t>Number 0</a:t>
+            </a:r>
+            <a:r>
+              <a:rPr lang="en-US" sz="3600" dirty="0">
+                <a:solidFill>
+                  <a:srgbClr val="800000"/>
+                </a:solidFill>
+                <a:latin typeface="Consolas" panose="020B0609020204030204" pitchFamily="49" charset="0"/>
+              </a:rPr>
+              <a:t>&lt;/p</a:t>
+            </a:r>
+            <a:r>
+              <a:rPr lang="en-US" sz="3600" dirty="0" smtClean="0">
+                <a:solidFill>
+                  <a:srgbClr val="800000"/>
+                </a:solidFill>
+                <a:latin typeface="Consolas" panose="020B0609020204030204" pitchFamily="49" charset="0"/>
+              </a:rPr>
+              <a:t>&gt;</a:t>
+            </a:r>
+            <a:endParaRPr lang="en-US" sz="3600" dirty="0">
+              <a:solidFill>
+                <a:schemeClr val="accent2"/>
+              </a:solidFill>
+            </a:endParaRPr>
+          </a:p>
+          <a:p>
+            <a:pPr marL="57150" indent="0">
+              <a:buNone/>
+            </a:pPr>
+            <a:r>
+              <a:rPr lang="en-US" sz="3600" dirty="0">
+                <a:solidFill>
+                  <a:srgbClr val="800000"/>
+                </a:solidFill>
+                <a:latin typeface="Consolas" panose="020B0609020204030204" pitchFamily="49" charset="0"/>
+              </a:rPr>
+              <a:t>&lt;p&gt;</a:t>
+            </a:r>
+            <a:r>
+              <a:rPr lang="en-US" sz="3600" dirty="0">
+                <a:solidFill>
+                  <a:srgbClr val="000000"/>
+                </a:solidFill>
+                <a:latin typeface="Consolas" panose="020B0609020204030204" pitchFamily="49" charset="0"/>
+              </a:rPr>
+              <a:t>Number </a:t>
+            </a:r>
+            <a:r>
+              <a:rPr lang="en-US" sz="3600" dirty="0" smtClean="0">
+                <a:solidFill>
+                  <a:srgbClr val="000000"/>
+                </a:solidFill>
+                <a:latin typeface="Consolas" panose="020B0609020204030204" pitchFamily="49" charset="0"/>
+              </a:rPr>
+              <a:t>1</a:t>
+            </a:r>
+            <a:r>
+              <a:rPr lang="en-US" sz="3600" dirty="0" smtClean="0">
+                <a:solidFill>
+                  <a:srgbClr val="800000"/>
+                </a:solidFill>
+                <a:latin typeface="Consolas" panose="020B0609020204030204" pitchFamily="49" charset="0"/>
+              </a:rPr>
+              <a:t>&lt;/</a:t>
+            </a:r>
+            <a:r>
+              <a:rPr lang="en-US" sz="3600" dirty="0">
+                <a:solidFill>
+                  <a:srgbClr val="800000"/>
+                </a:solidFill>
+                <a:latin typeface="Consolas" panose="020B0609020204030204" pitchFamily="49" charset="0"/>
+              </a:rPr>
+              <a:t>p</a:t>
+            </a:r>
+            <a:r>
+              <a:rPr lang="en-US" sz="3600" dirty="0" smtClean="0">
+                <a:solidFill>
+                  <a:srgbClr val="800000"/>
+                </a:solidFill>
+                <a:latin typeface="Consolas" panose="020B0609020204030204" pitchFamily="49" charset="0"/>
+              </a:rPr>
+              <a:t>&gt;</a:t>
+            </a:r>
+            <a:endParaRPr lang="en-US" sz="3600" dirty="0">
+              <a:solidFill>
+                <a:schemeClr val="accent2"/>
+              </a:solidFill>
+            </a:endParaRPr>
+          </a:p>
+          <a:p>
+            <a:pPr marL="57150" indent="0">
+              <a:buNone/>
+            </a:pPr>
+            <a:r>
+              <a:rPr lang="en-US" sz="3600" dirty="0">
+                <a:solidFill>
+                  <a:srgbClr val="800000"/>
+                </a:solidFill>
+                <a:latin typeface="Consolas" panose="020B0609020204030204" pitchFamily="49" charset="0"/>
+              </a:rPr>
+              <a:t>&lt;p&gt;</a:t>
+            </a:r>
+            <a:r>
+              <a:rPr lang="en-US" sz="3600" dirty="0">
+                <a:solidFill>
+                  <a:srgbClr val="000000"/>
+                </a:solidFill>
+                <a:latin typeface="Consolas" panose="020B0609020204030204" pitchFamily="49" charset="0"/>
+              </a:rPr>
+              <a:t>Number </a:t>
+            </a:r>
+            <a:r>
+              <a:rPr lang="en-US" sz="3600" dirty="0" smtClean="0">
+                <a:solidFill>
+                  <a:srgbClr val="000000"/>
+                </a:solidFill>
+                <a:latin typeface="Consolas" panose="020B0609020204030204" pitchFamily="49" charset="0"/>
+              </a:rPr>
+              <a:t>2</a:t>
+            </a:r>
+            <a:r>
+              <a:rPr lang="en-US" sz="3600" dirty="0" smtClean="0">
+                <a:solidFill>
+                  <a:srgbClr val="800000"/>
+                </a:solidFill>
+                <a:latin typeface="Consolas" panose="020B0609020204030204" pitchFamily="49" charset="0"/>
+              </a:rPr>
+              <a:t>&lt;/</a:t>
+            </a:r>
+            <a:r>
+              <a:rPr lang="en-US" sz="3600" dirty="0">
+                <a:solidFill>
+                  <a:srgbClr val="800000"/>
+                </a:solidFill>
+                <a:latin typeface="Consolas" panose="020B0609020204030204" pitchFamily="49" charset="0"/>
+              </a:rPr>
+              <a:t>p</a:t>
+            </a:r>
+            <a:r>
+              <a:rPr lang="en-US" sz="3600" dirty="0" smtClean="0">
+                <a:solidFill>
+                  <a:srgbClr val="800000"/>
+                </a:solidFill>
+                <a:latin typeface="Consolas" panose="020B0609020204030204" pitchFamily="49" charset="0"/>
+              </a:rPr>
+              <a:t>&gt;</a:t>
+            </a:r>
+            <a:endParaRPr lang="en-US" sz="3600" dirty="0">
+              <a:solidFill>
+                <a:srgbClr val="000000"/>
+              </a:solidFill>
+              <a:latin typeface="Consolas" panose="020B0609020204030204" pitchFamily="49" charset="0"/>
+            </a:endParaRPr>
+          </a:p>
+        </p:txBody>
+      </p:sp>
+      <p:cxnSp>
+        <p:nvCxnSpPr>
+          <p:cNvPr id="6" name="Straight Arrow Connector 5"/>
+          <p:cNvCxnSpPr/>
+          <p:nvPr/>
+        </p:nvCxnSpPr>
+        <p:spPr>
+          <a:xfrm>
+            <a:off x="1524000" y="3854935"/>
+            <a:ext cx="2286000" cy="706643"/>
+          </a:xfrm>
+          <a:prstGeom prst="straightConnector1">
+            <a:avLst/>
+          </a:prstGeom>
+          <a:ln w="50800">
+            <a:miter lim="800000"/>
+            <a:headEnd type="none"/>
+            <a:tailEnd type="triangle"/>
+          </a:ln>
+        </p:spPr>
+        <p:style>
+          <a:lnRef idx="1">
+            <a:schemeClr val="dk1"/>
+          </a:lnRef>
+          <a:fillRef idx="0">
+            <a:schemeClr val="dk1"/>
+          </a:fillRef>
+          <a:effectRef idx="0">
+            <a:schemeClr val="dk1"/>
+          </a:effectRef>
+          <a:fontRef idx="minor">
+            <a:schemeClr val="tx1"/>
+          </a:fontRef>
+        </p:style>
+      </p:cxnSp>
+    </p:spTree>
+    <p:extLst>
+      <p:ext uri="{BB962C8B-B14F-4D97-AF65-F5344CB8AC3E}">
+        <p14:creationId xmlns:p14="http://schemas.microsoft.com/office/powerpoint/2010/main" val="2032508940"/>
+      </p:ext>
+    </p:extLst>
+  </p:cSld>
+  <p:clrMapOvr>
+    <a:masterClrMapping/>
+  </p:clrMapOvr>
+  <p:transition>
+    <p:fade/>
+  </p:transition>
+  <p:timing>
+    <p:tnLst>
+      <p:par>
+        <p:cTn id="1" dur="indefinite" restart="never" nodeType="tmRoot">
+          <p:childTnLst>
+            <p:seq concurrent="1" nextAc="seek">
+              <p:cTn id="2" dur="indefinite" nodeType="mainSeq">
+                <p:childTnLst>
+                  <p:par>
+                    <p:cTn id="3" fill="hold">
+                      <p:stCondLst>
+                        <p:cond delay="indefinite"/>
+                      </p:stCondLst>
+                      <p:childTnLst>
+                        <p:par>
+                          <p:cTn id="4" fill="hold">
+                            <p:stCondLst>
+                              <p:cond delay="0"/>
+                            </p:stCondLst>
+                            <p:childTnLst>
+                              <p:par>
+                                <p:cTn id="5" presetID="42" presetClass="entr" presetSubtype="0" fill="hold" nodeType="clickEffect">
+                                  <p:stCondLst>
+                                    <p:cond delay="0"/>
+                                  </p:stCondLst>
+                                  <p:childTnLst>
+                                    <p:set>
+                                      <p:cBhvr>
+                                        <p:cTn id="6" dur="1" fill="hold">
+                                          <p:stCondLst>
+                                            <p:cond delay="0"/>
+                                          </p:stCondLst>
+                                        </p:cTn>
+                                        <p:tgtEl>
+                                          <p:spTgt spid="6"/>
+                                        </p:tgtEl>
+                                        <p:attrNameLst>
+                                          <p:attrName>style.visibility</p:attrName>
+                                        </p:attrNameLst>
+                                      </p:cBhvr>
+                                      <p:to>
+                                        <p:strVal val="visible"/>
+                                      </p:to>
+                                    </p:set>
+                                    <p:animEffect transition="in" filter="fade">
+                                      <p:cBhvr>
+                                        <p:cTn id="7" dur="500"/>
+                                        <p:tgtEl>
+                                          <p:spTgt spid="6"/>
+                                        </p:tgtEl>
+                                      </p:cBhvr>
+                                    </p:animEffect>
+                                    <p:anim calcmode="lin" valueType="num">
+                                      <p:cBhvr>
+                                        <p:cTn id="8" dur="500" fill="hold"/>
+                                        <p:tgtEl>
+                                          <p:spTgt spid="6"/>
+                                        </p:tgtEl>
+                                        <p:attrNameLst>
+                                          <p:attrName>ppt_x</p:attrName>
+                                        </p:attrNameLst>
+                                      </p:cBhvr>
+                                      <p:tavLst>
+                                        <p:tav tm="0">
+                                          <p:val>
+                                            <p:strVal val="#ppt_x"/>
+                                          </p:val>
+                                        </p:tav>
+                                        <p:tav tm="100000">
+                                          <p:val>
+                                            <p:strVal val="#ppt_x"/>
+                                          </p:val>
+                                        </p:tav>
+                                      </p:tavLst>
+                                    </p:anim>
+                                    <p:anim calcmode="lin" valueType="num">
+                                      <p:cBhvr>
+                                        <p:cTn id="9" dur="500" fill="hold"/>
+                                        <p:tgtEl>
+                                          <p:spTgt spid="6"/>
+                                        </p:tgtEl>
+                                        <p:attrNameLst>
+                                          <p:attrName>ppt_y</p:attrName>
+                                        </p:attrNameLst>
+                                      </p:cBhvr>
+                                      <p:tavLst>
+                                        <p:tav tm="0">
+                                          <p:val>
+                                            <p:strVal val="#ppt_y+.1"/>
+                                          </p:val>
+                                        </p:tav>
+                                        <p:tav tm="100000">
+                                          <p:val>
+                                            <p:strVal val="#ppt_y"/>
+                                          </p:val>
+                                        </p:tav>
+                                      </p:tavLst>
+                                    </p:anim>
+                                  </p:childTnLst>
+                                </p:cTn>
+                              </p:par>
+                              <p:par>
+                                <p:cTn id="10" presetID="42" presetClass="entr" presetSubtype="0" fill="hold" grpId="0" nodeType="withEffect">
+                                  <p:stCondLst>
+                                    <p:cond delay="0"/>
+                                  </p:stCondLst>
+                                  <p:childTnLst>
+                                    <p:set>
+                                      <p:cBhvr>
+                                        <p:cTn id="11" dur="1" fill="hold">
+                                          <p:stCondLst>
+                                            <p:cond delay="0"/>
+                                          </p:stCondLst>
+                                        </p:cTn>
+                                        <p:tgtEl>
+                                          <p:spTgt spid="4"/>
+                                        </p:tgtEl>
+                                        <p:attrNameLst>
+                                          <p:attrName>style.visibility</p:attrName>
+                                        </p:attrNameLst>
+                                      </p:cBhvr>
+                                      <p:to>
+                                        <p:strVal val="visible"/>
+                                      </p:to>
+                                    </p:set>
+                                    <p:animEffect transition="in" filter="fade">
+                                      <p:cBhvr>
+                                        <p:cTn id="12" dur="500"/>
+                                        <p:tgtEl>
+                                          <p:spTgt spid="4"/>
+                                        </p:tgtEl>
+                                      </p:cBhvr>
+                                    </p:animEffect>
+                                    <p:anim calcmode="lin" valueType="num">
+                                      <p:cBhvr>
+                                        <p:cTn id="13" dur="500" fill="hold"/>
+                                        <p:tgtEl>
+                                          <p:spTgt spid="4"/>
+                                        </p:tgtEl>
+                                        <p:attrNameLst>
+                                          <p:attrName>ppt_x</p:attrName>
+                                        </p:attrNameLst>
+                                      </p:cBhvr>
+                                      <p:tavLst>
+                                        <p:tav tm="0">
+                                          <p:val>
+                                            <p:strVal val="#ppt_x"/>
+                                          </p:val>
+                                        </p:tav>
+                                        <p:tav tm="100000">
+                                          <p:val>
+                                            <p:strVal val="#ppt_x"/>
+                                          </p:val>
+                                        </p:tav>
+                                      </p:tavLst>
+                                    </p:anim>
+                                    <p:anim calcmode="lin" valueType="num">
+                                      <p:cBhvr>
+                                        <p:cTn id="14" dur="500" fill="hold"/>
+                                        <p:tgtEl>
+                                          <p:spTgt spid="4"/>
+                                        </p:tgtEl>
+                                        <p:attrNameLst>
+                                          <p:attrName>ppt_y</p:attrName>
+                                        </p:attrNameLst>
+                                      </p:cBhvr>
+                                      <p:tavLst>
+                                        <p:tav tm="0">
+                                          <p:val>
+                                            <p:strVal val="#ppt_y+.1"/>
+                                          </p:val>
+                                        </p:tav>
+                                        <p:tav tm="100000">
+                                          <p:val>
+                                            <p:strVal val="#ppt_y"/>
+                                          </p:val>
+                                        </p:tav>
+                                      </p:tavLst>
+                                    </p:anim>
+                                  </p:childTnLst>
+                                </p:cTn>
+                              </p:par>
+                            </p:childTnLst>
+                          </p:cTn>
+                        </p:par>
+                      </p:childTnLst>
+                    </p:cTn>
+                  </p:par>
+                </p:childTnLst>
+              </p:cTn>
+              <p:prevCondLst>
+                <p:cond evt="onPrev" delay="0">
+                  <p:tgtEl>
+                    <p:sldTgt/>
+                  </p:tgtEl>
+                </p:cond>
+              </p:prevCondLst>
+              <p:nextCondLst>
+                <p:cond evt="onNext" delay="0">
+                  <p:tgtEl>
+                    <p:sldTgt/>
+                  </p:tgtEl>
+                </p:cond>
+              </p:nextCondLst>
+            </p:seq>
+          </p:childTnLst>
+        </p:cTn>
+      </p:par>
+    </p:tnLst>
+    <p:bldLst>
+      <p:bldP spid="4" grpId="0" animBg="1"/>
+    </p:bldLst>
+  </p:timing>
 </p:sld>
 </file>
 

--- a/EjsTemplates/EjsTemplates.pptx
+++ b/EjsTemplates/EjsTemplates.pptx
@@ -216,7 +216,7 @@
           <a:p>
             <a:fld id="{19104133-B5B0-4351-8158-4F0E5EB1E2BF}" type="datetimeFigureOut">
               <a:rPr lang="en-US" smtClean="0"/>
-              <a:t>1/17/2020</a:t>
+              <a:t>3/17/2020</a:t>
             </a:fld>
             <a:endParaRPr lang="en-US"/>
           </a:p>
@@ -644,6 +644,14 @@
             <a:r>
               <a:rPr lang="en-US" baseline="0" dirty="0" smtClean="0"/>
               <a:t> an NPM package that </a:t>
+            </a:r>
+            <a:r>
+              <a:rPr lang="en-US" baseline="0" dirty="0" smtClean="0"/>
+              <a:t>allows developers to embed JavaScript into </a:t>
+            </a:r>
+            <a:r>
+              <a:rPr lang="en-US" baseline="0" smtClean="0"/>
+              <a:t>HTML templates</a:t>
             </a:r>
             <a:endParaRPr lang="en-US" dirty="0"/>
           </a:p>
@@ -1341,7 +1349,7 @@
             <a:fld id="{1C2D31DE-C454-491C-B5C3-F097855E3DF7}" type="datetime4">
               <a:rPr lang="en-US" smtClean="0"/>
               <a:pPr/>
-              <a:t>January 17, 2020</a:t>
+              <a:t>March 17, 2020</a:t>
             </a:fld>
             <a:endParaRPr lang="en-US" dirty="0"/>
           </a:p>
@@ -4741,7 +4749,7 @@
           <a:p>
             <a:fld id="{5958763E-B898-436D-883D-03711491D54A}" type="datetimeFigureOut">
               <a:rPr lang="en-US" smtClean="0"/>
-              <a:t>1/17/2020</a:t>
+              <a:t>3/17/2020</a:t>
             </a:fld>
             <a:endParaRPr lang="en-US"/>
           </a:p>
@@ -4942,7 +4950,7 @@
           <a:p>
             <a:fld id="{5958763E-B898-436D-883D-03711491D54A}" type="datetimeFigureOut">
               <a:rPr lang="en-US" smtClean="0"/>
-              <a:t>1/17/2020</a:t>
+              <a:t>3/17/2020</a:t>
             </a:fld>
             <a:endParaRPr lang="en-US"/>
           </a:p>
@@ -5199,7 +5207,7 @@
           <a:p>
             <a:fld id="{5958763E-B898-436D-883D-03711491D54A}" type="datetimeFigureOut">
               <a:rPr lang="en-US" smtClean="0"/>
-              <a:t>1/17/2020</a:t>
+              <a:t>3/17/2020</a:t>
             </a:fld>
             <a:endParaRPr lang="en-US"/>
           </a:p>
@@ -5554,7 +5562,7 @@
           <a:p>
             <a:fld id="{5958763E-B898-436D-883D-03711491D54A}" type="datetimeFigureOut">
               <a:rPr lang="en-US" smtClean="0"/>
-              <a:t>1/17/2020</a:t>
+              <a:t>3/17/2020</a:t>
             </a:fld>
             <a:endParaRPr lang="en-US"/>
           </a:p>
@@ -5977,7 +5985,7 @@
           <a:p>
             <a:fld id="{5958763E-B898-436D-883D-03711491D54A}" type="datetimeFigureOut">
               <a:rPr lang="en-US" smtClean="0"/>
-              <a:t>1/17/2020</a:t>
+              <a:t>3/17/2020</a:t>
             </a:fld>
             <a:endParaRPr lang="en-US"/>
           </a:p>
@@ -6485,7 +6493,7 @@
           <a:p>
             <a:fld id="{5958763E-B898-436D-883D-03711491D54A}" type="datetimeFigureOut">
               <a:rPr lang="en-US" smtClean="0"/>
-              <a:t>1/17/2020</a:t>
+              <a:t>3/17/2020</a:t>
             </a:fld>
             <a:endParaRPr lang="en-US"/>
           </a:p>
@@ -6943,7 +6951,7 @@
           <a:p>
             <a:fld id="{5958763E-B898-436D-883D-03711491D54A}" type="datetimeFigureOut">
               <a:rPr lang="en-US" smtClean="0"/>
-              <a:t>1/17/2020</a:t>
+              <a:t>3/17/2020</a:t>
             </a:fld>
             <a:endParaRPr lang="en-US"/>
           </a:p>
@@ -7561,7 +7569,7 @@
           <a:p>
             <a:fld id="{5958763E-B898-436D-883D-03711491D54A}" type="datetimeFigureOut">
               <a:rPr lang="en-US" smtClean="0"/>
-              <a:t>1/17/2020</a:t>
+              <a:t>3/17/2020</a:t>
             </a:fld>
             <a:endParaRPr lang="en-US"/>
           </a:p>
@@ -8339,7 +8347,7 @@
           <a:p>
             <a:fld id="{5958763E-B898-436D-883D-03711491D54A}" type="datetimeFigureOut">
               <a:rPr lang="en-US" smtClean="0"/>
-              <a:t>1/17/2020</a:t>
+              <a:t>3/17/2020</a:t>
             </a:fld>
             <a:endParaRPr lang="en-US"/>
           </a:p>
@@ -8450,7 +8458,7 @@
           <a:p>
             <a:fld id="{5958763E-B898-436D-883D-03711491D54A}" type="datetimeFigureOut">
               <a:rPr lang="en-US" smtClean="0"/>
-              <a:t>1/17/2020</a:t>
+              <a:t>3/17/2020</a:t>
             </a:fld>
             <a:endParaRPr lang="en-US"/>
           </a:p>
@@ -8792,7 +8800,7 @@
             <a:fld id="{1C2D31DE-C454-491C-B5C3-F097855E3DF7}" type="datetime4">
               <a:rPr lang="en-US" smtClean="0"/>
               <a:pPr/>
-              <a:t>January 17, 2020</a:t>
+              <a:t>March 17, 2020</a:t>
             </a:fld>
             <a:endParaRPr lang="en-US" dirty="0"/>
           </a:p>
@@ -11952,7 +11960,7 @@
           <a:p>
             <a:fld id="{5958763E-B898-436D-883D-03711491D54A}" type="datetimeFigureOut">
               <a:rPr lang="en-US" smtClean="0"/>
-              <a:t>1/17/2020</a:t>
+              <a:t>3/17/2020</a:t>
             </a:fld>
             <a:endParaRPr lang="en-US"/>
           </a:p>
@@ -12083,7 +12091,7 @@
           <a:p>
             <a:fld id="{5958763E-B898-436D-883D-03711491D54A}" type="datetimeFigureOut">
               <a:rPr lang="en-US" smtClean="0"/>
-              <a:t>1/17/2020</a:t>
+              <a:t>3/17/2020</a:t>
             </a:fld>
             <a:endParaRPr lang="en-US"/>
           </a:p>
@@ -12214,7 +12222,7 @@
           <a:p>
             <a:fld id="{5958763E-B898-436D-883D-03711491D54A}" type="datetimeFigureOut">
               <a:rPr lang="en-US" smtClean="0"/>
-              <a:t>1/17/2020</a:t>
+              <a:t>3/17/2020</a:t>
             </a:fld>
             <a:endParaRPr lang="en-US"/>
           </a:p>
@@ -12345,7 +12353,7 @@
           <a:p>
             <a:fld id="{5958763E-B898-436D-883D-03711491D54A}" type="datetimeFigureOut">
               <a:rPr lang="en-US" smtClean="0"/>
-              <a:t>1/17/2020</a:t>
+              <a:t>3/17/2020</a:t>
             </a:fld>
             <a:endParaRPr lang="en-US"/>
           </a:p>
@@ -12476,7 +12484,7 @@
           <a:p>
             <a:fld id="{5958763E-B898-436D-883D-03711491D54A}" type="datetimeFigureOut">
               <a:rPr lang="en-US" smtClean="0"/>
-              <a:t>1/17/2020</a:t>
+              <a:t>3/17/2020</a:t>
             </a:fld>
             <a:endParaRPr lang="en-US"/>
           </a:p>
@@ -12607,7 +12615,7 @@
           <a:p>
             <a:fld id="{5958763E-B898-436D-883D-03711491D54A}" type="datetimeFigureOut">
               <a:rPr lang="en-US" smtClean="0"/>
-              <a:t>1/17/2020</a:t>
+              <a:t>3/17/2020</a:t>
             </a:fld>
             <a:endParaRPr lang="en-US"/>
           </a:p>
@@ -12738,7 +12746,7 @@
           <a:p>
             <a:fld id="{5958763E-B898-436D-883D-03711491D54A}" type="datetimeFigureOut">
               <a:rPr lang="en-US" smtClean="0"/>
-              <a:t>1/17/2020</a:t>
+              <a:t>3/17/2020</a:t>
             </a:fld>
             <a:endParaRPr lang="en-US"/>
           </a:p>
@@ -12869,7 +12877,7 @@
           <a:p>
             <a:fld id="{5958763E-B898-436D-883D-03711491D54A}" type="datetimeFigureOut">
               <a:rPr lang="en-US" smtClean="0"/>
-              <a:t>1/17/2020</a:t>
+              <a:t>3/17/2020</a:t>
             </a:fld>
             <a:endParaRPr lang="en-US"/>
           </a:p>
@@ -13009,7 +13017,7 @@
           <a:p>
             <a:fld id="{5958763E-B898-436D-883D-03711491D54A}" type="datetimeFigureOut">
               <a:rPr lang="en-US" smtClean="0"/>
-              <a:t>1/17/2020</a:t>
+              <a:t>3/17/2020</a:t>
             </a:fld>
             <a:endParaRPr lang="en-US"/>
           </a:p>
@@ -16370,7 +16378,7 @@
             <a:fld id="{1C2D31DE-C454-491C-B5C3-F097855E3DF7}" type="datetime4">
               <a:rPr lang="en-US" smtClean="0"/>
               <a:pPr/>
-              <a:t>January 17, 2020</a:t>
+              <a:t>March 17, 2020</a:t>
             </a:fld>
             <a:endParaRPr lang="en-US" dirty="0"/>
           </a:p>
@@ -28615,7 +28623,7 @@
           <a:p>
             <a:fld id="{5958763E-B898-436D-883D-03711491D54A}" type="datetimeFigureOut">
               <a:rPr lang="en-US" smtClean="0"/>
-              <a:t>1/17/2020</a:t>
+              <a:t>3/17/2020</a:t>
             </a:fld>
             <a:endParaRPr lang="en-US"/>
           </a:p>
@@ -29024,7 +29032,7 @@
           <a:p>
             <a:fld id="{5958763E-B898-436D-883D-03711491D54A}" type="datetimeFigureOut">
               <a:rPr lang="en-US" smtClean="0"/>
-              <a:t>1/17/2020</a:t>
+              <a:t>3/17/2020</a:t>
             </a:fld>
             <a:endParaRPr lang="en-US"/>
           </a:p>
@@ -29325,7 +29333,7 @@
           <a:p>
             <a:fld id="{5958763E-B898-436D-883D-03711491D54A}" type="datetimeFigureOut">
               <a:rPr lang="en-US" smtClean="0"/>
-              <a:t>1/17/2020</a:t>
+              <a:t>3/17/2020</a:t>
             </a:fld>
             <a:endParaRPr lang="en-US"/>
           </a:p>
@@ -29533,7 +29541,7 @@
           <a:p>
             <a:fld id="{5958763E-B898-436D-883D-03711491D54A}" type="datetimeFigureOut">
               <a:rPr lang="en-US" smtClean="0"/>
-              <a:t>1/17/2020</a:t>
+              <a:t>3/17/2020</a:t>
             </a:fld>
             <a:endParaRPr lang="en-US"/>
           </a:p>
@@ -29801,7 +29809,7 @@
           <a:p>
             <a:fld id="{5958763E-B898-436D-883D-03711491D54A}" type="datetimeFigureOut">
               <a:rPr lang="en-US" smtClean="0"/>
-              <a:t>1/17/2020</a:t>
+              <a:t>3/17/2020</a:t>
             </a:fld>
             <a:endParaRPr lang="en-US"/>
           </a:p>
@@ -30318,7 +30326,7 @@
           <a:p>
             <a:fld id="{5958763E-B898-436D-883D-03711491D54A}" type="datetimeFigureOut">
               <a:rPr lang="en-US" smtClean="0"/>
-              <a:t>1/17/2020</a:t>
+              <a:t>3/17/2020</a:t>
             </a:fld>
             <a:endParaRPr lang="en-US"/>
           </a:p>
@@ -30806,7 +30814,7 @@
           <a:p>
             <a:fld id="{5958763E-B898-436D-883D-03711491D54A}" type="datetimeFigureOut">
               <a:rPr lang="en-US" smtClean="0"/>
-              <a:t>1/17/2020</a:t>
+              <a:t>3/17/2020</a:t>
             </a:fld>
             <a:endParaRPr lang="en-US"/>
           </a:p>
@@ -31632,7 +31640,7 @@
           <a:p>
             <a:fld id="{5958763E-B898-436D-883D-03711491D54A}" type="datetimeFigureOut">
               <a:rPr lang="en-US" smtClean="0"/>
-              <a:t>1/17/2020</a:t>
+              <a:t>3/17/2020</a:t>
             </a:fld>
             <a:endParaRPr lang="en-US"/>
           </a:p>
@@ -31840,7 +31848,7 @@
           <a:p>
             <a:fld id="{5958763E-B898-436D-883D-03711491D54A}" type="datetimeFigureOut">
               <a:rPr lang="en-US" smtClean="0"/>
-              <a:t>1/17/2020</a:t>
+              <a:t>3/17/2020</a:t>
             </a:fld>
             <a:endParaRPr lang="en-US"/>
           </a:p>
@@ -32182,7 +32190,7 @@
           <a:p>
             <a:fld id="{5958763E-B898-436D-883D-03711491D54A}" type="datetimeFigureOut">
               <a:rPr lang="en-US" smtClean="0"/>
-              <a:t>1/17/2020</a:t>
+              <a:t>3/17/2020</a:t>
             </a:fld>
             <a:endParaRPr lang="en-US"/>
           </a:p>
@@ -32419,7 +32427,7 @@
           <a:p>
             <a:fld id="{5958763E-B898-436D-883D-03711491D54A}" type="datetimeFigureOut">
               <a:rPr lang="en-US" smtClean="0"/>
-              <a:t>1/17/2020</a:t>
+              <a:t>3/17/2020</a:t>
             </a:fld>
             <a:endParaRPr lang="en-US"/>
           </a:p>
@@ -32670,7 +32678,7 @@
           <a:p>
             <a:fld id="{5958763E-B898-436D-883D-03711491D54A}" type="datetimeFigureOut">
               <a:rPr lang="en-US" smtClean="0"/>
-              <a:t>1/17/2020</a:t>
+              <a:t>3/17/2020</a:t>
             </a:fld>
             <a:endParaRPr lang="en-US"/>
           </a:p>
@@ -36318,15 +36326,7 @@
                   <a:schemeClr val="bg1"/>
                 </a:solidFill>
               </a:rPr>
-              <a:t>Static </a:t>
-            </a:r>
-            <a:r>
-              <a:rPr lang="en-US" dirty="0" smtClean="0">
-                <a:solidFill>
-                  <a:schemeClr val="bg1"/>
-                </a:solidFill>
-              </a:rPr>
-              <a:t>HTML files are too </a:t>
+              <a:t>Static HTML files are too </a:t>
             </a:r>
             <a:r>
               <a:rPr lang="en-US" i="1" dirty="0" smtClean="0">
@@ -36878,11 +36878,7 @@
           <a:p>
             <a:r>
               <a:rPr lang="en-US" dirty="0" smtClean="0"/>
-              <a:t>EJS </a:t>
-            </a:r>
-            <a:r>
-              <a:rPr lang="en-US" dirty="0" smtClean="0"/>
-              <a:t>introduction</a:t>
+              <a:t>EJS introduction</a:t>
             </a:r>
             <a:endParaRPr lang="en-US" dirty="0"/>
           </a:p>
@@ -36928,11 +36924,7 @@
             </a:r>
             <a:r>
               <a:rPr lang="en-US" dirty="0" smtClean="0"/>
-              <a:t>cript </a:t>
-            </a:r>
-            <a:r>
-              <a:rPr lang="en-US" dirty="0" smtClean="0"/>
-              <a:t>lets developers write JavaScript code directly in HTML templates</a:t>
+              <a:t>cript lets developers write JavaScript code directly in HTML templates</a:t>
             </a:r>
           </a:p>
           <a:p>
@@ -37527,14 +37519,6 @@
               </a:rPr>
               <a:t> --save</a:t>
             </a:r>
-            <a:endParaRPr lang="en-US" sz="4800" dirty="0" smtClean="0">
-              <a:solidFill>
-                <a:schemeClr val="bg2">
-                  <a:lumMod val="25000"/>
-                </a:schemeClr>
-              </a:solidFill>
-              <a:latin typeface="Consolas" panose="020B0609020204030204" pitchFamily="49" charset="0"/>
-            </a:endParaRPr>
           </a:p>
         </p:txBody>
       </p:sp>
@@ -37708,11 +37692,7 @@
           <a:p>
             <a:r>
               <a:rPr lang="en-US" dirty="0" smtClean="0"/>
-              <a:t>Server-Side </a:t>
-            </a:r>
-            <a:r>
-              <a:rPr lang="en-US" dirty="0" smtClean="0"/>
-              <a:t>Rendering – app.js</a:t>
+              <a:t>Server-Side Rendering – app.js</a:t>
             </a:r>
             <a:endParaRPr lang="en-US" dirty="0"/>
           </a:p>
@@ -37794,7 +37774,6 @@
               <a:rPr lang="en-US" sz="3200" dirty="0" smtClean="0"/>
               <a:t> template</a:t>
             </a:r>
-            <a:endParaRPr lang="en-US" sz="3200" dirty="0" smtClean="0"/>
           </a:p>
         </p:txBody>
       </p:sp>
@@ -38397,11 +38376,7 @@
           <a:p>
             <a:r>
               <a:rPr lang="en-US" dirty="0" smtClean="0"/>
-              <a:t>Client-Side – </a:t>
-            </a:r>
-            <a:r>
-              <a:rPr lang="en-US" dirty="0" smtClean="0"/>
-              <a:t>Rendered Values</a:t>
+              <a:t>Client-Side – Rendered Values</a:t>
             </a:r>
             <a:endParaRPr lang="en-US" dirty="0"/>
           </a:p>
@@ -38434,11 +38409,7 @@
             </a:r>
             <a:r>
               <a:rPr lang="en-US" dirty="0" smtClean="0"/>
-              <a:t> file, EJS segments can use the dat</a:t>
-            </a:r>
-            <a:r>
-              <a:rPr lang="en-US" dirty="0" smtClean="0"/>
-              <a:t>a passed on the server</a:t>
+              <a:t> file, EJS segments can use the data passed on the server</a:t>
             </a:r>
           </a:p>
           <a:p>

--- a/EjsTemplates/EjsTemplates.pptx
+++ b/EjsTemplates/EjsTemplates.pptx
@@ -5,7 +5,7 @@
     <p:sldMasterId id="2147483648" r:id="rId1"/>
   </p:sldMasterIdLst>
   <p:notesMasterIdLst>
-    <p:notesMasterId r:id="rId11"/>
+    <p:notesMasterId r:id="rId12"/>
   </p:notesMasterIdLst>
   <p:sldIdLst>
     <p:sldId id="258" r:id="rId2"/>
@@ -17,6 +17,7 @@
     <p:sldId id="306" r:id="rId8"/>
     <p:sldId id="308" r:id="rId9"/>
     <p:sldId id="309" r:id="rId10"/>
+    <p:sldId id="310" r:id="rId11"/>
   </p:sldIdLst>
   <p:sldSz cx="12192000" cy="6858000"/>
   <p:notesSz cx="6858000" cy="9144000"/>
@@ -216,7 +217,7 @@
           <a:p>
             <a:fld id="{19104133-B5B0-4351-8158-4F0E5EB1E2BF}" type="datetimeFigureOut">
               <a:rPr lang="en-US" smtClean="0"/>
-              <a:t>3/17/2020</a:t>
+              <a:t>1/20/2021</a:t>
             </a:fld>
             <a:endParaRPr lang="en-US"/>
           </a:p>
@@ -280,38 +281,37 @@
           <a:p>
             <a:pPr lvl="0"/>
             <a:r>
-              <a:rPr lang="en-US" smtClean="0"/>
+              <a:rPr lang="en-US"/>
               <a:t>Edit Master text styles</a:t>
             </a:r>
           </a:p>
           <a:p>
             <a:pPr lvl="1"/>
             <a:r>
-              <a:rPr lang="en-US" smtClean="0"/>
+              <a:rPr lang="en-US"/>
               <a:t>Second level</a:t>
             </a:r>
           </a:p>
           <a:p>
             <a:pPr lvl="2"/>
             <a:r>
-              <a:rPr lang="en-US" smtClean="0"/>
+              <a:rPr lang="en-US"/>
               <a:t>Third level</a:t>
             </a:r>
           </a:p>
           <a:p>
             <a:pPr lvl="3"/>
             <a:r>
-              <a:rPr lang="en-US" smtClean="0"/>
+              <a:rPr lang="en-US"/>
               <a:t>Fourth level</a:t>
             </a:r>
           </a:p>
           <a:p>
             <a:pPr lvl="4"/>
             <a:r>
-              <a:rPr lang="en-US" smtClean="0"/>
+              <a:rPr lang="en-US"/>
               <a:t>Fifth level</a:t>
             </a:r>
-            <a:endParaRPr lang="en-US"/>
           </a:p>
         </p:txBody>
       </p:sp>
@@ -529,28 +529,28 @@
           <a:lstStyle/>
           <a:p>
             <a:r>
-              <a:rPr lang="en-US" dirty="0" smtClean="0"/>
+              <a:rPr lang="en-US" dirty="0"/>
               <a:t>Give some background on the need for templates.</a:t>
             </a:r>
           </a:p>
           <a:p>
-            <a:endParaRPr lang="en-US" dirty="0" smtClean="0"/>
+            <a:endParaRPr lang="en-US" dirty="0"/>
           </a:p>
           <a:p>
             <a:r>
-              <a:rPr lang="en-US" b="1" dirty="0" smtClean="0"/>
+              <a:rPr lang="en-US" b="1" dirty="0"/>
               <a:t>Example:</a:t>
             </a:r>
             <a:r>
-              <a:rPr lang="en-US" baseline="0" dirty="0" smtClean="0"/>
+              <a:rPr lang="en-US" baseline="0" dirty="0"/>
               <a:t> someone’s Twitter feed is going to be different every day, but the structure, style, and layout doesn’t change as often. Twitter uses a </a:t>
             </a:r>
             <a:r>
-              <a:rPr lang="en-US" i="1" baseline="0" dirty="0" smtClean="0"/>
+              <a:rPr lang="en-US" i="1" baseline="0" dirty="0"/>
               <a:t>template</a:t>
             </a:r>
             <a:r>
-              <a:rPr lang="en-US" i="0" baseline="0" dirty="0" smtClean="0"/>
+              <a:rPr lang="en-US" i="0" baseline="0" dirty="0"/>
               <a:t> with dynamic data to make this happen.</a:t>
             </a:r>
             <a:endParaRPr lang="en-US" dirty="0"/>
@@ -638,19 +638,15 @@
           <a:lstStyle/>
           <a:p>
             <a:r>
-              <a:rPr lang="en-US" dirty="0" smtClean="0"/>
+              <a:rPr lang="en-US" dirty="0"/>
               <a:t>EJS stands for Embedded JavaScript. It is</a:t>
             </a:r>
             <a:r>
-              <a:rPr lang="en-US" baseline="0" dirty="0" smtClean="0"/>
-              <a:t> an NPM package that </a:t>
+              <a:rPr lang="en-US" baseline="0" dirty="0"/>
+              <a:t> an NPM package that allows developers to embed JavaScript into </a:t>
             </a:r>
             <a:r>
-              <a:rPr lang="en-US" baseline="0" dirty="0" smtClean="0"/>
-              <a:t>allows developers to embed JavaScript into </a:t>
-            </a:r>
-            <a:r>
-              <a:rPr lang="en-US" baseline="0" smtClean="0"/>
+              <a:rPr lang="en-US" baseline="0"/>
               <a:t>HTML templates</a:t>
             </a:r>
             <a:endParaRPr lang="en-US" dirty="0"/>
@@ -738,23 +734,23 @@
           <a:lstStyle/>
           <a:p>
             <a:r>
-              <a:rPr lang="en-US" dirty="0" smtClean="0"/>
+              <a:rPr lang="en-US" dirty="0"/>
               <a:t>In order</a:t>
             </a:r>
             <a:r>
-              <a:rPr lang="en-US" baseline="0" dirty="0" smtClean="0"/>
+              <a:rPr lang="en-US" baseline="0" dirty="0"/>
               <a:t> to use EJS, it is necessary to:</a:t>
             </a:r>
           </a:p>
           <a:p>
-            <a:endParaRPr lang="en-US" baseline="0" dirty="0" smtClean="0"/>
+            <a:endParaRPr lang="en-US" baseline="0" dirty="0"/>
           </a:p>
           <a:p>
             <a:pPr marL="228600" indent="-228600">
               <a:buAutoNum type="arabicPeriod"/>
             </a:pPr>
             <a:r>
-              <a:rPr lang="en-US" baseline="0" dirty="0" smtClean="0"/>
+              <a:rPr lang="en-US" baseline="0" dirty="0"/>
               <a:t>Install the NPM package</a:t>
             </a:r>
           </a:p>
@@ -763,31 +759,31 @@
               <a:buAutoNum type="arabicPeriod"/>
             </a:pPr>
             <a:r>
-              <a:rPr lang="en-US" baseline="0" dirty="0" smtClean="0"/>
+              <a:rPr lang="en-US" baseline="0" dirty="0"/>
               <a:t>Set the Express app to </a:t>
             </a:r>
             <a:r>
-              <a:rPr lang="en-US" b="1" baseline="0" dirty="0" smtClean="0"/>
+              <a:rPr lang="en-US" b="1" baseline="0" dirty="0"/>
               <a:t>set</a:t>
             </a:r>
             <a:r>
-              <a:rPr lang="en-US" b="0" baseline="0" dirty="0" smtClean="0"/>
+              <a:rPr lang="en-US" b="0" baseline="0" dirty="0"/>
               <a:t> the </a:t>
             </a:r>
             <a:r>
-              <a:rPr lang="en-US" b="0" i="1" baseline="0" dirty="0" smtClean="0"/>
+              <a:rPr lang="en-US" b="0" i="1" baseline="0" dirty="0"/>
               <a:t>view engine</a:t>
             </a:r>
             <a:r>
-              <a:rPr lang="en-US" b="0" i="0" baseline="0" dirty="0" smtClean="0"/>
+              <a:rPr lang="en-US" b="0" i="0" baseline="0" dirty="0"/>
               <a:t> to </a:t>
             </a:r>
             <a:r>
-              <a:rPr lang="en-US" b="0" i="1" baseline="0" dirty="0" err="1" smtClean="0"/>
+              <a:rPr lang="en-US" b="0" i="1" baseline="0" dirty="0" err="1"/>
               <a:t>ejs</a:t>
             </a:r>
             <a:r>
-              <a:rPr lang="en-US" b="0" baseline="0" dirty="0" smtClean="0"/>
+              <a:rPr lang="en-US" b="0" baseline="0" dirty="0"/>
               <a:t> </a:t>
             </a:r>
             <a:endParaRPr lang="en-US" dirty="0"/>
@@ -875,59 +871,59 @@
           <a:lstStyle/>
           <a:p>
             <a:r>
-              <a:rPr lang="en-US" dirty="0" smtClean="0"/>
+              <a:rPr lang="en-US" dirty="0"/>
               <a:t>Emphasize</a:t>
             </a:r>
             <a:r>
-              <a:rPr lang="en-US" baseline="0" dirty="0" smtClean="0"/>
+              <a:rPr lang="en-US" baseline="0" dirty="0"/>
               <a:t> the EJS segment syntax – Opening tag: Left angle bracket, percent sign, equals sign. Closing tag: Percent sign, right angle bracket.</a:t>
             </a:r>
           </a:p>
           <a:p>
-            <a:endParaRPr lang="en-US" baseline="0" dirty="0" smtClean="0"/>
+            <a:endParaRPr lang="en-US" baseline="0" dirty="0"/>
           </a:p>
           <a:p>
             <a:r>
-              <a:rPr lang="en-US" baseline="0" dirty="0" smtClean="0"/>
+              <a:rPr lang="en-US" baseline="0" dirty="0"/>
               <a:t>The </a:t>
             </a:r>
             <a:r>
-              <a:rPr lang="en-US" b="1" baseline="0" dirty="0" err="1" smtClean="0"/>
+              <a:rPr lang="en-US" b="1" baseline="0" dirty="0" err="1"/>
               <a:t>page.ejs</a:t>
             </a:r>
             <a:r>
-              <a:rPr lang="en-US" b="0" baseline="0" dirty="0" smtClean="0"/>
+              <a:rPr lang="en-US" b="0" baseline="0" dirty="0"/>
               <a:t> file contains the EJS segments, but other than that, it’s just HTML.</a:t>
             </a:r>
           </a:p>
           <a:p>
             <a:r>
-              <a:rPr lang="en-US" b="0" baseline="0" dirty="0" smtClean="0"/>
+              <a:rPr lang="en-US" b="0" baseline="0" dirty="0"/>
               <a:t>The </a:t>
             </a:r>
             <a:r>
-              <a:rPr lang="en-US" b="1" baseline="0" dirty="0" smtClean="0"/>
+              <a:rPr lang="en-US" b="1" baseline="0" dirty="0"/>
               <a:t>data</a:t>
             </a:r>
             <a:r>
-              <a:rPr lang="en-US" b="0" baseline="0" dirty="0" smtClean="0"/>
+              <a:rPr lang="en-US" b="0" baseline="0" dirty="0"/>
               <a:t> is what would be passed on the server – could be anything</a:t>
             </a:r>
           </a:p>
           <a:p>
             <a:r>
-              <a:rPr lang="en-US" b="0" baseline="0" dirty="0" smtClean="0"/>
+              <a:rPr lang="en-US" b="0" baseline="0" dirty="0"/>
               <a:t>The </a:t>
             </a:r>
             <a:r>
-              <a:rPr lang="en-US" b="1" baseline="0" dirty="0" smtClean="0"/>
+              <a:rPr lang="en-US" b="1" baseline="0" dirty="0"/>
               <a:t>Rendered output</a:t>
             </a:r>
             <a:r>
-              <a:rPr lang="en-US" b="0" baseline="0" dirty="0" smtClean="0"/>
+              <a:rPr lang="en-US" b="0" baseline="0" dirty="0"/>
               <a:t> is what gets sent back to the client – replacing the EJS segments with the actual data itself!</a:t>
             </a:r>
-            <a:endParaRPr lang="en-US" baseline="0" dirty="0" smtClean="0"/>
+            <a:endParaRPr lang="en-US" baseline="0" dirty="0"/>
           </a:p>
         </p:txBody>
       </p:sp>
@@ -1012,11 +1008,11 @@
           <a:lstStyle/>
           <a:p>
             <a:r>
-              <a:rPr lang="en-US" dirty="0" smtClean="0"/>
+              <a:rPr lang="en-US" dirty="0"/>
               <a:t>Note that the JS code is simply</a:t>
             </a:r>
             <a:r>
-              <a:rPr lang="en-US" baseline="0" dirty="0" smtClean="0"/>
+              <a:rPr lang="en-US" baseline="0" dirty="0"/>
               <a:t> regular JavaScript. The code in the “body” of the if statement, that is NOT within an EJS segment, is pure HTML</a:t>
             </a:r>
             <a:endParaRPr lang="en-US" dirty="0"/>
@@ -1104,19 +1100,19 @@
           <a:lstStyle/>
           <a:p>
             <a:r>
-              <a:rPr lang="en-US" dirty="0" smtClean="0"/>
+              <a:rPr lang="en-US" dirty="0"/>
               <a:t>For loops work just</a:t>
             </a:r>
             <a:r>
-              <a:rPr lang="en-US" baseline="0" dirty="0" smtClean="0"/>
+              <a:rPr lang="en-US" baseline="0" dirty="0"/>
               <a:t> like if statements. The HTML in the “body” of the for loop has access to the variables from the for loop (e.g. `</a:t>
             </a:r>
             <a:r>
-              <a:rPr lang="en-US" baseline="0" dirty="0" err="1" smtClean="0"/>
+              <a:rPr lang="en-US" baseline="0" dirty="0" err="1"/>
               <a:t>i</a:t>
             </a:r>
             <a:r>
-              <a:rPr lang="en-US" baseline="0" dirty="0" smtClean="0"/>
+              <a:rPr lang="en-US" baseline="0" dirty="0"/>
               <a:t>`)</a:t>
             </a:r>
             <a:endParaRPr lang="en-US" dirty="0"/>
@@ -1299,15 +1295,7 @@
           <a:p>
             <a:r>
               <a:rPr lang="en-US" dirty="0"/>
-              <a:t>Click to edit Master </a:t>
-            </a:r>
-            <a:r>
-              <a:rPr lang="en-US" dirty="0" smtClean="0"/>
-              <a:t>subtitle </a:t>
-            </a:r>
-            <a:r>
-              <a:rPr lang="en-US" dirty="0"/>
-              <a:t>style</a:t>
+              <a:t>Click to edit Master subtitle style</a:t>
             </a:r>
           </a:p>
         </p:txBody>
@@ -1349,7 +1337,7 @@
             <a:fld id="{1C2D31DE-C454-491C-B5C3-F097855E3DF7}" type="datetime4">
               <a:rPr lang="en-US" smtClean="0"/>
               <a:pPr/>
-              <a:t>March 17, 2020</a:t>
+              <a:t>January 20, 2021</a:t>
             </a:fld>
             <a:endParaRPr lang="en-US" dirty="0"/>
           </a:p>
@@ -4423,17 +4411,16 @@
           <a:p>
             <a:pPr lvl="0"/>
             <a:r>
-              <a:rPr lang="en-US" dirty="0" smtClean="0"/>
+              <a:rPr lang="en-US" dirty="0"/>
               <a:t>Presenter Name</a:t>
             </a:r>
             <a:br>
-              <a:rPr lang="en-US" dirty="0" smtClean="0"/>
+              <a:rPr lang="en-US" dirty="0"/>
             </a:br>
             <a:r>
-              <a:rPr lang="en-US" dirty="0" smtClean="0"/>
+              <a:rPr lang="en-US" dirty="0"/>
               <a:t>Presenter Title</a:t>
             </a:r>
-            <a:endParaRPr lang="en-US" dirty="0"/>
           </a:p>
         </p:txBody>
       </p:sp>
@@ -4450,13 +4437,6 @@
   <p:transition>
     <p:fade/>
   </p:transition>
-  <p:timing>
-    <p:tnLst>
-      <p:par>
-        <p:cTn id="1" dur="indefinite" restart="never" nodeType="tmRoot"/>
-      </p:par>
-    </p:tnLst>
-  </p:timing>
   <p:hf sldNum="0" hdr="0" ftr="0"/>
 </p:sldLayout>
 </file>
@@ -4749,7 +4729,7 @@
           <a:p>
             <a:fld id="{5958763E-B898-436D-883D-03711491D54A}" type="datetimeFigureOut">
               <a:rPr lang="en-US" smtClean="0"/>
-              <a:t>3/17/2020</a:t>
+              <a:t>1/20/2021</a:t>
             </a:fld>
             <a:endParaRPr lang="en-US"/>
           </a:p>
@@ -4822,13 +4802,6 @@
   <p:transition>
     <p:fade/>
   </p:transition>
-  <p:timing>
-    <p:tnLst>
-      <p:par>
-        <p:cTn id="1" dur="indefinite" restart="never" nodeType="tmRoot"/>
-      </p:par>
-    </p:tnLst>
-  </p:timing>
 </p:sldLayout>
 </file>
 
@@ -4877,10 +4850,9 @@
           </a:lstStyle>
           <a:p>
             <a:r>
-              <a:rPr lang="en-US" dirty="0" smtClean="0"/>
+              <a:rPr lang="en-US" dirty="0"/>
               <a:t>Click icon to add picture</a:t>
             </a:r>
-            <a:endParaRPr lang="en-US" dirty="0"/>
           </a:p>
         </p:txBody>
       </p:sp>
@@ -4950,7 +4922,7 @@
           <a:p>
             <a:fld id="{5958763E-B898-436D-883D-03711491D54A}" type="datetimeFigureOut">
               <a:rPr lang="en-US" smtClean="0"/>
-              <a:t>3/17/2020</a:t>
+              <a:t>1/20/2021</a:t>
             </a:fld>
             <a:endParaRPr lang="en-US"/>
           </a:p>
@@ -5023,13 +4995,6 @@
   <p:transition>
     <p:fade/>
   </p:transition>
-  <p:timing>
-    <p:tnLst>
-      <p:par>
-        <p:cTn id="1" dur="indefinite" restart="never" nodeType="tmRoot"/>
-      </p:par>
-    </p:tnLst>
-  </p:timing>
 </p:sldLayout>
 </file>
 
@@ -5207,7 +5172,7 @@
           <a:p>
             <a:fld id="{5958763E-B898-436D-883D-03711491D54A}" type="datetimeFigureOut">
               <a:rPr lang="en-US" smtClean="0"/>
-              <a:t>3/17/2020</a:t>
+              <a:t>1/20/2021</a:t>
             </a:fld>
             <a:endParaRPr lang="en-US"/>
           </a:p>
@@ -5280,13 +5245,6 @@
   <p:transition>
     <p:fade/>
   </p:transition>
-  <p:timing>
-    <p:tnLst>
-      <p:par>
-        <p:cTn id="1" dur="indefinite" restart="never" nodeType="tmRoot"/>
-      </p:par>
-    </p:tnLst>
-  </p:timing>
 </p:sldLayout>
 </file>
 
@@ -5562,7 +5520,7 @@
           <a:p>
             <a:fld id="{5958763E-B898-436D-883D-03711491D54A}" type="datetimeFigureOut">
               <a:rPr lang="en-US" smtClean="0"/>
-              <a:t>3/17/2020</a:t>
+              <a:t>1/20/2021</a:t>
             </a:fld>
             <a:endParaRPr lang="en-US"/>
           </a:p>
@@ -5623,13 +5581,6 @@
   <p:transition>
     <p:fade/>
   </p:transition>
-  <p:timing>
-    <p:tnLst>
-      <p:par>
-        <p:cTn id="1" dur="indefinite" restart="never" nodeType="tmRoot"/>
-      </p:par>
-    </p:tnLst>
-  </p:timing>
 </p:sldLayout>
 </file>
 
@@ -5985,7 +5936,7 @@
           <a:p>
             <a:fld id="{5958763E-B898-436D-883D-03711491D54A}" type="datetimeFigureOut">
               <a:rPr lang="en-US" smtClean="0"/>
-              <a:t>3/17/2020</a:t>
+              <a:t>1/20/2021</a:t>
             </a:fld>
             <a:endParaRPr lang="en-US"/>
           </a:p>
@@ -6046,13 +5997,6 @@
   <p:transition>
     <p:fade/>
   </p:transition>
-  <p:timing>
-    <p:tnLst>
-      <p:par>
-        <p:cTn id="1" dur="indefinite" restart="never" nodeType="tmRoot"/>
-      </p:par>
-    </p:tnLst>
-  </p:timing>
 </p:sldLayout>
 </file>
 
@@ -6493,7 +6437,7 @@
           <a:p>
             <a:fld id="{5958763E-B898-436D-883D-03711491D54A}" type="datetimeFigureOut">
               <a:rPr lang="en-US" smtClean="0"/>
-              <a:t>3/17/2020</a:t>
+              <a:t>1/20/2021</a:t>
             </a:fld>
             <a:endParaRPr lang="en-US"/>
           </a:p>
@@ -6554,13 +6498,6 @@
   <p:transition>
     <p:fade/>
   </p:transition>
-  <p:timing>
-    <p:tnLst>
-      <p:par>
-        <p:cTn id="1" dur="indefinite" restart="never" nodeType="tmRoot"/>
-      </p:par>
-    </p:tnLst>
-  </p:timing>
 </p:sldLayout>
 </file>
 
@@ -6951,7 +6888,7 @@
           <a:p>
             <a:fld id="{5958763E-B898-436D-883D-03711491D54A}" type="datetimeFigureOut">
               <a:rPr lang="en-US" smtClean="0"/>
-              <a:t>3/17/2020</a:t>
+              <a:t>1/20/2021</a:t>
             </a:fld>
             <a:endParaRPr lang="en-US"/>
           </a:p>
@@ -7012,13 +6949,6 @@
   <p:transition>
     <p:fade/>
   </p:transition>
-  <p:timing>
-    <p:tnLst>
-      <p:par>
-        <p:cTn id="1" dur="indefinite" restart="never" nodeType="tmRoot"/>
-      </p:par>
-    </p:tnLst>
-  </p:timing>
 </p:sldLayout>
 </file>
 
@@ -7569,7 +7499,7 @@
           <a:p>
             <a:fld id="{5958763E-B898-436D-883D-03711491D54A}" type="datetimeFigureOut">
               <a:rPr lang="en-US" smtClean="0"/>
-              <a:t>3/17/2020</a:t>
+              <a:t>1/20/2021</a:t>
             </a:fld>
             <a:endParaRPr lang="en-US"/>
           </a:p>
@@ -7630,13 +7560,6 @@
   <p:transition>
     <p:fade/>
   </p:transition>
-  <p:timing>
-    <p:tnLst>
-      <p:par>
-        <p:cTn id="1" dur="indefinite" restart="never" nodeType="tmRoot"/>
-      </p:par>
-    </p:tnLst>
-  </p:timing>
 </p:sldLayout>
 </file>
 
@@ -8347,7 +8270,7 @@
           <a:p>
             <a:fld id="{5958763E-B898-436D-883D-03711491D54A}" type="datetimeFigureOut">
               <a:rPr lang="en-US" smtClean="0"/>
-              <a:t>3/17/2020</a:t>
+              <a:t>1/20/2021</a:t>
             </a:fld>
             <a:endParaRPr lang="en-US"/>
           </a:p>
@@ -8408,13 +8331,6 @@
   <p:transition>
     <p:fade/>
   </p:transition>
-  <p:timing>
-    <p:tnLst>
-      <p:par>
-        <p:cTn id="1" dur="indefinite" restart="never" nodeType="tmRoot"/>
-      </p:par>
-    </p:tnLst>
-  </p:timing>
 </p:sldLayout>
 </file>
 
@@ -8458,7 +8374,7 @@
           <a:p>
             <a:fld id="{5958763E-B898-436D-883D-03711491D54A}" type="datetimeFigureOut">
               <a:rPr lang="en-US" smtClean="0"/>
-              <a:t>3/17/2020</a:t>
+              <a:t>1/20/2021</a:t>
             </a:fld>
             <a:endParaRPr lang="en-US"/>
           </a:p>
@@ -8531,13 +8447,6 @@
   <p:transition>
     <p:fade/>
   </p:transition>
-  <p:timing>
-    <p:tnLst>
-      <p:par>
-        <p:cTn id="1" dur="indefinite" restart="never" nodeType="tmRoot"/>
-      </p:par>
-    </p:tnLst>
-  </p:timing>
 </p:sldLayout>
 </file>
 
@@ -8617,7 +8526,7 @@
                 <a:spcPct val="0"/>
               </a:spcAft>
             </a:pPr>
-            <a:endParaRPr lang="en-US" sz="2400" dirty="0" err="1" smtClean="0">
+            <a:endParaRPr lang="en-US" sz="2400" dirty="0" err="1">
               <a:gradFill>
                 <a:gsLst>
                   <a:gs pos="0">
@@ -8750,15 +8659,7 @@
           <a:p>
             <a:r>
               <a:rPr lang="en-US" dirty="0"/>
-              <a:t>Click to edit Master </a:t>
-            </a:r>
-            <a:r>
-              <a:rPr lang="en-US" dirty="0" smtClean="0"/>
-              <a:t>subtitle </a:t>
-            </a:r>
-            <a:r>
-              <a:rPr lang="en-US" dirty="0"/>
-              <a:t>style</a:t>
+              <a:t>Click to edit Master subtitle style</a:t>
             </a:r>
           </a:p>
         </p:txBody>
@@ -8800,7 +8701,7 @@
             <a:fld id="{1C2D31DE-C454-491C-B5C3-F097855E3DF7}" type="datetime4">
               <a:rPr lang="en-US" smtClean="0"/>
               <a:pPr/>
-              <a:t>March 17, 2020</a:t>
+              <a:t>January 20, 2021</a:t>
             </a:fld>
             <a:endParaRPr lang="en-US" dirty="0"/>
           </a:p>
@@ -11874,17 +11775,16 @@
           <a:p>
             <a:pPr lvl="0"/>
             <a:r>
-              <a:rPr lang="en-US" dirty="0" smtClean="0"/>
+              <a:rPr lang="en-US" dirty="0"/>
               <a:t>Presenter Name</a:t>
             </a:r>
             <a:br>
-              <a:rPr lang="en-US" dirty="0" smtClean="0"/>
+              <a:rPr lang="en-US" dirty="0"/>
             </a:br>
             <a:r>
-              <a:rPr lang="en-US" dirty="0" smtClean="0"/>
+              <a:rPr lang="en-US" dirty="0"/>
               <a:t>Presenter Title</a:t>
             </a:r>
-            <a:endParaRPr lang="en-US" dirty="0"/>
           </a:p>
         </p:txBody>
       </p:sp>
@@ -11901,13 +11801,6 @@
   <p:transition>
     <p:fade/>
   </p:transition>
-  <p:timing>
-    <p:tnLst>
-      <p:par>
-        <p:cTn id="1" dur="indefinite" restart="never" nodeType="tmRoot"/>
-      </p:par>
-    </p:tnLst>
-  </p:timing>
   <p:hf sldNum="0" hdr="0" ftr="0"/>
 </p:sldLayout>
 </file>
@@ -11960,7 +11853,7 @@
           <a:p>
             <a:fld id="{5958763E-B898-436D-883D-03711491D54A}" type="datetimeFigureOut">
               <a:rPr lang="en-US" smtClean="0"/>
-              <a:t>3/17/2020</a:t>
+              <a:t>1/20/2021</a:t>
             </a:fld>
             <a:endParaRPr lang="en-US"/>
           </a:p>
@@ -12033,13 +11926,6 @@
   <p:transition>
     <p:fade/>
   </p:transition>
-  <p:timing>
-    <p:tnLst>
-      <p:par>
-        <p:cTn id="1" dur="indefinite" restart="never" nodeType="tmRoot"/>
-      </p:par>
-    </p:tnLst>
-  </p:timing>
 </p:sldLayout>
 </file>
 
@@ -12091,7 +11977,7 @@
           <a:p>
             <a:fld id="{5958763E-B898-436D-883D-03711491D54A}" type="datetimeFigureOut">
               <a:rPr lang="en-US" smtClean="0"/>
-              <a:t>3/17/2020</a:t>
+              <a:t>1/20/2021</a:t>
             </a:fld>
             <a:endParaRPr lang="en-US"/>
           </a:p>
@@ -12164,13 +12050,6 @@
   <p:transition>
     <p:fade/>
   </p:transition>
-  <p:timing>
-    <p:tnLst>
-      <p:par>
-        <p:cTn id="1" dur="indefinite" restart="never" nodeType="tmRoot"/>
-      </p:par>
-    </p:tnLst>
-  </p:timing>
 </p:sldLayout>
 </file>
 
@@ -12222,7 +12101,7 @@
           <a:p>
             <a:fld id="{5958763E-B898-436D-883D-03711491D54A}" type="datetimeFigureOut">
               <a:rPr lang="en-US" smtClean="0"/>
-              <a:t>3/17/2020</a:t>
+              <a:t>1/20/2021</a:t>
             </a:fld>
             <a:endParaRPr lang="en-US"/>
           </a:p>
@@ -12295,13 +12174,6 @@
   <p:transition>
     <p:fade/>
   </p:transition>
-  <p:timing>
-    <p:tnLst>
-      <p:par>
-        <p:cTn id="1" dur="indefinite" restart="never" nodeType="tmRoot"/>
-      </p:par>
-    </p:tnLst>
-  </p:timing>
 </p:sldLayout>
 </file>
 
@@ -12353,7 +12225,7 @@
           <a:p>
             <a:fld id="{5958763E-B898-436D-883D-03711491D54A}" type="datetimeFigureOut">
               <a:rPr lang="en-US" smtClean="0"/>
-              <a:t>3/17/2020</a:t>
+              <a:t>1/20/2021</a:t>
             </a:fld>
             <a:endParaRPr lang="en-US"/>
           </a:p>
@@ -12426,13 +12298,6 @@
   <p:transition>
     <p:fade/>
   </p:transition>
-  <p:timing>
-    <p:tnLst>
-      <p:par>
-        <p:cTn id="1" dur="indefinite" restart="never" nodeType="tmRoot"/>
-      </p:par>
-    </p:tnLst>
-  </p:timing>
 </p:sldLayout>
 </file>
 
@@ -12484,7 +12349,7 @@
           <a:p>
             <a:fld id="{5958763E-B898-436D-883D-03711491D54A}" type="datetimeFigureOut">
               <a:rPr lang="en-US" smtClean="0"/>
-              <a:t>3/17/2020</a:t>
+              <a:t>1/20/2021</a:t>
             </a:fld>
             <a:endParaRPr lang="en-US"/>
           </a:p>
@@ -12557,13 +12422,6 @@
   <p:transition>
     <p:fade/>
   </p:transition>
-  <p:timing>
-    <p:tnLst>
-      <p:par>
-        <p:cTn id="1" dur="indefinite" restart="never" nodeType="tmRoot"/>
-      </p:par>
-    </p:tnLst>
-  </p:timing>
 </p:sldLayout>
 </file>
 
@@ -12615,7 +12473,7 @@
           <a:p>
             <a:fld id="{5958763E-B898-436D-883D-03711491D54A}" type="datetimeFigureOut">
               <a:rPr lang="en-US" smtClean="0"/>
-              <a:t>3/17/2020</a:t>
+              <a:t>1/20/2021</a:t>
             </a:fld>
             <a:endParaRPr lang="en-US"/>
           </a:p>
@@ -12688,13 +12546,6 @@
   <p:transition>
     <p:fade/>
   </p:transition>
-  <p:timing>
-    <p:tnLst>
-      <p:par>
-        <p:cTn id="1" dur="indefinite" restart="never" nodeType="tmRoot"/>
-      </p:par>
-    </p:tnLst>
-  </p:timing>
 </p:sldLayout>
 </file>
 
@@ -12746,7 +12597,7 @@
           <a:p>
             <a:fld id="{5958763E-B898-436D-883D-03711491D54A}" type="datetimeFigureOut">
               <a:rPr lang="en-US" smtClean="0"/>
-              <a:t>3/17/2020</a:t>
+              <a:t>1/20/2021</a:t>
             </a:fld>
             <a:endParaRPr lang="en-US"/>
           </a:p>
@@ -12819,13 +12670,6 @@
   <p:transition>
     <p:fade/>
   </p:transition>
-  <p:timing>
-    <p:tnLst>
-      <p:par>
-        <p:cTn id="1" dur="indefinite" restart="never" nodeType="tmRoot"/>
-      </p:par>
-    </p:tnLst>
-  </p:timing>
 </p:sldLayout>
 </file>
 
@@ -12877,7 +12721,7 @@
           <a:p>
             <a:fld id="{5958763E-B898-436D-883D-03711491D54A}" type="datetimeFigureOut">
               <a:rPr lang="en-US" smtClean="0"/>
-              <a:t>3/17/2020</a:t>
+              <a:t>1/20/2021</a:t>
             </a:fld>
             <a:endParaRPr lang="en-US"/>
           </a:p>
@@ -12950,13 +12794,6 @@
   <p:transition>
     <p:fade/>
   </p:transition>
-  <p:timing>
-    <p:tnLst>
-      <p:par>
-        <p:cTn id="1" dur="indefinite" restart="never" nodeType="tmRoot"/>
-      </p:par>
-    </p:tnLst>
-  </p:timing>
 </p:sldLayout>
 </file>
 
@@ -13017,7 +12854,7 @@
           <a:p>
             <a:fld id="{5958763E-B898-436D-883D-03711491D54A}" type="datetimeFigureOut">
               <a:rPr lang="en-US" smtClean="0"/>
-              <a:t>3/17/2020</a:t>
+              <a:t>1/20/2021</a:t>
             </a:fld>
             <a:endParaRPr lang="en-US"/>
           </a:p>
@@ -13090,13 +12927,6 @@
   <p:transition>
     <p:fade/>
   </p:transition>
-  <p:timing>
-    <p:tnLst>
-      <p:par>
-        <p:cTn id="1" dur="indefinite" restart="never" nodeType="tmRoot"/>
-      </p:par>
-    </p:tnLst>
-  </p:timing>
 </p:sldLayout>
 </file>
 
@@ -16098,13 +15928,6 @@
   <p:transition>
     <p:fade/>
   </p:transition>
-  <p:timing>
-    <p:tnLst>
-      <p:par>
-        <p:cTn id="1" dur="indefinite" restart="never" nodeType="tmRoot"/>
-      </p:par>
-    </p:tnLst>
-  </p:timing>
 </p:sldLayout>
 </file>
 
@@ -16192,7 +16015,7 @@
                 <a:spcPct val="0"/>
               </a:spcAft>
             </a:pPr>
-            <a:endParaRPr lang="en-US" sz="2400" dirty="0" err="1" smtClean="0">
+            <a:endParaRPr lang="en-US" sz="2400" dirty="0" err="1">
               <a:gradFill>
                 <a:gsLst>
                   <a:gs pos="0">
@@ -16328,15 +16151,7 @@
           <a:p>
             <a:r>
               <a:rPr lang="en-US" dirty="0"/>
-              <a:t>Click to edit Master </a:t>
-            </a:r>
-            <a:r>
-              <a:rPr lang="en-US" dirty="0" smtClean="0"/>
-              <a:t>subtitle </a:t>
-            </a:r>
-            <a:r>
-              <a:rPr lang="en-US" dirty="0"/>
-              <a:t>style</a:t>
+              <a:t>Click to edit Master subtitle style</a:t>
             </a:r>
           </a:p>
         </p:txBody>
@@ -16378,7 +16193,7 @@
             <a:fld id="{1C2D31DE-C454-491C-B5C3-F097855E3DF7}" type="datetime4">
               <a:rPr lang="en-US" smtClean="0"/>
               <a:pPr/>
-              <a:t>March 17, 2020</a:t>
+              <a:t>January 20, 2021</a:t>
             </a:fld>
             <a:endParaRPr lang="en-US" dirty="0"/>
           </a:p>
@@ -19460,17 +19275,16 @@
           <a:p>
             <a:pPr lvl="0"/>
             <a:r>
-              <a:rPr lang="en-US" dirty="0" smtClean="0"/>
+              <a:rPr lang="en-US" dirty="0"/>
               <a:t>Presenter Name</a:t>
             </a:r>
             <a:br>
-              <a:rPr lang="en-US" dirty="0" smtClean="0"/>
+              <a:rPr lang="en-US" dirty="0"/>
             </a:br>
             <a:r>
-              <a:rPr lang="en-US" dirty="0" smtClean="0"/>
+              <a:rPr lang="en-US" dirty="0"/>
               <a:t>Presenter Title</a:t>
             </a:r>
-            <a:endParaRPr lang="en-US" dirty="0"/>
           </a:p>
         </p:txBody>
       </p:sp>
@@ -19487,13 +19301,6 @@
   <p:transition>
     <p:fade/>
   </p:transition>
-  <p:timing>
-    <p:tnLst>
-      <p:par>
-        <p:cTn id="1" dur="indefinite" restart="never" nodeType="tmRoot"/>
-      </p:par>
-    </p:tnLst>
-  </p:timing>
   <p:hf sldNum="0" hdr="0" ftr="0"/>
 </p:sldLayout>
 </file>
@@ -27003,10 +26810,9 @@
           <a:p>
             <a:pPr lvl="0"/>
             <a:r>
-              <a:rPr lang="en-US" dirty="0" smtClean="0"/>
+              <a:rPr lang="en-US" dirty="0"/>
               <a:t>&lt;Call to action&gt;</a:t>
             </a:r>
-            <a:endParaRPr lang="en-US" dirty="0"/>
           </a:p>
         </p:txBody>
       </p:sp>
@@ -28623,7 +28429,7 @@
           <a:p>
             <a:fld id="{5958763E-B898-436D-883D-03711491D54A}" type="datetimeFigureOut">
               <a:rPr lang="en-US" smtClean="0"/>
-              <a:t>3/17/2020</a:t>
+              <a:t>1/20/2021</a:t>
             </a:fld>
             <a:endParaRPr lang="en-US"/>
           </a:p>
@@ -28750,7 +28556,7 @@
                 <a:spcPct val="0"/>
               </a:spcAft>
             </a:pPr>
-            <a:endParaRPr lang="en-US" sz="2400" dirty="0" err="1" smtClean="0">
+            <a:endParaRPr lang="en-US" sz="2400" dirty="0" err="1">
               <a:gradFill>
                 <a:gsLst>
                   <a:gs pos="0">
@@ -28781,13 +28587,6 @@
   <p:transition>
     <p:fade/>
   </p:transition>
-  <p:timing>
-    <p:tnLst>
-      <p:par>
-        <p:cTn id="1" dur="indefinite" restart="never" nodeType="tmRoot"/>
-      </p:par>
-    </p:tnLst>
-  </p:timing>
 </p:sldLayout>
 </file>
 
@@ -29032,7 +28831,7 @@
           <a:p>
             <a:fld id="{5958763E-B898-436D-883D-03711491D54A}" type="datetimeFigureOut">
               <a:rPr lang="en-US" smtClean="0"/>
-              <a:t>3/17/2020</a:t>
+              <a:t>1/20/2021</a:t>
             </a:fld>
             <a:endParaRPr lang="en-US"/>
           </a:p>
@@ -29105,13 +28904,6 @@
   <p:transition>
     <p:fade/>
   </p:transition>
-  <p:timing>
-    <p:tnLst>
-      <p:par>
-        <p:cTn id="1" dur="indefinite" restart="never" nodeType="tmRoot"/>
-      </p:par>
-    </p:tnLst>
-  </p:timing>
 </p:sldLayout>
 </file>
 
@@ -29333,7 +29125,7 @@
           <a:p>
             <a:fld id="{5958763E-B898-436D-883D-03711491D54A}" type="datetimeFigureOut">
               <a:rPr lang="en-US" smtClean="0"/>
-              <a:t>3/17/2020</a:t>
+              <a:t>1/20/2021</a:t>
             </a:fld>
             <a:endParaRPr lang="en-US"/>
           </a:p>
@@ -29406,13 +29198,6 @@
   <p:transition>
     <p:fade/>
   </p:transition>
-  <p:timing>
-    <p:tnLst>
-      <p:par>
-        <p:cTn id="1" dur="indefinite" restart="never" nodeType="tmRoot"/>
-      </p:par>
-    </p:tnLst>
-  </p:timing>
 </p:sldLayout>
 </file>
 
@@ -29541,7 +29326,7 @@
           <a:p>
             <a:fld id="{5958763E-B898-436D-883D-03711491D54A}" type="datetimeFigureOut">
               <a:rPr lang="en-US" smtClean="0"/>
-              <a:t>3/17/2020</a:t>
+              <a:t>1/20/2021</a:t>
             </a:fld>
             <a:endParaRPr lang="en-US"/>
           </a:p>
@@ -29664,13 +29449,6 @@
   <p:transition>
     <p:fade/>
   </p:transition>
-  <p:timing>
-    <p:tnLst>
-      <p:par>
-        <p:cTn id="1" dur="indefinite" restart="never" nodeType="tmRoot"/>
-      </p:par>
-    </p:tnLst>
-  </p:timing>
 </p:sldLayout>
 </file>
 
@@ -29809,7 +29587,7 @@
           <a:p>
             <a:fld id="{5958763E-B898-436D-883D-03711491D54A}" type="datetimeFigureOut">
               <a:rPr lang="en-US" smtClean="0"/>
-              <a:t>3/17/2020</a:t>
+              <a:t>1/20/2021</a:t>
             </a:fld>
             <a:endParaRPr lang="en-US"/>
           </a:p>
@@ -29936,13 +29714,6 @@
   <p:transition>
     <p:fade/>
   </p:transition>
-  <p:timing>
-    <p:tnLst>
-      <p:par>
-        <p:cTn id="1" dur="indefinite" restart="never" nodeType="tmRoot"/>
-      </p:par>
-    </p:tnLst>
-  </p:timing>
 </p:sldLayout>
 </file>
 
@@ -30104,7 +29875,7 @@
                 <a:spcPct val="0"/>
               </a:spcAft>
             </a:pPr>
-            <a:endParaRPr lang="en-US" sz="2400" dirty="0" err="1" smtClean="0">
+            <a:endParaRPr lang="en-US" sz="2400" dirty="0" err="1">
               <a:gradFill>
                 <a:gsLst>
                   <a:gs pos="0">
@@ -30155,10 +29926,9 @@
           </a:lstStyle>
           <a:p>
             <a:r>
-              <a:rPr lang="en-US" dirty="0" smtClean="0"/>
+              <a:rPr lang="en-US" dirty="0"/>
               <a:t>Type “Agenda”</a:t>
             </a:r>
-            <a:endParaRPr lang="en-US" dirty="0"/>
           </a:p>
         </p:txBody>
       </p:sp>
@@ -30282,24 +30052,23 @@
           <a:p>
             <a:pPr lvl="0"/>
             <a:r>
-              <a:rPr lang="en-US" dirty="0" smtClean="0"/>
+              <a:rPr lang="en-US" dirty="0"/>
               <a:t>Item 1</a:t>
             </a:r>
           </a:p>
           <a:p>
             <a:pPr lvl="0"/>
             <a:r>
-              <a:rPr lang="en-US" dirty="0" smtClean="0"/>
+              <a:rPr lang="en-US" dirty="0"/>
               <a:t>Item 2</a:t>
             </a:r>
           </a:p>
           <a:p>
             <a:pPr lvl="0"/>
             <a:r>
-              <a:rPr lang="en-US" dirty="0" smtClean="0"/>
+              <a:rPr lang="en-US" dirty="0"/>
               <a:t>Item 3</a:t>
             </a:r>
-            <a:endParaRPr lang="en-US" dirty="0"/>
           </a:p>
         </p:txBody>
       </p:sp>
@@ -30326,7 +30095,7 @@
           <a:p>
             <a:fld id="{5958763E-B898-436D-883D-03711491D54A}" type="datetimeFigureOut">
               <a:rPr lang="en-US" smtClean="0"/>
-              <a:t>3/17/2020</a:t>
+              <a:t>1/20/2021</a:t>
             </a:fld>
             <a:endParaRPr lang="en-US"/>
           </a:p>
@@ -30433,13 +30202,6 @@
   <p:transition>
     <p:fade/>
   </p:transition>
-  <p:timing>
-    <p:tnLst>
-      <p:par>
-        <p:cTn id="1" dur="indefinite" restart="never" nodeType="tmRoot"/>
-      </p:par>
-    </p:tnLst>
-  </p:timing>
 </p:sldLayout>
 </file>
 
@@ -30601,7 +30363,7 @@
                 <a:spcPct val="0"/>
               </a:spcAft>
             </a:pPr>
-            <a:endParaRPr lang="en-US" sz="2400" dirty="0" err="1" smtClean="0">
+            <a:endParaRPr lang="en-US" sz="2400" dirty="0" err="1">
               <a:gradFill>
                 <a:gsLst>
                   <a:gs pos="0">
@@ -30654,10 +30416,9 @@
           </a:lstStyle>
           <a:p>
             <a:r>
-              <a:rPr lang="en-US" dirty="0" smtClean="0"/>
+              <a:rPr lang="en-US" dirty="0"/>
               <a:t>Notable Quote</a:t>
             </a:r>
-            <a:endParaRPr lang="en-US" dirty="0"/>
           </a:p>
         </p:txBody>
       </p:sp>
@@ -30784,10 +30545,9 @@
           <a:p>
             <a:pPr lvl="0"/>
             <a:r>
-              <a:rPr lang="en-US" dirty="0" smtClean="0"/>
+              <a:rPr lang="en-US" dirty="0"/>
               <a:t>– Attribution</a:t>
             </a:r>
-            <a:endParaRPr lang="en-US" dirty="0"/>
           </a:p>
         </p:txBody>
       </p:sp>
@@ -30814,7 +30574,7 @@
           <a:p>
             <a:fld id="{5958763E-B898-436D-883D-03711491D54A}" type="datetimeFigureOut">
               <a:rPr lang="en-US" smtClean="0"/>
-              <a:t>3/17/2020</a:t>
+              <a:t>1/20/2021</a:t>
             </a:fld>
             <a:endParaRPr lang="en-US"/>
           </a:p>
@@ -31562,13 +31322,6 @@
   <p:transition>
     <p:fade/>
   </p:transition>
-  <p:timing>
-    <p:tnLst>
-      <p:par>
-        <p:cTn id="1" dur="indefinite" restart="never" nodeType="tmRoot"/>
-      </p:par>
-    </p:tnLst>
-  </p:timing>
 </p:sldLayout>
 </file>
 
@@ -31640,7 +31393,7 @@
           <a:p>
             <a:fld id="{5958763E-B898-436D-883D-03711491D54A}" type="datetimeFigureOut">
               <a:rPr lang="en-US" smtClean="0"/>
-              <a:t>3/17/2020</a:t>
+              <a:t>1/20/2021</a:t>
             </a:fld>
             <a:endParaRPr lang="en-US"/>
           </a:p>
@@ -31713,13 +31466,6 @@
   <p:transition>
     <p:fade/>
   </p:transition>
-  <p:timing>
-    <p:tnLst>
-      <p:par>
-        <p:cTn id="1" dur="indefinite" restart="never" nodeType="tmRoot"/>
-      </p:par>
-    </p:tnLst>
-  </p:timing>
 </p:sldLayout>
 </file>
 
@@ -31848,7 +31594,7 @@
           <a:p>
             <a:fld id="{5958763E-B898-436D-883D-03711491D54A}" type="datetimeFigureOut">
               <a:rPr lang="en-US" smtClean="0"/>
-              <a:t>3/17/2020</a:t>
+              <a:t>1/20/2021</a:t>
             </a:fld>
             <a:endParaRPr lang="en-US"/>
           </a:p>
@@ -31971,13 +31717,6 @@
   <p:transition>
     <p:fade/>
   </p:transition>
-  <p:timing>
-    <p:tnLst>
-      <p:par>
-        <p:cTn id="1" dur="indefinite" restart="never" nodeType="tmRoot"/>
-      </p:par>
-    </p:tnLst>
-  </p:timing>
 </p:sldLayout>
 </file>
 
@@ -32190,7 +31929,7 @@
           <a:p>
             <a:fld id="{5958763E-B898-436D-883D-03711491D54A}" type="datetimeFigureOut">
               <a:rPr lang="en-US" smtClean="0"/>
-              <a:t>3/17/2020</a:t>
+              <a:t>1/20/2021</a:t>
             </a:fld>
             <a:endParaRPr lang="en-US"/>
           </a:p>
@@ -32263,13 +32002,6 @@
   <p:transition>
     <p:fade/>
   </p:transition>
-  <p:timing>
-    <p:tnLst>
-      <p:par>
-        <p:cTn id="1" dur="indefinite" restart="never" nodeType="tmRoot"/>
-      </p:par>
-    </p:tnLst>
-  </p:timing>
 </p:sldLayout>
 </file>
 
@@ -32427,7 +32159,7 @@
           <a:p>
             <a:fld id="{5958763E-B898-436D-883D-03711491D54A}" type="datetimeFigureOut">
               <a:rPr lang="en-US" smtClean="0"/>
-              <a:t>3/17/2020</a:t>
+              <a:t>1/20/2021</a:t>
             </a:fld>
             <a:endParaRPr lang="en-US"/>
           </a:p>
@@ -32500,13 +32232,6 @@
   <p:transition>
     <p:fade/>
   </p:transition>
-  <p:timing>
-    <p:tnLst>
-      <p:par>
-        <p:cTn id="1" dur="indefinite" restart="never" nodeType="tmRoot"/>
-      </p:par>
-    </p:tnLst>
-  </p:timing>
 </p:sldLayout>
 </file>
 
@@ -32678,7 +32403,7 @@
           <a:p>
             <a:fld id="{5958763E-B898-436D-883D-03711491D54A}" type="datetimeFigureOut">
               <a:rPr lang="en-US" smtClean="0"/>
-              <a:t>3/17/2020</a:t>
+              <a:t>1/20/2021</a:t>
             </a:fld>
             <a:endParaRPr lang="en-US"/>
           </a:p>
@@ -32824,13 +32549,6 @@
   <p:transition>
     <p:fade/>
   </p:transition>
-  <p:timing>
-    <p:tnLst>
-      <p:par>
-        <p:cTn id="1" dur="indefinite" restart="never" nodeType="tmRoot"/>
-      </p:par>
-    </p:tnLst>
-  </p:timing>
   <p:txStyles>
     <p:titleStyle>
       <a:lvl1pPr algn="l" defTabSz="914400" rtl="0" eaLnBrk="1" latinLnBrk="0" hangingPunct="1">
@@ -33135,7 +32853,7 @@
       </a:lvl9pPr>
     </p:otherStyle>
   </p:txStyles>
-  <p:extLst mod="1">
+  <p:extLst>
     <p:ext uri="{27BBF7A9-308A-43DC-89C8-2F10F3537804}">
       <p15:sldGuideLst xmlns:p15="http://schemas.microsoft.com/office/powerpoint/2012/main">
         <p15:guide id="1" orient="horz" pos="2160" userDrawn="1">
@@ -33214,10 +32932,9 @@
           <a:lstStyle/>
           <a:p>
             <a:r>
-              <a:rPr lang="en-US" sz="6600" dirty="0" smtClean="0"/>
+              <a:rPr lang="en-US" sz="6600" dirty="0"/>
               <a:t>EJS Templates</a:t>
             </a:r>
-            <a:endParaRPr lang="en-US" sz="6600" dirty="0"/>
           </a:p>
         </p:txBody>
       </p:sp>
@@ -33242,10 +32959,9 @@
           <a:lstStyle/>
           <a:p>
             <a:r>
-              <a:rPr lang="en-US" dirty="0" smtClean="0"/>
+              <a:rPr lang="en-US" dirty="0"/>
               <a:t>Hy-Tech Club: Web 201</a:t>
             </a:r>
-            <a:endParaRPr lang="en-US" dirty="0"/>
           </a:p>
         </p:txBody>
       </p:sp>
@@ -36230,13 +35946,67 @@
   <p:transition>
     <p:fade/>
   </p:transition>
-  <p:timing>
-    <p:tnLst>
-      <p:par>
-        <p:cTn id="1" dur="indefinite" restart="never" nodeType="tmRoot"/>
-      </p:par>
-    </p:tnLst>
-  </p:timing>
+</p:sld>
+</file>
+
+<file path=ppt/slides/slide10.xml><?xml version="1.0" encoding="utf-8"?>
+<p:sld xmlns:a="http://schemas.openxmlformats.org/drawingml/2006/main" xmlns:r="http://schemas.openxmlformats.org/officeDocument/2006/relationships" xmlns:p="http://schemas.openxmlformats.org/presentationml/2006/main">
+  <p:cSld>
+    <p:spTree>
+      <p:nvGrpSpPr>
+        <p:cNvPr id="1" name=""/>
+        <p:cNvGrpSpPr/>
+        <p:nvPr/>
+      </p:nvGrpSpPr>
+      <p:grpSpPr>
+        <a:xfrm>
+          <a:off x="0" y="0"/>
+          <a:ext cx="0" cy="0"/>
+          <a:chOff x="0" y="0"/>
+          <a:chExt cx="0" cy="0"/>
+        </a:xfrm>
+      </p:grpSpPr>
+      <p:sp>
+        <p:nvSpPr>
+          <p:cNvPr id="2" name="Text Placeholder 1">
+            <a:extLst>
+              <a:ext uri="{FF2B5EF4-FFF2-40B4-BE49-F238E27FC236}">
+                <a16:creationId xmlns:a16="http://schemas.microsoft.com/office/drawing/2014/main" id="{341F08C9-7DB9-497F-AE15-E8F3001155DE}"/>
+              </a:ext>
+            </a:extLst>
+          </p:cNvPr>
+          <p:cNvSpPr>
+            <a:spLocks noGrp="1"/>
+          </p:cNvSpPr>
+          <p:nvPr>
+            <p:ph type="body" sz="quarter" idx="10"/>
+          </p:nvPr>
+        </p:nvSpPr>
+        <p:spPr/>
+        <p:txBody>
+          <a:bodyPr/>
+          <a:lstStyle/>
+          <a:p>
+            <a:r>
+              <a:rPr lang="en-US"/>
+              <a:t>Questions?</a:t>
+            </a:r>
+          </a:p>
+        </p:txBody>
+      </p:sp>
+    </p:spTree>
+    <p:extLst>
+      <p:ext uri="{BB962C8B-B14F-4D97-AF65-F5344CB8AC3E}">
+        <p14:creationId xmlns:p14="http://schemas.microsoft.com/office/powerpoint/2010/main" val="4278330550"/>
+      </p:ext>
+    </p:extLst>
+  </p:cSld>
+  <p:clrMapOvr>
+    <a:masterClrMapping/>
+  </p:clrMapOvr>
+  <p:transition>
+    <p:fade/>
+  </p:transition>
 </p:sld>
 </file>
 
@@ -36283,18 +36053,13 @@
           <a:lstStyle/>
           <a:p>
             <a:r>
-              <a:rPr lang="en-US" dirty="0" smtClean="0">
+              <a:rPr lang="en-US" dirty="0">
                 <a:solidFill>
                   <a:schemeClr val="bg1"/>
                 </a:solidFill>
               </a:rPr>
               <a:t>Why Templates?</a:t>
             </a:r>
-            <a:endParaRPr lang="en-US" dirty="0">
-              <a:solidFill>
-                <a:schemeClr val="bg1"/>
-              </a:solidFill>
-            </a:endParaRPr>
           </a:p>
         </p:txBody>
       </p:sp>
@@ -36313,7 +36078,7 @@
           <a:bodyPr/>
           <a:lstStyle/>
           <a:p>
-            <a:endParaRPr lang="en-US" dirty="0" smtClean="0">
+            <a:endParaRPr lang="en-US" dirty="0">
               <a:solidFill>
                 <a:schemeClr val="bg1"/>
               </a:solidFill>
@@ -36321,7 +36086,7 @@
           </a:p>
           <a:p>
             <a:r>
-              <a:rPr lang="en-US" dirty="0" smtClean="0">
+              <a:rPr lang="en-US" dirty="0">
                 <a:solidFill>
                   <a:schemeClr val="bg1"/>
                 </a:solidFill>
@@ -36329,7 +36094,7 @@
               <a:t>Static HTML files are too </a:t>
             </a:r>
             <a:r>
-              <a:rPr lang="en-US" i="1" dirty="0" smtClean="0">
+              <a:rPr lang="en-US" i="1" dirty="0">
                 <a:solidFill>
                   <a:schemeClr val="bg1"/>
                 </a:solidFill>
@@ -36338,7 +36103,7 @@
             </a:r>
           </a:p>
           <a:p>
-            <a:endParaRPr lang="en-US" dirty="0" smtClean="0">
+            <a:endParaRPr lang="en-US" dirty="0">
               <a:solidFill>
                 <a:schemeClr val="bg1"/>
               </a:solidFill>
@@ -36346,7 +36111,7 @@
           </a:p>
           <a:p>
             <a:r>
-              <a:rPr lang="en-US" dirty="0" smtClean="0">
+              <a:rPr lang="en-US" dirty="0">
                 <a:solidFill>
                   <a:schemeClr val="bg1"/>
                 </a:solidFill>
@@ -36354,7 +36119,7 @@
               <a:t>Most webpages are </a:t>
             </a:r>
             <a:r>
-              <a:rPr lang="en-US" i="1" dirty="0" smtClean="0">
+              <a:rPr lang="en-US" i="1" dirty="0">
                 <a:solidFill>
                   <a:schemeClr val="bg1"/>
                 </a:solidFill>
@@ -36362,7 +36127,7 @@
               <a:t>dynamic</a:t>
             </a:r>
             <a:r>
-              <a:rPr lang="en-US" dirty="0" smtClean="0">
+              <a:rPr lang="en-US" dirty="0">
                 <a:solidFill>
                   <a:schemeClr val="bg1"/>
                 </a:solidFill>
@@ -36371,7 +36136,7 @@
             </a:r>
           </a:p>
           <a:p>
-            <a:endParaRPr lang="en-US" dirty="0" smtClean="0">
+            <a:endParaRPr lang="en-US" dirty="0">
               <a:solidFill>
                 <a:schemeClr val="bg1"/>
               </a:solidFill>
@@ -36379,7 +36144,7 @@
           </a:p>
           <a:p>
             <a:r>
-              <a:rPr lang="en-US" b="1" dirty="0" smtClean="0">
+              <a:rPr lang="en-US" b="1" dirty="0">
                 <a:solidFill>
                   <a:schemeClr val="bg1"/>
                 </a:solidFill>
@@ -36387,7 +36152,7 @@
               <a:t>Templates</a:t>
             </a:r>
             <a:r>
-              <a:rPr lang="en-US" dirty="0" smtClean="0">
+              <a:rPr lang="en-US" dirty="0">
                 <a:solidFill>
                   <a:schemeClr val="bg1"/>
                 </a:solidFill>
@@ -36395,7 +36160,7 @@
               <a:t> allow developers to create </a:t>
             </a:r>
             <a:r>
-              <a:rPr lang="en-US" i="1" dirty="0" smtClean="0">
+              <a:rPr lang="en-US" i="1" dirty="0">
                 <a:solidFill>
                   <a:schemeClr val="bg1"/>
                 </a:solidFill>
@@ -36403,7 +36168,7 @@
               <a:t>structure</a:t>
             </a:r>
             <a:r>
-              <a:rPr lang="en-US" dirty="0" smtClean="0">
+              <a:rPr lang="en-US" dirty="0">
                 <a:solidFill>
                   <a:schemeClr val="bg1"/>
                 </a:solidFill>
@@ -36411,7 +36176,7 @@
               <a:t>, </a:t>
             </a:r>
             <a:r>
-              <a:rPr lang="en-US" i="1" dirty="0" smtClean="0">
+              <a:rPr lang="en-US" i="1" dirty="0">
                 <a:solidFill>
                   <a:schemeClr val="bg1"/>
                 </a:solidFill>
@@ -36419,7 +36184,7 @@
               <a:t>layout</a:t>
             </a:r>
             <a:r>
-              <a:rPr lang="en-US" dirty="0" smtClean="0">
+              <a:rPr lang="en-US" dirty="0">
                 <a:solidFill>
                   <a:schemeClr val="bg1"/>
                 </a:solidFill>
@@ -36427,7 +36192,7 @@
               <a:t> and </a:t>
             </a:r>
             <a:r>
-              <a:rPr lang="en-US" i="1" dirty="0" smtClean="0">
+              <a:rPr lang="en-US" i="1" dirty="0">
                 <a:solidFill>
                   <a:schemeClr val="bg1"/>
                 </a:solidFill>
@@ -36435,18 +36200,13 @@
               <a:t>style</a:t>
             </a:r>
             <a:r>
-              <a:rPr lang="en-US" dirty="0" smtClean="0">
+              <a:rPr lang="en-US" dirty="0">
                 <a:solidFill>
                   <a:schemeClr val="bg1"/>
                 </a:solidFill>
               </a:rPr>
               <a:t> for pages without using specific data – the data is dynamic</a:t>
             </a:r>
-            <a:endParaRPr lang="en-US" dirty="0">
-              <a:solidFill>
-                <a:schemeClr val="bg1"/>
-              </a:solidFill>
-            </a:endParaRPr>
           </a:p>
         </p:txBody>
       </p:sp>
@@ -36877,10 +36637,9 @@
           <a:lstStyle/>
           <a:p>
             <a:r>
-              <a:rPr lang="en-US" dirty="0" smtClean="0"/>
+              <a:rPr lang="en-US" dirty="0"/>
               <a:t>EJS introduction</a:t>
             </a:r>
-            <a:endParaRPr lang="en-US" dirty="0"/>
           </a:p>
         </p:txBody>
       </p:sp>
@@ -36899,76 +36658,75 @@
           <a:bodyPr/>
           <a:lstStyle/>
           <a:p>
-            <a:endParaRPr lang="en-US" b="1" dirty="0" smtClean="0"/>
+            <a:endParaRPr lang="en-US" b="1" dirty="0"/>
           </a:p>
           <a:p>
             <a:r>
-              <a:rPr lang="en-US" b="1" dirty="0" smtClean="0"/>
+              <a:rPr lang="en-US" b="1" dirty="0"/>
               <a:t>E</a:t>
             </a:r>
             <a:r>
-              <a:rPr lang="en-US" dirty="0" smtClean="0"/>
+              <a:rPr lang="en-US" dirty="0"/>
               <a:t>mbedded </a:t>
             </a:r>
             <a:r>
-              <a:rPr lang="en-US" b="1" dirty="0" smtClean="0"/>
+              <a:rPr lang="en-US" b="1" dirty="0"/>
               <a:t>J</a:t>
             </a:r>
             <a:r>
-              <a:rPr lang="en-US" dirty="0" smtClean="0"/>
+              <a:rPr lang="en-US" dirty="0"/>
               <a:t>ava</a:t>
             </a:r>
             <a:r>
-              <a:rPr lang="en-US" b="1" dirty="0" smtClean="0"/>
+              <a:rPr lang="en-US" b="1" dirty="0"/>
               <a:t>S</a:t>
             </a:r>
             <a:r>
-              <a:rPr lang="en-US" dirty="0" smtClean="0"/>
+              <a:rPr lang="en-US" dirty="0"/>
               <a:t>cript lets developers write JavaScript code directly in HTML templates</a:t>
             </a:r>
           </a:p>
           <a:p>
-            <a:endParaRPr lang="en-US" dirty="0" smtClean="0"/>
+            <a:endParaRPr lang="en-US" dirty="0"/>
           </a:p>
           <a:p>
             <a:r>
-              <a:rPr lang="en-US" dirty="0" smtClean="0"/>
+              <a:rPr lang="en-US" dirty="0"/>
               <a:t>The server renders these templates by </a:t>
             </a:r>
             <a:r>
-              <a:rPr lang="en-US" b="1" dirty="0" smtClean="0"/>
+              <a:rPr lang="en-US" b="1" dirty="0"/>
               <a:t>passing in data</a:t>
             </a:r>
             <a:r>
-              <a:rPr lang="en-US" dirty="0" smtClean="0"/>
+              <a:rPr lang="en-US" dirty="0"/>
               <a:t> in JSON form</a:t>
             </a:r>
           </a:p>
           <a:p>
-            <a:endParaRPr lang="en-US" dirty="0" smtClean="0"/>
+            <a:endParaRPr lang="en-US" dirty="0"/>
           </a:p>
           <a:p>
             <a:r>
-              <a:rPr lang="en-US" dirty="0" smtClean="0"/>
+              <a:rPr lang="en-US" dirty="0"/>
               <a:t>The templates have </a:t>
             </a:r>
             <a:r>
-              <a:rPr lang="en-US" b="1" dirty="0" smtClean="0"/>
+              <a:rPr lang="en-US" b="1" dirty="0"/>
               <a:t>placeholders</a:t>
             </a:r>
             <a:r>
-              <a:rPr lang="en-US" dirty="0" smtClean="0"/>
+              <a:rPr lang="en-US" dirty="0"/>
               <a:t> and </a:t>
             </a:r>
             <a:r>
-              <a:rPr lang="en-US" b="1" dirty="0" smtClean="0"/>
+              <a:rPr lang="en-US" b="1" dirty="0"/>
               <a:t>logic</a:t>
             </a:r>
             <a:r>
-              <a:rPr lang="en-US" dirty="0" smtClean="0"/>
+              <a:rPr lang="en-US" dirty="0"/>
               <a:t> to change the page based on the data</a:t>
             </a:r>
-            <a:endParaRPr lang="en-US" dirty="0"/>
           </a:p>
         </p:txBody>
       </p:sp>
@@ -37399,10 +37157,9 @@
           <a:lstStyle/>
           <a:p>
             <a:r>
-              <a:rPr lang="en-US" dirty="0" smtClean="0"/>
+              <a:rPr lang="en-US" dirty="0"/>
               <a:t>EJS Setup</a:t>
             </a:r>
-            <a:endParaRPr lang="en-US" dirty="0"/>
           </a:p>
         </p:txBody>
       </p:sp>
@@ -37430,14 +37187,14 @@
           <a:p>
             <a:pPr lvl="0"/>
             <a:r>
-              <a:rPr lang="en-US" sz="3200" dirty="0" smtClean="0">
+              <a:rPr lang="en-US" sz="3200" dirty="0">
                 <a:solidFill>
                   <a:srgbClr val="6ABF4B"/>
                 </a:solidFill>
               </a:rPr>
               <a:t>command line</a:t>
             </a:r>
-            <a:endParaRPr lang="en-US" sz="4800" dirty="0" smtClean="0">
+            <a:endParaRPr lang="en-US" sz="4800" dirty="0">
               <a:solidFill>
                 <a:schemeClr val="accent1">
                   <a:lumMod val="50000"/>
@@ -37456,7 +37213,7 @@
               </a:spcAft>
             </a:pPr>
             <a:r>
-              <a:rPr lang="en-US" sz="4800" dirty="0" smtClean="0">
+              <a:rPr lang="en-US" sz="4800" dirty="0">
                 <a:solidFill>
                   <a:schemeClr val="accent1">
                     <a:lumMod val="50000"/>
@@ -37467,7 +37224,7 @@
               <a:t>$</a:t>
             </a:r>
             <a:r>
-              <a:rPr lang="en-US" sz="4800" dirty="0" smtClean="0">
+              <a:rPr lang="en-US" sz="4800" dirty="0">
                 <a:solidFill>
                   <a:srgbClr val="020202"/>
                 </a:solidFill>
@@ -37476,7 +37233,7 @@
               <a:t> </a:t>
             </a:r>
             <a:r>
-              <a:rPr lang="en-US" sz="4800" dirty="0" err="1" smtClean="0">
+              <a:rPr lang="en-US" sz="4800" dirty="0" err="1">
                 <a:solidFill>
                   <a:schemeClr val="bg2">
                     <a:lumMod val="25000"/>
@@ -37487,7 +37244,7 @@
               <a:t>npm</a:t>
             </a:r>
             <a:r>
-              <a:rPr lang="en-US" sz="4800" dirty="0" smtClean="0">
+              <a:rPr lang="en-US" sz="4800" dirty="0">
                 <a:solidFill>
                   <a:schemeClr val="bg2">
                     <a:lumMod val="25000"/>
@@ -37498,7 +37255,7 @@
               <a:t> install </a:t>
             </a:r>
             <a:r>
-              <a:rPr lang="en-US" sz="4800" dirty="0" err="1" smtClean="0">
+              <a:rPr lang="en-US" sz="4800" dirty="0" err="1">
                 <a:solidFill>
                   <a:schemeClr val="bg2">
                     <a:lumMod val="25000"/>
@@ -37509,7 +37266,7 @@
               <a:t>ejs</a:t>
             </a:r>
             <a:r>
-              <a:rPr lang="en-US" sz="4800" dirty="0" smtClean="0">
+              <a:rPr lang="en-US" sz="4800" dirty="0">
                 <a:solidFill>
                   <a:schemeClr val="bg2">
                     <a:lumMod val="25000"/>
@@ -37545,7 +37302,7 @@
           <a:lstStyle/>
           <a:p>
             <a:r>
-              <a:rPr lang="en-US" sz="3200" dirty="0" smtClean="0">
+              <a:rPr lang="en-US" sz="3200" dirty="0">
                 <a:solidFill>
                   <a:schemeClr val="accent2"/>
                 </a:solidFill>
@@ -37555,7 +37312,7 @@
           </a:p>
           <a:p>
             <a:r>
-              <a:rPr lang="en-US" sz="4800" dirty="0" err="1" smtClean="0">
+              <a:rPr lang="en-US" sz="4800" dirty="0" err="1">
                 <a:solidFill>
                   <a:srgbClr val="000000"/>
                 </a:solidFill>
@@ -37609,7 +37366,7 @@
               <a:t>ejs</a:t>
             </a:r>
             <a:r>
-              <a:rPr lang="en-US" sz="4800" dirty="0" smtClean="0">
+              <a:rPr lang="en-US" sz="4800" dirty="0">
                 <a:solidFill>
                   <a:srgbClr val="A31515"/>
                 </a:solidFill>
@@ -37618,7 +37375,7 @@
               <a:t>'</a:t>
             </a:r>
             <a:r>
-              <a:rPr lang="en-US" sz="4800" dirty="0" smtClean="0">
+              <a:rPr lang="en-US" sz="4800" dirty="0">
                 <a:solidFill>
                   <a:srgbClr val="000000"/>
                 </a:solidFill>
@@ -37626,12 +37383,6 @@
               </a:rPr>
               <a:t>);</a:t>
             </a:r>
-            <a:endParaRPr lang="en-US" sz="4800" dirty="0">
-              <a:solidFill>
-                <a:srgbClr val="000000"/>
-              </a:solidFill>
-              <a:latin typeface="Consolas" panose="020B0609020204030204" pitchFamily="49" charset="0"/>
-            </a:endParaRPr>
           </a:p>
         </p:txBody>
       </p:sp>
@@ -37648,13 +37399,6 @@
   <p:transition>
     <p:fade/>
   </p:transition>
-  <p:timing>
-    <p:tnLst>
-      <p:par>
-        <p:cTn id="1" dur="indefinite" restart="never" nodeType="tmRoot"/>
-      </p:par>
-    </p:tnLst>
-  </p:timing>
 </p:sld>
 </file>
 
@@ -37691,10 +37435,9 @@
           <a:lstStyle/>
           <a:p>
             <a:r>
-              <a:rPr lang="en-US" dirty="0" smtClean="0"/>
+              <a:rPr lang="en-US" dirty="0"/>
               <a:t>Server-Side Rendering – app.js</a:t>
             </a:r>
-            <a:endParaRPr lang="en-US" dirty="0"/>
           </a:p>
         </p:txBody>
       </p:sp>
@@ -37721,7 +37464,7 @@
           <a:lstStyle/>
           <a:p>
             <a:r>
-              <a:rPr lang="en-US" sz="3200" b="1" dirty="0" err="1" smtClean="0">
+              <a:rPr lang="en-US" sz="3200" b="1" dirty="0" err="1">
                 <a:solidFill>
                   <a:schemeClr val="accent2"/>
                 </a:solidFill>
@@ -37729,13 +37472,13 @@
               <a:t>page.ejs</a:t>
             </a:r>
             <a:r>
-              <a:rPr lang="en-US" sz="3200" dirty="0" smtClean="0"/>
+              <a:rPr lang="en-US" sz="3200" dirty="0"/>
               <a:t> is an HTML template file</a:t>
             </a:r>
           </a:p>
           <a:p>
             <a:r>
-              <a:rPr lang="en-US" sz="3200" b="1" dirty="0" err="1" smtClean="0">
+              <a:rPr lang="en-US" sz="3200" b="1" dirty="0" err="1">
                 <a:solidFill>
                   <a:schemeClr val="accent1"/>
                 </a:solidFill>
@@ -37744,13 +37487,13 @@
               <a:t>jsonObject</a:t>
             </a:r>
             <a:r>
-              <a:rPr lang="en-US" sz="3200" dirty="0" smtClean="0"/>
+              <a:rPr lang="en-US" sz="3200" dirty="0"/>
               <a:t> contains any JSON data</a:t>
             </a:r>
           </a:p>
           <a:p>
             <a:r>
-              <a:rPr lang="en-US" sz="3200" b="1" dirty="0" smtClean="0">
+              <a:rPr lang="en-US" sz="3200" b="1" dirty="0">
                 <a:solidFill>
                   <a:schemeClr val="accent1"/>
                 </a:solidFill>
@@ -37759,11 +37502,11 @@
               <a:t>data</a:t>
             </a:r>
             <a:r>
-              <a:rPr lang="en-US" sz="3200" dirty="0" smtClean="0"/>
+              <a:rPr lang="en-US" sz="3200" dirty="0"/>
               <a:t> will be usable within the </a:t>
             </a:r>
             <a:r>
-              <a:rPr lang="en-US" sz="3200" dirty="0" err="1" smtClean="0">
+              <a:rPr lang="en-US" sz="3200" dirty="0" err="1">
                 <a:solidFill>
                   <a:schemeClr val="accent2"/>
                 </a:solidFill>
@@ -37771,7 +37514,7 @@
               <a:t>page.ejs</a:t>
             </a:r>
             <a:r>
-              <a:rPr lang="en-US" sz="3200" dirty="0" smtClean="0"/>
+              <a:rPr lang="en-US" sz="3200" dirty="0"/>
               <a:t> template</a:t>
             </a:r>
           </a:p>
@@ -37830,7 +37573,7 @@
           <a:lstStyle/>
           <a:p>
             <a:r>
-              <a:rPr lang="en-US" sz="4000" dirty="0" err="1" smtClean="0">
+              <a:rPr lang="en-US" sz="4000" dirty="0" err="1">
                 <a:solidFill>
                   <a:srgbClr val="9CDCFE"/>
                 </a:solidFill>
@@ -37839,7 +37582,7 @@
               <a:t>response</a:t>
             </a:r>
             <a:r>
-              <a:rPr lang="en-US" sz="4000" dirty="0" err="1" smtClean="0">
+              <a:rPr lang="en-US" sz="4000" dirty="0" err="1">
                 <a:solidFill>
                   <a:srgbClr val="D4D4D4"/>
                 </a:solidFill>
@@ -37848,7 +37591,7 @@
               <a:t>.</a:t>
             </a:r>
             <a:r>
-              <a:rPr lang="en-US" sz="4000" dirty="0" err="1" smtClean="0">
+              <a:rPr lang="en-US" sz="4000" dirty="0" err="1">
                 <a:solidFill>
                   <a:srgbClr val="DCDCAA"/>
                 </a:solidFill>
@@ -37895,7 +37638,7 @@
               <a:t>    </a:t>
             </a:r>
             <a:r>
-              <a:rPr lang="en-US" sz="4000" dirty="0" smtClean="0">
+              <a:rPr lang="en-US" sz="4000" dirty="0">
                 <a:solidFill>
                   <a:srgbClr val="9CDCFE"/>
                 </a:solidFill>
@@ -37913,7 +37656,7 @@
               <a:t> </a:t>
             </a:r>
             <a:r>
-              <a:rPr lang="en-US" sz="4000" dirty="0" err="1" smtClean="0">
+              <a:rPr lang="en-US" sz="4000" dirty="0" err="1">
                 <a:solidFill>
                   <a:srgbClr val="9CDCFE"/>
                 </a:solidFill>
@@ -37930,7 +37673,7 @@
           </a:p>
           <a:p>
             <a:r>
-              <a:rPr lang="en-US" sz="4000" dirty="0" smtClean="0">
+              <a:rPr lang="en-US" sz="4000" dirty="0">
                 <a:solidFill>
                   <a:srgbClr val="D4D4D4"/>
                 </a:solidFill>
@@ -38375,10 +38118,9 @@
           <a:lstStyle/>
           <a:p>
             <a:r>
-              <a:rPr lang="en-US" dirty="0" smtClean="0"/>
+              <a:rPr lang="en-US" dirty="0"/>
               <a:t>Client-Side – Rendered Values</a:t>
             </a:r>
-            <a:endParaRPr lang="en-US" dirty="0"/>
           </a:p>
         </p:txBody>
       </p:sp>
@@ -38400,25 +38142,25 @@
           <a:lstStyle/>
           <a:p>
             <a:r>
-              <a:rPr lang="en-US" dirty="0" smtClean="0"/>
+              <a:rPr lang="en-US" dirty="0"/>
               <a:t>In an </a:t>
             </a:r>
             <a:r>
-              <a:rPr lang="en-US" b="1" dirty="0" err="1" smtClean="0"/>
+              <a:rPr lang="en-US" b="1" dirty="0" err="1"/>
               <a:t>ejs</a:t>
             </a:r>
             <a:r>
-              <a:rPr lang="en-US" dirty="0" smtClean="0"/>
+              <a:rPr lang="en-US" dirty="0"/>
               <a:t> file, EJS segments can use the data passed on the server</a:t>
             </a:r>
           </a:p>
           <a:p>
             <a:r>
-              <a:rPr lang="en-US" dirty="0" smtClean="0"/>
+              <a:rPr lang="en-US" dirty="0"/>
               <a:t>JavaScript is rendered within </a:t>
             </a:r>
             <a:r>
-              <a:rPr lang="en-US" b="1" dirty="0" smtClean="0">
+              <a:rPr lang="en-US" b="1" dirty="0">
                 <a:solidFill>
                   <a:srgbClr val="7030A0"/>
                 </a:solidFill>
@@ -38431,7 +38173,7 @@
               <a:t>…</a:t>
             </a:r>
             <a:r>
-              <a:rPr lang="en-US" b="1" dirty="0" smtClean="0">
+              <a:rPr lang="en-US" b="1" dirty="0">
                 <a:solidFill>
                   <a:srgbClr val="7030A0"/>
                 </a:solidFill>
@@ -38444,35 +38186,26 @@
             <a:pPr marL="57150" indent="0">
               <a:buNone/>
             </a:pPr>
-            <a:endParaRPr lang="en-US" dirty="0" smtClean="0"/>
+            <a:endParaRPr lang="en-US" dirty="0"/>
           </a:p>
           <a:p>
             <a:pPr marL="57150" indent="0">
               <a:buNone/>
             </a:pPr>
             <a:r>
-              <a:rPr lang="en-US" dirty="0" err="1" smtClean="0">
+              <a:rPr lang="en-US" dirty="0" err="1">
                 <a:solidFill>
                   <a:schemeClr val="accent2"/>
                 </a:solidFill>
               </a:rPr>
               <a:t>page.ejs</a:t>
             </a:r>
-            <a:endParaRPr lang="en-US" dirty="0" smtClean="0"/>
+            <a:endParaRPr lang="en-US" dirty="0"/>
           </a:p>
           <a:p>
             <a:pPr marL="57150" indent="0">
               <a:buNone/>
             </a:pPr>
-            <a:r>
-              <a:rPr lang="en-US" dirty="0" smtClean="0">
-                <a:solidFill>
-                  <a:srgbClr val="800000"/>
-                </a:solidFill>
-                <a:latin typeface="Consolas" panose="020B0609020204030204" pitchFamily="49" charset="0"/>
-              </a:rPr>
-              <a:t>&lt;</a:t>
-            </a:r>
             <a:r>
               <a:rPr lang="en-US" dirty="0">
                 <a:solidFill>
@@ -38480,7 +38213,7 @@
                 </a:solidFill>
                 <a:latin typeface="Consolas" panose="020B0609020204030204" pitchFamily="49" charset="0"/>
               </a:rPr>
-              <a:t>p&gt;</a:t>
+              <a:t>&lt;p&gt;</a:t>
             </a:r>
             <a:r>
               <a:rPr lang="en-US" dirty="0">
@@ -38539,22 +38272,13 @@
               <a:buNone/>
             </a:pPr>
             <a:r>
-              <a:rPr lang="en-US" dirty="0" smtClean="0">
-                <a:solidFill>
-                  <a:srgbClr val="800000"/>
-                </a:solidFill>
-                <a:latin typeface="Consolas" panose="020B0609020204030204" pitchFamily="49" charset="0"/>
-              </a:rPr>
-              <a:t>&lt;</a:t>
-            </a:r>
-            <a:r>
               <a:rPr lang="en-US" dirty="0">
                 <a:solidFill>
                   <a:srgbClr val="800000"/>
                 </a:solidFill>
                 <a:latin typeface="Consolas" panose="020B0609020204030204" pitchFamily="49" charset="0"/>
               </a:rPr>
-              <a:t>p&gt;</a:t>
+              <a:t>&lt;p&gt;</a:t>
             </a:r>
             <a:r>
               <a:rPr lang="en-US" dirty="0">
@@ -38617,16 +38341,7 @@
                 </a:solidFill>
                 <a:latin typeface="Consolas" panose="020B0609020204030204" pitchFamily="49" charset="0"/>
               </a:rPr>
-              <a:t>&lt;/p</a:t>
-            </a:r>
-            <a:r>
-              <a:rPr lang="en-US" dirty="0" smtClean="0">
-                <a:solidFill>
-                  <a:srgbClr val="800000"/>
-                </a:solidFill>
-                <a:latin typeface="Consolas" panose="020B0609020204030204" pitchFamily="49" charset="0"/>
-              </a:rPr>
-              <a:t>&gt;</a:t>
+              <a:t>&lt;/p&gt;</a:t>
             </a:r>
           </a:p>
           <a:p>
@@ -38645,7 +38360,7 @@
               <a:buNone/>
             </a:pPr>
             <a:r>
-              <a:rPr lang="en-US" dirty="0" smtClean="0">
+              <a:rPr lang="en-US" dirty="0">
                 <a:solidFill>
                   <a:schemeClr val="accent1"/>
                 </a:solidFill>
@@ -38659,13 +38374,22 @@
               <a:buNone/>
             </a:pPr>
             <a:r>
-              <a:rPr lang="en-US" dirty="0" smtClean="0">
+              <a:rPr lang="en-US" dirty="0">
                 <a:solidFill>
                   <a:srgbClr val="000000"/>
                 </a:solidFill>
                 <a:latin typeface="Consolas" panose="020B0609020204030204" pitchFamily="49" charset="0"/>
               </a:rPr>
-              <a:t>{ name</a:t>
+              <a:t>{ name: </a:t>
+            </a:r>
+            <a:r>
+              <a:rPr lang="en-US" dirty="0">
+                <a:solidFill>
+                  <a:srgbClr val="A31515"/>
+                </a:solidFill>
+                <a:latin typeface="Consolas" panose="020B0609020204030204" pitchFamily="49" charset="0"/>
+              </a:rPr>
+              <a:t>'Al'</a:t>
             </a:r>
             <a:r>
               <a:rPr lang="en-US" dirty="0">
@@ -38674,34 +38398,16 @@
                 </a:solidFill>
                 <a:latin typeface="Consolas" panose="020B0609020204030204" pitchFamily="49" charset="0"/>
               </a:rPr>
-              <a:t>: </a:t>
+              <a:t>, age: </a:t>
             </a:r>
             <a:r>
               <a:rPr lang="en-US" dirty="0">
                 <a:solidFill>
-                  <a:srgbClr val="A31515"/>
+                  <a:srgbClr val="09885A"/>
                 </a:solidFill>
                 <a:latin typeface="Consolas" panose="020B0609020204030204" pitchFamily="49" charset="0"/>
               </a:rPr>
-              <a:t>'Al</a:t>
-            </a:r>
-            <a:r>
-              <a:rPr lang="en-US" dirty="0" smtClean="0">
-                <a:solidFill>
-                  <a:srgbClr val="A31515"/>
-                </a:solidFill>
-                <a:latin typeface="Consolas" panose="020B0609020204030204" pitchFamily="49" charset="0"/>
-              </a:rPr>
-              <a:t>'</a:t>
-            </a:r>
-            <a:r>
-              <a:rPr lang="en-US" dirty="0" smtClean="0">
-                <a:solidFill>
-                  <a:srgbClr val="000000"/>
-                </a:solidFill>
-                <a:latin typeface="Consolas" panose="020B0609020204030204" pitchFamily="49" charset="0"/>
-              </a:rPr>
-              <a:t>, age</a:t>
+              <a:t>2 </a:t>
             </a:r>
             <a:r>
               <a:rPr lang="en-US" dirty="0">
@@ -38710,38 +38416,14 @@
                 </a:solidFill>
                 <a:latin typeface="Consolas" panose="020B0609020204030204" pitchFamily="49" charset="0"/>
               </a:rPr>
-              <a:t>: </a:t>
-            </a:r>
-            <a:r>
-              <a:rPr lang="en-US" dirty="0" smtClean="0">
-                <a:solidFill>
-                  <a:srgbClr val="09885A"/>
-                </a:solidFill>
-                <a:latin typeface="Consolas" panose="020B0609020204030204" pitchFamily="49" charset="0"/>
-              </a:rPr>
-              <a:t>2 </a:t>
-            </a:r>
-            <a:r>
-              <a:rPr lang="en-US" dirty="0" smtClean="0">
-                <a:solidFill>
-                  <a:srgbClr val="000000"/>
-                </a:solidFill>
-                <a:latin typeface="Consolas" panose="020B0609020204030204" pitchFamily="49" charset="0"/>
-              </a:rPr>
               <a:t>}</a:t>
             </a:r>
-            <a:endParaRPr lang="en-US" dirty="0">
-              <a:solidFill>
-                <a:srgbClr val="000000"/>
-              </a:solidFill>
-              <a:latin typeface="Consolas" panose="020B0609020204030204" pitchFamily="49" charset="0"/>
-            </a:endParaRPr>
           </a:p>
           <a:p>
             <a:pPr marL="57150" indent="0">
               <a:buNone/>
             </a:pPr>
-            <a:endParaRPr lang="en-US" dirty="0" smtClean="0">
+            <a:endParaRPr lang="en-US" dirty="0">
               <a:solidFill>
                 <a:schemeClr val="accent1"/>
               </a:solidFill>
@@ -38823,7 +38505,7 @@
               <a:buNone/>
             </a:pPr>
             <a:r>
-              <a:rPr lang="en-US" sz="2400" dirty="0" smtClean="0">
+              <a:rPr lang="en-US" sz="2400" dirty="0">
                 <a:solidFill>
                   <a:schemeClr val="accent2"/>
                 </a:solidFill>
@@ -38868,22 +38550,13 @@
           </a:p>
           <a:p>
             <a:r>
-              <a:rPr lang="en-US" sz="3600" dirty="0" smtClean="0">
-                <a:solidFill>
-                  <a:srgbClr val="800000"/>
-                </a:solidFill>
-                <a:latin typeface="Consolas" panose="020B0609020204030204" pitchFamily="49" charset="0"/>
-              </a:rPr>
-              <a:t>&lt;</a:t>
-            </a:r>
-            <a:r>
               <a:rPr lang="en-US" sz="3600" dirty="0">
                 <a:solidFill>
                   <a:srgbClr val="800000"/>
                 </a:solidFill>
                 <a:latin typeface="Consolas" panose="020B0609020204030204" pitchFamily="49" charset="0"/>
               </a:rPr>
-              <a:t>p&gt;</a:t>
+              <a:t>&lt;p&gt;</a:t>
             </a:r>
             <a:r>
               <a:rPr lang="en-US" sz="3600" dirty="0">
@@ -38901,16 +38574,7 @@
                 </a:solidFill>
                 <a:latin typeface="Consolas" panose="020B0609020204030204" pitchFamily="49" charset="0"/>
               </a:rPr>
-              <a:t>&lt;/p</a:t>
-            </a:r>
-            <a:r>
-              <a:rPr lang="en-US" sz="3600" dirty="0" smtClean="0">
-                <a:solidFill>
-                  <a:srgbClr val="800000"/>
-                </a:solidFill>
-                <a:latin typeface="Consolas" panose="020B0609020204030204" pitchFamily="49" charset="0"/>
-              </a:rPr>
-              <a:t>&gt;</a:t>
+              <a:t>&lt;/p&gt;</a:t>
             </a:r>
             <a:endParaRPr lang="en-US" sz="3600" dirty="0">
               <a:solidFill>
@@ -40051,18 +39715,17 @@
           <a:lstStyle/>
           <a:p>
             <a:r>
-              <a:rPr lang="en-US" dirty="0" smtClean="0"/>
+              <a:rPr lang="en-US" dirty="0"/>
               <a:t>Client-Side – </a:t>
             </a:r>
             <a:r>
-              <a:rPr lang="en-US" dirty="0" err="1" smtClean="0"/>
+              <a:rPr lang="en-US" dirty="0" err="1"/>
               <a:t>Scriptlets</a:t>
             </a:r>
             <a:r>
-              <a:rPr lang="en-US" dirty="0" smtClean="0"/>
+              <a:rPr lang="en-US" dirty="0"/>
               <a:t> (For control flow)</a:t>
             </a:r>
-            <a:endParaRPr lang="en-US" dirty="0"/>
           </a:p>
         </p:txBody>
       </p:sp>
@@ -40081,40 +39744,40 @@
           <a:bodyPr/>
           <a:lstStyle/>
           <a:p>
-            <a:endParaRPr lang="en-US" dirty="0" smtClean="0"/>
+            <a:endParaRPr lang="en-US" dirty="0"/>
           </a:p>
           <a:p>
             <a:r>
-              <a:rPr lang="en-US" dirty="0" smtClean="0"/>
+              <a:rPr lang="en-US" dirty="0"/>
               <a:t>EJS segments can also contain </a:t>
             </a:r>
             <a:r>
-              <a:rPr lang="en-US" b="1" dirty="0" smtClean="0"/>
+              <a:rPr lang="en-US" b="1" dirty="0"/>
               <a:t>logic</a:t>
             </a:r>
             <a:r>
-              <a:rPr lang="en-US" dirty="0" smtClean="0"/>
+              <a:rPr lang="en-US" dirty="0"/>
               <a:t> to change the rendered output</a:t>
             </a:r>
           </a:p>
           <a:p>
-            <a:endParaRPr lang="en-US" dirty="0" smtClean="0"/>
+            <a:endParaRPr lang="en-US" dirty="0"/>
           </a:p>
           <a:p>
             <a:r>
-              <a:rPr lang="en-US" dirty="0" smtClean="0"/>
+              <a:rPr lang="en-US" dirty="0"/>
               <a:t>These special EJS </a:t>
             </a:r>
             <a:r>
-              <a:rPr lang="en-US" i="1" dirty="0" err="1" smtClean="0"/>
+              <a:rPr lang="en-US" i="1" dirty="0" err="1"/>
               <a:t>scriptlets</a:t>
             </a:r>
             <a:r>
-              <a:rPr lang="en-US" dirty="0" smtClean="0"/>
+              <a:rPr lang="en-US" dirty="0"/>
               <a:t> use </a:t>
             </a:r>
             <a:r>
-              <a:rPr lang="en-US" b="1" dirty="0" smtClean="0">
+              <a:rPr lang="en-US" b="1" dirty="0">
                 <a:solidFill>
                   <a:srgbClr val="7030A0"/>
                 </a:solidFill>
@@ -40133,44 +39796,35 @@
                 </a:solidFill>
                 <a:latin typeface="Consolas" panose="020B0609020204030204" pitchFamily="49" charset="0"/>
               </a:rPr>
-              <a:t> </a:t>
+              <a:t> %&gt;</a:t>
             </a:r>
             <a:r>
-              <a:rPr lang="en-US" b="1" dirty="0" smtClean="0">
-                <a:solidFill>
-                  <a:srgbClr val="7030A0"/>
-                </a:solidFill>
-                <a:latin typeface="Consolas" panose="020B0609020204030204" pitchFamily="49" charset="0"/>
-              </a:rPr>
-              <a:t>%&gt;</a:t>
-            </a:r>
-            <a:r>
-              <a:rPr lang="en-US" dirty="0" smtClean="0"/>
+              <a:rPr lang="en-US" dirty="0"/>
               <a:t> (no equals sign)</a:t>
             </a:r>
           </a:p>
           <a:p>
-            <a:endParaRPr lang="en-US" dirty="0" smtClean="0"/>
+            <a:endParaRPr lang="en-US" dirty="0"/>
           </a:p>
           <a:p>
             <a:r>
-              <a:rPr lang="en-US" dirty="0" smtClean="0"/>
+              <a:rPr lang="en-US" dirty="0"/>
               <a:t>They use JavaScript to </a:t>
             </a:r>
             <a:r>
-              <a:rPr lang="en-US" i="1" dirty="0" smtClean="0"/>
+              <a:rPr lang="en-US" i="1" dirty="0"/>
               <a:t>conditionally</a:t>
             </a:r>
             <a:r>
-              <a:rPr lang="en-US" dirty="0" smtClean="0"/>
+              <a:rPr lang="en-US" dirty="0"/>
               <a:t> or </a:t>
             </a:r>
             <a:r>
-              <a:rPr lang="en-US" i="1" dirty="0" smtClean="0"/>
+              <a:rPr lang="en-US" i="1" dirty="0"/>
               <a:t>repeatedly</a:t>
             </a:r>
             <a:r>
-              <a:rPr lang="en-US" dirty="0" smtClean="0"/>
+              <a:rPr lang="en-US" dirty="0"/>
               <a:t> display HTML</a:t>
             </a:r>
           </a:p>
@@ -40179,7 +39833,7 @@
           </a:p>
           <a:p>
             <a:r>
-              <a:rPr lang="en-US" dirty="0" smtClean="0"/>
+              <a:rPr lang="en-US" dirty="0"/>
               <a:t>They do not directly output anything to the rendered output</a:t>
             </a:r>
           </a:p>
@@ -40782,7 +40436,7 @@
                 <a:spcPct val="0"/>
               </a:spcAft>
             </a:pPr>
-            <a:endParaRPr lang="en-US" sz="2400" dirty="0" err="1" smtClean="0">
+            <a:endParaRPr lang="en-US" sz="2400" dirty="0" err="1">
               <a:gradFill>
                 <a:gsLst>
                   <a:gs pos="0">
@@ -40863,7 +40517,7 @@
                 <a:spcPct val="0"/>
               </a:spcAft>
             </a:pPr>
-            <a:endParaRPr lang="en-US" sz="2400" dirty="0" err="1" smtClean="0">
+            <a:endParaRPr lang="en-US" sz="2400" dirty="0" err="1">
               <a:gradFill>
                 <a:gsLst>
                   <a:gs pos="0">
@@ -40897,10 +40551,9 @@
           <a:lstStyle/>
           <a:p>
             <a:r>
-              <a:rPr lang="en-US" dirty="0" smtClean="0"/>
+              <a:rPr lang="en-US" dirty="0"/>
               <a:t>EJS If Statement Example</a:t>
             </a:r>
-            <a:endParaRPr lang="en-US" dirty="0"/>
           </a:p>
         </p:txBody>
       </p:sp>
@@ -40944,7 +40597,7 @@
               <a:buNone/>
             </a:pPr>
             <a:r>
-              <a:rPr lang="en-US" sz="3500" b="1" dirty="0" smtClean="0">
+              <a:rPr lang="en-US" sz="3500" b="1" dirty="0">
                 <a:solidFill>
                   <a:srgbClr val="7030A0"/>
                 </a:solidFill>
@@ -41030,22 +40683,13 @@
               <a:buNone/>
             </a:pPr>
             <a:r>
-              <a:rPr lang="en-US" sz="3500" dirty="0" smtClean="0">
-                <a:solidFill>
-                  <a:srgbClr val="800000"/>
-                </a:solidFill>
-                <a:latin typeface="Consolas" panose="020B0609020204030204" pitchFamily="49" charset="0"/>
-              </a:rPr>
-              <a:t>    &lt;</a:t>
-            </a:r>
-            <a:r>
               <a:rPr lang="en-US" sz="3500" dirty="0">
                 <a:solidFill>
                   <a:srgbClr val="800000"/>
                 </a:solidFill>
                 <a:latin typeface="Consolas" panose="020B0609020204030204" pitchFamily="49" charset="0"/>
               </a:rPr>
-              <a:t>p&gt;</a:t>
+              <a:t>    &lt;p&gt;</a:t>
             </a:r>
             <a:r>
               <a:rPr lang="en-US" sz="3500" dirty="0">
@@ -41077,7 +40721,7 @@
               <a:buNone/>
             </a:pPr>
             <a:r>
-              <a:rPr lang="en-US" sz="3500" b="1" dirty="0" smtClean="0">
+              <a:rPr lang="en-US" sz="3500" b="1" dirty="0">
                 <a:solidFill>
                   <a:srgbClr val="7030A0"/>
                 </a:solidFill>
@@ -41120,7 +40764,7 @@
               <a:buNone/>
             </a:pPr>
             <a:r>
-              <a:rPr lang="en-US" dirty="0" smtClean="0">
+              <a:rPr lang="en-US" dirty="0">
                 <a:solidFill>
                   <a:schemeClr val="accent1"/>
                 </a:solidFill>
@@ -41129,7 +40773,7 @@
               <a:t>data </a:t>
             </a:r>
             <a:r>
-              <a:rPr lang="en-US" dirty="0" smtClean="0">
+              <a:rPr lang="en-US" dirty="0">
                 <a:solidFill>
                   <a:schemeClr val="accent1"/>
                 </a:solidFill>
@@ -41137,12 +40781,6 @@
               </a:rPr>
               <a:t>(1)</a:t>
             </a:r>
-            <a:endParaRPr lang="en-US" dirty="0">
-              <a:solidFill>
-                <a:schemeClr val="accent1"/>
-              </a:solidFill>
-              <a:latin typeface="+mj-lt"/>
-            </a:endParaRPr>
           </a:p>
           <a:p>
             <a:pPr marL="57150" indent="0">
@@ -41185,7 +40823,7 @@
               <a:t>2 </a:t>
             </a:r>
             <a:r>
-              <a:rPr lang="en-US" dirty="0" smtClean="0">
+              <a:rPr lang="en-US" dirty="0">
                 <a:solidFill>
                   <a:srgbClr val="000000"/>
                 </a:solidFill>
@@ -41198,7 +40836,7 @@
             <a:pPr marL="57150" indent="0">
               <a:buNone/>
             </a:pPr>
-            <a:endParaRPr lang="en-US" dirty="0" smtClean="0">
+            <a:endParaRPr lang="en-US" dirty="0">
               <a:solidFill>
                 <a:srgbClr val="000000"/>
               </a:solidFill>
@@ -41215,15 +40853,7 @@
                   <a:schemeClr val="accent2"/>
                 </a:solidFill>
               </a:rPr>
-              <a:t>Rendered </a:t>
-            </a:r>
-            <a:r>
-              <a:rPr lang="en-US" dirty="0" smtClean="0">
-                <a:solidFill>
-                  <a:schemeClr val="accent2"/>
-                </a:solidFill>
-              </a:rPr>
-              <a:t>output (1)</a:t>
+              <a:t>Rendered output (1)</a:t>
             </a:r>
           </a:p>
           <a:p>
@@ -41231,7 +40861,7 @@
               <a:buNone/>
             </a:pPr>
             <a:r>
-              <a:rPr lang="en-US" sz="2400" dirty="0" smtClean="0"/>
+              <a:rPr lang="en-US" sz="2400" dirty="0"/>
               <a:t>Nothing!</a:t>
             </a:r>
             <a:endParaRPr lang="en-US" dirty="0">
@@ -41303,7 +40933,7 @@
               <a:buNone/>
             </a:pPr>
             <a:r>
-              <a:rPr lang="en-US" sz="2800" dirty="0" smtClean="0">
+              <a:rPr lang="en-US" sz="2800" dirty="0">
                 <a:solidFill>
                   <a:schemeClr val="accent2"/>
                 </a:solidFill>
@@ -41319,19 +40949,10 @@
                 </a:solidFill>
                 <a:latin typeface="Consolas" panose="020B0609020204030204" pitchFamily="49" charset="0"/>
               </a:rPr>
-              <a:t>&lt;</a:t>
+              <a:t>&lt;p&gt;</a:t>
             </a:r>
             <a:r>
-              <a:rPr lang="en-US" sz="2800" dirty="0" smtClean="0">
-                <a:solidFill>
-                  <a:srgbClr val="800000"/>
-                </a:solidFill>
-                <a:latin typeface="Consolas" panose="020B0609020204030204" pitchFamily="49" charset="0"/>
-              </a:rPr>
-              <a:t>p&gt;</a:t>
-            </a:r>
-            <a:r>
-              <a:rPr lang="en-US" sz="2800" dirty="0" smtClean="0">
+              <a:rPr lang="en-US" sz="2800" dirty="0">
                 <a:solidFill>
                   <a:srgbClr val="000000"/>
                 </a:solidFill>
@@ -41340,31 +40961,13 @@
               <a:t>You can drive</a:t>
             </a:r>
             <a:r>
-              <a:rPr lang="en-US" sz="2800" dirty="0" smtClean="0">
-                <a:solidFill>
-                  <a:srgbClr val="800000"/>
-                </a:solidFill>
-                <a:latin typeface="Consolas" panose="020B0609020204030204" pitchFamily="49" charset="0"/>
-              </a:rPr>
-              <a:t>&lt;/</a:t>
-            </a:r>
-            <a:r>
               <a:rPr lang="en-US" sz="2800" dirty="0">
                 <a:solidFill>
                   <a:srgbClr val="800000"/>
                 </a:solidFill>
                 <a:latin typeface="Consolas" panose="020B0609020204030204" pitchFamily="49" charset="0"/>
               </a:rPr>
-              <a:t>p</a:t>
-            </a:r>
-            <a:r>
-              <a:rPr lang="en-US" sz="2800" dirty="0" smtClean="0">
-                <a:solidFill>
-                  <a:srgbClr val="800000"/>
-                </a:solidFill>
-                <a:latin typeface="Consolas" panose="020B0609020204030204" pitchFamily="49" charset="0"/>
-              </a:rPr>
-              <a:t>&gt;</a:t>
+              <a:t>&lt;/p&gt;</a:t>
             </a:r>
             <a:endParaRPr lang="en-US" sz="2800" dirty="0">
               <a:solidFill>
@@ -41450,18 +41053,13 @@
               <a:t>data </a:t>
             </a:r>
             <a:r>
-              <a:rPr lang="en-US" sz="2800" dirty="0" smtClean="0">
+              <a:rPr lang="en-US" sz="2800" dirty="0">
                 <a:solidFill>
                   <a:srgbClr val="54C8E8"/>
                 </a:solidFill>
               </a:rPr>
               <a:t>(2)</a:t>
             </a:r>
-            <a:endParaRPr lang="en-US" sz="2800" dirty="0">
-              <a:solidFill>
-                <a:srgbClr val="54C8E8"/>
-              </a:solidFill>
-            </a:endParaRPr>
           </a:p>
           <a:p>
             <a:pPr marL="57150" lvl="0">
@@ -41482,7 +41080,7 @@
               <a:t>{ name: </a:t>
             </a:r>
             <a:r>
-              <a:rPr lang="en-US" sz="2800" dirty="0" smtClean="0">
+              <a:rPr lang="en-US" sz="2800" dirty="0">
                 <a:solidFill>
                   <a:srgbClr val="A31515"/>
                 </a:solidFill>
@@ -41491,13 +41089,22 @@
               <a:t>'Sam'</a:t>
             </a:r>
             <a:r>
-              <a:rPr lang="en-US" sz="2800" dirty="0" smtClean="0">
+              <a:rPr lang="en-US" sz="2800" dirty="0">
                 <a:solidFill>
                   <a:srgbClr val="000000"/>
                 </a:solidFill>
                 <a:latin typeface="Consolas" panose="020B0609020204030204" pitchFamily="49" charset="0"/>
               </a:rPr>
-              <a:t>, </a:t>
+              <a:t>, age: </a:t>
+            </a:r>
+            <a:r>
+              <a:rPr lang="en-US" sz="2800" dirty="0">
+                <a:solidFill>
+                  <a:srgbClr val="09885A"/>
+                </a:solidFill>
+                <a:latin typeface="Consolas" panose="020B0609020204030204" pitchFamily="49" charset="0"/>
+              </a:rPr>
+              <a:t>22 </a:t>
             </a:r>
             <a:r>
               <a:rPr lang="en-US" sz="2800" dirty="0">
@@ -41506,32 +41113,8 @@
                 </a:solidFill>
                 <a:latin typeface="Consolas" panose="020B0609020204030204" pitchFamily="49" charset="0"/>
               </a:rPr>
-              <a:t>age: </a:t>
-            </a:r>
-            <a:r>
-              <a:rPr lang="en-US" sz="2800" dirty="0" smtClean="0">
-                <a:solidFill>
-                  <a:srgbClr val="09885A"/>
-                </a:solidFill>
-                <a:latin typeface="Consolas" panose="020B0609020204030204" pitchFamily="49" charset="0"/>
-              </a:rPr>
-              <a:t>22 </a:t>
-            </a:r>
-            <a:r>
-              <a:rPr lang="en-US" sz="2800" dirty="0" smtClean="0">
-                <a:solidFill>
-                  <a:srgbClr val="000000"/>
-                </a:solidFill>
-                <a:latin typeface="Consolas" panose="020B0609020204030204" pitchFamily="49" charset="0"/>
-              </a:rPr>
               <a:t>}</a:t>
             </a:r>
-            <a:endParaRPr lang="en-US" sz="2800" dirty="0">
-              <a:solidFill>
-                <a:srgbClr val="000000"/>
-              </a:solidFill>
-              <a:latin typeface="Consolas" panose="020B0609020204030204" pitchFamily="49" charset="0"/>
-            </a:endParaRPr>
           </a:p>
         </p:txBody>
       </p:sp>
@@ -42765,10 +42348,9 @@
           <a:lstStyle/>
           <a:p>
             <a:r>
-              <a:rPr lang="en-US" dirty="0" smtClean="0"/>
+              <a:rPr lang="en-US" dirty="0"/>
               <a:t>EJS for loop Example</a:t>
             </a:r>
-            <a:endParaRPr lang="en-US" dirty="0"/>
           </a:p>
         </p:txBody>
       </p:sp>
@@ -42812,7 +42394,7 @@
               <a:buNone/>
             </a:pPr>
             <a:r>
-              <a:rPr lang="nn-NO" sz="3600" b="1" dirty="0" smtClean="0">
+              <a:rPr lang="nn-NO" sz="3600" b="1" dirty="0">
                 <a:solidFill>
                   <a:srgbClr val="7030A0"/>
                 </a:solidFill>
@@ -42916,7 +42498,7 @@
               <a:buNone/>
             </a:pPr>
             <a:r>
-              <a:rPr lang="nn-NO" sz="3600" dirty="0" smtClean="0">
+              <a:rPr lang="nn-NO" sz="3600" dirty="0">
                 <a:solidFill>
                   <a:srgbClr val="800000"/>
                 </a:solidFill>
@@ -42925,22 +42507,13 @@
               <a:t>    &lt;p&gt;</a:t>
             </a:r>
             <a:r>
-              <a:rPr lang="nn-NO" sz="3600" dirty="0" smtClean="0">
-                <a:solidFill>
-                  <a:srgbClr val="000000"/>
-                </a:solidFill>
-                <a:latin typeface="Consolas" panose="020B0609020204030204" pitchFamily="49" charset="0"/>
-              </a:rPr>
-              <a:t>Number</a:t>
-            </a:r>
-            <a:r>
               <a:rPr lang="nn-NO" sz="3600" dirty="0">
                 <a:solidFill>
                   <a:srgbClr val="000000"/>
                 </a:solidFill>
                 <a:latin typeface="Consolas" panose="020B0609020204030204" pitchFamily="49" charset="0"/>
               </a:rPr>
-              <a:t> </a:t>
+              <a:t>Number </a:t>
             </a:r>
             <a:r>
               <a:rPr lang="nn-NO" sz="3600" b="1" dirty="0">
@@ -42990,7 +42563,7 @@
               <a:buNone/>
             </a:pPr>
             <a:r>
-              <a:rPr lang="nn-NO" sz="3600" b="1" dirty="0" smtClean="0">
+              <a:rPr lang="nn-NO" sz="3600" b="1" dirty="0">
                 <a:solidFill>
                   <a:srgbClr val="7030A0"/>
                 </a:solidFill>
@@ -43008,7 +42581,7 @@
               <a:t> } </a:t>
             </a:r>
             <a:r>
-              <a:rPr lang="nn-NO" sz="3600" b="1" dirty="0" smtClean="0">
+              <a:rPr lang="nn-NO" sz="3600" b="1" dirty="0">
                 <a:solidFill>
                   <a:srgbClr val="7030A0"/>
                 </a:solidFill>
@@ -43016,7 +42589,7 @@
               </a:rPr>
               <a:t>%&gt;</a:t>
             </a:r>
-            <a:endParaRPr lang="en-US" sz="3600" b="1" dirty="0" smtClean="0">
+            <a:endParaRPr lang="en-US" sz="3600" b="1" dirty="0">
               <a:solidFill>
                 <a:srgbClr val="7030A0"/>
               </a:solidFill>
@@ -43103,18 +42676,13 @@
               <a:buNone/>
             </a:pPr>
             <a:r>
-              <a:rPr lang="en-US" sz="3600" dirty="0" smtClean="0">
+              <a:rPr lang="en-US" sz="3600" dirty="0">
                 <a:solidFill>
                   <a:schemeClr val="accent2"/>
                 </a:solidFill>
               </a:rPr>
               <a:t>Rendered output</a:t>
             </a:r>
-            <a:endParaRPr lang="en-US" sz="3600" dirty="0">
-              <a:solidFill>
-                <a:schemeClr val="accent2"/>
-              </a:solidFill>
-            </a:endParaRPr>
           </a:p>
           <a:p>
             <a:pPr marL="57150" indent="0">
@@ -43145,16 +42713,7 @@
                 </a:solidFill>
                 <a:latin typeface="Consolas" panose="020B0609020204030204" pitchFamily="49" charset="0"/>
               </a:rPr>
-              <a:t>&lt;/p</a:t>
-            </a:r>
-            <a:r>
-              <a:rPr lang="en-US" sz="3600" dirty="0" smtClean="0">
-                <a:solidFill>
-                  <a:srgbClr val="800000"/>
-                </a:solidFill>
-                <a:latin typeface="Consolas" panose="020B0609020204030204" pitchFamily="49" charset="0"/>
-              </a:rPr>
-              <a:t>&gt;</a:t>
+              <a:t>&lt;/p&gt;</a:t>
             </a:r>
             <a:endParaRPr lang="en-US" sz="3600" dirty="0">
               <a:solidFill>
@@ -43182,25 +42741,7 @@
                 </a:solidFill>
                 <a:latin typeface="Consolas" panose="020B0609020204030204" pitchFamily="49" charset="0"/>
               </a:rPr>
-              <a:t>Number </a:t>
-            </a:r>
-            <a:r>
-              <a:rPr lang="en-US" sz="3600" dirty="0" smtClean="0">
-                <a:solidFill>
-                  <a:srgbClr val="000000"/>
-                </a:solidFill>
-                <a:latin typeface="Consolas" panose="020B0609020204030204" pitchFamily="49" charset="0"/>
-              </a:rPr>
-              <a:t>1</a:t>
-            </a:r>
-            <a:r>
-              <a:rPr lang="en-US" sz="3600" dirty="0" smtClean="0">
-                <a:solidFill>
-                  <a:srgbClr val="800000"/>
-                </a:solidFill>
-                <a:latin typeface="Consolas" panose="020B0609020204030204" pitchFamily="49" charset="0"/>
-              </a:rPr>
-              <a:t>&lt;/</a:t>
+              <a:t>Number 1</a:t>
             </a:r>
             <a:r>
               <a:rPr lang="en-US" sz="3600" dirty="0">
@@ -43209,16 +42750,7 @@
                 </a:solidFill>
                 <a:latin typeface="Consolas" panose="020B0609020204030204" pitchFamily="49" charset="0"/>
               </a:rPr>
-              <a:t>p</a:t>
-            </a:r>
-            <a:r>
-              <a:rPr lang="en-US" sz="3600" dirty="0" smtClean="0">
-                <a:solidFill>
-                  <a:srgbClr val="800000"/>
-                </a:solidFill>
-                <a:latin typeface="Consolas" panose="020B0609020204030204" pitchFamily="49" charset="0"/>
-              </a:rPr>
-              <a:t>&gt;</a:t>
+              <a:t>&lt;/p&gt;</a:t>
             </a:r>
             <a:endParaRPr lang="en-US" sz="3600" dirty="0">
               <a:solidFill>
@@ -43246,25 +42778,7 @@
                 </a:solidFill>
                 <a:latin typeface="Consolas" panose="020B0609020204030204" pitchFamily="49" charset="0"/>
               </a:rPr>
-              <a:t>Number </a:t>
-            </a:r>
-            <a:r>
-              <a:rPr lang="en-US" sz="3600" dirty="0" smtClean="0">
-                <a:solidFill>
-                  <a:srgbClr val="000000"/>
-                </a:solidFill>
-                <a:latin typeface="Consolas" panose="020B0609020204030204" pitchFamily="49" charset="0"/>
-              </a:rPr>
-              <a:t>2</a:t>
-            </a:r>
-            <a:r>
-              <a:rPr lang="en-US" sz="3600" dirty="0" smtClean="0">
-                <a:solidFill>
-                  <a:srgbClr val="800000"/>
-                </a:solidFill>
-                <a:latin typeface="Consolas" panose="020B0609020204030204" pitchFamily="49" charset="0"/>
-              </a:rPr>
-              <a:t>&lt;/</a:t>
+              <a:t>Number 2</a:t>
             </a:r>
             <a:r>
               <a:rPr lang="en-US" sz="3600" dirty="0">
@@ -43273,16 +42787,7 @@
                 </a:solidFill>
                 <a:latin typeface="Consolas" panose="020B0609020204030204" pitchFamily="49" charset="0"/>
               </a:rPr>
-              <a:t>p</a:t>
-            </a:r>
-            <a:r>
-              <a:rPr lang="en-US" sz="3600" dirty="0" smtClean="0">
-                <a:solidFill>
-                  <a:srgbClr val="800000"/>
-                </a:solidFill>
-                <a:latin typeface="Consolas" panose="020B0609020204030204" pitchFamily="49" charset="0"/>
-              </a:rPr>
-              <a:t>&gt;</a:t>
+              <a:t>&lt;/p&gt;</a:t>
             </a:r>
             <a:endParaRPr lang="en-US" sz="3600" dirty="0">
               <a:solidFill>
